--- a/criptomonedas/presentacionFinalGrupo5.pptx
+++ b/criptomonedas/presentacionFinalGrupo5.pptx
@@ -124,6 +124,14 @@
       </a:defRPr>
     </a:lvl9pPr>
   </p:defaultTextStyle>
+  <p:extLst>
+    <p:ext uri="{EFAFB233-063F-42B5-8137-9DF3F51BA10A}">
+      <p15:sldGuideLst xmlns:p15="http://schemas.microsoft.com/office/powerpoint/2012/main"/>
+    </p:ext>
+    <p:ext uri="{2D200454-40CA-4A62-9FC3-DE9A4176ACB9}">
+      <p15:notesGuideLst xmlns:p15="http://schemas.microsoft.com/office/powerpoint/2012/main"/>
+    </p:ext>
+  </p:extLst>
 </p:presentation>
 </file>
 
@@ -312,13 +320,13 @@
                   <c:v>Regresión Lineal - R2</c:v>
                 </c:pt>
                 <c:pt idx="1">
-                  <c:v>SVM - Kernel lineal - R2</c:v>
+                  <c:v>SVM - Kernel lineal - R2 - 3 Rezagos</c:v>
                 </c:pt>
                 <c:pt idx="2">
-                  <c:v>SVM - Kernel Polinómico - R2</c:v>
+                  <c:v>SVM - Kernel Polinómico - R2 - 3 Rezagos</c:v>
                 </c:pt>
                 <c:pt idx="3">
-                  <c:v>SVM - Kernel rfb - R2</c:v>
+                  <c:v>SVM - Kernel rfb - R2 - 4 Rezagos </c:v>
                 </c:pt>
               </c:strCache>
             </c:strRef>
@@ -383,13 +391,13 @@
                   <c:v>Regresión Lineal - R2</c:v>
                 </c:pt>
                 <c:pt idx="1">
-                  <c:v>SVM - Kernel lineal - R2</c:v>
+                  <c:v>SVM - Kernel lineal - R2 - 3 Rezagos</c:v>
                 </c:pt>
                 <c:pt idx="2">
-                  <c:v>SVM - Kernel Polinómico - R2</c:v>
+                  <c:v>SVM - Kernel Polinómico - R2 - 3 Rezagos</c:v>
                 </c:pt>
                 <c:pt idx="3">
-                  <c:v>SVM - Kernel rfb - R2</c:v>
+                  <c:v>SVM - Kernel rfb - R2 - 4 Rezagos </c:v>
                 </c:pt>
               </c:strCache>
             </c:strRef>
@@ -442,13 +450,13 @@
                   <c:v>Regresión Lineal - R2</c:v>
                 </c:pt>
                 <c:pt idx="1">
-                  <c:v>SVM - Kernel lineal - R2</c:v>
+                  <c:v>SVM - Kernel lineal - R2 - 3 Rezagos</c:v>
                 </c:pt>
                 <c:pt idx="2">
-                  <c:v>SVM - Kernel Polinómico - R2</c:v>
+                  <c:v>SVM - Kernel Polinómico - R2 - 3 Rezagos</c:v>
                 </c:pt>
                 <c:pt idx="3">
-                  <c:v>SVM - Kernel rfb - R2</c:v>
+                  <c:v>SVM - Kernel rfb - R2 - 4 Rezagos </c:v>
                 </c:pt>
               </c:strCache>
             </c:strRef>
@@ -510,7 +518,7 @@
           <a:lstStyle/>
           <a:p>
             <a:pPr>
-              <a:defRPr sz="1000" b="1" i="0" u="none" strike="noStrike" kern="1200" baseline="0">
+              <a:defRPr sz="800" b="1" i="0" u="none" strike="noStrike" kern="1200" baseline="0">
                 <a:solidFill>
                   <a:schemeClr val="tx1">
                     <a:lumMod val="65000"/>
@@ -775,13 +783,13 @@
                   <c:v>Regresión Lineal - R2</c:v>
                 </c:pt>
                 <c:pt idx="1">
-                  <c:v>SVM - Kernel lineal - R2</c:v>
+                  <c:v>SVM - Kernel lineal - R2 - 3 Rezagos</c:v>
                 </c:pt>
                 <c:pt idx="2">
-                  <c:v>SVM - Kernel Polinómico - R2</c:v>
+                  <c:v>SVM - Kernel Polinómico - R2 - 3 Rezagos</c:v>
                 </c:pt>
                 <c:pt idx="3">
-                  <c:v>SVM - Kernel rfb - R2</c:v>
+                  <c:v>SVM - Kernel rfb - R2 - 4 Rezagos </c:v>
                 </c:pt>
               </c:strCache>
             </c:strRef>
@@ -846,13 +854,13 @@
                   <c:v>Regresión Lineal - R2</c:v>
                 </c:pt>
                 <c:pt idx="1">
-                  <c:v>SVM - Kernel lineal - R2</c:v>
+                  <c:v>SVM - Kernel lineal - R2 - 3 Rezagos</c:v>
                 </c:pt>
                 <c:pt idx="2">
-                  <c:v>SVM - Kernel Polinómico - R2</c:v>
+                  <c:v>SVM - Kernel Polinómico - R2 - 3 Rezagos</c:v>
                 </c:pt>
                 <c:pt idx="3">
-                  <c:v>SVM - Kernel rfb - R2</c:v>
+                  <c:v>SVM - Kernel rfb - R2 - 4 Rezagos </c:v>
                 </c:pt>
               </c:strCache>
             </c:strRef>
@@ -905,13 +913,13 @@
                   <c:v>Regresión Lineal - R2</c:v>
                 </c:pt>
                 <c:pt idx="1">
-                  <c:v>SVM - Kernel lineal - R2</c:v>
+                  <c:v>SVM - Kernel lineal - R2 - 3 Rezagos</c:v>
                 </c:pt>
                 <c:pt idx="2">
-                  <c:v>SVM - Kernel Polinómico - R2</c:v>
+                  <c:v>SVM - Kernel Polinómico - R2 - 3 Rezagos</c:v>
                 </c:pt>
                 <c:pt idx="3">
-                  <c:v>SVM - Kernel rfb - R2</c:v>
+                  <c:v>SVM - Kernel rfb - R2 - 4 Rezagos </c:v>
                 </c:pt>
               </c:strCache>
             </c:strRef>
@@ -973,7 +981,7 @@
           <a:lstStyle/>
           <a:p>
             <a:pPr>
-              <a:defRPr sz="1000" b="1" i="0" u="none" strike="noStrike" kern="1200" baseline="0">
+              <a:defRPr sz="800" b="1" i="0" u="none" strike="noStrike" kern="1200" baseline="0">
                 <a:solidFill>
                   <a:schemeClr val="tx1">
                     <a:lumMod val="65000"/>
@@ -18756,7 +18764,7 @@
           <p:nvPr>
             <p:extLst>
               <p:ext uri="{D42A27DB-BD31-4B8C-83A1-F6EECF244321}">
-                <p14:modId xmlns:p14="http://schemas.microsoft.com/office/powerpoint/2010/main" val="3195385746"/>
+                <p14:modId xmlns:p14="http://schemas.microsoft.com/office/powerpoint/2010/main" val="2254700275"/>
               </p:ext>
             </p:extLst>
           </p:nvPr>
@@ -18784,7 +18792,7 @@
           <p:nvPr>
             <p:extLst>
               <p:ext uri="{D42A27DB-BD31-4B8C-83A1-F6EECF244321}">
-                <p14:modId xmlns:p14="http://schemas.microsoft.com/office/powerpoint/2010/main" val="1470351924"/>
+                <p14:modId xmlns:p14="http://schemas.microsoft.com/office/powerpoint/2010/main" val="1237038069"/>
               </p:ext>
             </p:extLst>
           </p:nvPr>

--- a/criptomonedas/presentacionFinalGrupo5.pptx
+++ b/criptomonedas/presentacionFinalGrupo5.pptx
@@ -1,13 +1,14 @@
 
 <file path=ppt/presentation.xml><?xml version="1.0" encoding="utf-8"?>
-<p:presentation xmlns:a="http://schemas.openxmlformats.org/drawingml/2006/main" xmlns:p="http://schemas.openxmlformats.org/presentationml/2006/main" xmlns:r="http://schemas.openxmlformats.org/officeDocument/2006/relationships" xmlns:p14="http://schemas.microsoft.com/office/powerpoint/2010/main" xmlns:p15="http://schemas.microsoft.com/office/powerpoint/2012/main" xmlns:mc="http://schemas.openxmlformats.org/markup-compatibility/2006">
+<p:presentation xmlns:a="http://schemas.openxmlformats.org/drawingml/2006/main" xmlns:r="http://schemas.openxmlformats.org/officeDocument/2006/relationships" xmlns:p="http://schemas.openxmlformats.org/presentationml/2006/main">
   <p:sldMasterIdLst>
-    <p:sldMasterId id="2147483648" r:id="rId2"/>
-    <p:sldMasterId id="2147483661" r:id="rId3"/>
-    <p:sldMasterId id="2147483674" r:id="rId4"/>
+    <p:sldMasterId id="2147483648" r:id="rId1"/>
+    <p:sldMasterId id="2147483661" r:id="rId2"/>
+    <p:sldMasterId id="2147483674" r:id="rId3"/>
   </p:sldMasterIdLst>
   <p:sldIdLst>
-    <p:sldId id="256" r:id="rId5"/>
+    <p:sldId id="256" r:id="rId4"/>
+    <p:sldId id="269" r:id="rId5"/>
     <p:sldId id="257" r:id="rId6"/>
     <p:sldId id="258" r:id="rId7"/>
     <p:sldId id="259" r:id="rId8"/>
@@ -17,19 +18,122 @@
     <p:sldId id="263" r:id="rId12"/>
     <p:sldId id="264" r:id="rId13"/>
     <p:sldId id="265" r:id="rId14"/>
-    <p:sldId id="266" r:id="rId15"/>
-    <p:sldId id="267" r:id="rId16"/>
-    <p:sldId id="268" r:id="rId17"/>
+    <p:sldId id="270" r:id="rId15"/>
+    <p:sldId id="266" r:id="rId16"/>
+    <p:sldId id="267" r:id="rId17"/>
+    <p:sldId id="268" r:id="rId18"/>
   </p:sldIdLst>
   <p:sldSz cx="12192000" cy="6858000"/>
-  <p:notesSz cx="7559675" cy="10691812"/>
+  <p:notesSz cx="7559675" cy="10691813"/>
+  <p:defaultTextStyle>
+    <a:defPPr>
+      <a:defRPr lang="es-CO"/>
+    </a:defPPr>
+    <a:lvl1pPr marL="0" algn="l" defTabSz="914400" rtl="0" eaLnBrk="1" latinLnBrk="0" hangingPunct="1">
+      <a:defRPr sz="1800" kern="1200">
+        <a:solidFill>
+          <a:schemeClr val="tx1"/>
+        </a:solidFill>
+        <a:latin typeface="+mn-lt"/>
+        <a:ea typeface="+mn-ea"/>
+        <a:cs typeface="+mn-cs"/>
+      </a:defRPr>
+    </a:lvl1pPr>
+    <a:lvl2pPr marL="457200" algn="l" defTabSz="914400" rtl="0" eaLnBrk="1" latinLnBrk="0" hangingPunct="1">
+      <a:defRPr sz="1800" kern="1200">
+        <a:solidFill>
+          <a:schemeClr val="tx1"/>
+        </a:solidFill>
+        <a:latin typeface="+mn-lt"/>
+        <a:ea typeface="+mn-ea"/>
+        <a:cs typeface="+mn-cs"/>
+      </a:defRPr>
+    </a:lvl2pPr>
+    <a:lvl3pPr marL="914400" algn="l" defTabSz="914400" rtl="0" eaLnBrk="1" latinLnBrk="0" hangingPunct="1">
+      <a:defRPr sz="1800" kern="1200">
+        <a:solidFill>
+          <a:schemeClr val="tx1"/>
+        </a:solidFill>
+        <a:latin typeface="+mn-lt"/>
+        <a:ea typeface="+mn-ea"/>
+        <a:cs typeface="+mn-cs"/>
+      </a:defRPr>
+    </a:lvl3pPr>
+    <a:lvl4pPr marL="1371600" algn="l" defTabSz="914400" rtl="0" eaLnBrk="1" latinLnBrk="0" hangingPunct="1">
+      <a:defRPr sz="1800" kern="1200">
+        <a:solidFill>
+          <a:schemeClr val="tx1"/>
+        </a:solidFill>
+        <a:latin typeface="+mn-lt"/>
+        <a:ea typeface="+mn-ea"/>
+        <a:cs typeface="+mn-cs"/>
+      </a:defRPr>
+    </a:lvl4pPr>
+    <a:lvl5pPr marL="1828800" algn="l" defTabSz="914400" rtl="0" eaLnBrk="1" latinLnBrk="0" hangingPunct="1">
+      <a:defRPr sz="1800" kern="1200">
+        <a:solidFill>
+          <a:schemeClr val="tx1"/>
+        </a:solidFill>
+        <a:latin typeface="+mn-lt"/>
+        <a:ea typeface="+mn-ea"/>
+        <a:cs typeface="+mn-cs"/>
+      </a:defRPr>
+    </a:lvl5pPr>
+    <a:lvl6pPr marL="2286000" algn="l" defTabSz="914400" rtl="0" eaLnBrk="1" latinLnBrk="0" hangingPunct="1">
+      <a:defRPr sz="1800" kern="1200">
+        <a:solidFill>
+          <a:schemeClr val="tx1"/>
+        </a:solidFill>
+        <a:latin typeface="+mn-lt"/>
+        <a:ea typeface="+mn-ea"/>
+        <a:cs typeface="+mn-cs"/>
+      </a:defRPr>
+    </a:lvl6pPr>
+    <a:lvl7pPr marL="2743200" algn="l" defTabSz="914400" rtl="0" eaLnBrk="1" latinLnBrk="0" hangingPunct="1">
+      <a:defRPr sz="1800" kern="1200">
+        <a:solidFill>
+          <a:schemeClr val="tx1"/>
+        </a:solidFill>
+        <a:latin typeface="+mn-lt"/>
+        <a:ea typeface="+mn-ea"/>
+        <a:cs typeface="+mn-cs"/>
+      </a:defRPr>
+    </a:lvl7pPr>
+    <a:lvl8pPr marL="3200400" algn="l" defTabSz="914400" rtl="0" eaLnBrk="1" latinLnBrk="0" hangingPunct="1">
+      <a:defRPr sz="1800" kern="1200">
+        <a:solidFill>
+          <a:schemeClr val="tx1"/>
+        </a:solidFill>
+        <a:latin typeface="+mn-lt"/>
+        <a:ea typeface="+mn-ea"/>
+        <a:cs typeface="+mn-cs"/>
+      </a:defRPr>
+    </a:lvl8pPr>
+    <a:lvl9pPr marL="3657600" algn="l" defTabSz="914400" rtl="0" eaLnBrk="1" latinLnBrk="0" hangingPunct="1">
+      <a:defRPr sz="1800" kern="1200">
+        <a:solidFill>
+          <a:schemeClr val="tx1"/>
+        </a:solidFill>
+        <a:latin typeface="+mn-lt"/>
+        <a:ea typeface="+mn-ea"/>
+        <a:cs typeface="+mn-cs"/>
+      </a:defRPr>
+    </a:lvl9pPr>
+  </p:defaultTextStyle>
+  <p:extLst>
+    <p:ext uri="{EFAFB233-063F-42B5-8137-9DF3F51BA10A}">
+      <p15:sldGuideLst xmlns:p15="http://schemas.microsoft.com/office/powerpoint/2012/main"/>
+    </p:ext>
+  </p:extLst>
 </p:presentation>
 </file>
 
 <file path=ppt/charts/chart1.xml><?xml version="1.0" encoding="utf-8"?>
-<c:chartSpace xmlns:c="http://schemas.openxmlformats.org/drawingml/2006/chart" xmlns:a="http://schemas.openxmlformats.org/drawingml/2006/main" xmlns:r="http://schemas.openxmlformats.org/officeDocument/2006/relationships">
-  <c:lang val="en-US"/>
+<c:chartSpace xmlns:c="http://schemas.openxmlformats.org/drawingml/2006/chart" xmlns:a="http://schemas.openxmlformats.org/drawingml/2006/main" xmlns:r="http://schemas.openxmlformats.org/officeDocument/2006/relationships" xmlns:c16r2="http://schemas.microsoft.com/office/drawing/2015/06/chart">
+  <c:date1904 val="1"/>
+  <c:lang val="es-ES"/>
   <c:roundedCorners val="0"/>
+  <c:style val="2"/>
   <c:chart>
     <c:title>
       <c:tx>
@@ -38,7 +142,7 @@
           <a:lstStyle/>
           <a:p>
             <a:pPr>
-              <a:defRPr b="1" lang="es-CO" sz="1400" spc="-1" strike="noStrike">
+              <a:defRPr lang="es-CO" sz="1400" b="1" strike="noStrike" spc="-1">
                 <a:solidFill>
                   <a:srgbClr val="595959"/>
                 </a:solidFill>
@@ -47,7 +151,7 @@
               </a:defRPr>
             </a:pPr>
             <a:r>
-              <a:rPr b="1" lang="es-CO" sz="1400" spc="-1" strike="noStrike">
+              <a:rPr lang="es-CO" sz="1400" b="1" strike="noStrike" spc="-1">
                 <a:solidFill>
                   <a:srgbClr val="595959"/>
                 </a:solidFill>
@@ -70,6 +174,7 @@
     </c:title>
     <c:autoTitleDeleted val="0"/>
     <c:plotArea>
+      <c:layout/>
       <c:barChart>
         <c:barDir val="bar"/>
         <c:grouping val="clustered"/>
@@ -90,7 +195,7 @@
           </c:tx>
           <c:spPr>
             <a:solidFill>
-              <a:srgbClr val="acdef7"/>
+              <a:srgbClr val="ACDEF7"/>
             </a:solidFill>
             <a:ln w="0">
               <a:noFill/>
@@ -99,12 +204,19 @@
           <c:invertIfNegative val="0"/>
           <c:dLbls>
             <c:numFmt formatCode="0.00%" sourceLinked="0"/>
+            <c:spPr>
+              <a:noFill/>
+              <a:ln>
+                <a:noFill/>
+              </a:ln>
+              <a:effectLst/>
+            </c:spPr>
             <c:txPr>
               <a:bodyPr wrap="square"/>
               <a:lstStyle/>
               <a:p>
                 <a:pPr>
-                  <a:defRPr b="1" sz="1200" spc="-1" strike="noStrike">
+                  <a:defRPr sz="1200" b="1" strike="noStrike" spc="-1">
                     <a:solidFill>
                       <a:srgbClr val="404040"/>
                     </a:solidFill>
@@ -112,6 +224,7 @@
                     <a:ea typeface="DejaVu Sans"/>
                   </a:defRPr>
                 </a:pPr>
+                <a:endParaRPr lang="es-CO"/>
               </a:p>
             </c:txPr>
             <c:dLblPos val="inEnd"/>
@@ -120,6 +233,7 @@
             <c:showCatName val="0"/>
             <c:showSerName val="0"/>
             <c:showPercent val="0"/>
+            <c:showBubbleSize val="1"/>
             <c:separator>; </c:separator>
             <c:showLeaderLines val="0"/>
             <c:extLst>
@@ -155,20 +269,25 @@
                 <c:formatCode>General</c:formatCode>
                 <c:ptCount val="4"/>
                 <c:pt idx="0">
-                  <c:v>0.8924</c:v>
+                  <c:v>0.89239999999999997</c:v>
                 </c:pt>
                 <c:pt idx="1">
                   <c:v>0.8861</c:v>
                 </c:pt>
                 <c:pt idx="2">
-                  <c:v>0.6412</c:v>
+                  <c:v>0.64119999999999999</c:v>
                 </c:pt>
                 <c:pt idx="3">
-                  <c:v>0.9805</c:v>
+                  <c:v>0.98050000000000004</c:v>
                 </c:pt>
               </c:numCache>
             </c:numRef>
           </c:val>
+          <c:extLst>
+            <c:ext xmlns:c16="http://schemas.microsoft.com/office/drawing/2014/chart" uri="{C3380CC4-5D6E-409C-BE32-E72D297353CC}">
+              <c16:uniqueId val="{00000000-BA78-49FF-885E-62DB290CF10A}"/>
+            </c:ext>
+          </c:extLst>
         </c:ser>
         <c:ser>
           <c:idx val="1"/>
@@ -186,7 +305,7 @@
           </c:tx>
           <c:spPr>
             <a:solidFill>
-              <a:srgbClr val="80c34f"/>
+              <a:srgbClr val="80C34F"/>
             </a:solidFill>
             <a:ln w="0">
               <a:noFill/>
@@ -194,12 +313,19 @@
           </c:spPr>
           <c:invertIfNegative val="0"/>
           <c:dLbls>
+            <c:spPr>
+              <a:noFill/>
+              <a:ln>
+                <a:noFill/>
+              </a:ln>
+              <a:effectLst/>
+            </c:spPr>
             <c:txPr>
               <a:bodyPr wrap="none"/>
               <a:lstStyle/>
               <a:p>
                 <a:pPr>
-                  <a:defRPr b="0" sz="1000" spc="-1" strike="noStrike">
+                  <a:defRPr sz="1000" b="0" strike="noStrike" spc="-1">
                     <a:solidFill>
                       <a:srgbClr val="000000"/>
                     </a:solidFill>
@@ -207,6 +333,7 @@
                     <a:ea typeface="DejaVu Sans"/>
                   </a:defRPr>
                 </a:pPr>
+                <a:endParaRPr lang="es-CO"/>
               </a:p>
             </c:txPr>
             <c:dLblPos val="outEnd"/>
@@ -215,6 +342,7 @@
             <c:showCatName val="0"/>
             <c:showSerName val="0"/>
             <c:showPercent val="0"/>
+            <c:showBubbleSize val="1"/>
             <c:separator>; </c:separator>
             <c:showLeaderLines val="0"/>
             <c:extLst>
@@ -252,6 +380,11 @@
               </c:numCache>
             </c:numRef>
           </c:val>
+          <c:extLst>
+            <c:ext xmlns:c16="http://schemas.microsoft.com/office/drawing/2014/chart" uri="{C3380CC4-5D6E-409C-BE32-E72D297353CC}">
+              <c16:uniqueId val="{00000001-BA78-49FF-885E-62DB290CF10A}"/>
+            </c:ext>
+          </c:extLst>
         </c:ser>
         <c:ser>
           <c:idx val="2"/>
@@ -269,7 +402,7 @@
           </c:tx>
           <c:spPr>
             <a:solidFill>
-              <a:srgbClr val="e29d3e"/>
+              <a:srgbClr val="E29D3E"/>
             </a:solidFill>
             <a:ln w="0">
               <a:noFill/>
@@ -277,12 +410,19 @@
           </c:spPr>
           <c:invertIfNegative val="0"/>
           <c:dLbls>
+            <c:spPr>
+              <a:noFill/>
+              <a:ln>
+                <a:noFill/>
+              </a:ln>
+              <a:effectLst/>
+            </c:spPr>
             <c:txPr>
               <a:bodyPr wrap="none"/>
               <a:lstStyle/>
               <a:p>
                 <a:pPr>
-                  <a:defRPr b="0" sz="1000" spc="-1" strike="noStrike">
+                  <a:defRPr sz="1000" b="0" strike="noStrike" spc="-1">
                     <a:solidFill>
                       <a:srgbClr val="000000"/>
                     </a:solidFill>
@@ -290,6 +430,7 @@
                     <a:ea typeface="DejaVu Sans"/>
                   </a:defRPr>
                 </a:pPr>
+                <a:endParaRPr lang="es-CO"/>
               </a:p>
             </c:txPr>
             <c:dLblPos val="outEnd"/>
@@ -298,6 +439,7 @@
             <c:showCatName val="0"/>
             <c:showSerName val="0"/>
             <c:showPercent val="0"/>
+            <c:showBubbleSize val="1"/>
             <c:separator>; </c:separator>
             <c:showLeaderLines val="0"/>
             <c:extLst>
@@ -335,7 +477,20 @@
               </c:numCache>
             </c:numRef>
           </c:val>
+          <c:extLst>
+            <c:ext xmlns:c16="http://schemas.microsoft.com/office/drawing/2014/chart" uri="{C3380CC4-5D6E-409C-BE32-E72D297353CC}">
+              <c16:uniqueId val="{00000002-BA78-49FF-885E-62DB290CF10A}"/>
+            </c:ext>
+          </c:extLst>
         </c:ser>
+        <c:dLbls>
+          <c:showLegendKey val="0"/>
+          <c:showVal val="0"/>
+          <c:showCatName val="0"/>
+          <c:showSerName val="0"/>
+          <c:showPercent val="0"/>
+          <c:showBubbleSize val="0"/>
+        </c:dLbls>
         <c:gapWidth val="10"/>
         <c:overlap val="90"/>
         <c:axId val="65883399"/>
@@ -347,7 +502,7 @@
           <c:orientation val="minMax"/>
         </c:scaling>
         <c:delete val="0"/>
-        <c:axPos val="b"/>
+        <c:axPos val="l"/>
         <c:numFmt formatCode="General" sourceLinked="0"/>
         <c:majorTickMark val="none"/>
         <c:minorTickMark val="none"/>
@@ -355,7 +510,7 @@
         <c:spPr>
           <a:ln w="9360">
             <a:solidFill>
-              <a:srgbClr val="d9d9d9"/>
+              <a:srgbClr val="D9D9D9"/>
             </a:solidFill>
             <a:round/>
           </a:ln>
@@ -365,7 +520,7 @@
           <a:lstStyle/>
           <a:p>
             <a:pPr>
-              <a:defRPr b="1" sz="800" spc="-1" strike="noStrike">
+              <a:defRPr sz="800" b="1" strike="noStrike" spc="-1">
                 <a:solidFill>
                   <a:srgbClr val="595959"/>
                 </a:solidFill>
@@ -373,6 +528,7 @@
                 <a:ea typeface="DejaVu Sans"/>
               </a:defRPr>
             </a:pPr>
+            <a:endParaRPr lang="es-CO"/>
           </a:p>
         </c:txPr>
         <c:crossAx val="74447080"/>
@@ -389,35 +545,13 @@
           <c:max val="1"/>
         </c:scaling>
         <c:delete val="1"/>
-        <c:axPos val="l"/>
+        <c:axPos val="b"/>
         <c:numFmt formatCode="General" sourceLinked="1"/>
         <c:majorTickMark val="none"/>
         <c:minorTickMark val="none"/>
         <c:tickLblPos val="nextTo"/>
-        <c:spPr>
-          <a:ln w="9360">
-            <a:solidFill>
-              <a:srgbClr val="878787"/>
-            </a:solidFill>
-            <a:round/>
-          </a:ln>
-        </c:spPr>
-        <c:txPr>
-          <a:bodyPr/>
-          <a:lstStyle/>
-          <a:p>
-            <a:pPr>
-              <a:defRPr b="0" sz="1000" spc="-1" strike="noStrike">
-                <a:solidFill>
-                  <a:srgbClr val="000000"/>
-                </a:solidFill>
-                <a:latin typeface="Arial"/>
-                <a:ea typeface="DejaVu Sans"/>
-              </a:defRPr>
-            </a:pPr>
-          </a:p>
-        </c:txPr>
         <c:crossAx val="65883399"/>
+        <c:crosses val="autoZero"/>
         <c:crossBetween val="between"/>
       </c:valAx>
       <c:spPr>
@@ -429,6 +563,7 @@
     </c:plotArea>
     <c:plotVisOnly val="1"/>
     <c:dispBlanksAs val="gap"/>
+    <c:showDLblsOverMax val="1"/>
   </c:chart>
   <c:spPr>
     <a:noFill/>
@@ -440,9 +575,11 @@
 </file>
 
 <file path=ppt/charts/chart2.xml><?xml version="1.0" encoding="utf-8"?>
-<c:chartSpace xmlns:c="http://schemas.openxmlformats.org/drawingml/2006/chart" xmlns:a="http://schemas.openxmlformats.org/drawingml/2006/main" xmlns:r="http://schemas.openxmlformats.org/officeDocument/2006/relationships">
-  <c:lang val="en-US"/>
+<c:chartSpace xmlns:c="http://schemas.openxmlformats.org/drawingml/2006/chart" xmlns:a="http://schemas.openxmlformats.org/drawingml/2006/main" xmlns:r="http://schemas.openxmlformats.org/officeDocument/2006/relationships" xmlns:c16r2="http://schemas.microsoft.com/office/drawing/2015/06/chart">
+  <c:date1904 val="1"/>
+  <c:lang val="es-ES"/>
   <c:roundedCorners val="0"/>
+  <c:style val="2"/>
   <c:chart>
     <c:title>
       <c:tx>
@@ -451,7 +588,7 @@
           <a:lstStyle/>
           <a:p>
             <a:pPr>
-              <a:defRPr b="1" lang="es-CO" sz="1400" spc="-1" strike="noStrike">
+              <a:defRPr lang="es-CO" sz="1400" b="1" strike="noStrike" spc="-1">
                 <a:solidFill>
                   <a:srgbClr val="595959"/>
                 </a:solidFill>
@@ -460,7 +597,7 @@
               </a:defRPr>
             </a:pPr>
             <a:r>
-              <a:rPr b="1" lang="es-CO" sz="1400" spc="-1" strike="noStrike">
+              <a:rPr lang="es-CO" sz="1400" b="1" strike="noStrike" spc="-1">
                 <a:solidFill>
                   <a:srgbClr val="595959"/>
                 </a:solidFill>
@@ -483,6 +620,7 @@
     </c:title>
     <c:autoTitleDeleted val="0"/>
     <c:plotArea>
+      <c:layout/>
       <c:barChart>
         <c:barDir val="bar"/>
         <c:grouping val="clustered"/>
@@ -503,7 +641,7 @@
           </c:tx>
           <c:spPr>
             <a:solidFill>
-              <a:srgbClr val="acdef7"/>
+              <a:srgbClr val="ACDEF7"/>
             </a:solidFill>
             <a:ln w="0">
               <a:noFill/>
@@ -512,12 +650,19 @@
           <c:invertIfNegative val="0"/>
           <c:dLbls>
             <c:numFmt formatCode="0.00%" sourceLinked="0"/>
+            <c:spPr>
+              <a:noFill/>
+              <a:ln>
+                <a:noFill/>
+              </a:ln>
+              <a:effectLst/>
+            </c:spPr>
             <c:txPr>
               <a:bodyPr wrap="square"/>
               <a:lstStyle/>
               <a:p>
                 <a:pPr>
-                  <a:defRPr b="1" sz="1200" spc="-1" strike="noStrike">
+                  <a:defRPr sz="1200" b="1" strike="noStrike" spc="-1">
                     <a:solidFill>
                       <a:srgbClr val="404040"/>
                     </a:solidFill>
@@ -525,6 +670,7 @@
                     <a:ea typeface="DejaVu Sans"/>
                   </a:defRPr>
                 </a:pPr>
+                <a:endParaRPr lang="es-CO"/>
               </a:p>
             </c:txPr>
             <c:dLblPos val="inEnd"/>
@@ -533,6 +679,7 @@
             <c:showCatName val="0"/>
             <c:showSerName val="0"/>
             <c:showPercent val="0"/>
+            <c:showBubbleSize val="1"/>
             <c:separator>; </c:separator>
             <c:showLeaderLines val="0"/>
             <c:extLst>
@@ -568,20 +715,25 @@
                 <c:formatCode>General</c:formatCode>
                 <c:ptCount val="4"/>
                 <c:pt idx="0">
-                  <c:v>0.8918</c:v>
+                  <c:v>0.89180000000000004</c:v>
                 </c:pt>
                 <c:pt idx="1">
-                  <c:v>0.8867</c:v>
+                  <c:v>0.88670000000000004</c:v>
                 </c:pt>
                 <c:pt idx="2">
-                  <c:v>0.6547</c:v>
+                  <c:v>0.65469999999999995</c:v>
                 </c:pt>
                 <c:pt idx="3">
-                  <c:v>0.9817</c:v>
+                  <c:v>0.98170000000000002</c:v>
                 </c:pt>
               </c:numCache>
             </c:numRef>
           </c:val>
+          <c:extLst>
+            <c:ext xmlns:c16="http://schemas.microsoft.com/office/drawing/2014/chart" uri="{C3380CC4-5D6E-409C-BE32-E72D297353CC}">
+              <c16:uniqueId val="{00000000-BC05-45D8-ADF4-25964B0BBC97}"/>
+            </c:ext>
+          </c:extLst>
         </c:ser>
         <c:ser>
           <c:idx val="1"/>
@@ -599,7 +751,7 @@
           </c:tx>
           <c:spPr>
             <a:solidFill>
-              <a:srgbClr val="80c34f"/>
+              <a:srgbClr val="80C34F"/>
             </a:solidFill>
             <a:ln w="0">
               <a:noFill/>
@@ -607,12 +759,19 @@
           </c:spPr>
           <c:invertIfNegative val="0"/>
           <c:dLbls>
+            <c:spPr>
+              <a:noFill/>
+              <a:ln>
+                <a:noFill/>
+              </a:ln>
+              <a:effectLst/>
+            </c:spPr>
             <c:txPr>
               <a:bodyPr wrap="none"/>
               <a:lstStyle/>
               <a:p>
                 <a:pPr>
-                  <a:defRPr b="0" sz="1000" spc="-1" strike="noStrike">
+                  <a:defRPr sz="1000" b="0" strike="noStrike" spc="-1">
                     <a:solidFill>
                       <a:srgbClr val="000000"/>
                     </a:solidFill>
@@ -620,6 +779,7 @@
                     <a:ea typeface="DejaVu Sans"/>
                   </a:defRPr>
                 </a:pPr>
+                <a:endParaRPr lang="es-CO"/>
               </a:p>
             </c:txPr>
             <c:dLblPos val="outEnd"/>
@@ -628,6 +788,7 @@
             <c:showCatName val="0"/>
             <c:showSerName val="0"/>
             <c:showPercent val="0"/>
+            <c:showBubbleSize val="1"/>
             <c:separator>; </c:separator>
             <c:showLeaderLines val="0"/>
             <c:extLst>
@@ -665,6 +826,11 @@
               </c:numCache>
             </c:numRef>
           </c:val>
+          <c:extLst>
+            <c:ext xmlns:c16="http://schemas.microsoft.com/office/drawing/2014/chart" uri="{C3380CC4-5D6E-409C-BE32-E72D297353CC}">
+              <c16:uniqueId val="{00000001-BC05-45D8-ADF4-25964B0BBC97}"/>
+            </c:ext>
+          </c:extLst>
         </c:ser>
         <c:ser>
           <c:idx val="2"/>
@@ -682,7 +848,7 @@
           </c:tx>
           <c:spPr>
             <a:solidFill>
-              <a:srgbClr val="e29d3e"/>
+              <a:srgbClr val="E29D3E"/>
             </a:solidFill>
             <a:ln w="0">
               <a:noFill/>
@@ -690,12 +856,19 @@
           </c:spPr>
           <c:invertIfNegative val="0"/>
           <c:dLbls>
+            <c:spPr>
+              <a:noFill/>
+              <a:ln>
+                <a:noFill/>
+              </a:ln>
+              <a:effectLst/>
+            </c:spPr>
             <c:txPr>
               <a:bodyPr wrap="none"/>
               <a:lstStyle/>
               <a:p>
                 <a:pPr>
-                  <a:defRPr b="0" sz="1000" spc="-1" strike="noStrike">
+                  <a:defRPr sz="1000" b="0" strike="noStrike" spc="-1">
                     <a:solidFill>
                       <a:srgbClr val="000000"/>
                     </a:solidFill>
@@ -703,6 +876,7 @@
                     <a:ea typeface="DejaVu Sans"/>
                   </a:defRPr>
                 </a:pPr>
+                <a:endParaRPr lang="es-CO"/>
               </a:p>
             </c:txPr>
             <c:dLblPos val="outEnd"/>
@@ -711,6 +885,7 @@
             <c:showCatName val="0"/>
             <c:showSerName val="0"/>
             <c:showPercent val="0"/>
+            <c:showBubbleSize val="1"/>
             <c:separator>; </c:separator>
             <c:showLeaderLines val="0"/>
             <c:extLst>
@@ -748,7 +923,20 @@
               </c:numCache>
             </c:numRef>
           </c:val>
+          <c:extLst>
+            <c:ext xmlns:c16="http://schemas.microsoft.com/office/drawing/2014/chart" uri="{C3380CC4-5D6E-409C-BE32-E72D297353CC}">
+              <c16:uniqueId val="{00000002-BC05-45D8-ADF4-25964B0BBC97}"/>
+            </c:ext>
+          </c:extLst>
         </c:ser>
+        <c:dLbls>
+          <c:showLegendKey val="0"/>
+          <c:showVal val="0"/>
+          <c:showCatName val="0"/>
+          <c:showSerName val="0"/>
+          <c:showPercent val="0"/>
+          <c:showBubbleSize val="0"/>
+        </c:dLbls>
         <c:gapWidth val="10"/>
         <c:overlap val="90"/>
         <c:axId val="94060817"/>
@@ -760,7 +948,7 @@
           <c:orientation val="minMax"/>
         </c:scaling>
         <c:delete val="0"/>
-        <c:axPos val="b"/>
+        <c:axPos val="l"/>
         <c:numFmt formatCode="General" sourceLinked="0"/>
         <c:majorTickMark val="none"/>
         <c:minorTickMark val="none"/>
@@ -768,7 +956,7 @@
         <c:spPr>
           <a:ln w="9360">
             <a:solidFill>
-              <a:srgbClr val="d9d9d9"/>
+              <a:srgbClr val="D9D9D9"/>
             </a:solidFill>
             <a:round/>
           </a:ln>
@@ -778,7 +966,7 @@
           <a:lstStyle/>
           <a:p>
             <a:pPr>
-              <a:defRPr b="1" sz="800" spc="-1" strike="noStrike">
+              <a:defRPr sz="800" b="1" strike="noStrike" spc="-1">
                 <a:solidFill>
                   <a:srgbClr val="595959"/>
                 </a:solidFill>
@@ -786,6 +974,7 @@
                 <a:ea typeface="DejaVu Sans"/>
               </a:defRPr>
             </a:pPr>
+            <a:endParaRPr lang="es-CO"/>
           </a:p>
         </c:txPr>
         <c:crossAx val="76119463"/>
@@ -802,35 +991,13 @@
           <c:max val="1"/>
         </c:scaling>
         <c:delete val="1"/>
-        <c:axPos val="l"/>
+        <c:axPos val="b"/>
         <c:numFmt formatCode="General" sourceLinked="1"/>
         <c:majorTickMark val="none"/>
         <c:minorTickMark val="none"/>
         <c:tickLblPos val="nextTo"/>
-        <c:spPr>
-          <a:ln w="9360">
-            <a:solidFill>
-              <a:srgbClr val="878787"/>
-            </a:solidFill>
-            <a:round/>
-          </a:ln>
-        </c:spPr>
-        <c:txPr>
-          <a:bodyPr/>
-          <a:lstStyle/>
-          <a:p>
-            <a:pPr>
-              <a:defRPr b="0" sz="1000" spc="-1" strike="noStrike">
-                <a:solidFill>
-                  <a:srgbClr val="000000"/>
-                </a:solidFill>
-                <a:latin typeface="Arial"/>
-                <a:ea typeface="DejaVu Sans"/>
-              </a:defRPr>
-            </a:pPr>
-          </a:p>
-        </c:txPr>
         <c:crossAx val="94060817"/>
+        <c:crosses val="autoZero"/>
         <c:crossBetween val="between"/>
       </c:valAx>
       <c:spPr>
@@ -842,6 +1009,7 @@
     </c:plotArea>
     <c:plotVisOnly val="1"/>
     <c:dispBlanksAs val="gap"/>
+    <c:showDLblsOverMax val="1"/>
   </c:chart>
   <c:spPr>
     <a:noFill/>
@@ -853,9 +1021,11 @@
 </file>
 
 <file path=ppt/charts/chart3.xml><?xml version="1.0" encoding="utf-8"?>
-<c:chartSpace xmlns:c="http://schemas.openxmlformats.org/drawingml/2006/chart" xmlns:a="http://schemas.openxmlformats.org/drawingml/2006/main" xmlns:r="http://schemas.openxmlformats.org/officeDocument/2006/relationships">
-  <c:lang val="en-US"/>
+<c:chartSpace xmlns:c="http://schemas.openxmlformats.org/drawingml/2006/chart" xmlns:a="http://schemas.openxmlformats.org/drawingml/2006/main" xmlns:r="http://schemas.openxmlformats.org/officeDocument/2006/relationships" xmlns:c16r2="http://schemas.microsoft.com/office/drawing/2015/06/chart">
+  <c:date1904 val="1"/>
+  <c:lang val="es-ES"/>
   <c:roundedCorners val="0"/>
+  <c:style val="2"/>
   <c:chart>
     <c:title>
       <c:tx>
@@ -864,7 +1034,7 @@
           <a:lstStyle/>
           <a:p>
             <a:pPr>
-              <a:defRPr b="1" lang="es-CO" sz="1200" spc="-1" strike="noStrike">
+              <a:defRPr lang="es-CO" sz="1200" b="1" strike="noStrike" spc="-1">
                 <a:solidFill>
                   <a:srgbClr val="595959"/>
                 </a:solidFill>
@@ -873,7 +1043,7 @@
               </a:defRPr>
             </a:pPr>
             <a:r>
-              <a:rPr b="1" lang="es-CO" sz="1200" spc="-1" strike="noStrike">
+              <a:rPr lang="es-CO" sz="1200" b="1" strike="noStrike" spc="-1">
                 <a:solidFill>
                   <a:srgbClr val="595959"/>
                 </a:solidFill>
@@ -896,6 +1066,7 @@
     </c:title>
     <c:autoTitleDeleted val="0"/>
     <c:plotArea>
+      <c:layout/>
       <c:barChart>
         <c:barDir val="bar"/>
         <c:grouping val="clustered"/>
@@ -916,7 +1087,7 @@
           </c:tx>
           <c:spPr>
             <a:solidFill>
-              <a:srgbClr val="acdef7"/>
+              <a:srgbClr val="ACDEF7"/>
             </a:solidFill>
             <a:ln w="0">
               <a:noFill/>
@@ -925,12 +1096,19 @@
           <c:invertIfNegative val="0"/>
           <c:dLbls>
             <c:numFmt formatCode="0.00%" sourceLinked="0"/>
+            <c:spPr>
+              <a:noFill/>
+              <a:ln>
+                <a:noFill/>
+              </a:ln>
+              <a:effectLst/>
+            </c:spPr>
             <c:txPr>
               <a:bodyPr wrap="square"/>
               <a:lstStyle/>
               <a:p>
                 <a:pPr>
-                  <a:defRPr b="1" sz="1200" spc="-1" strike="noStrike">
+                  <a:defRPr sz="1200" b="1" strike="noStrike" spc="-1">
                     <a:solidFill>
                       <a:srgbClr val="404040"/>
                     </a:solidFill>
@@ -938,6 +1116,7 @@
                     <a:ea typeface="DejaVu Sans"/>
                   </a:defRPr>
                 </a:pPr>
+                <a:endParaRPr lang="es-CO"/>
               </a:p>
             </c:txPr>
             <c:dLblPos val="inEnd"/>
@@ -946,6 +1125,7 @@
             <c:showCatName val="0"/>
             <c:showSerName val="0"/>
             <c:showPercent val="0"/>
+            <c:showBubbleSize val="1"/>
             <c:separator>; </c:separator>
             <c:showLeaderLines val="0"/>
             <c:extLst>
@@ -984,24 +1164,37 @@
                 <c:formatCode>General</c:formatCode>
                 <c:ptCount val="5"/>
                 <c:pt idx="0">
-                  <c:v>0.9815</c:v>
+                  <c:v>0.98150000000000004</c:v>
                 </c:pt>
                 <c:pt idx="1">
-                  <c:v>0.9047</c:v>
+                  <c:v>0.90469999999999995</c:v>
                 </c:pt>
                 <c:pt idx="2">
-                  <c:v>0.765</c:v>
+                  <c:v>0.76500000000000001</c:v>
                 </c:pt>
                 <c:pt idx="3">
                   <c:v>0.754</c:v>
                 </c:pt>
                 <c:pt idx="4">
-                  <c:v>0.4688</c:v>
+                  <c:v>0.46879999999999999</c:v>
                 </c:pt>
               </c:numCache>
             </c:numRef>
           </c:val>
+          <c:extLst>
+            <c:ext xmlns:c16="http://schemas.microsoft.com/office/drawing/2014/chart" uri="{C3380CC4-5D6E-409C-BE32-E72D297353CC}">
+              <c16:uniqueId val="{00000000-6EE9-426F-BE71-FD74026BB3B2}"/>
+            </c:ext>
+          </c:extLst>
         </c:ser>
+        <c:dLbls>
+          <c:showLegendKey val="0"/>
+          <c:showVal val="0"/>
+          <c:showCatName val="0"/>
+          <c:showSerName val="0"/>
+          <c:showPercent val="0"/>
+          <c:showBubbleSize val="0"/>
+        </c:dLbls>
         <c:gapWidth val="10"/>
         <c:overlap val="90"/>
         <c:axId val="37334718"/>
@@ -1013,7 +1206,7 @@
           <c:orientation val="minMax"/>
         </c:scaling>
         <c:delete val="0"/>
-        <c:axPos val="b"/>
+        <c:axPos val="l"/>
         <c:numFmt formatCode="General" sourceLinked="0"/>
         <c:majorTickMark val="none"/>
         <c:minorTickMark val="none"/>
@@ -1021,7 +1214,7 @@
         <c:spPr>
           <a:ln w="9360">
             <a:solidFill>
-              <a:srgbClr val="d9d9d9"/>
+              <a:srgbClr val="D9D9D9"/>
             </a:solidFill>
             <a:round/>
           </a:ln>
@@ -1031,7 +1224,7 @@
           <a:lstStyle/>
           <a:p>
             <a:pPr>
-              <a:defRPr b="1" sz="1000" spc="-1" strike="noStrike">
+              <a:defRPr sz="1000" b="1" strike="noStrike" spc="-1">
                 <a:solidFill>
                   <a:srgbClr val="595959"/>
                 </a:solidFill>
@@ -1039,6 +1232,7 @@
                 <a:ea typeface="DejaVu Sans"/>
               </a:defRPr>
             </a:pPr>
+            <a:endParaRPr lang="es-CO"/>
           </a:p>
         </c:txPr>
         <c:crossAx val="4011812"/>
@@ -1055,35 +1249,13 @@
           <c:max val="1"/>
         </c:scaling>
         <c:delete val="1"/>
-        <c:axPos val="l"/>
+        <c:axPos val="b"/>
         <c:numFmt formatCode="General" sourceLinked="1"/>
         <c:majorTickMark val="none"/>
         <c:minorTickMark val="none"/>
         <c:tickLblPos val="nextTo"/>
-        <c:spPr>
-          <a:ln w="9360">
-            <a:solidFill>
-              <a:srgbClr val="878787"/>
-            </a:solidFill>
-            <a:round/>
-          </a:ln>
-        </c:spPr>
-        <c:txPr>
-          <a:bodyPr/>
-          <a:lstStyle/>
-          <a:p>
-            <a:pPr>
-              <a:defRPr b="0" sz="1000" spc="-1" strike="noStrike">
-                <a:solidFill>
-                  <a:srgbClr val="000000"/>
-                </a:solidFill>
-                <a:latin typeface="Arial"/>
-                <a:ea typeface="DejaVu Sans"/>
-              </a:defRPr>
-            </a:pPr>
-          </a:p>
-        </c:txPr>
         <c:crossAx val="37334718"/>
+        <c:crosses val="autoZero"/>
         <c:crossBetween val="between"/>
       </c:valAx>
       <c:spPr>
@@ -1095,6 +1267,7 @@
     </c:plotArea>
     <c:plotVisOnly val="1"/>
     <c:dispBlanksAs val="gap"/>
+    <c:showDLblsOverMax val="1"/>
   </c:chart>
   <c:spPr>
     <a:noFill/>
@@ -2874,7 +3047,7 @@
   <dgm:whole/>
   <dgm:extLst>
     <a:ext uri="http://schemas.microsoft.com/office/drawing/2008/diagram">
-      <dsp:dataModelExt xmlns:dsp="http://schemas.microsoft.com/office/drawing/2008/diagram" relId="rId5" minVer="http://schemas.openxmlformats.org/drawingml/2006/diagram"/>
+      <dsp:dataModelExt xmlns:dsp="http://schemas.microsoft.com/office/drawing/2008/diagram" relId="rId6" minVer="http://schemas.openxmlformats.org/drawingml/2006/diagram"/>
     </a:ext>
   </dgm:extLst>
 </dgm:dataModel>
@@ -3289,7 +3462,7 @@
   <dgm:whole/>
   <dgm:extLst>
     <a:ext uri="http://schemas.microsoft.com/office/drawing/2008/diagram">
-      <dsp:dataModelExt xmlns:dsp="http://schemas.microsoft.com/office/drawing/2008/diagram" relId="rId5" minVer="http://schemas.openxmlformats.org/drawingml/2006/diagram"/>
+      <dsp:dataModelExt xmlns:dsp="http://schemas.microsoft.com/office/drawing/2008/diagram" relId="rId6" minVer="http://schemas.openxmlformats.org/drawingml/2006/diagram"/>
     </a:ext>
   </dgm:extLst>
 </dgm:dataModel>
@@ -3310,8 +3483,8 @@
       </dsp:nvSpPr>
       <dsp:spPr>
         <a:xfrm rot="5400000">
-          <a:off x="1558574" y="1224402"/>
-          <a:ext cx="1082878" cy="1232819"/>
+          <a:off x="1558518" y="1224305"/>
+          <a:ext cx="1082792" cy="1232721"/>
         </a:xfrm>
         <a:prstGeom prst="bentUpArrow">
           <a:avLst>
@@ -3363,8 +3536,8 @@
       </dsp:nvSpPr>
       <dsp:spPr>
         <a:xfrm>
-          <a:off x="1271677" y="24010"/>
-          <a:ext cx="1822930" cy="1275992"/>
+          <a:off x="1271644" y="24008"/>
+          <a:ext cx="1822785" cy="1275890"/>
         </a:xfrm>
         <a:prstGeom prst="roundRect">
           <a:avLst>
@@ -3434,8 +3607,8 @@
         </a:p>
       </dsp:txBody>
       <dsp:txXfrm>
-        <a:off x="1333977" y="86310"/>
-        <a:ext cx="1698330" cy="1151392"/>
+        <a:off x="1333939" y="86303"/>
+        <a:ext cx="1698195" cy="1151300"/>
       </dsp:txXfrm>
     </dsp:sp>
     <dsp:sp modelId="{25969B38-52EE-402E-A524-870611481D64}">
@@ -3445,8 +3618,8 @@
       </dsp:nvSpPr>
       <dsp:spPr>
         <a:xfrm>
-          <a:off x="3094607" y="145704"/>
-          <a:ext cx="1325825" cy="1031313"/>
+          <a:off x="3094429" y="145693"/>
+          <a:ext cx="1325720" cy="1031231"/>
         </a:xfrm>
         <a:prstGeom prst="rect">
           <a:avLst/>
@@ -3477,8 +3650,8 @@
       </dsp:nvSpPr>
       <dsp:spPr>
         <a:xfrm rot="5400000">
-          <a:off x="3069977" y="2657763"/>
-          <a:ext cx="1082878" cy="1232819"/>
+          <a:off x="3069801" y="2657552"/>
+          <a:ext cx="1082792" cy="1232721"/>
         </a:xfrm>
         <a:prstGeom prst="bentUpArrow">
           <a:avLst>
@@ -3530,8 +3703,8 @@
       </dsp:nvSpPr>
       <dsp:spPr>
         <a:xfrm>
-          <a:off x="2783080" y="1457370"/>
-          <a:ext cx="1822930" cy="1275992"/>
+          <a:off x="2782927" y="1457254"/>
+          <a:ext cx="1822785" cy="1275890"/>
         </a:xfrm>
         <a:prstGeom prst="roundRect">
           <a:avLst>
@@ -3606,8 +3779,8 @@
         </a:p>
       </dsp:txBody>
       <dsp:txXfrm>
-        <a:off x="2845380" y="1519670"/>
-        <a:ext cx="1698330" cy="1151392"/>
+        <a:off x="2845222" y="1519549"/>
+        <a:ext cx="1698195" cy="1151300"/>
       </dsp:txXfrm>
     </dsp:sp>
     <dsp:sp modelId="{6DD9BA2F-1347-4EC2-92B1-01202A32EFF1}">
@@ -3617,8 +3790,8 @@
       </dsp:nvSpPr>
       <dsp:spPr>
         <a:xfrm>
-          <a:off x="4606010" y="1579065"/>
-          <a:ext cx="1325825" cy="1031313"/>
+          <a:off x="4605712" y="1578939"/>
+          <a:ext cx="1325720" cy="1031231"/>
         </a:xfrm>
         <a:prstGeom prst="rect">
           <a:avLst/>
@@ -3649,8 +3822,8 @@
       </dsp:nvSpPr>
       <dsp:spPr>
         <a:xfrm>
-          <a:off x="4294483" y="2890730"/>
-          <a:ext cx="1822930" cy="1275992"/>
+          <a:off x="4294210" y="2890501"/>
+          <a:ext cx="1822785" cy="1275890"/>
         </a:xfrm>
         <a:prstGeom prst="roundRect">
           <a:avLst>
@@ -3720,8 +3893,8 @@
         </a:p>
       </dsp:txBody>
       <dsp:txXfrm>
-        <a:off x="4356783" y="2953030"/>
-        <a:ext cx="1698330" cy="1151392"/>
+        <a:off x="4356505" y="2952796"/>
+        <a:ext cx="1698195" cy="1151300"/>
       </dsp:txXfrm>
     </dsp:sp>
   </dsp:spTree>
@@ -3743,8 +3916,8 @@
       </dsp:nvSpPr>
       <dsp:spPr>
         <a:xfrm>
-          <a:off x="-4936266" y="-756390"/>
-          <a:ext cx="5879005" cy="5879005"/>
+          <a:off x="-4935696" y="-756303"/>
+          <a:ext cx="5878327" cy="5878327"/>
         </a:xfrm>
         <a:prstGeom prst="blockArc">
           <a:avLst>
@@ -3789,8 +3962,8 @@
       </dsp:nvSpPr>
       <dsp:spPr>
         <a:xfrm>
-          <a:off x="493677" y="335675"/>
-          <a:ext cx="5810217" cy="671699"/>
+          <a:off x="493621" y="335636"/>
+          <a:ext cx="5809786" cy="671622"/>
         </a:xfrm>
         <a:prstGeom prst="rect">
           <a:avLst/>
@@ -3830,7 +4003,7 @@
         </a:fontRef>
       </dsp:style>
       <dsp:txBody>
-        <a:bodyPr spcFirstLastPara="0" vert="horz" wrap="square" lIns="533162" tIns="81280" rIns="81280" bIns="81280" numCol="1" spcCol="1270" anchor="ctr" anchorCtr="0">
+        <a:bodyPr spcFirstLastPara="0" vert="horz" wrap="square" lIns="533100" tIns="81280" rIns="81280" bIns="81280" numCol="1" spcCol="1270" anchor="ctr" anchorCtr="0">
           <a:noAutofit/>
         </a:bodyPr>
         <a:lstStyle/>
@@ -3858,8 +4031,8 @@
         </a:p>
       </dsp:txBody>
       <dsp:txXfrm>
-        <a:off x="493677" y="335675"/>
-        <a:ext cx="5810217" cy="671699"/>
+        <a:off x="493621" y="335636"/>
+        <a:ext cx="5809786" cy="671622"/>
       </dsp:txXfrm>
     </dsp:sp>
     <dsp:sp modelId="{CAEE737C-2332-4CEE-92B6-FF73675F776A}">
@@ -3869,8 +4042,8 @@
       </dsp:nvSpPr>
       <dsp:spPr>
         <a:xfrm>
-          <a:off x="73864" y="251712"/>
-          <a:ext cx="839624" cy="839624"/>
+          <a:off x="73857" y="251683"/>
+          <a:ext cx="839527" cy="839527"/>
         </a:xfrm>
         <a:prstGeom prst="ellipse">
           <a:avLst/>
@@ -3917,8 +4090,8 @@
       </dsp:nvSpPr>
       <dsp:spPr>
         <a:xfrm>
-          <a:off x="907585" y="1298745"/>
-          <a:ext cx="5425116" cy="671699"/>
+          <a:off x="907483" y="1298595"/>
+          <a:ext cx="5424730" cy="671622"/>
         </a:xfrm>
         <a:prstGeom prst="rect">
           <a:avLst/>
@@ -3958,7 +4131,7 @@
         </a:fontRef>
       </dsp:style>
       <dsp:txBody>
-        <a:bodyPr spcFirstLastPara="0" vert="horz" wrap="square" lIns="533162" tIns="81280" rIns="81280" bIns="81280" numCol="1" spcCol="1270" anchor="ctr" anchorCtr="0">
+        <a:bodyPr spcFirstLastPara="0" vert="horz" wrap="square" lIns="533100" tIns="81280" rIns="81280" bIns="81280" numCol="1" spcCol="1270" anchor="ctr" anchorCtr="0">
           <a:noAutofit/>
         </a:bodyPr>
         <a:lstStyle/>
@@ -4010,8 +4183,8 @@
         </a:p>
       </dsp:txBody>
       <dsp:txXfrm>
-        <a:off x="907585" y="1298745"/>
-        <a:ext cx="5425116" cy="671699"/>
+        <a:off x="907483" y="1298595"/>
+        <a:ext cx="5424730" cy="671622"/>
       </dsp:txXfrm>
     </dsp:sp>
     <dsp:sp modelId="{DB9B4529-C23D-4D62-ABC8-03D42D3E557C}">
@@ -4021,8 +4194,8 @@
       </dsp:nvSpPr>
       <dsp:spPr>
         <a:xfrm>
-          <a:off x="458965" y="1259437"/>
-          <a:ext cx="839624" cy="839624"/>
+          <a:off x="458913" y="1259291"/>
+          <a:ext cx="839527" cy="839527"/>
         </a:xfrm>
         <a:prstGeom prst="ellipse">
           <a:avLst/>
@@ -4069,8 +4242,8 @@
       </dsp:nvSpPr>
       <dsp:spPr>
         <a:xfrm>
-          <a:off x="851055" y="2360360"/>
-          <a:ext cx="5425116" cy="671699"/>
+          <a:off x="850957" y="2360087"/>
+          <a:ext cx="5424730" cy="671622"/>
         </a:xfrm>
         <a:prstGeom prst="rect">
           <a:avLst/>
@@ -4110,7 +4283,7 @@
         </a:fontRef>
       </dsp:style>
       <dsp:txBody>
-        <a:bodyPr spcFirstLastPara="0" vert="horz" wrap="square" lIns="533162" tIns="81280" rIns="81280" bIns="81280" numCol="1" spcCol="1270" anchor="ctr" anchorCtr="0">
+        <a:bodyPr spcFirstLastPara="0" vert="horz" wrap="square" lIns="533100" tIns="81280" rIns="81280" bIns="81280" numCol="1" spcCol="1270" anchor="ctr" anchorCtr="0">
           <a:noAutofit/>
         </a:bodyPr>
         <a:lstStyle/>
@@ -4159,8 +4332,8 @@
         </a:p>
       </dsp:txBody>
       <dsp:txXfrm>
-        <a:off x="851055" y="2360360"/>
-        <a:ext cx="5425116" cy="671699"/>
+        <a:off x="850957" y="2360087"/>
+        <a:ext cx="5424730" cy="671622"/>
       </dsp:txXfrm>
     </dsp:sp>
     <dsp:sp modelId="{79BB7FE0-2991-44AB-B81E-2C1314F35010}">
@@ -4170,8 +4343,8 @@
       </dsp:nvSpPr>
       <dsp:spPr>
         <a:xfrm>
-          <a:off x="458965" y="2267161"/>
-          <a:ext cx="839624" cy="839624"/>
+          <a:off x="458913" y="2266900"/>
+          <a:ext cx="839527" cy="839527"/>
         </a:xfrm>
         <a:prstGeom prst="ellipse">
           <a:avLst/>
@@ -4218,8 +4391,8 @@
       </dsp:nvSpPr>
       <dsp:spPr>
         <a:xfrm>
-          <a:off x="493677" y="3358848"/>
-          <a:ext cx="5810217" cy="671699"/>
+          <a:off x="493621" y="3358461"/>
+          <a:ext cx="5809786" cy="671622"/>
         </a:xfrm>
         <a:prstGeom prst="rect">
           <a:avLst/>
@@ -4259,7 +4432,7 @@
         </a:fontRef>
       </dsp:style>
       <dsp:txBody>
-        <a:bodyPr spcFirstLastPara="0" vert="horz" wrap="square" lIns="533162" tIns="81280" rIns="81280" bIns="81280" numCol="1" spcCol="1270" anchor="ctr" anchorCtr="0">
+        <a:bodyPr spcFirstLastPara="0" vert="horz" wrap="square" lIns="533100" tIns="81280" rIns="81280" bIns="81280" numCol="1" spcCol="1270" anchor="ctr" anchorCtr="0">
           <a:noAutofit/>
         </a:bodyPr>
         <a:lstStyle/>
@@ -4316,8 +4489,8 @@
         </a:p>
       </dsp:txBody>
       <dsp:txXfrm>
-        <a:off x="493677" y="3358848"/>
-        <a:ext cx="5810217" cy="671699"/>
+        <a:off x="493621" y="3358461"/>
+        <a:ext cx="5809786" cy="671622"/>
       </dsp:txXfrm>
     </dsp:sp>
     <dsp:sp modelId="{185AEAB1-3DE9-4A45-BC9B-8E08847991B6}">
@@ -4327,8 +4500,8 @@
       </dsp:nvSpPr>
       <dsp:spPr>
         <a:xfrm>
-          <a:off x="73864" y="3274886"/>
-          <a:ext cx="839624" cy="839624"/>
+          <a:off x="73857" y="3274508"/>
+          <a:ext cx="839527" cy="839527"/>
         </a:xfrm>
         <a:prstGeom prst="ellipse">
           <a:avLst/>
@@ -8037,7 +8210,7 @@
 </file>
 
 <file path=ppt/slideLayouts/slideLayout1.xml><?xml version="1.0" encoding="utf-8"?>
-<p:sldLayout xmlns:a="http://schemas.openxmlformats.org/drawingml/2006/main" xmlns:p="http://schemas.openxmlformats.org/presentationml/2006/main" xmlns:r="http://schemas.openxmlformats.org/officeDocument/2006/relationships" xmlns:p14="http://schemas.microsoft.com/office/powerpoint/2010/main" xmlns:p15="http://schemas.microsoft.com/office/powerpoint/2012/main" xmlns:mc="http://schemas.openxmlformats.org/markup-compatibility/2006" type="blank" preserve="1">
+<p:sldLayout xmlns:a="http://schemas.openxmlformats.org/drawingml/2006/main" xmlns:r="http://schemas.openxmlformats.org/officeDocument/2006/relationships" xmlns:p="http://schemas.openxmlformats.org/presentationml/2006/main" type="blank" preserve="1">
   <p:cSld name="Blank Slide">
     <p:spTree>
       <p:nvGrpSpPr>
@@ -8055,11 +8228,14 @@
       </p:grpSpPr>
     </p:spTree>
   </p:cSld>
+  <p:clrMapOvr>
+    <a:masterClrMapping/>
+  </p:clrMapOvr>
 </p:sldLayout>
 </file>
 
 <file path=ppt/slideLayouts/slideLayout10.xml><?xml version="1.0" encoding="utf-8"?>
-<p:sldLayout xmlns:a="http://schemas.openxmlformats.org/drawingml/2006/main" xmlns:p="http://schemas.openxmlformats.org/presentationml/2006/main" xmlns:r="http://schemas.openxmlformats.org/officeDocument/2006/relationships" xmlns:p14="http://schemas.microsoft.com/office/powerpoint/2010/main" xmlns:p15="http://schemas.microsoft.com/office/powerpoint/2012/main" xmlns:mc="http://schemas.openxmlformats.org/markup-compatibility/2006" type="objOverTx" preserve="1">
+<p:sldLayout xmlns:a="http://schemas.openxmlformats.org/drawingml/2006/main" xmlns:r="http://schemas.openxmlformats.org/officeDocument/2006/relationships" xmlns:p="http://schemas.openxmlformats.org/presentationml/2006/main" type="objOverTx" preserve="1">
   <p:cSld name="Title, Content over Content">
     <p:spTree>
       <p:nvGrpSpPr>
@@ -8095,11 +8271,12 @@
           </a:prstGeom>
         </p:spPr>
         <p:txBody>
-          <a:bodyPr lIns="0" rIns="0" tIns="0" bIns="0" anchor="ctr">
+          <a:bodyPr lIns="0" tIns="0" rIns="0" bIns="0" anchor="ctr">
             <a:noAutofit/>
           </a:bodyPr>
-          <a:p>
-            <a:endParaRPr b="0" lang="es-CO" sz="1800" spc="-1" strike="noStrike">
+          <a:lstStyle/>
+          <a:p>
+            <a:endParaRPr lang="es-CO" sz="1800" b="0" strike="noStrike" spc="-1">
               <a:solidFill>
                 <a:srgbClr val="000000"/>
               </a:solidFill>
@@ -8128,11 +8305,12 @@
           </a:prstGeom>
         </p:spPr>
         <p:txBody>
-          <a:bodyPr lIns="0" rIns="0" tIns="0" bIns="0">
+          <a:bodyPr lIns="0" tIns="0" rIns="0" bIns="0">
             <a:normAutofit/>
           </a:bodyPr>
-          <a:p>
-            <a:endParaRPr b="0" lang="es-CO" sz="2800" spc="-1" strike="noStrike">
+          <a:lstStyle/>
+          <a:p>
+            <a:endParaRPr lang="es-CO" sz="2800" b="0" strike="noStrike" spc="-1">
               <a:solidFill>
                 <a:srgbClr val="000000"/>
               </a:solidFill>
@@ -8161,11 +8339,12 @@
           </a:prstGeom>
         </p:spPr>
         <p:txBody>
-          <a:bodyPr lIns="0" rIns="0" tIns="0" bIns="0">
+          <a:bodyPr lIns="0" tIns="0" rIns="0" bIns="0">
             <a:normAutofit/>
           </a:bodyPr>
-          <a:p>
-            <a:endParaRPr b="0" lang="es-CO" sz="2800" spc="-1" strike="noStrike">
+          <a:lstStyle/>
+          <a:p>
+            <a:endParaRPr lang="es-CO" sz="2800" b="0" strike="noStrike" spc="-1">
               <a:solidFill>
                 <a:srgbClr val="000000"/>
               </a:solidFill>
@@ -8176,11 +8355,14 @@
       </p:sp>
     </p:spTree>
   </p:cSld>
+  <p:clrMapOvr>
+    <a:masterClrMapping/>
+  </p:clrMapOvr>
 </p:sldLayout>
 </file>
 
 <file path=ppt/slideLayouts/slideLayout11.xml><?xml version="1.0" encoding="utf-8"?>
-<p:sldLayout xmlns:a="http://schemas.openxmlformats.org/drawingml/2006/main" xmlns:p="http://schemas.openxmlformats.org/presentationml/2006/main" xmlns:r="http://schemas.openxmlformats.org/officeDocument/2006/relationships" xmlns:p14="http://schemas.microsoft.com/office/powerpoint/2010/main" xmlns:p15="http://schemas.microsoft.com/office/powerpoint/2012/main" xmlns:mc="http://schemas.openxmlformats.org/markup-compatibility/2006" type="fourObj" preserve="1">
+<p:sldLayout xmlns:a="http://schemas.openxmlformats.org/drawingml/2006/main" xmlns:r="http://schemas.openxmlformats.org/officeDocument/2006/relationships" xmlns:p="http://schemas.openxmlformats.org/presentationml/2006/main" type="fourObj" preserve="1">
   <p:cSld name="Title, 4 Content">
     <p:spTree>
       <p:nvGrpSpPr>
@@ -8216,11 +8398,12 @@
           </a:prstGeom>
         </p:spPr>
         <p:txBody>
-          <a:bodyPr lIns="0" rIns="0" tIns="0" bIns="0" anchor="ctr">
+          <a:bodyPr lIns="0" tIns="0" rIns="0" bIns="0" anchor="ctr">
             <a:noAutofit/>
           </a:bodyPr>
-          <a:p>
-            <a:endParaRPr b="0" lang="es-CO" sz="1800" spc="-1" strike="noStrike">
+          <a:lstStyle/>
+          <a:p>
+            <a:endParaRPr lang="es-CO" sz="1800" b="0" strike="noStrike" spc="-1">
               <a:solidFill>
                 <a:srgbClr val="000000"/>
               </a:solidFill>
@@ -8249,11 +8432,12 @@
           </a:prstGeom>
         </p:spPr>
         <p:txBody>
-          <a:bodyPr lIns="0" rIns="0" tIns="0" bIns="0">
+          <a:bodyPr lIns="0" tIns="0" rIns="0" bIns="0">
             <a:normAutofit/>
           </a:bodyPr>
-          <a:p>
-            <a:endParaRPr b="0" lang="es-CO" sz="2800" spc="-1" strike="noStrike">
+          <a:lstStyle/>
+          <a:p>
+            <a:endParaRPr lang="es-CO" sz="2800" b="0" strike="noStrike" spc="-1">
               <a:solidFill>
                 <a:srgbClr val="000000"/>
               </a:solidFill>
@@ -8282,11 +8466,12 @@
           </a:prstGeom>
         </p:spPr>
         <p:txBody>
-          <a:bodyPr lIns="0" rIns="0" tIns="0" bIns="0">
+          <a:bodyPr lIns="0" tIns="0" rIns="0" bIns="0">
             <a:normAutofit/>
           </a:bodyPr>
-          <a:p>
-            <a:endParaRPr b="0" lang="es-CO" sz="2800" spc="-1" strike="noStrike">
+          <a:lstStyle/>
+          <a:p>
+            <a:endParaRPr lang="es-CO" sz="2800" b="0" strike="noStrike" spc="-1">
               <a:solidFill>
                 <a:srgbClr val="000000"/>
               </a:solidFill>
@@ -8315,11 +8500,12 @@
           </a:prstGeom>
         </p:spPr>
         <p:txBody>
-          <a:bodyPr lIns="0" rIns="0" tIns="0" bIns="0">
+          <a:bodyPr lIns="0" tIns="0" rIns="0" bIns="0">
             <a:normAutofit/>
           </a:bodyPr>
-          <a:p>
-            <a:endParaRPr b="0" lang="es-CO" sz="2800" spc="-1" strike="noStrike">
+          <a:lstStyle/>
+          <a:p>
+            <a:endParaRPr lang="es-CO" sz="2800" b="0" strike="noStrike" spc="-1">
               <a:solidFill>
                 <a:srgbClr val="000000"/>
               </a:solidFill>
@@ -8348,11 +8534,12 @@
           </a:prstGeom>
         </p:spPr>
         <p:txBody>
-          <a:bodyPr lIns="0" rIns="0" tIns="0" bIns="0">
+          <a:bodyPr lIns="0" tIns="0" rIns="0" bIns="0">
             <a:normAutofit/>
           </a:bodyPr>
-          <a:p>
-            <a:endParaRPr b="0" lang="es-CO" sz="2800" spc="-1" strike="noStrike">
+          <a:lstStyle/>
+          <a:p>
+            <a:endParaRPr lang="es-CO" sz="2800" b="0" strike="noStrike" spc="-1">
               <a:solidFill>
                 <a:srgbClr val="000000"/>
               </a:solidFill>
@@ -8363,11 +8550,14 @@
       </p:sp>
     </p:spTree>
   </p:cSld>
+  <p:clrMapOvr>
+    <a:masterClrMapping/>
+  </p:clrMapOvr>
 </p:sldLayout>
 </file>
 
 <file path=ppt/slideLayouts/slideLayout12.xml><?xml version="1.0" encoding="utf-8"?>
-<p:sldLayout xmlns:a="http://schemas.openxmlformats.org/drawingml/2006/main" xmlns:p="http://schemas.openxmlformats.org/presentationml/2006/main" xmlns:r="http://schemas.openxmlformats.org/officeDocument/2006/relationships" xmlns:p14="http://schemas.microsoft.com/office/powerpoint/2010/main" xmlns:p15="http://schemas.microsoft.com/office/powerpoint/2012/main" xmlns:mc="http://schemas.openxmlformats.org/markup-compatibility/2006" type="blank" preserve="1">
+<p:sldLayout xmlns:a="http://schemas.openxmlformats.org/drawingml/2006/main" xmlns:r="http://schemas.openxmlformats.org/officeDocument/2006/relationships" xmlns:p="http://schemas.openxmlformats.org/presentationml/2006/main" type="blank" preserve="1">
   <p:cSld name="Title, 6 Content">
     <p:spTree>
       <p:nvGrpSpPr>
@@ -8403,11 +8593,12 @@
           </a:prstGeom>
         </p:spPr>
         <p:txBody>
-          <a:bodyPr lIns="0" rIns="0" tIns="0" bIns="0" anchor="ctr">
+          <a:bodyPr lIns="0" tIns="0" rIns="0" bIns="0" anchor="ctr">
             <a:noAutofit/>
           </a:bodyPr>
-          <a:p>
-            <a:endParaRPr b="0" lang="es-CO" sz="1800" spc="-1" strike="noStrike">
+          <a:lstStyle/>
+          <a:p>
+            <a:endParaRPr lang="es-CO" sz="1800" b="0" strike="noStrike" spc="-1">
               <a:solidFill>
                 <a:srgbClr val="000000"/>
               </a:solidFill>
@@ -8436,11 +8627,12 @@
           </a:prstGeom>
         </p:spPr>
         <p:txBody>
-          <a:bodyPr lIns="0" rIns="0" tIns="0" bIns="0">
+          <a:bodyPr lIns="0" tIns="0" rIns="0" bIns="0">
             <a:normAutofit/>
           </a:bodyPr>
-          <a:p>
-            <a:endParaRPr b="0" lang="es-CO" sz="2800" spc="-1" strike="noStrike">
+          <a:lstStyle/>
+          <a:p>
+            <a:endParaRPr lang="es-CO" sz="2800" b="0" strike="noStrike" spc="-1">
               <a:solidFill>
                 <a:srgbClr val="000000"/>
               </a:solidFill>
@@ -8469,11 +8661,12 @@
           </a:prstGeom>
         </p:spPr>
         <p:txBody>
-          <a:bodyPr lIns="0" rIns="0" tIns="0" bIns="0">
+          <a:bodyPr lIns="0" tIns="0" rIns="0" bIns="0">
             <a:normAutofit/>
           </a:bodyPr>
-          <a:p>
-            <a:endParaRPr b="0" lang="es-CO" sz="2800" spc="-1" strike="noStrike">
+          <a:lstStyle/>
+          <a:p>
+            <a:endParaRPr lang="es-CO" sz="2800" b="0" strike="noStrike" spc="-1">
               <a:solidFill>
                 <a:srgbClr val="000000"/>
               </a:solidFill>
@@ -8502,11 +8695,12 @@
           </a:prstGeom>
         </p:spPr>
         <p:txBody>
-          <a:bodyPr lIns="0" rIns="0" tIns="0" bIns="0">
+          <a:bodyPr lIns="0" tIns="0" rIns="0" bIns="0">
             <a:normAutofit/>
           </a:bodyPr>
-          <a:p>
-            <a:endParaRPr b="0" lang="es-CO" sz="2800" spc="-1" strike="noStrike">
+          <a:lstStyle/>
+          <a:p>
+            <a:endParaRPr lang="es-CO" sz="2800" b="0" strike="noStrike" spc="-1">
               <a:solidFill>
                 <a:srgbClr val="000000"/>
               </a:solidFill>
@@ -8535,11 +8729,12 @@
           </a:prstGeom>
         </p:spPr>
         <p:txBody>
-          <a:bodyPr lIns="0" rIns="0" tIns="0" bIns="0">
+          <a:bodyPr lIns="0" tIns="0" rIns="0" bIns="0">
             <a:normAutofit/>
           </a:bodyPr>
-          <a:p>
-            <a:endParaRPr b="0" lang="es-CO" sz="2800" spc="-1" strike="noStrike">
+          <a:lstStyle/>
+          <a:p>
+            <a:endParaRPr lang="es-CO" sz="2800" b="0" strike="noStrike" spc="-1">
               <a:solidFill>
                 <a:srgbClr val="000000"/>
               </a:solidFill>
@@ -8568,11 +8763,12 @@
           </a:prstGeom>
         </p:spPr>
         <p:txBody>
-          <a:bodyPr lIns="0" rIns="0" tIns="0" bIns="0">
+          <a:bodyPr lIns="0" tIns="0" rIns="0" bIns="0">
             <a:normAutofit/>
           </a:bodyPr>
-          <a:p>
-            <a:endParaRPr b="0" lang="es-CO" sz="2800" spc="-1" strike="noStrike">
+          <a:lstStyle/>
+          <a:p>
+            <a:endParaRPr lang="es-CO" sz="2800" b="0" strike="noStrike" spc="-1">
               <a:solidFill>
                 <a:srgbClr val="000000"/>
               </a:solidFill>
@@ -8601,11 +8797,12 @@
           </a:prstGeom>
         </p:spPr>
         <p:txBody>
-          <a:bodyPr lIns="0" rIns="0" tIns="0" bIns="0">
+          <a:bodyPr lIns="0" tIns="0" rIns="0" bIns="0">
             <a:normAutofit/>
           </a:bodyPr>
-          <a:p>
-            <a:endParaRPr b="0" lang="es-CO" sz="2800" spc="-1" strike="noStrike">
+          <a:lstStyle/>
+          <a:p>
+            <a:endParaRPr lang="es-CO" sz="2800" b="0" strike="noStrike" spc="-1">
               <a:solidFill>
                 <a:srgbClr val="000000"/>
               </a:solidFill>
@@ -8616,11 +8813,14 @@
       </p:sp>
     </p:spTree>
   </p:cSld>
+  <p:clrMapOvr>
+    <a:masterClrMapping/>
+  </p:clrMapOvr>
 </p:sldLayout>
 </file>
 
 <file path=ppt/slideLayouts/slideLayout13.xml><?xml version="1.0" encoding="utf-8"?>
-<p:sldLayout xmlns:a="http://schemas.openxmlformats.org/drawingml/2006/main" xmlns:p="http://schemas.openxmlformats.org/presentationml/2006/main" xmlns:r="http://schemas.openxmlformats.org/officeDocument/2006/relationships" xmlns:p14="http://schemas.microsoft.com/office/powerpoint/2010/main" xmlns:p15="http://schemas.microsoft.com/office/powerpoint/2012/main" xmlns:mc="http://schemas.openxmlformats.org/markup-compatibility/2006" type="blank" preserve="1">
+<p:sldLayout xmlns:a="http://schemas.openxmlformats.org/drawingml/2006/main" xmlns:r="http://schemas.openxmlformats.org/officeDocument/2006/relationships" xmlns:p="http://schemas.openxmlformats.org/presentationml/2006/main" type="blank" preserve="1">
   <p:cSld name="Blank Slide">
     <p:spTree>
       <p:nvGrpSpPr>
@@ -8638,11 +8838,14 @@
       </p:grpSpPr>
     </p:spTree>
   </p:cSld>
+  <p:clrMapOvr>
+    <a:masterClrMapping/>
+  </p:clrMapOvr>
 </p:sldLayout>
 </file>
 
 <file path=ppt/slideLayouts/slideLayout14.xml><?xml version="1.0" encoding="utf-8"?>
-<p:sldLayout xmlns:a="http://schemas.openxmlformats.org/drawingml/2006/main" xmlns:p="http://schemas.openxmlformats.org/presentationml/2006/main" xmlns:r="http://schemas.openxmlformats.org/officeDocument/2006/relationships" xmlns:p14="http://schemas.microsoft.com/office/powerpoint/2010/main" xmlns:p15="http://schemas.microsoft.com/office/powerpoint/2012/main" xmlns:mc="http://schemas.openxmlformats.org/markup-compatibility/2006" type="tx" preserve="1">
+<p:sldLayout xmlns:a="http://schemas.openxmlformats.org/drawingml/2006/main" xmlns:r="http://schemas.openxmlformats.org/officeDocument/2006/relationships" xmlns:p="http://schemas.openxmlformats.org/presentationml/2006/main" type="tx" preserve="1">
   <p:cSld name="Title Slide">
     <p:spTree>
       <p:nvGrpSpPr>
@@ -8678,11 +8881,12 @@
           </a:prstGeom>
         </p:spPr>
         <p:txBody>
-          <a:bodyPr lIns="0" rIns="0" tIns="0" bIns="0" anchor="ctr">
+          <a:bodyPr lIns="0" tIns="0" rIns="0" bIns="0" anchor="ctr">
             <a:noAutofit/>
           </a:bodyPr>
-          <a:p>
-            <a:endParaRPr b="0" lang="es-CO" sz="1800" spc="-1" strike="noStrike">
+          <a:lstStyle/>
+          <a:p>
+            <a:endParaRPr lang="es-CO" sz="1800" b="0" strike="noStrike" spc="-1">
               <a:solidFill>
                 <a:srgbClr val="000000"/>
               </a:solidFill>
@@ -8711,12 +8915,13 @@
           </a:prstGeom>
         </p:spPr>
         <p:txBody>
-          <a:bodyPr lIns="0" rIns="0" tIns="0" bIns="0" anchor="ctr">
+          <a:bodyPr lIns="0" tIns="0" rIns="0" bIns="0" anchor="ctr">
             <a:noAutofit/>
           </a:bodyPr>
+          <a:lstStyle/>
           <a:p>
             <a:pPr algn="ctr"/>
-            <a:endParaRPr b="0" lang="es-ES" sz="3200" spc="-1" strike="noStrike">
+            <a:endParaRPr lang="es-ES" sz="3200" b="0" strike="noStrike" spc="-1">
               <a:latin typeface="Arial"/>
             </a:endParaRPr>
           </a:p>
@@ -8724,11 +8929,14 @@
       </p:sp>
     </p:spTree>
   </p:cSld>
+  <p:clrMapOvr>
+    <a:masterClrMapping/>
+  </p:clrMapOvr>
 </p:sldLayout>
 </file>
 
 <file path=ppt/slideLayouts/slideLayout15.xml><?xml version="1.0" encoding="utf-8"?>
-<p:sldLayout xmlns:a="http://schemas.openxmlformats.org/drawingml/2006/main" xmlns:p="http://schemas.openxmlformats.org/presentationml/2006/main" xmlns:r="http://schemas.openxmlformats.org/officeDocument/2006/relationships" xmlns:p14="http://schemas.microsoft.com/office/powerpoint/2010/main" xmlns:p15="http://schemas.microsoft.com/office/powerpoint/2012/main" xmlns:mc="http://schemas.openxmlformats.org/markup-compatibility/2006" type="obj" preserve="1">
+<p:sldLayout xmlns:a="http://schemas.openxmlformats.org/drawingml/2006/main" xmlns:r="http://schemas.openxmlformats.org/officeDocument/2006/relationships" xmlns:p="http://schemas.openxmlformats.org/presentationml/2006/main" type="obj" preserve="1">
   <p:cSld name="Title, Content">
     <p:spTree>
       <p:nvGrpSpPr>
@@ -8764,11 +8972,12 @@
           </a:prstGeom>
         </p:spPr>
         <p:txBody>
-          <a:bodyPr lIns="0" rIns="0" tIns="0" bIns="0" anchor="ctr">
+          <a:bodyPr lIns="0" tIns="0" rIns="0" bIns="0" anchor="ctr">
             <a:noAutofit/>
           </a:bodyPr>
-          <a:p>
-            <a:endParaRPr b="0" lang="es-CO" sz="1800" spc="-1" strike="noStrike">
+          <a:lstStyle/>
+          <a:p>
+            <a:endParaRPr lang="es-CO" sz="1800" b="0" strike="noStrike" spc="-1">
               <a:solidFill>
                 <a:srgbClr val="000000"/>
               </a:solidFill>
@@ -8797,11 +9006,12 @@
           </a:prstGeom>
         </p:spPr>
         <p:txBody>
-          <a:bodyPr lIns="0" rIns="0" tIns="0" bIns="0">
+          <a:bodyPr lIns="0" tIns="0" rIns="0" bIns="0">
             <a:normAutofit/>
           </a:bodyPr>
-          <a:p>
-            <a:endParaRPr b="0" lang="es-CO" sz="2800" spc="-1" strike="noStrike">
+          <a:lstStyle/>
+          <a:p>
+            <a:endParaRPr lang="es-CO" sz="2800" b="0" strike="noStrike" spc="-1">
               <a:solidFill>
                 <a:srgbClr val="000000"/>
               </a:solidFill>
@@ -8812,11 +9022,14 @@
       </p:sp>
     </p:spTree>
   </p:cSld>
+  <p:clrMapOvr>
+    <a:masterClrMapping/>
+  </p:clrMapOvr>
 </p:sldLayout>
 </file>
 
 <file path=ppt/slideLayouts/slideLayout16.xml><?xml version="1.0" encoding="utf-8"?>
-<p:sldLayout xmlns:a="http://schemas.openxmlformats.org/drawingml/2006/main" xmlns:p="http://schemas.openxmlformats.org/presentationml/2006/main" xmlns:r="http://schemas.openxmlformats.org/officeDocument/2006/relationships" xmlns:p14="http://schemas.microsoft.com/office/powerpoint/2010/main" xmlns:p15="http://schemas.microsoft.com/office/powerpoint/2012/main" xmlns:mc="http://schemas.openxmlformats.org/markup-compatibility/2006" type="twoObj" preserve="1">
+<p:sldLayout xmlns:a="http://schemas.openxmlformats.org/drawingml/2006/main" xmlns:r="http://schemas.openxmlformats.org/officeDocument/2006/relationships" xmlns:p="http://schemas.openxmlformats.org/presentationml/2006/main" type="twoObj" preserve="1">
   <p:cSld name="Title, 2 Content">
     <p:spTree>
       <p:nvGrpSpPr>
@@ -8852,11 +9065,12 @@
           </a:prstGeom>
         </p:spPr>
         <p:txBody>
-          <a:bodyPr lIns="0" rIns="0" tIns="0" bIns="0" anchor="ctr">
+          <a:bodyPr lIns="0" tIns="0" rIns="0" bIns="0" anchor="ctr">
             <a:noAutofit/>
           </a:bodyPr>
-          <a:p>
-            <a:endParaRPr b="0" lang="es-CO" sz="1800" spc="-1" strike="noStrike">
+          <a:lstStyle/>
+          <a:p>
+            <a:endParaRPr lang="es-CO" sz="1800" b="0" strike="noStrike" spc="-1">
               <a:solidFill>
                 <a:srgbClr val="000000"/>
               </a:solidFill>
@@ -8885,11 +9099,12 @@
           </a:prstGeom>
         </p:spPr>
         <p:txBody>
-          <a:bodyPr lIns="0" rIns="0" tIns="0" bIns="0">
+          <a:bodyPr lIns="0" tIns="0" rIns="0" bIns="0">
             <a:normAutofit/>
           </a:bodyPr>
-          <a:p>
-            <a:endParaRPr b="0" lang="es-CO" sz="2800" spc="-1" strike="noStrike">
+          <a:lstStyle/>
+          <a:p>
+            <a:endParaRPr lang="es-CO" sz="2800" b="0" strike="noStrike" spc="-1">
               <a:solidFill>
                 <a:srgbClr val="000000"/>
               </a:solidFill>
@@ -8918,11 +9133,12 @@
           </a:prstGeom>
         </p:spPr>
         <p:txBody>
-          <a:bodyPr lIns="0" rIns="0" tIns="0" bIns="0">
+          <a:bodyPr lIns="0" tIns="0" rIns="0" bIns="0">
             <a:normAutofit/>
           </a:bodyPr>
-          <a:p>
-            <a:endParaRPr b="0" lang="es-CO" sz="2800" spc="-1" strike="noStrike">
+          <a:lstStyle/>
+          <a:p>
+            <a:endParaRPr lang="es-CO" sz="2800" b="0" strike="noStrike" spc="-1">
               <a:solidFill>
                 <a:srgbClr val="000000"/>
               </a:solidFill>
@@ -8933,11 +9149,14 @@
       </p:sp>
     </p:spTree>
   </p:cSld>
+  <p:clrMapOvr>
+    <a:masterClrMapping/>
+  </p:clrMapOvr>
 </p:sldLayout>
 </file>
 
 <file path=ppt/slideLayouts/slideLayout17.xml><?xml version="1.0" encoding="utf-8"?>
-<p:sldLayout xmlns:a="http://schemas.openxmlformats.org/drawingml/2006/main" xmlns:p="http://schemas.openxmlformats.org/presentationml/2006/main" xmlns:r="http://schemas.openxmlformats.org/officeDocument/2006/relationships" xmlns:p14="http://schemas.microsoft.com/office/powerpoint/2010/main" xmlns:p15="http://schemas.microsoft.com/office/powerpoint/2012/main" xmlns:mc="http://schemas.openxmlformats.org/markup-compatibility/2006" type="titleOnly" preserve="1">
+<p:sldLayout xmlns:a="http://schemas.openxmlformats.org/drawingml/2006/main" xmlns:r="http://schemas.openxmlformats.org/officeDocument/2006/relationships" xmlns:p="http://schemas.openxmlformats.org/presentationml/2006/main" type="titleOnly" preserve="1">
   <p:cSld name="Title Only">
     <p:spTree>
       <p:nvGrpSpPr>
@@ -8973,11 +9192,12 @@
           </a:prstGeom>
         </p:spPr>
         <p:txBody>
-          <a:bodyPr lIns="0" rIns="0" tIns="0" bIns="0" anchor="ctr">
+          <a:bodyPr lIns="0" tIns="0" rIns="0" bIns="0" anchor="ctr">
             <a:noAutofit/>
           </a:bodyPr>
-          <a:p>
-            <a:endParaRPr b="0" lang="es-CO" sz="1800" spc="-1" strike="noStrike">
+          <a:lstStyle/>
+          <a:p>
+            <a:endParaRPr lang="es-CO" sz="1800" b="0" strike="noStrike" spc="-1">
               <a:solidFill>
                 <a:srgbClr val="000000"/>
               </a:solidFill>
@@ -8988,11 +9208,14 @@
       </p:sp>
     </p:spTree>
   </p:cSld>
+  <p:clrMapOvr>
+    <a:masterClrMapping/>
+  </p:clrMapOvr>
 </p:sldLayout>
 </file>
 
 <file path=ppt/slideLayouts/slideLayout18.xml><?xml version="1.0" encoding="utf-8"?>
-<p:sldLayout xmlns:a="http://schemas.openxmlformats.org/drawingml/2006/main" xmlns:p="http://schemas.openxmlformats.org/presentationml/2006/main" xmlns:r="http://schemas.openxmlformats.org/officeDocument/2006/relationships" xmlns:p14="http://schemas.microsoft.com/office/powerpoint/2010/main" xmlns:p15="http://schemas.microsoft.com/office/powerpoint/2012/main" xmlns:mc="http://schemas.openxmlformats.org/markup-compatibility/2006" type="objOnly" preserve="1">
+<p:sldLayout xmlns:a="http://schemas.openxmlformats.org/drawingml/2006/main" xmlns:r="http://schemas.openxmlformats.org/officeDocument/2006/relationships" xmlns:p="http://schemas.openxmlformats.org/presentationml/2006/main" type="objOnly" preserve="1">
   <p:cSld name="Centered Text">
     <p:spTree>
       <p:nvGrpSpPr>
@@ -9028,12 +9251,13 @@
           </a:prstGeom>
         </p:spPr>
         <p:txBody>
-          <a:bodyPr lIns="0" rIns="0" tIns="0" bIns="0" anchor="ctr">
+          <a:bodyPr lIns="0" tIns="0" rIns="0" bIns="0" anchor="ctr">
             <a:noAutofit/>
           </a:bodyPr>
+          <a:lstStyle/>
           <a:p>
             <a:pPr algn="ctr"/>
-            <a:endParaRPr b="0" lang="es-ES" sz="3200" spc="-1" strike="noStrike">
+            <a:endParaRPr lang="es-ES" sz="3200" b="0" strike="noStrike" spc="-1">
               <a:latin typeface="Arial"/>
             </a:endParaRPr>
           </a:p>
@@ -9041,11 +9265,14 @@
       </p:sp>
     </p:spTree>
   </p:cSld>
+  <p:clrMapOvr>
+    <a:masterClrMapping/>
+  </p:clrMapOvr>
 </p:sldLayout>
 </file>
 
 <file path=ppt/slideLayouts/slideLayout19.xml><?xml version="1.0" encoding="utf-8"?>
-<p:sldLayout xmlns:a="http://schemas.openxmlformats.org/drawingml/2006/main" xmlns:p="http://schemas.openxmlformats.org/presentationml/2006/main" xmlns:r="http://schemas.openxmlformats.org/officeDocument/2006/relationships" xmlns:p14="http://schemas.microsoft.com/office/powerpoint/2010/main" xmlns:p15="http://schemas.microsoft.com/office/powerpoint/2012/main" xmlns:mc="http://schemas.openxmlformats.org/markup-compatibility/2006" type="twoObjAndObj" preserve="1">
+<p:sldLayout xmlns:a="http://schemas.openxmlformats.org/drawingml/2006/main" xmlns:r="http://schemas.openxmlformats.org/officeDocument/2006/relationships" xmlns:p="http://schemas.openxmlformats.org/presentationml/2006/main" type="twoObjAndObj" preserve="1">
   <p:cSld name="Title, 2 Content and Content">
     <p:spTree>
       <p:nvGrpSpPr>
@@ -9081,11 +9308,12 @@
           </a:prstGeom>
         </p:spPr>
         <p:txBody>
-          <a:bodyPr lIns="0" rIns="0" tIns="0" bIns="0" anchor="ctr">
+          <a:bodyPr lIns="0" tIns="0" rIns="0" bIns="0" anchor="ctr">
             <a:noAutofit/>
           </a:bodyPr>
-          <a:p>
-            <a:endParaRPr b="0" lang="es-CO" sz="1800" spc="-1" strike="noStrike">
+          <a:lstStyle/>
+          <a:p>
+            <a:endParaRPr lang="es-CO" sz="1800" b="0" strike="noStrike" spc="-1">
               <a:solidFill>
                 <a:srgbClr val="000000"/>
               </a:solidFill>
@@ -9114,11 +9342,12 @@
           </a:prstGeom>
         </p:spPr>
         <p:txBody>
-          <a:bodyPr lIns="0" rIns="0" tIns="0" bIns="0">
+          <a:bodyPr lIns="0" tIns="0" rIns="0" bIns="0">
             <a:normAutofit/>
           </a:bodyPr>
-          <a:p>
-            <a:endParaRPr b="0" lang="es-CO" sz="2800" spc="-1" strike="noStrike">
+          <a:lstStyle/>
+          <a:p>
+            <a:endParaRPr lang="es-CO" sz="2800" b="0" strike="noStrike" spc="-1">
               <a:solidFill>
                 <a:srgbClr val="000000"/>
               </a:solidFill>
@@ -9147,11 +9376,12 @@
           </a:prstGeom>
         </p:spPr>
         <p:txBody>
-          <a:bodyPr lIns="0" rIns="0" tIns="0" bIns="0">
+          <a:bodyPr lIns="0" tIns="0" rIns="0" bIns="0">
             <a:normAutofit/>
           </a:bodyPr>
-          <a:p>
-            <a:endParaRPr b="0" lang="es-CO" sz="2800" spc="-1" strike="noStrike">
+          <a:lstStyle/>
+          <a:p>
+            <a:endParaRPr lang="es-CO" sz="2800" b="0" strike="noStrike" spc="-1">
               <a:solidFill>
                 <a:srgbClr val="000000"/>
               </a:solidFill>
@@ -9180,11 +9410,12 @@
           </a:prstGeom>
         </p:spPr>
         <p:txBody>
-          <a:bodyPr lIns="0" rIns="0" tIns="0" bIns="0">
+          <a:bodyPr lIns="0" tIns="0" rIns="0" bIns="0">
             <a:normAutofit/>
           </a:bodyPr>
-          <a:p>
-            <a:endParaRPr b="0" lang="es-CO" sz="2800" spc="-1" strike="noStrike">
+          <a:lstStyle/>
+          <a:p>
+            <a:endParaRPr lang="es-CO" sz="2800" b="0" strike="noStrike" spc="-1">
               <a:solidFill>
                 <a:srgbClr val="000000"/>
               </a:solidFill>
@@ -9195,11 +9426,14 @@
       </p:sp>
     </p:spTree>
   </p:cSld>
+  <p:clrMapOvr>
+    <a:masterClrMapping/>
+  </p:clrMapOvr>
 </p:sldLayout>
 </file>
 
 <file path=ppt/slideLayouts/slideLayout2.xml><?xml version="1.0" encoding="utf-8"?>
-<p:sldLayout xmlns:a="http://schemas.openxmlformats.org/drawingml/2006/main" xmlns:p="http://schemas.openxmlformats.org/presentationml/2006/main" xmlns:r="http://schemas.openxmlformats.org/officeDocument/2006/relationships" xmlns:p14="http://schemas.microsoft.com/office/powerpoint/2010/main" xmlns:p15="http://schemas.microsoft.com/office/powerpoint/2012/main" xmlns:mc="http://schemas.openxmlformats.org/markup-compatibility/2006" type="tx" preserve="1">
+<p:sldLayout xmlns:a="http://schemas.openxmlformats.org/drawingml/2006/main" xmlns:r="http://schemas.openxmlformats.org/officeDocument/2006/relationships" xmlns:p="http://schemas.openxmlformats.org/presentationml/2006/main" type="tx" preserve="1">
   <p:cSld name="Title Slide">
     <p:spTree>
       <p:nvGrpSpPr>
@@ -9235,11 +9469,12 @@
           </a:prstGeom>
         </p:spPr>
         <p:txBody>
-          <a:bodyPr lIns="0" rIns="0" tIns="0" bIns="0" anchor="ctr">
+          <a:bodyPr lIns="0" tIns="0" rIns="0" bIns="0" anchor="ctr">
             <a:noAutofit/>
           </a:bodyPr>
-          <a:p>
-            <a:endParaRPr b="0" lang="es-CO" sz="1800" spc="-1" strike="noStrike">
+          <a:lstStyle/>
+          <a:p>
+            <a:endParaRPr lang="es-CO" sz="1800" b="0" strike="noStrike" spc="-1">
               <a:solidFill>
                 <a:srgbClr val="000000"/>
               </a:solidFill>
@@ -9268,12 +9503,13 @@
           </a:prstGeom>
         </p:spPr>
         <p:txBody>
-          <a:bodyPr lIns="0" rIns="0" tIns="0" bIns="0" anchor="ctr">
+          <a:bodyPr lIns="0" tIns="0" rIns="0" bIns="0" anchor="ctr">
             <a:noAutofit/>
           </a:bodyPr>
+          <a:lstStyle/>
           <a:p>
             <a:pPr algn="ctr"/>
-            <a:endParaRPr b="0" lang="es-ES" sz="3200" spc="-1" strike="noStrike">
+            <a:endParaRPr lang="es-ES" sz="3200" b="0" strike="noStrike" spc="-1">
               <a:latin typeface="Arial"/>
             </a:endParaRPr>
           </a:p>
@@ -9281,11 +9517,14 @@
       </p:sp>
     </p:spTree>
   </p:cSld>
+  <p:clrMapOvr>
+    <a:masterClrMapping/>
+  </p:clrMapOvr>
 </p:sldLayout>
 </file>
 
 <file path=ppt/slideLayouts/slideLayout20.xml><?xml version="1.0" encoding="utf-8"?>
-<p:sldLayout xmlns:a="http://schemas.openxmlformats.org/drawingml/2006/main" xmlns:p="http://schemas.openxmlformats.org/presentationml/2006/main" xmlns:r="http://schemas.openxmlformats.org/officeDocument/2006/relationships" xmlns:p14="http://schemas.microsoft.com/office/powerpoint/2010/main" xmlns:p15="http://schemas.microsoft.com/office/powerpoint/2012/main" xmlns:mc="http://schemas.openxmlformats.org/markup-compatibility/2006" type="objAndTwoObj" preserve="1">
+<p:sldLayout xmlns:a="http://schemas.openxmlformats.org/drawingml/2006/main" xmlns:r="http://schemas.openxmlformats.org/officeDocument/2006/relationships" xmlns:p="http://schemas.openxmlformats.org/presentationml/2006/main" type="objAndTwoObj" preserve="1">
   <p:cSld name="Title Content and 2 Content">
     <p:spTree>
       <p:nvGrpSpPr>
@@ -9321,11 +9560,12 @@
           </a:prstGeom>
         </p:spPr>
         <p:txBody>
-          <a:bodyPr lIns="0" rIns="0" tIns="0" bIns="0" anchor="ctr">
+          <a:bodyPr lIns="0" tIns="0" rIns="0" bIns="0" anchor="ctr">
             <a:noAutofit/>
           </a:bodyPr>
-          <a:p>
-            <a:endParaRPr b="0" lang="es-CO" sz="1800" spc="-1" strike="noStrike">
+          <a:lstStyle/>
+          <a:p>
+            <a:endParaRPr lang="es-CO" sz="1800" b="0" strike="noStrike" spc="-1">
               <a:solidFill>
                 <a:srgbClr val="000000"/>
               </a:solidFill>
@@ -9354,11 +9594,12 @@
           </a:prstGeom>
         </p:spPr>
         <p:txBody>
-          <a:bodyPr lIns="0" rIns="0" tIns="0" bIns="0">
+          <a:bodyPr lIns="0" tIns="0" rIns="0" bIns="0">
             <a:normAutofit/>
           </a:bodyPr>
-          <a:p>
-            <a:endParaRPr b="0" lang="es-CO" sz="2800" spc="-1" strike="noStrike">
+          <a:lstStyle/>
+          <a:p>
+            <a:endParaRPr lang="es-CO" sz="2800" b="0" strike="noStrike" spc="-1">
               <a:solidFill>
                 <a:srgbClr val="000000"/>
               </a:solidFill>
@@ -9387,11 +9628,12 @@
           </a:prstGeom>
         </p:spPr>
         <p:txBody>
-          <a:bodyPr lIns="0" rIns="0" tIns="0" bIns="0">
+          <a:bodyPr lIns="0" tIns="0" rIns="0" bIns="0">
             <a:normAutofit/>
           </a:bodyPr>
-          <a:p>
-            <a:endParaRPr b="0" lang="es-CO" sz="2800" spc="-1" strike="noStrike">
+          <a:lstStyle/>
+          <a:p>
+            <a:endParaRPr lang="es-CO" sz="2800" b="0" strike="noStrike" spc="-1">
               <a:solidFill>
                 <a:srgbClr val="000000"/>
               </a:solidFill>
@@ -9420,11 +9662,12 @@
           </a:prstGeom>
         </p:spPr>
         <p:txBody>
-          <a:bodyPr lIns="0" rIns="0" tIns="0" bIns="0">
+          <a:bodyPr lIns="0" tIns="0" rIns="0" bIns="0">
             <a:normAutofit/>
           </a:bodyPr>
-          <a:p>
-            <a:endParaRPr b="0" lang="es-CO" sz="2800" spc="-1" strike="noStrike">
+          <a:lstStyle/>
+          <a:p>
+            <a:endParaRPr lang="es-CO" sz="2800" b="0" strike="noStrike" spc="-1">
               <a:solidFill>
                 <a:srgbClr val="000000"/>
               </a:solidFill>
@@ -9435,11 +9678,14 @@
       </p:sp>
     </p:spTree>
   </p:cSld>
+  <p:clrMapOvr>
+    <a:masterClrMapping/>
+  </p:clrMapOvr>
 </p:sldLayout>
 </file>
 
 <file path=ppt/slideLayouts/slideLayout21.xml><?xml version="1.0" encoding="utf-8"?>
-<p:sldLayout xmlns:a="http://schemas.openxmlformats.org/drawingml/2006/main" xmlns:p="http://schemas.openxmlformats.org/presentationml/2006/main" xmlns:r="http://schemas.openxmlformats.org/officeDocument/2006/relationships" xmlns:p14="http://schemas.microsoft.com/office/powerpoint/2010/main" xmlns:p15="http://schemas.microsoft.com/office/powerpoint/2012/main" xmlns:mc="http://schemas.openxmlformats.org/markup-compatibility/2006" type="twoObjOverTx" preserve="1">
+<p:sldLayout xmlns:a="http://schemas.openxmlformats.org/drawingml/2006/main" xmlns:r="http://schemas.openxmlformats.org/officeDocument/2006/relationships" xmlns:p="http://schemas.openxmlformats.org/presentationml/2006/main" type="twoObjOverTx" preserve="1">
   <p:cSld name="Title, 2 Content over Content">
     <p:spTree>
       <p:nvGrpSpPr>
@@ -9475,11 +9721,12 @@
           </a:prstGeom>
         </p:spPr>
         <p:txBody>
-          <a:bodyPr lIns="0" rIns="0" tIns="0" bIns="0" anchor="ctr">
+          <a:bodyPr lIns="0" tIns="0" rIns="0" bIns="0" anchor="ctr">
             <a:noAutofit/>
           </a:bodyPr>
-          <a:p>
-            <a:endParaRPr b="0" lang="es-CO" sz="1800" spc="-1" strike="noStrike">
+          <a:lstStyle/>
+          <a:p>
+            <a:endParaRPr lang="es-CO" sz="1800" b="0" strike="noStrike" spc="-1">
               <a:solidFill>
                 <a:srgbClr val="000000"/>
               </a:solidFill>
@@ -9508,11 +9755,12 @@
           </a:prstGeom>
         </p:spPr>
         <p:txBody>
-          <a:bodyPr lIns="0" rIns="0" tIns="0" bIns="0">
+          <a:bodyPr lIns="0" tIns="0" rIns="0" bIns="0">
             <a:normAutofit/>
           </a:bodyPr>
-          <a:p>
-            <a:endParaRPr b="0" lang="es-CO" sz="2800" spc="-1" strike="noStrike">
+          <a:lstStyle/>
+          <a:p>
+            <a:endParaRPr lang="es-CO" sz="2800" b="0" strike="noStrike" spc="-1">
               <a:solidFill>
                 <a:srgbClr val="000000"/>
               </a:solidFill>
@@ -9541,11 +9789,12 @@
           </a:prstGeom>
         </p:spPr>
         <p:txBody>
-          <a:bodyPr lIns="0" rIns="0" tIns="0" bIns="0">
+          <a:bodyPr lIns="0" tIns="0" rIns="0" bIns="0">
             <a:normAutofit/>
           </a:bodyPr>
-          <a:p>
-            <a:endParaRPr b="0" lang="es-CO" sz="2800" spc="-1" strike="noStrike">
+          <a:lstStyle/>
+          <a:p>
+            <a:endParaRPr lang="es-CO" sz="2800" b="0" strike="noStrike" spc="-1">
               <a:solidFill>
                 <a:srgbClr val="000000"/>
               </a:solidFill>
@@ -9574,11 +9823,12 @@
           </a:prstGeom>
         </p:spPr>
         <p:txBody>
-          <a:bodyPr lIns="0" rIns="0" tIns="0" bIns="0">
+          <a:bodyPr lIns="0" tIns="0" rIns="0" bIns="0">
             <a:normAutofit/>
           </a:bodyPr>
-          <a:p>
-            <a:endParaRPr b="0" lang="es-CO" sz="2800" spc="-1" strike="noStrike">
+          <a:lstStyle/>
+          <a:p>
+            <a:endParaRPr lang="es-CO" sz="2800" b="0" strike="noStrike" spc="-1">
               <a:solidFill>
                 <a:srgbClr val="000000"/>
               </a:solidFill>
@@ -9589,11 +9839,14 @@
       </p:sp>
     </p:spTree>
   </p:cSld>
+  <p:clrMapOvr>
+    <a:masterClrMapping/>
+  </p:clrMapOvr>
 </p:sldLayout>
 </file>
 
 <file path=ppt/slideLayouts/slideLayout22.xml><?xml version="1.0" encoding="utf-8"?>
-<p:sldLayout xmlns:a="http://schemas.openxmlformats.org/drawingml/2006/main" xmlns:p="http://schemas.openxmlformats.org/presentationml/2006/main" xmlns:r="http://schemas.openxmlformats.org/officeDocument/2006/relationships" xmlns:p14="http://schemas.microsoft.com/office/powerpoint/2010/main" xmlns:p15="http://schemas.microsoft.com/office/powerpoint/2012/main" xmlns:mc="http://schemas.openxmlformats.org/markup-compatibility/2006" type="objOverTx" preserve="1">
+<p:sldLayout xmlns:a="http://schemas.openxmlformats.org/drawingml/2006/main" xmlns:r="http://schemas.openxmlformats.org/officeDocument/2006/relationships" xmlns:p="http://schemas.openxmlformats.org/presentationml/2006/main" type="objOverTx" preserve="1">
   <p:cSld name="Title, Content over Content">
     <p:spTree>
       <p:nvGrpSpPr>
@@ -9629,11 +9882,12 @@
           </a:prstGeom>
         </p:spPr>
         <p:txBody>
-          <a:bodyPr lIns="0" rIns="0" tIns="0" bIns="0" anchor="ctr">
+          <a:bodyPr lIns="0" tIns="0" rIns="0" bIns="0" anchor="ctr">
             <a:noAutofit/>
           </a:bodyPr>
-          <a:p>
-            <a:endParaRPr b="0" lang="es-CO" sz="1800" spc="-1" strike="noStrike">
+          <a:lstStyle/>
+          <a:p>
+            <a:endParaRPr lang="es-CO" sz="1800" b="0" strike="noStrike" spc="-1">
               <a:solidFill>
                 <a:srgbClr val="000000"/>
               </a:solidFill>
@@ -9662,11 +9916,12 @@
           </a:prstGeom>
         </p:spPr>
         <p:txBody>
-          <a:bodyPr lIns="0" rIns="0" tIns="0" bIns="0">
+          <a:bodyPr lIns="0" tIns="0" rIns="0" bIns="0">
             <a:normAutofit/>
           </a:bodyPr>
-          <a:p>
-            <a:endParaRPr b="0" lang="es-CO" sz="2800" spc="-1" strike="noStrike">
+          <a:lstStyle/>
+          <a:p>
+            <a:endParaRPr lang="es-CO" sz="2800" b="0" strike="noStrike" spc="-1">
               <a:solidFill>
                 <a:srgbClr val="000000"/>
               </a:solidFill>
@@ -9695,11 +9950,12 @@
           </a:prstGeom>
         </p:spPr>
         <p:txBody>
-          <a:bodyPr lIns="0" rIns="0" tIns="0" bIns="0">
+          <a:bodyPr lIns="0" tIns="0" rIns="0" bIns="0">
             <a:normAutofit/>
           </a:bodyPr>
-          <a:p>
-            <a:endParaRPr b="0" lang="es-CO" sz="2800" spc="-1" strike="noStrike">
+          <a:lstStyle/>
+          <a:p>
+            <a:endParaRPr lang="es-CO" sz="2800" b="0" strike="noStrike" spc="-1">
               <a:solidFill>
                 <a:srgbClr val="000000"/>
               </a:solidFill>
@@ -9710,11 +9966,14 @@
       </p:sp>
     </p:spTree>
   </p:cSld>
+  <p:clrMapOvr>
+    <a:masterClrMapping/>
+  </p:clrMapOvr>
 </p:sldLayout>
 </file>
 
 <file path=ppt/slideLayouts/slideLayout23.xml><?xml version="1.0" encoding="utf-8"?>
-<p:sldLayout xmlns:a="http://schemas.openxmlformats.org/drawingml/2006/main" xmlns:p="http://schemas.openxmlformats.org/presentationml/2006/main" xmlns:r="http://schemas.openxmlformats.org/officeDocument/2006/relationships" xmlns:p14="http://schemas.microsoft.com/office/powerpoint/2010/main" xmlns:p15="http://schemas.microsoft.com/office/powerpoint/2012/main" xmlns:mc="http://schemas.openxmlformats.org/markup-compatibility/2006" type="fourObj" preserve="1">
+<p:sldLayout xmlns:a="http://schemas.openxmlformats.org/drawingml/2006/main" xmlns:r="http://schemas.openxmlformats.org/officeDocument/2006/relationships" xmlns:p="http://schemas.openxmlformats.org/presentationml/2006/main" type="fourObj" preserve="1">
   <p:cSld name="Title, 4 Content">
     <p:spTree>
       <p:nvGrpSpPr>
@@ -9750,11 +10009,12 @@
           </a:prstGeom>
         </p:spPr>
         <p:txBody>
-          <a:bodyPr lIns="0" rIns="0" tIns="0" bIns="0" anchor="ctr">
+          <a:bodyPr lIns="0" tIns="0" rIns="0" bIns="0" anchor="ctr">
             <a:noAutofit/>
           </a:bodyPr>
-          <a:p>
-            <a:endParaRPr b="0" lang="es-CO" sz="1800" spc="-1" strike="noStrike">
+          <a:lstStyle/>
+          <a:p>
+            <a:endParaRPr lang="es-CO" sz="1800" b="0" strike="noStrike" spc="-1">
               <a:solidFill>
                 <a:srgbClr val="000000"/>
               </a:solidFill>
@@ -9783,11 +10043,12 @@
           </a:prstGeom>
         </p:spPr>
         <p:txBody>
-          <a:bodyPr lIns="0" rIns="0" tIns="0" bIns="0">
+          <a:bodyPr lIns="0" tIns="0" rIns="0" bIns="0">
             <a:normAutofit/>
           </a:bodyPr>
-          <a:p>
-            <a:endParaRPr b="0" lang="es-CO" sz="2800" spc="-1" strike="noStrike">
+          <a:lstStyle/>
+          <a:p>
+            <a:endParaRPr lang="es-CO" sz="2800" b="0" strike="noStrike" spc="-1">
               <a:solidFill>
                 <a:srgbClr val="000000"/>
               </a:solidFill>
@@ -9816,11 +10077,12 @@
           </a:prstGeom>
         </p:spPr>
         <p:txBody>
-          <a:bodyPr lIns="0" rIns="0" tIns="0" bIns="0">
+          <a:bodyPr lIns="0" tIns="0" rIns="0" bIns="0">
             <a:normAutofit/>
           </a:bodyPr>
-          <a:p>
-            <a:endParaRPr b="0" lang="es-CO" sz="2800" spc="-1" strike="noStrike">
+          <a:lstStyle/>
+          <a:p>
+            <a:endParaRPr lang="es-CO" sz="2800" b="0" strike="noStrike" spc="-1">
               <a:solidFill>
                 <a:srgbClr val="000000"/>
               </a:solidFill>
@@ -9849,11 +10111,12 @@
           </a:prstGeom>
         </p:spPr>
         <p:txBody>
-          <a:bodyPr lIns="0" rIns="0" tIns="0" bIns="0">
+          <a:bodyPr lIns="0" tIns="0" rIns="0" bIns="0">
             <a:normAutofit/>
           </a:bodyPr>
-          <a:p>
-            <a:endParaRPr b="0" lang="es-CO" sz="2800" spc="-1" strike="noStrike">
+          <a:lstStyle/>
+          <a:p>
+            <a:endParaRPr lang="es-CO" sz="2800" b="0" strike="noStrike" spc="-1">
               <a:solidFill>
                 <a:srgbClr val="000000"/>
               </a:solidFill>
@@ -9882,11 +10145,12 @@
           </a:prstGeom>
         </p:spPr>
         <p:txBody>
-          <a:bodyPr lIns="0" rIns="0" tIns="0" bIns="0">
+          <a:bodyPr lIns="0" tIns="0" rIns="0" bIns="0">
             <a:normAutofit/>
           </a:bodyPr>
-          <a:p>
-            <a:endParaRPr b="0" lang="es-CO" sz="2800" spc="-1" strike="noStrike">
+          <a:lstStyle/>
+          <a:p>
+            <a:endParaRPr lang="es-CO" sz="2800" b="0" strike="noStrike" spc="-1">
               <a:solidFill>
                 <a:srgbClr val="000000"/>
               </a:solidFill>
@@ -9897,11 +10161,14 @@
       </p:sp>
     </p:spTree>
   </p:cSld>
+  <p:clrMapOvr>
+    <a:masterClrMapping/>
+  </p:clrMapOvr>
 </p:sldLayout>
 </file>
 
 <file path=ppt/slideLayouts/slideLayout24.xml><?xml version="1.0" encoding="utf-8"?>
-<p:sldLayout xmlns:a="http://schemas.openxmlformats.org/drawingml/2006/main" xmlns:p="http://schemas.openxmlformats.org/presentationml/2006/main" xmlns:r="http://schemas.openxmlformats.org/officeDocument/2006/relationships" xmlns:p14="http://schemas.microsoft.com/office/powerpoint/2010/main" xmlns:p15="http://schemas.microsoft.com/office/powerpoint/2012/main" xmlns:mc="http://schemas.openxmlformats.org/markup-compatibility/2006" type="blank" preserve="1">
+<p:sldLayout xmlns:a="http://schemas.openxmlformats.org/drawingml/2006/main" xmlns:r="http://schemas.openxmlformats.org/officeDocument/2006/relationships" xmlns:p="http://schemas.openxmlformats.org/presentationml/2006/main" type="blank" preserve="1">
   <p:cSld name="Title, 6 Content">
     <p:spTree>
       <p:nvGrpSpPr>
@@ -9937,11 +10204,12 @@
           </a:prstGeom>
         </p:spPr>
         <p:txBody>
-          <a:bodyPr lIns="0" rIns="0" tIns="0" bIns="0" anchor="ctr">
+          <a:bodyPr lIns="0" tIns="0" rIns="0" bIns="0" anchor="ctr">
             <a:noAutofit/>
           </a:bodyPr>
-          <a:p>
-            <a:endParaRPr b="0" lang="es-CO" sz="1800" spc="-1" strike="noStrike">
+          <a:lstStyle/>
+          <a:p>
+            <a:endParaRPr lang="es-CO" sz="1800" b="0" strike="noStrike" spc="-1">
               <a:solidFill>
                 <a:srgbClr val="000000"/>
               </a:solidFill>
@@ -9970,11 +10238,12 @@
           </a:prstGeom>
         </p:spPr>
         <p:txBody>
-          <a:bodyPr lIns="0" rIns="0" tIns="0" bIns="0">
+          <a:bodyPr lIns="0" tIns="0" rIns="0" bIns="0">
             <a:normAutofit/>
           </a:bodyPr>
-          <a:p>
-            <a:endParaRPr b="0" lang="es-CO" sz="2800" spc="-1" strike="noStrike">
+          <a:lstStyle/>
+          <a:p>
+            <a:endParaRPr lang="es-CO" sz="2800" b="0" strike="noStrike" spc="-1">
               <a:solidFill>
                 <a:srgbClr val="000000"/>
               </a:solidFill>
@@ -10003,11 +10272,12 @@
           </a:prstGeom>
         </p:spPr>
         <p:txBody>
-          <a:bodyPr lIns="0" rIns="0" tIns="0" bIns="0">
+          <a:bodyPr lIns="0" tIns="0" rIns="0" bIns="0">
             <a:normAutofit/>
           </a:bodyPr>
-          <a:p>
-            <a:endParaRPr b="0" lang="es-CO" sz="2800" spc="-1" strike="noStrike">
+          <a:lstStyle/>
+          <a:p>
+            <a:endParaRPr lang="es-CO" sz="2800" b="0" strike="noStrike" spc="-1">
               <a:solidFill>
                 <a:srgbClr val="000000"/>
               </a:solidFill>
@@ -10036,11 +10306,12 @@
           </a:prstGeom>
         </p:spPr>
         <p:txBody>
-          <a:bodyPr lIns="0" rIns="0" tIns="0" bIns="0">
+          <a:bodyPr lIns="0" tIns="0" rIns="0" bIns="0">
             <a:normAutofit/>
           </a:bodyPr>
-          <a:p>
-            <a:endParaRPr b="0" lang="es-CO" sz="2800" spc="-1" strike="noStrike">
+          <a:lstStyle/>
+          <a:p>
+            <a:endParaRPr lang="es-CO" sz="2800" b="0" strike="noStrike" spc="-1">
               <a:solidFill>
                 <a:srgbClr val="000000"/>
               </a:solidFill>
@@ -10069,11 +10340,12 @@
           </a:prstGeom>
         </p:spPr>
         <p:txBody>
-          <a:bodyPr lIns="0" rIns="0" tIns="0" bIns="0">
+          <a:bodyPr lIns="0" tIns="0" rIns="0" bIns="0">
             <a:normAutofit/>
           </a:bodyPr>
-          <a:p>
-            <a:endParaRPr b="0" lang="es-CO" sz="2800" spc="-1" strike="noStrike">
+          <a:lstStyle/>
+          <a:p>
+            <a:endParaRPr lang="es-CO" sz="2800" b="0" strike="noStrike" spc="-1">
               <a:solidFill>
                 <a:srgbClr val="000000"/>
               </a:solidFill>
@@ -10102,11 +10374,12 @@
           </a:prstGeom>
         </p:spPr>
         <p:txBody>
-          <a:bodyPr lIns="0" rIns="0" tIns="0" bIns="0">
+          <a:bodyPr lIns="0" tIns="0" rIns="0" bIns="0">
             <a:normAutofit/>
           </a:bodyPr>
-          <a:p>
-            <a:endParaRPr b="0" lang="es-CO" sz="2800" spc="-1" strike="noStrike">
+          <a:lstStyle/>
+          <a:p>
+            <a:endParaRPr lang="es-CO" sz="2800" b="0" strike="noStrike" spc="-1">
               <a:solidFill>
                 <a:srgbClr val="000000"/>
               </a:solidFill>
@@ -10135,11 +10408,12 @@
           </a:prstGeom>
         </p:spPr>
         <p:txBody>
-          <a:bodyPr lIns="0" rIns="0" tIns="0" bIns="0">
+          <a:bodyPr lIns="0" tIns="0" rIns="0" bIns="0">
             <a:normAutofit/>
           </a:bodyPr>
-          <a:p>
-            <a:endParaRPr b="0" lang="es-CO" sz="2800" spc="-1" strike="noStrike">
+          <a:lstStyle/>
+          <a:p>
+            <a:endParaRPr lang="es-CO" sz="2800" b="0" strike="noStrike" spc="-1">
               <a:solidFill>
                 <a:srgbClr val="000000"/>
               </a:solidFill>
@@ -10150,11 +10424,14 @@
       </p:sp>
     </p:spTree>
   </p:cSld>
+  <p:clrMapOvr>
+    <a:masterClrMapping/>
+  </p:clrMapOvr>
 </p:sldLayout>
 </file>
 
 <file path=ppt/slideLayouts/slideLayout25.xml><?xml version="1.0" encoding="utf-8"?>
-<p:sldLayout xmlns:a="http://schemas.openxmlformats.org/drawingml/2006/main" xmlns:p="http://schemas.openxmlformats.org/presentationml/2006/main" xmlns:r="http://schemas.openxmlformats.org/officeDocument/2006/relationships" xmlns:p14="http://schemas.microsoft.com/office/powerpoint/2010/main" xmlns:p15="http://schemas.microsoft.com/office/powerpoint/2012/main" xmlns:mc="http://schemas.openxmlformats.org/markup-compatibility/2006" type="blank" preserve="1">
+<p:sldLayout xmlns:a="http://schemas.openxmlformats.org/drawingml/2006/main" xmlns:r="http://schemas.openxmlformats.org/officeDocument/2006/relationships" xmlns:p="http://schemas.openxmlformats.org/presentationml/2006/main" type="blank" preserve="1">
   <p:cSld name="Blank Slide">
     <p:spTree>
       <p:nvGrpSpPr>
@@ -10172,11 +10449,14 @@
       </p:grpSpPr>
     </p:spTree>
   </p:cSld>
+  <p:clrMapOvr>
+    <a:masterClrMapping/>
+  </p:clrMapOvr>
 </p:sldLayout>
 </file>
 
 <file path=ppt/slideLayouts/slideLayout26.xml><?xml version="1.0" encoding="utf-8"?>
-<p:sldLayout xmlns:a="http://schemas.openxmlformats.org/drawingml/2006/main" xmlns:p="http://schemas.openxmlformats.org/presentationml/2006/main" xmlns:r="http://schemas.openxmlformats.org/officeDocument/2006/relationships" xmlns:p14="http://schemas.microsoft.com/office/powerpoint/2010/main" xmlns:p15="http://schemas.microsoft.com/office/powerpoint/2012/main" xmlns:mc="http://schemas.openxmlformats.org/markup-compatibility/2006" type="tx" preserve="1">
+<p:sldLayout xmlns:a="http://schemas.openxmlformats.org/drawingml/2006/main" xmlns:r="http://schemas.openxmlformats.org/officeDocument/2006/relationships" xmlns:p="http://schemas.openxmlformats.org/presentationml/2006/main" type="tx" preserve="1">
   <p:cSld name="Title Slide">
     <p:spTree>
       <p:nvGrpSpPr>
@@ -10212,11 +10492,12 @@
           </a:prstGeom>
         </p:spPr>
         <p:txBody>
-          <a:bodyPr lIns="0" rIns="0" tIns="0" bIns="0" anchor="ctr">
+          <a:bodyPr lIns="0" tIns="0" rIns="0" bIns="0" anchor="ctr">
             <a:noAutofit/>
           </a:bodyPr>
-          <a:p>
-            <a:endParaRPr b="0" lang="es-CO" sz="1800" spc="-1" strike="noStrike">
+          <a:lstStyle/>
+          <a:p>
+            <a:endParaRPr lang="es-CO" sz="1800" b="0" strike="noStrike" spc="-1">
               <a:solidFill>
                 <a:srgbClr val="000000"/>
               </a:solidFill>
@@ -10245,12 +10526,13 @@
           </a:prstGeom>
         </p:spPr>
         <p:txBody>
-          <a:bodyPr lIns="0" rIns="0" tIns="0" bIns="0" anchor="ctr">
+          <a:bodyPr lIns="0" tIns="0" rIns="0" bIns="0" anchor="ctr">
             <a:noAutofit/>
           </a:bodyPr>
+          <a:lstStyle/>
           <a:p>
             <a:pPr algn="ctr"/>
-            <a:endParaRPr b="0" lang="es-ES" sz="3200" spc="-1" strike="noStrike">
+            <a:endParaRPr lang="es-ES" sz="3200" b="0" strike="noStrike" spc="-1">
               <a:latin typeface="Arial"/>
             </a:endParaRPr>
           </a:p>
@@ -10258,11 +10540,14 @@
       </p:sp>
     </p:spTree>
   </p:cSld>
+  <p:clrMapOvr>
+    <a:masterClrMapping/>
+  </p:clrMapOvr>
 </p:sldLayout>
 </file>
 
 <file path=ppt/slideLayouts/slideLayout27.xml><?xml version="1.0" encoding="utf-8"?>
-<p:sldLayout xmlns:a="http://schemas.openxmlformats.org/drawingml/2006/main" xmlns:p="http://schemas.openxmlformats.org/presentationml/2006/main" xmlns:r="http://schemas.openxmlformats.org/officeDocument/2006/relationships" xmlns:p14="http://schemas.microsoft.com/office/powerpoint/2010/main" xmlns:p15="http://schemas.microsoft.com/office/powerpoint/2012/main" xmlns:mc="http://schemas.openxmlformats.org/markup-compatibility/2006" type="obj" preserve="1">
+<p:sldLayout xmlns:a="http://schemas.openxmlformats.org/drawingml/2006/main" xmlns:r="http://schemas.openxmlformats.org/officeDocument/2006/relationships" xmlns:p="http://schemas.openxmlformats.org/presentationml/2006/main" type="obj" preserve="1">
   <p:cSld name="Title, Content">
     <p:spTree>
       <p:nvGrpSpPr>
@@ -10298,11 +10583,12 @@
           </a:prstGeom>
         </p:spPr>
         <p:txBody>
-          <a:bodyPr lIns="0" rIns="0" tIns="0" bIns="0" anchor="ctr">
+          <a:bodyPr lIns="0" tIns="0" rIns="0" bIns="0" anchor="ctr">
             <a:noAutofit/>
           </a:bodyPr>
-          <a:p>
-            <a:endParaRPr b="0" lang="es-CO" sz="1800" spc="-1" strike="noStrike">
+          <a:lstStyle/>
+          <a:p>
+            <a:endParaRPr lang="es-CO" sz="1800" b="0" strike="noStrike" spc="-1">
               <a:solidFill>
                 <a:srgbClr val="000000"/>
               </a:solidFill>
@@ -10331,11 +10617,12 @@
           </a:prstGeom>
         </p:spPr>
         <p:txBody>
-          <a:bodyPr lIns="0" rIns="0" tIns="0" bIns="0">
+          <a:bodyPr lIns="0" tIns="0" rIns="0" bIns="0">
             <a:normAutofit/>
           </a:bodyPr>
-          <a:p>
-            <a:endParaRPr b="0" lang="es-CO" sz="2800" spc="-1" strike="noStrike">
+          <a:lstStyle/>
+          <a:p>
+            <a:endParaRPr lang="es-CO" sz="2800" b="0" strike="noStrike" spc="-1">
               <a:solidFill>
                 <a:srgbClr val="000000"/>
               </a:solidFill>
@@ -10346,11 +10633,14 @@
       </p:sp>
     </p:spTree>
   </p:cSld>
+  <p:clrMapOvr>
+    <a:masterClrMapping/>
+  </p:clrMapOvr>
 </p:sldLayout>
 </file>
 
 <file path=ppt/slideLayouts/slideLayout28.xml><?xml version="1.0" encoding="utf-8"?>
-<p:sldLayout xmlns:a="http://schemas.openxmlformats.org/drawingml/2006/main" xmlns:p="http://schemas.openxmlformats.org/presentationml/2006/main" xmlns:r="http://schemas.openxmlformats.org/officeDocument/2006/relationships" xmlns:p14="http://schemas.microsoft.com/office/powerpoint/2010/main" xmlns:p15="http://schemas.microsoft.com/office/powerpoint/2012/main" xmlns:mc="http://schemas.openxmlformats.org/markup-compatibility/2006" type="twoObj" preserve="1">
+<p:sldLayout xmlns:a="http://schemas.openxmlformats.org/drawingml/2006/main" xmlns:r="http://schemas.openxmlformats.org/officeDocument/2006/relationships" xmlns:p="http://schemas.openxmlformats.org/presentationml/2006/main" type="twoObj" preserve="1">
   <p:cSld name="Title, 2 Content">
     <p:spTree>
       <p:nvGrpSpPr>
@@ -10386,11 +10676,12 @@
           </a:prstGeom>
         </p:spPr>
         <p:txBody>
-          <a:bodyPr lIns="0" rIns="0" tIns="0" bIns="0" anchor="ctr">
+          <a:bodyPr lIns="0" tIns="0" rIns="0" bIns="0" anchor="ctr">
             <a:noAutofit/>
           </a:bodyPr>
-          <a:p>
-            <a:endParaRPr b="0" lang="es-CO" sz="1800" spc="-1" strike="noStrike">
+          <a:lstStyle/>
+          <a:p>
+            <a:endParaRPr lang="es-CO" sz="1800" b="0" strike="noStrike" spc="-1">
               <a:solidFill>
                 <a:srgbClr val="000000"/>
               </a:solidFill>
@@ -10419,11 +10710,12 @@
           </a:prstGeom>
         </p:spPr>
         <p:txBody>
-          <a:bodyPr lIns="0" rIns="0" tIns="0" bIns="0">
+          <a:bodyPr lIns="0" tIns="0" rIns="0" bIns="0">
             <a:normAutofit/>
           </a:bodyPr>
-          <a:p>
-            <a:endParaRPr b="0" lang="es-CO" sz="2800" spc="-1" strike="noStrike">
+          <a:lstStyle/>
+          <a:p>
+            <a:endParaRPr lang="es-CO" sz="2800" b="0" strike="noStrike" spc="-1">
               <a:solidFill>
                 <a:srgbClr val="000000"/>
               </a:solidFill>
@@ -10452,11 +10744,12 @@
           </a:prstGeom>
         </p:spPr>
         <p:txBody>
-          <a:bodyPr lIns="0" rIns="0" tIns="0" bIns="0">
+          <a:bodyPr lIns="0" tIns="0" rIns="0" bIns="0">
             <a:normAutofit/>
           </a:bodyPr>
-          <a:p>
-            <a:endParaRPr b="0" lang="es-CO" sz="2800" spc="-1" strike="noStrike">
+          <a:lstStyle/>
+          <a:p>
+            <a:endParaRPr lang="es-CO" sz="2800" b="0" strike="noStrike" spc="-1">
               <a:solidFill>
                 <a:srgbClr val="000000"/>
               </a:solidFill>
@@ -10467,11 +10760,14 @@
       </p:sp>
     </p:spTree>
   </p:cSld>
+  <p:clrMapOvr>
+    <a:masterClrMapping/>
+  </p:clrMapOvr>
 </p:sldLayout>
 </file>
 
 <file path=ppt/slideLayouts/slideLayout29.xml><?xml version="1.0" encoding="utf-8"?>
-<p:sldLayout xmlns:a="http://schemas.openxmlformats.org/drawingml/2006/main" xmlns:p="http://schemas.openxmlformats.org/presentationml/2006/main" xmlns:r="http://schemas.openxmlformats.org/officeDocument/2006/relationships" xmlns:p14="http://schemas.microsoft.com/office/powerpoint/2010/main" xmlns:p15="http://schemas.microsoft.com/office/powerpoint/2012/main" xmlns:mc="http://schemas.openxmlformats.org/markup-compatibility/2006" type="titleOnly" preserve="1">
+<p:sldLayout xmlns:a="http://schemas.openxmlformats.org/drawingml/2006/main" xmlns:r="http://schemas.openxmlformats.org/officeDocument/2006/relationships" xmlns:p="http://schemas.openxmlformats.org/presentationml/2006/main" type="titleOnly" preserve="1">
   <p:cSld name="Title Only">
     <p:spTree>
       <p:nvGrpSpPr>
@@ -10507,11 +10803,12 @@
           </a:prstGeom>
         </p:spPr>
         <p:txBody>
-          <a:bodyPr lIns="0" rIns="0" tIns="0" bIns="0" anchor="ctr">
+          <a:bodyPr lIns="0" tIns="0" rIns="0" bIns="0" anchor="ctr">
             <a:noAutofit/>
           </a:bodyPr>
-          <a:p>
-            <a:endParaRPr b="0" lang="es-CO" sz="1800" spc="-1" strike="noStrike">
+          <a:lstStyle/>
+          <a:p>
+            <a:endParaRPr lang="es-CO" sz="1800" b="0" strike="noStrike" spc="-1">
               <a:solidFill>
                 <a:srgbClr val="000000"/>
               </a:solidFill>
@@ -10522,11 +10819,14 @@
       </p:sp>
     </p:spTree>
   </p:cSld>
+  <p:clrMapOvr>
+    <a:masterClrMapping/>
+  </p:clrMapOvr>
 </p:sldLayout>
 </file>
 
 <file path=ppt/slideLayouts/slideLayout3.xml><?xml version="1.0" encoding="utf-8"?>
-<p:sldLayout xmlns:a="http://schemas.openxmlformats.org/drawingml/2006/main" xmlns:p="http://schemas.openxmlformats.org/presentationml/2006/main" xmlns:r="http://schemas.openxmlformats.org/officeDocument/2006/relationships" xmlns:p14="http://schemas.microsoft.com/office/powerpoint/2010/main" xmlns:p15="http://schemas.microsoft.com/office/powerpoint/2012/main" xmlns:mc="http://schemas.openxmlformats.org/markup-compatibility/2006" type="obj" preserve="1">
+<p:sldLayout xmlns:a="http://schemas.openxmlformats.org/drawingml/2006/main" xmlns:r="http://schemas.openxmlformats.org/officeDocument/2006/relationships" xmlns:p="http://schemas.openxmlformats.org/presentationml/2006/main" type="obj" preserve="1">
   <p:cSld name="Title, Content">
     <p:spTree>
       <p:nvGrpSpPr>
@@ -10562,11 +10862,12 @@
           </a:prstGeom>
         </p:spPr>
         <p:txBody>
-          <a:bodyPr lIns="0" rIns="0" tIns="0" bIns="0" anchor="ctr">
+          <a:bodyPr lIns="0" tIns="0" rIns="0" bIns="0" anchor="ctr">
             <a:noAutofit/>
           </a:bodyPr>
-          <a:p>
-            <a:endParaRPr b="0" lang="es-CO" sz="1800" spc="-1" strike="noStrike">
+          <a:lstStyle/>
+          <a:p>
+            <a:endParaRPr lang="es-CO" sz="1800" b="0" strike="noStrike" spc="-1">
               <a:solidFill>
                 <a:srgbClr val="000000"/>
               </a:solidFill>
@@ -10595,11 +10896,12 @@
           </a:prstGeom>
         </p:spPr>
         <p:txBody>
-          <a:bodyPr lIns="0" rIns="0" tIns="0" bIns="0">
+          <a:bodyPr lIns="0" tIns="0" rIns="0" bIns="0">
             <a:normAutofit/>
           </a:bodyPr>
-          <a:p>
-            <a:endParaRPr b="0" lang="es-CO" sz="2800" spc="-1" strike="noStrike">
+          <a:lstStyle/>
+          <a:p>
+            <a:endParaRPr lang="es-CO" sz="2800" b="0" strike="noStrike" spc="-1">
               <a:solidFill>
                 <a:srgbClr val="000000"/>
               </a:solidFill>
@@ -10610,11 +10912,14 @@
       </p:sp>
     </p:spTree>
   </p:cSld>
+  <p:clrMapOvr>
+    <a:masterClrMapping/>
+  </p:clrMapOvr>
 </p:sldLayout>
 </file>
 
 <file path=ppt/slideLayouts/slideLayout30.xml><?xml version="1.0" encoding="utf-8"?>
-<p:sldLayout xmlns:a="http://schemas.openxmlformats.org/drawingml/2006/main" xmlns:p="http://schemas.openxmlformats.org/presentationml/2006/main" xmlns:r="http://schemas.openxmlformats.org/officeDocument/2006/relationships" xmlns:p14="http://schemas.microsoft.com/office/powerpoint/2010/main" xmlns:p15="http://schemas.microsoft.com/office/powerpoint/2012/main" xmlns:mc="http://schemas.openxmlformats.org/markup-compatibility/2006" type="objOnly" preserve="1">
+<p:sldLayout xmlns:a="http://schemas.openxmlformats.org/drawingml/2006/main" xmlns:r="http://schemas.openxmlformats.org/officeDocument/2006/relationships" xmlns:p="http://schemas.openxmlformats.org/presentationml/2006/main" type="objOnly" preserve="1">
   <p:cSld name="Centered Text">
     <p:spTree>
       <p:nvGrpSpPr>
@@ -10650,12 +10955,13 @@
           </a:prstGeom>
         </p:spPr>
         <p:txBody>
-          <a:bodyPr lIns="0" rIns="0" tIns="0" bIns="0" anchor="ctr">
+          <a:bodyPr lIns="0" tIns="0" rIns="0" bIns="0" anchor="ctr">
             <a:noAutofit/>
           </a:bodyPr>
+          <a:lstStyle/>
           <a:p>
             <a:pPr algn="ctr"/>
-            <a:endParaRPr b="0" lang="es-ES" sz="3200" spc="-1" strike="noStrike">
+            <a:endParaRPr lang="es-ES" sz="3200" b="0" strike="noStrike" spc="-1">
               <a:latin typeface="Arial"/>
             </a:endParaRPr>
           </a:p>
@@ -10663,11 +10969,14 @@
       </p:sp>
     </p:spTree>
   </p:cSld>
+  <p:clrMapOvr>
+    <a:masterClrMapping/>
+  </p:clrMapOvr>
 </p:sldLayout>
 </file>
 
 <file path=ppt/slideLayouts/slideLayout31.xml><?xml version="1.0" encoding="utf-8"?>
-<p:sldLayout xmlns:a="http://schemas.openxmlformats.org/drawingml/2006/main" xmlns:p="http://schemas.openxmlformats.org/presentationml/2006/main" xmlns:r="http://schemas.openxmlformats.org/officeDocument/2006/relationships" xmlns:p14="http://schemas.microsoft.com/office/powerpoint/2010/main" xmlns:p15="http://schemas.microsoft.com/office/powerpoint/2012/main" xmlns:mc="http://schemas.openxmlformats.org/markup-compatibility/2006" type="twoObjAndObj" preserve="1">
+<p:sldLayout xmlns:a="http://schemas.openxmlformats.org/drawingml/2006/main" xmlns:r="http://schemas.openxmlformats.org/officeDocument/2006/relationships" xmlns:p="http://schemas.openxmlformats.org/presentationml/2006/main" type="twoObjAndObj" preserve="1">
   <p:cSld name="Title, 2 Content and Content">
     <p:spTree>
       <p:nvGrpSpPr>
@@ -10703,11 +11012,12 @@
           </a:prstGeom>
         </p:spPr>
         <p:txBody>
-          <a:bodyPr lIns="0" rIns="0" tIns="0" bIns="0" anchor="ctr">
+          <a:bodyPr lIns="0" tIns="0" rIns="0" bIns="0" anchor="ctr">
             <a:noAutofit/>
           </a:bodyPr>
-          <a:p>
-            <a:endParaRPr b="0" lang="es-CO" sz="1800" spc="-1" strike="noStrike">
+          <a:lstStyle/>
+          <a:p>
+            <a:endParaRPr lang="es-CO" sz="1800" b="0" strike="noStrike" spc="-1">
               <a:solidFill>
                 <a:srgbClr val="000000"/>
               </a:solidFill>
@@ -10736,11 +11046,12 @@
           </a:prstGeom>
         </p:spPr>
         <p:txBody>
-          <a:bodyPr lIns="0" rIns="0" tIns="0" bIns="0">
+          <a:bodyPr lIns="0" tIns="0" rIns="0" bIns="0">
             <a:normAutofit/>
           </a:bodyPr>
-          <a:p>
-            <a:endParaRPr b="0" lang="es-CO" sz="2800" spc="-1" strike="noStrike">
+          <a:lstStyle/>
+          <a:p>
+            <a:endParaRPr lang="es-CO" sz="2800" b="0" strike="noStrike" spc="-1">
               <a:solidFill>
                 <a:srgbClr val="000000"/>
               </a:solidFill>
@@ -10769,11 +11080,12 @@
           </a:prstGeom>
         </p:spPr>
         <p:txBody>
-          <a:bodyPr lIns="0" rIns="0" tIns="0" bIns="0">
+          <a:bodyPr lIns="0" tIns="0" rIns="0" bIns="0">
             <a:normAutofit/>
           </a:bodyPr>
-          <a:p>
-            <a:endParaRPr b="0" lang="es-CO" sz="2800" spc="-1" strike="noStrike">
+          <a:lstStyle/>
+          <a:p>
+            <a:endParaRPr lang="es-CO" sz="2800" b="0" strike="noStrike" spc="-1">
               <a:solidFill>
                 <a:srgbClr val="000000"/>
               </a:solidFill>
@@ -10802,11 +11114,12 @@
           </a:prstGeom>
         </p:spPr>
         <p:txBody>
-          <a:bodyPr lIns="0" rIns="0" tIns="0" bIns="0">
+          <a:bodyPr lIns="0" tIns="0" rIns="0" bIns="0">
             <a:normAutofit/>
           </a:bodyPr>
-          <a:p>
-            <a:endParaRPr b="0" lang="es-CO" sz="2800" spc="-1" strike="noStrike">
+          <a:lstStyle/>
+          <a:p>
+            <a:endParaRPr lang="es-CO" sz="2800" b="0" strike="noStrike" spc="-1">
               <a:solidFill>
                 <a:srgbClr val="000000"/>
               </a:solidFill>
@@ -10817,11 +11130,14 @@
       </p:sp>
     </p:spTree>
   </p:cSld>
+  <p:clrMapOvr>
+    <a:masterClrMapping/>
+  </p:clrMapOvr>
 </p:sldLayout>
 </file>
 
 <file path=ppt/slideLayouts/slideLayout32.xml><?xml version="1.0" encoding="utf-8"?>
-<p:sldLayout xmlns:a="http://schemas.openxmlformats.org/drawingml/2006/main" xmlns:p="http://schemas.openxmlformats.org/presentationml/2006/main" xmlns:r="http://schemas.openxmlformats.org/officeDocument/2006/relationships" xmlns:p14="http://schemas.microsoft.com/office/powerpoint/2010/main" xmlns:p15="http://schemas.microsoft.com/office/powerpoint/2012/main" xmlns:mc="http://schemas.openxmlformats.org/markup-compatibility/2006" type="objAndTwoObj" preserve="1">
+<p:sldLayout xmlns:a="http://schemas.openxmlformats.org/drawingml/2006/main" xmlns:r="http://schemas.openxmlformats.org/officeDocument/2006/relationships" xmlns:p="http://schemas.openxmlformats.org/presentationml/2006/main" type="objAndTwoObj" preserve="1">
   <p:cSld name="Title Content and 2 Content">
     <p:spTree>
       <p:nvGrpSpPr>
@@ -10857,11 +11173,12 @@
           </a:prstGeom>
         </p:spPr>
         <p:txBody>
-          <a:bodyPr lIns="0" rIns="0" tIns="0" bIns="0" anchor="ctr">
+          <a:bodyPr lIns="0" tIns="0" rIns="0" bIns="0" anchor="ctr">
             <a:noAutofit/>
           </a:bodyPr>
-          <a:p>
-            <a:endParaRPr b="0" lang="es-CO" sz="1800" spc="-1" strike="noStrike">
+          <a:lstStyle/>
+          <a:p>
+            <a:endParaRPr lang="es-CO" sz="1800" b="0" strike="noStrike" spc="-1">
               <a:solidFill>
                 <a:srgbClr val="000000"/>
               </a:solidFill>
@@ -10890,11 +11207,12 @@
           </a:prstGeom>
         </p:spPr>
         <p:txBody>
-          <a:bodyPr lIns="0" rIns="0" tIns="0" bIns="0">
+          <a:bodyPr lIns="0" tIns="0" rIns="0" bIns="0">
             <a:normAutofit/>
           </a:bodyPr>
-          <a:p>
-            <a:endParaRPr b="0" lang="es-CO" sz="2800" spc="-1" strike="noStrike">
+          <a:lstStyle/>
+          <a:p>
+            <a:endParaRPr lang="es-CO" sz="2800" b="0" strike="noStrike" spc="-1">
               <a:solidFill>
                 <a:srgbClr val="000000"/>
               </a:solidFill>
@@ -10923,11 +11241,12 @@
           </a:prstGeom>
         </p:spPr>
         <p:txBody>
-          <a:bodyPr lIns="0" rIns="0" tIns="0" bIns="0">
+          <a:bodyPr lIns="0" tIns="0" rIns="0" bIns="0">
             <a:normAutofit/>
           </a:bodyPr>
-          <a:p>
-            <a:endParaRPr b="0" lang="es-CO" sz="2800" spc="-1" strike="noStrike">
+          <a:lstStyle/>
+          <a:p>
+            <a:endParaRPr lang="es-CO" sz="2800" b="0" strike="noStrike" spc="-1">
               <a:solidFill>
                 <a:srgbClr val="000000"/>
               </a:solidFill>
@@ -10956,11 +11275,12 @@
           </a:prstGeom>
         </p:spPr>
         <p:txBody>
-          <a:bodyPr lIns="0" rIns="0" tIns="0" bIns="0">
+          <a:bodyPr lIns="0" tIns="0" rIns="0" bIns="0">
             <a:normAutofit/>
           </a:bodyPr>
-          <a:p>
-            <a:endParaRPr b="0" lang="es-CO" sz="2800" spc="-1" strike="noStrike">
+          <a:lstStyle/>
+          <a:p>
+            <a:endParaRPr lang="es-CO" sz="2800" b="0" strike="noStrike" spc="-1">
               <a:solidFill>
                 <a:srgbClr val="000000"/>
               </a:solidFill>
@@ -10971,11 +11291,14 @@
       </p:sp>
     </p:spTree>
   </p:cSld>
+  <p:clrMapOvr>
+    <a:masterClrMapping/>
+  </p:clrMapOvr>
 </p:sldLayout>
 </file>
 
 <file path=ppt/slideLayouts/slideLayout33.xml><?xml version="1.0" encoding="utf-8"?>
-<p:sldLayout xmlns:a="http://schemas.openxmlformats.org/drawingml/2006/main" xmlns:p="http://schemas.openxmlformats.org/presentationml/2006/main" xmlns:r="http://schemas.openxmlformats.org/officeDocument/2006/relationships" xmlns:p14="http://schemas.microsoft.com/office/powerpoint/2010/main" xmlns:p15="http://schemas.microsoft.com/office/powerpoint/2012/main" xmlns:mc="http://schemas.openxmlformats.org/markup-compatibility/2006" type="twoObjOverTx" preserve="1">
+<p:sldLayout xmlns:a="http://schemas.openxmlformats.org/drawingml/2006/main" xmlns:r="http://schemas.openxmlformats.org/officeDocument/2006/relationships" xmlns:p="http://schemas.openxmlformats.org/presentationml/2006/main" type="twoObjOverTx" preserve="1">
   <p:cSld name="Title, 2 Content over Content">
     <p:spTree>
       <p:nvGrpSpPr>
@@ -11011,11 +11334,12 @@
           </a:prstGeom>
         </p:spPr>
         <p:txBody>
-          <a:bodyPr lIns="0" rIns="0" tIns="0" bIns="0" anchor="ctr">
+          <a:bodyPr lIns="0" tIns="0" rIns="0" bIns="0" anchor="ctr">
             <a:noAutofit/>
           </a:bodyPr>
-          <a:p>
-            <a:endParaRPr b="0" lang="es-CO" sz="1800" spc="-1" strike="noStrike">
+          <a:lstStyle/>
+          <a:p>
+            <a:endParaRPr lang="es-CO" sz="1800" b="0" strike="noStrike" spc="-1">
               <a:solidFill>
                 <a:srgbClr val="000000"/>
               </a:solidFill>
@@ -11044,11 +11368,12 @@
           </a:prstGeom>
         </p:spPr>
         <p:txBody>
-          <a:bodyPr lIns="0" rIns="0" tIns="0" bIns="0">
+          <a:bodyPr lIns="0" tIns="0" rIns="0" bIns="0">
             <a:normAutofit/>
           </a:bodyPr>
-          <a:p>
-            <a:endParaRPr b="0" lang="es-CO" sz="2800" spc="-1" strike="noStrike">
+          <a:lstStyle/>
+          <a:p>
+            <a:endParaRPr lang="es-CO" sz="2800" b="0" strike="noStrike" spc="-1">
               <a:solidFill>
                 <a:srgbClr val="000000"/>
               </a:solidFill>
@@ -11077,11 +11402,12 @@
           </a:prstGeom>
         </p:spPr>
         <p:txBody>
-          <a:bodyPr lIns="0" rIns="0" tIns="0" bIns="0">
+          <a:bodyPr lIns="0" tIns="0" rIns="0" bIns="0">
             <a:normAutofit/>
           </a:bodyPr>
-          <a:p>
-            <a:endParaRPr b="0" lang="es-CO" sz="2800" spc="-1" strike="noStrike">
+          <a:lstStyle/>
+          <a:p>
+            <a:endParaRPr lang="es-CO" sz="2800" b="0" strike="noStrike" spc="-1">
               <a:solidFill>
                 <a:srgbClr val="000000"/>
               </a:solidFill>
@@ -11110,11 +11436,12 @@
           </a:prstGeom>
         </p:spPr>
         <p:txBody>
-          <a:bodyPr lIns="0" rIns="0" tIns="0" bIns="0">
+          <a:bodyPr lIns="0" tIns="0" rIns="0" bIns="0">
             <a:normAutofit/>
           </a:bodyPr>
-          <a:p>
-            <a:endParaRPr b="0" lang="es-CO" sz="2800" spc="-1" strike="noStrike">
+          <a:lstStyle/>
+          <a:p>
+            <a:endParaRPr lang="es-CO" sz="2800" b="0" strike="noStrike" spc="-1">
               <a:solidFill>
                 <a:srgbClr val="000000"/>
               </a:solidFill>
@@ -11125,11 +11452,14 @@
       </p:sp>
     </p:spTree>
   </p:cSld>
+  <p:clrMapOvr>
+    <a:masterClrMapping/>
+  </p:clrMapOvr>
 </p:sldLayout>
 </file>
 
 <file path=ppt/slideLayouts/slideLayout34.xml><?xml version="1.0" encoding="utf-8"?>
-<p:sldLayout xmlns:a="http://schemas.openxmlformats.org/drawingml/2006/main" xmlns:p="http://schemas.openxmlformats.org/presentationml/2006/main" xmlns:r="http://schemas.openxmlformats.org/officeDocument/2006/relationships" xmlns:p14="http://schemas.microsoft.com/office/powerpoint/2010/main" xmlns:p15="http://schemas.microsoft.com/office/powerpoint/2012/main" xmlns:mc="http://schemas.openxmlformats.org/markup-compatibility/2006" type="objOverTx" preserve="1">
+<p:sldLayout xmlns:a="http://schemas.openxmlformats.org/drawingml/2006/main" xmlns:r="http://schemas.openxmlformats.org/officeDocument/2006/relationships" xmlns:p="http://schemas.openxmlformats.org/presentationml/2006/main" type="objOverTx" preserve="1">
   <p:cSld name="Title, Content over Content">
     <p:spTree>
       <p:nvGrpSpPr>
@@ -11165,11 +11495,12 @@
           </a:prstGeom>
         </p:spPr>
         <p:txBody>
-          <a:bodyPr lIns="0" rIns="0" tIns="0" bIns="0" anchor="ctr">
+          <a:bodyPr lIns="0" tIns="0" rIns="0" bIns="0" anchor="ctr">
             <a:noAutofit/>
           </a:bodyPr>
-          <a:p>
-            <a:endParaRPr b="0" lang="es-CO" sz="1800" spc="-1" strike="noStrike">
+          <a:lstStyle/>
+          <a:p>
+            <a:endParaRPr lang="es-CO" sz="1800" b="0" strike="noStrike" spc="-1">
               <a:solidFill>
                 <a:srgbClr val="000000"/>
               </a:solidFill>
@@ -11198,11 +11529,12 @@
           </a:prstGeom>
         </p:spPr>
         <p:txBody>
-          <a:bodyPr lIns="0" rIns="0" tIns="0" bIns="0">
+          <a:bodyPr lIns="0" tIns="0" rIns="0" bIns="0">
             <a:normAutofit/>
           </a:bodyPr>
-          <a:p>
-            <a:endParaRPr b="0" lang="es-CO" sz="2800" spc="-1" strike="noStrike">
+          <a:lstStyle/>
+          <a:p>
+            <a:endParaRPr lang="es-CO" sz="2800" b="0" strike="noStrike" spc="-1">
               <a:solidFill>
                 <a:srgbClr val="000000"/>
               </a:solidFill>
@@ -11231,11 +11563,12 @@
           </a:prstGeom>
         </p:spPr>
         <p:txBody>
-          <a:bodyPr lIns="0" rIns="0" tIns="0" bIns="0">
+          <a:bodyPr lIns="0" tIns="0" rIns="0" bIns="0">
             <a:normAutofit/>
           </a:bodyPr>
-          <a:p>
-            <a:endParaRPr b="0" lang="es-CO" sz="2800" spc="-1" strike="noStrike">
+          <a:lstStyle/>
+          <a:p>
+            <a:endParaRPr lang="es-CO" sz="2800" b="0" strike="noStrike" spc="-1">
               <a:solidFill>
                 <a:srgbClr val="000000"/>
               </a:solidFill>
@@ -11246,11 +11579,14 @@
       </p:sp>
     </p:spTree>
   </p:cSld>
+  <p:clrMapOvr>
+    <a:masterClrMapping/>
+  </p:clrMapOvr>
 </p:sldLayout>
 </file>
 
 <file path=ppt/slideLayouts/slideLayout35.xml><?xml version="1.0" encoding="utf-8"?>
-<p:sldLayout xmlns:a="http://schemas.openxmlformats.org/drawingml/2006/main" xmlns:p="http://schemas.openxmlformats.org/presentationml/2006/main" xmlns:r="http://schemas.openxmlformats.org/officeDocument/2006/relationships" xmlns:p14="http://schemas.microsoft.com/office/powerpoint/2010/main" xmlns:p15="http://schemas.microsoft.com/office/powerpoint/2012/main" xmlns:mc="http://schemas.openxmlformats.org/markup-compatibility/2006" type="fourObj" preserve="1">
+<p:sldLayout xmlns:a="http://schemas.openxmlformats.org/drawingml/2006/main" xmlns:r="http://schemas.openxmlformats.org/officeDocument/2006/relationships" xmlns:p="http://schemas.openxmlformats.org/presentationml/2006/main" type="fourObj" preserve="1">
   <p:cSld name="Title, 4 Content">
     <p:spTree>
       <p:nvGrpSpPr>
@@ -11286,11 +11622,12 @@
           </a:prstGeom>
         </p:spPr>
         <p:txBody>
-          <a:bodyPr lIns="0" rIns="0" tIns="0" bIns="0" anchor="ctr">
+          <a:bodyPr lIns="0" tIns="0" rIns="0" bIns="0" anchor="ctr">
             <a:noAutofit/>
           </a:bodyPr>
-          <a:p>
-            <a:endParaRPr b="0" lang="es-CO" sz="1800" spc="-1" strike="noStrike">
+          <a:lstStyle/>
+          <a:p>
+            <a:endParaRPr lang="es-CO" sz="1800" b="0" strike="noStrike" spc="-1">
               <a:solidFill>
                 <a:srgbClr val="000000"/>
               </a:solidFill>
@@ -11319,11 +11656,12 @@
           </a:prstGeom>
         </p:spPr>
         <p:txBody>
-          <a:bodyPr lIns="0" rIns="0" tIns="0" bIns="0">
+          <a:bodyPr lIns="0" tIns="0" rIns="0" bIns="0">
             <a:normAutofit/>
           </a:bodyPr>
-          <a:p>
-            <a:endParaRPr b="0" lang="es-CO" sz="2800" spc="-1" strike="noStrike">
+          <a:lstStyle/>
+          <a:p>
+            <a:endParaRPr lang="es-CO" sz="2800" b="0" strike="noStrike" spc="-1">
               <a:solidFill>
                 <a:srgbClr val="000000"/>
               </a:solidFill>
@@ -11352,11 +11690,12 @@
           </a:prstGeom>
         </p:spPr>
         <p:txBody>
-          <a:bodyPr lIns="0" rIns="0" tIns="0" bIns="0">
+          <a:bodyPr lIns="0" tIns="0" rIns="0" bIns="0">
             <a:normAutofit/>
           </a:bodyPr>
-          <a:p>
-            <a:endParaRPr b="0" lang="es-CO" sz="2800" spc="-1" strike="noStrike">
+          <a:lstStyle/>
+          <a:p>
+            <a:endParaRPr lang="es-CO" sz="2800" b="0" strike="noStrike" spc="-1">
               <a:solidFill>
                 <a:srgbClr val="000000"/>
               </a:solidFill>
@@ -11385,11 +11724,12 @@
           </a:prstGeom>
         </p:spPr>
         <p:txBody>
-          <a:bodyPr lIns="0" rIns="0" tIns="0" bIns="0">
+          <a:bodyPr lIns="0" tIns="0" rIns="0" bIns="0">
             <a:normAutofit/>
           </a:bodyPr>
-          <a:p>
-            <a:endParaRPr b="0" lang="es-CO" sz="2800" spc="-1" strike="noStrike">
+          <a:lstStyle/>
+          <a:p>
+            <a:endParaRPr lang="es-CO" sz="2800" b="0" strike="noStrike" spc="-1">
               <a:solidFill>
                 <a:srgbClr val="000000"/>
               </a:solidFill>
@@ -11418,11 +11758,12 @@
           </a:prstGeom>
         </p:spPr>
         <p:txBody>
-          <a:bodyPr lIns="0" rIns="0" tIns="0" bIns="0">
+          <a:bodyPr lIns="0" tIns="0" rIns="0" bIns="0">
             <a:normAutofit/>
           </a:bodyPr>
-          <a:p>
-            <a:endParaRPr b="0" lang="es-CO" sz="2800" spc="-1" strike="noStrike">
+          <a:lstStyle/>
+          <a:p>
+            <a:endParaRPr lang="es-CO" sz="2800" b="0" strike="noStrike" spc="-1">
               <a:solidFill>
                 <a:srgbClr val="000000"/>
               </a:solidFill>
@@ -11433,11 +11774,14 @@
       </p:sp>
     </p:spTree>
   </p:cSld>
+  <p:clrMapOvr>
+    <a:masterClrMapping/>
+  </p:clrMapOvr>
 </p:sldLayout>
 </file>
 
 <file path=ppt/slideLayouts/slideLayout36.xml><?xml version="1.0" encoding="utf-8"?>
-<p:sldLayout xmlns:a="http://schemas.openxmlformats.org/drawingml/2006/main" xmlns:p="http://schemas.openxmlformats.org/presentationml/2006/main" xmlns:r="http://schemas.openxmlformats.org/officeDocument/2006/relationships" xmlns:p14="http://schemas.microsoft.com/office/powerpoint/2010/main" xmlns:p15="http://schemas.microsoft.com/office/powerpoint/2012/main" xmlns:mc="http://schemas.openxmlformats.org/markup-compatibility/2006" type="blank" preserve="1">
+<p:sldLayout xmlns:a="http://schemas.openxmlformats.org/drawingml/2006/main" xmlns:r="http://schemas.openxmlformats.org/officeDocument/2006/relationships" xmlns:p="http://schemas.openxmlformats.org/presentationml/2006/main" type="blank" preserve="1">
   <p:cSld name="Title, 6 Content">
     <p:spTree>
       <p:nvGrpSpPr>
@@ -11473,11 +11817,12 @@
           </a:prstGeom>
         </p:spPr>
         <p:txBody>
-          <a:bodyPr lIns="0" rIns="0" tIns="0" bIns="0" anchor="ctr">
+          <a:bodyPr lIns="0" tIns="0" rIns="0" bIns="0" anchor="ctr">
             <a:noAutofit/>
           </a:bodyPr>
-          <a:p>
-            <a:endParaRPr b="0" lang="es-CO" sz="1800" spc="-1" strike="noStrike">
+          <a:lstStyle/>
+          <a:p>
+            <a:endParaRPr lang="es-CO" sz="1800" b="0" strike="noStrike" spc="-1">
               <a:solidFill>
                 <a:srgbClr val="000000"/>
               </a:solidFill>
@@ -11506,11 +11851,12 @@
           </a:prstGeom>
         </p:spPr>
         <p:txBody>
-          <a:bodyPr lIns="0" rIns="0" tIns="0" bIns="0">
+          <a:bodyPr lIns="0" tIns="0" rIns="0" bIns="0">
             <a:normAutofit/>
           </a:bodyPr>
-          <a:p>
-            <a:endParaRPr b="0" lang="es-CO" sz="2800" spc="-1" strike="noStrike">
+          <a:lstStyle/>
+          <a:p>
+            <a:endParaRPr lang="es-CO" sz="2800" b="0" strike="noStrike" spc="-1">
               <a:solidFill>
                 <a:srgbClr val="000000"/>
               </a:solidFill>
@@ -11539,11 +11885,12 @@
           </a:prstGeom>
         </p:spPr>
         <p:txBody>
-          <a:bodyPr lIns="0" rIns="0" tIns="0" bIns="0">
+          <a:bodyPr lIns="0" tIns="0" rIns="0" bIns="0">
             <a:normAutofit/>
           </a:bodyPr>
-          <a:p>
-            <a:endParaRPr b="0" lang="es-CO" sz="2800" spc="-1" strike="noStrike">
+          <a:lstStyle/>
+          <a:p>
+            <a:endParaRPr lang="es-CO" sz="2800" b="0" strike="noStrike" spc="-1">
               <a:solidFill>
                 <a:srgbClr val="000000"/>
               </a:solidFill>
@@ -11572,11 +11919,12 @@
           </a:prstGeom>
         </p:spPr>
         <p:txBody>
-          <a:bodyPr lIns="0" rIns="0" tIns="0" bIns="0">
+          <a:bodyPr lIns="0" tIns="0" rIns="0" bIns="0">
             <a:normAutofit/>
           </a:bodyPr>
-          <a:p>
-            <a:endParaRPr b="0" lang="es-CO" sz="2800" spc="-1" strike="noStrike">
+          <a:lstStyle/>
+          <a:p>
+            <a:endParaRPr lang="es-CO" sz="2800" b="0" strike="noStrike" spc="-1">
               <a:solidFill>
                 <a:srgbClr val="000000"/>
               </a:solidFill>
@@ -11605,11 +11953,12 @@
           </a:prstGeom>
         </p:spPr>
         <p:txBody>
-          <a:bodyPr lIns="0" rIns="0" tIns="0" bIns="0">
+          <a:bodyPr lIns="0" tIns="0" rIns="0" bIns="0">
             <a:normAutofit/>
           </a:bodyPr>
-          <a:p>
-            <a:endParaRPr b="0" lang="es-CO" sz="2800" spc="-1" strike="noStrike">
+          <a:lstStyle/>
+          <a:p>
+            <a:endParaRPr lang="es-CO" sz="2800" b="0" strike="noStrike" spc="-1">
               <a:solidFill>
                 <a:srgbClr val="000000"/>
               </a:solidFill>
@@ -11638,11 +11987,12 @@
           </a:prstGeom>
         </p:spPr>
         <p:txBody>
-          <a:bodyPr lIns="0" rIns="0" tIns="0" bIns="0">
+          <a:bodyPr lIns="0" tIns="0" rIns="0" bIns="0">
             <a:normAutofit/>
           </a:bodyPr>
-          <a:p>
-            <a:endParaRPr b="0" lang="es-CO" sz="2800" spc="-1" strike="noStrike">
+          <a:lstStyle/>
+          <a:p>
+            <a:endParaRPr lang="es-CO" sz="2800" b="0" strike="noStrike" spc="-1">
               <a:solidFill>
                 <a:srgbClr val="000000"/>
               </a:solidFill>
@@ -11671,11 +12021,12 @@
           </a:prstGeom>
         </p:spPr>
         <p:txBody>
-          <a:bodyPr lIns="0" rIns="0" tIns="0" bIns="0">
+          <a:bodyPr lIns="0" tIns="0" rIns="0" bIns="0">
             <a:normAutofit/>
           </a:bodyPr>
-          <a:p>
-            <a:endParaRPr b="0" lang="es-CO" sz="2800" spc="-1" strike="noStrike">
+          <a:lstStyle/>
+          <a:p>
+            <a:endParaRPr lang="es-CO" sz="2800" b="0" strike="noStrike" spc="-1">
               <a:solidFill>
                 <a:srgbClr val="000000"/>
               </a:solidFill>
@@ -11686,11 +12037,14 @@
       </p:sp>
     </p:spTree>
   </p:cSld>
+  <p:clrMapOvr>
+    <a:masterClrMapping/>
+  </p:clrMapOvr>
 </p:sldLayout>
 </file>
 
 <file path=ppt/slideLayouts/slideLayout4.xml><?xml version="1.0" encoding="utf-8"?>
-<p:sldLayout xmlns:a="http://schemas.openxmlformats.org/drawingml/2006/main" xmlns:p="http://schemas.openxmlformats.org/presentationml/2006/main" xmlns:r="http://schemas.openxmlformats.org/officeDocument/2006/relationships" xmlns:p14="http://schemas.microsoft.com/office/powerpoint/2010/main" xmlns:p15="http://schemas.microsoft.com/office/powerpoint/2012/main" xmlns:mc="http://schemas.openxmlformats.org/markup-compatibility/2006" type="twoObj" preserve="1">
+<p:sldLayout xmlns:a="http://schemas.openxmlformats.org/drawingml/2006/main" xmlns:r="http://schemas.openxmlformats.org/officeDocument/2006/relationships" xmlns:p="http://schemas.openxmlformats.org/presentationml/2006/main" type="twoObj" preserve="1">
   <p:cSld name="Title, 2 Content">
     <p:spTree>
       <p:nvGrpSpPr>
@@ -11726,11 +12080,12 @@
           </a:prstGeom>
         </p:spPr>
         <p:txBody>
-          <a:bodyPr lIns="0" rIns="0" tIns="0" bIns="0" anchor="ctr">
+          <a:bodyPr lIns="0" tIns="0" rIns="0" bIns="0" anchor="ctr">
             <a:noAutofit/>
           </a:bodyPr>
-          <a:p>
-            <a:endParaRPr b="0" lang="es-CO" sz="1800" spc="-1" strike="noStrike">
+          <a:lstStyle/>
+          <a:p>
+            <a:endParaRPr lang="es-CO" sz="1800" b="0" strike="noStrike" spc="-1">
               <a:solidFill>
                 <a:srgbClr val="000000"/>
               </a:solidFill>
@@ -11759,11 +12114,12 @@
           </a:prstGeom>
         </p:spPr>
         <p:txBody>
-          <a:bodyPr lIns="0" rIns="0" tIns="0" bIns="0">
+          <a:bodyPr lIns="0" tIns="0" rIns="0" bIns="0">
             <a:normAutofit/>
           </a:bodyPr>
-          <a:p>
-            <a:endParaRPr b="0" lang="es-CO" sz="2800" spc="-1" strike="noStrike">
+          <a:lstStyle/>
+          <a:p>
+            <a:endParaRPr lang="es-CO" sz="2800" b="0" strike="noStrike" spc="-1">
               <a:solidFill>
                 <a:srgbClr val="000000"/>
               </a:solidFill>
@@ -11792,11 +12148,12 @@
           </a:prstGeom>
         </p:spPr>
         <p:txBody>
-          <a:bodyPr lIns="0" rIns="0" tIns="0" bIns="0">
+          <a:bodyPr lIns="0" tIns="0" rIns="0" bIns="0">
             <a:normAutofit/>
           </a:bodyPr>
-          <a:p>
-            <a:endParaRPr b="0" lang="es-CO" sz="2800" spc="-1" strike="noStrike">
+          <a:lstStyle/>
+          <a:p>
+            <a:endParaRPr lang="es-CO" sz="2800" b="0" strike="noStrike" spc="-1">
               <a:solidFill>
                 <a:srgbClr val="000000"/>
               </a:solidFill>
@@ -11807,11 +12164,14 @@
       </p:sp>
     </p:spTree>
   </p:cSld>
+  <p:clrMapOvr>
+    <a:masterClrMapping/>
+  </p:clrMapOvr>
 </p:sldLayout>
 </file>
 
 <file path=ppt/slideLayouts/slideLayout5.xml><?xml version="1.0" encoding="utf-8"?>
-<p:sldLayout xmlns:a="http://schemas.openxmlformats.org/drawingml/2006/main" xmlns:p="http://schemas.openxmlformats.org/presentationml/2006/main" xmlns:r="http://schemas.openxmlformats.org/officeDocument/2006/relationships" xmlns:p14="http://schemas.microsoft.com/office/powerpoint/2010/main" xmlns:p15="http://schemas.microsoft.com/office/powerpoint/2012/main" xmlns:mc="http://schemas.openxmlformats.org/markup-compatibility/2006" type="titleOnly" preserve="1">
+<p:sldLayout xmlns:a="http://schemas.openxmlformats.org/drawingml/2006/main" xmlns:r="http://schemas.openxmlformats.org/officeDocument/2006/relationships" xmlns:p="http://schemas.openxmlformats.org/presentationml/2006/main" type="titleOnly" preserve="1">
   <p:cSld name="Title Only">
     <p:spTree>
       <p:nvGrpSpPr>
@@ -11847,11 +12207,12 @@
           </a:prstGeom>
         </p:spPr>
         <p:txBody>
-          <a:bodyPr lIns="0" rIns="0" tIns="0" bIns="0" anchor="ctr">
+          <a:bodyPr lIns="0" tIns="0" rIns="0" bIns="0" anchor="ctr">
             <a:noAutofit/>
           </a:bodyPr>
-          <a:p>
-            <a:endParaRPr b="0" lang="es-CO" sz="1800" spc="-1" strike="noStrike">
+          <a:lstStyle/>
+          <a:p>
+            <a:endParaRPr lang="es-CO" sz="1800" b="0" strike="noStrike" spc="-1">
               <a:solidFill>
                 <a:srgbClr val="000000"/>
               </a:solidFill>
@@ -11862,11 +12223,14 @@
       </p:sp>
     </p:spTree>
   </p:cSld>
+  <p:clrMapOvr>
+    <a:masterClrMapping/>
+  </p:clrMapOvr>
 </p:sldLayout>
 </file>
 
 <file path=ppt/slideLayouts/slideLayout6.xml><?xml version="1.0" encoding="utf-8"?>
-<p:sldLayout xmlns:a="http://schemas.openxmlformats.org/drawingml/2006/main" xmlns:p="http://schemas.openxmlformats.org/presentationml/2006/main" xmlns:r="http://schemas.openxmlformats.org/officeDocument/2006/relationships" xmlns:p14="http://schemas.microsoft.com/office/powerpoint/2010/main" xmlns:p15="http://schemas.microsoft.com/office/powerpoint/2012/main" xmlns:mc="http://schemas.openxmlformats.org/markup-compatibility/2006" type="objOnly" preserve="1">
+<p:sldLayout xmlns:a="http://schemas.openxmlformats.org/drawingml/2006/main" xmlns:r="http://schemas.openxmlformats.org/officeDocument/2006/relationships" xmlns:p="http://schemas.openxmlformats.org/presentationml/2006/main" type="objOnly" preserve="1">
   <p:cSld name="Centered Text">
     <p:spTree>
       <p:nvGrpSpPr>
@@ -11902,12 +12266,13 @@
           </a:prstGeom>
         </p:spPr>
         <p:txBody>
-          <a:bodyPr lIns="0" rIns="0" tIns="0" bIns="0" anchor="ctr">
+          <a:bodyPr lIns="0" tIns="0" rIns="0" bIns="0" anchor="ctr">
             <a:noAutofit/>
           </a:bodyPr>
+          <a:lstStyle/>
           <a:p>
             <a:pPr algn="ctr"/>
-            <a:endParaRPr b="0" lang="es-ES" sz="3200" spc="-1" strike="noStrike">
+            <a:endParaRPr lang="es-ES" sz="3200" b="0" strike="noStrike" spc="-1">
               <a:latin typeface="Arial"/>
             </a:endParaRPr>
           </a:p>
@@ -11915,11 +12280,14 @@
       </p:sp>
     </p:spTree>
   </p:cSld>
+  <p:clrMapOvr>
+    <a:masterClrMapping/>
+  </p:clrMapOvr>
 </p:sldLayout>
 </file>
 
 <file path=ppt/slideLayouts/slideLayout7.xml><?xml version="1.0" encoding="utf-8"?>
-<p:sldLayout xmlns:a="http://schemas.openxmlformats.org/drawingml/2006/main" xmlns:p="http://schemas.openxmlformats.org/presentationml/2006/main" xmlns:r="http://schemas.openxmlformats.org/officeDocument/2006/relationships" xmlns:p14="http://schemas.microsoft.com/office/powerpoint/2010/main" xmlns:p15="http://schemas.microsoft.com/office/powerpoint/2012/main" xmlns:mc="http://schemas.openxmlformats.org/markup-compatibility/2006" type="twoObjAndObj" preserve="1">
+<p:sldLayout xmlns:a="http://schemas.openxmlformats.org/drawingml/2006/main" xmlns:r="http://schemas.openxmlformats.org/officeDocument/2006/relationships" xmlns:p="http://schemas.openxmlformats.org/presentationml/2006/main" type="twoObjAndObj" preserve="1">
   <p:cSld name="Title, 2 Content and Content">
     <p:spTree>
       <p:nvGrpSpPr>
@@ -11955,11 +12323,12 @@
           </a:prstGeom>
         </p:spPr>
         <p:txBody>
-          <a:bodyPr lIns="0" rIns="0" tIns="0" bIns="0" anchor="ctr">
+          <a:bodyPr lIns="0" tIns="0" rIns="0" bIns="0" anchor="ctr">
             <a:noAutofit/>
           </a:bodyPr>
-          <a:p>
-            <a:endParaRPr b="0" lang="es-CO" sz="1800" spc="-1" strike="noStrike">
+          <a:lstStyle/>
+          <a:p>
+            <a:endParaRPr lang="es-CO" sz="1800" b="0" strike="noStrike" spc="-1">
               <a:solidFill>
                 <a:srgbClr val="000000"/>
               </a:solidFill>
@@ -11988,11 +12357,12 @@
           </a:prstGeom>
         </p:spPr>
         <p:txBody>
-          <a:bodyPr lIns="0" rIns="0" tIns="0" bIns="0">
+          <a:bodyPr lIns="0" tIns="0" rIns="0" bIns="0">
             <a:normAutofit/>
           </a:bodyPr>
-          <a:p>
-            <a:endParaRPr b="0" lang="es-CO" sz="2800" spc="-1" strike="noStrike">
+          <a:lstStyle/>
+          <a:p>
+            <a:endParaRPr lang="es-CO" sz="2800" b="0" strike="noStrike" spc="-1">
               <a:solidFill>
                 <a:srgbClr val="000000"/>
               </a:solidFill>
@@ -12021,11 +12391,12 @@
           </a:prstGeom>
         </p:spPr>
         <p:txBody>
-          <a:bodyPr lIns="0" rIns="0" tIns="0" bIns="0">
+          <a:bodyPr lIns="0" tIns="0" rIns="0" bIns="0">
             <a:normAutofit/>
           </a:bodyPr>
-          <a:p>
-            <a:endParaRPr b="0" lang="es-CO" sz="2800" spc="-1" strike="noStrike">
+          <a:lstStyle/>
+          <a:p>
+            <a:endParaRPr lang="es-CO" sz="2800" b="0" strike="noStrike" spc="-1">
               <a:solidFill>
                 <a:srgbClr val="000000"/>
               </a:solidFill>
@@ -12054,11 +12425,12 @@
           </a:prstGeom>
         </p:spPr>
         <p:txBody>
-          <a:bodyPr lIns="0" rIns="0" tIns="0" bIns="0">
+          <a:bodyPr lIns="0" tIns="0" rIns="0" bIns="0">
             <a:normAutofit/>
           </a:bodyPr>
-          <a:p>
-            <a:endParaRPr b="0" lang="es-CO" sz="2800" spc="-1" strike="noStrike">
+          <a:lstStyle/>
+          <a:p>
+            <a:endParaRPr lang="es-CO" sz="2800" b="0" strike="noStrike" spc="-1">
               <a:solidFill>
                 <a:srgbClr val="000000"/>
               </a:solidFill>
@@ -12069,11 +12441,14 @@
       </p:sp>
     </p:spTree>
   </p:cSld>
+  <p:clrMapOvr>
+    <a:masterClrMapping/>
+  </p:clrMapOvr>
 </p:sldLayout>
 </file>
 
 <file path=ppt/slideLayouts/slideLayout8.xml><?xml version="1.0" encoding="utf-8"?>
-<p:sldLayout xmlns:a="http://schemas.openxmlformats.org/drawingml/2006/main" xmlns:p="http://schemas.openxmlformats.org/presentationml/2006/main" xmlns:r="http://schemas.openxmlformats.org/officeDocument/2006/relationships" xmlns:p14="http://schemas.microsoft.com/office/powerpoint/2010/main" xmlns:p15="http://schemas.microsoft.com/office/powerpoint/2012/main" xmlns:mc="http://schemas.openxmlformats.org/markup-compatibility/2006" type="objAndTwoObj" preserve="1">
+<p:sldLayout xmlns:a="http://schemas.openxmlformats.org/drawingml/2006/main" xmlns:r="http://schemas.openxmlformats.org/officeDocument/2006/relationships" xmlns:p="http://schemas.openxmlformats.org/presentationml/2006/main" type="objAndTwoObj" preserve="1">
   <p:cSld name="Title Content and 2 Content">
     <p:spTree>
       <p:nvGrpSpPr>
@@ -12109,11 +12484,12 @@
           </a:prstGeom>
         </p:spPr>
         <p:txBody>
-          <a:bodyPr lIns="0" rIns="0" tIns="0" bIns="0" anchor="ctr">
+          <a:bodyPr lIns="0" tIns="0" rIns="0" bIns="0" anchor="ctr">
             <a:noAutofit/>
           </a:bodyPr>
-          <a:p>
-            <a:endParaRPr b="0" lang="es-CO" sz="1800" spc="-1" strike="noStrike">
+          <a:lstStyle/>
+          <a:p>
+            <a:endParaRPr lang="es-CO" sz="1800" b="0" strike="noStrike" spc="-1">
               <a:solidFill>
                 <a:srgbClr val="000000"/>
               </a:solidFill>
@@ -12142,11 +12518,12 @@
           </a:prstGeom>
         </p:spPr>
         <p:txBody>
-          <a:bodyPr lIns="0" rIns="0" tIns="0" bIns="0">
+          <a:bodyPr lIns="0" tIns="0" rIns="0" bIns="0">
             <a:normAutofit/>
           </a:bodyPr>
-          <a:p>
-            <a:endParaRPr b="0" lang="es-CO" sz="2800" spc="-1" strike="noStrike">
+          <a:lstStyle/>
+          <a:p>
+            <a:endParaRPr lang="es-CO" sz="2800" b="0" strike="noStrike" spc="-1">
               <a:solidFill>
                 <a:srgbClr val="000000"/>
               </a:solidFill>
@@ -12175,11 +12552,12 @@
           </a:prstGeom>
         </p:spPr>
         <p:txBody>
-          <a:bodyPr lIns="0" rIns="0" tIns="0" bIns="0">
+          <a:bodyPr lIns="0" tIns="0" rIns="0" bIns="0">
             <a:normAutofit/>
           </a:bodyPr>
-          <a:p>
-            <a:endParaRPr b="0" lang="es-CO" sz="2800" spc="-1" strike="noStrike">
+          <a:lstStyle/>
+          <a:p>
+            <a:endParaRPr lang="es-CO" sz="2800" b="0" strike="noStrike" spc="-1">
               <a:solidFill>
                 <a:srgbClr val="000000"/>
               </a:solidFill>
@@ -12208,11 +12586,12 @@
           </a:prstGeom>
         </p:spPr>
         <p:txBody>
-          <a:bodyPr lIns="0" rIns="0" tIns="0" bIns="0">
+          <a:bodyPr lIns="0" tIns="0" rIns="0" bIns="0">
             <a:normAutofit/>
           </a:bodyPr>
-          <a:p>
-            <a:endParaRPr b="0" lang="es-CO" sz="2800" spc="-1" strike="noStrike">
+          <a:lstStyle/>
+          <a:p>
+            <a:endParaRPr lang="es-CO" sz="2800" b="0" strike="noStrike" spc="-1">
               <a:solidFill>
                 <a:srgbClr val="000000"/>
               </a:solidFill>
@@ -12223,11 +12602,14 @@
       </p:sp>
     </p:spTree>
   </p:cSld>
+  <p:clrMapOvr>
+    <a:masterClrMapping/>
+  </p:clrMapOvr>
 </p:sldLayout>
 </file>
 
 <file path=ppt/slideLayouts/slideLayout9.xml><?xml version="1.0" encoding="utf-8"?>
-<p:sldLayout xmlns:a="http://schemas.openxmlformats.org/drawingml/2006/main" xmlns:p="http://schemas.openxmlformats.org/presentationml/2006/main" xmlns:r="http://schemas.openxmlformats.org/officeDocument/2006/relationships" xmlns:p14="http://schemas.microsoft.com/office/powerpoint/2010/main" xmlns:p15="http://schemas.microsoft.com/office/powerpoint/2012/main" xmlns:mc="http://schemas.openxmlformats.org/markup-compatibility/2006" type="twoObjOverTx" preserve="1">
+<p:sldLayout xmlns:a="http://schemas.openxmlformats.org/drawingml/2006/main" xmlns:r="http://schemas.openxmlformats.org/officeDocument/2006/relationships" xmlns:p="http://schemas.openxmlformats.org/presentationml/2006/main" type="twoObjOverTx" preserve="1">
   <p:cSld name="Title, 2 Content over Content">
     <p:spTree>
       <p:nvGrpSpPr>
@@ -12263,11 +12645,12 @@
           </a:prstGeom>
         </p:spPr>
         <p:txBody>
-          <a:bodyPr lIns="0" rIns="0" tIns="0" bIns="0" anchor="ctr">
+          <a:bodyPr lIns="0" tIns="0" rIns="0" bIns="0" anchor="ctr">
             <a:noAutofit/>
           </a:bodyPr>
-          <a:p>
-            <a:endParaRPr b="0" lang="es-CO" sz="1800" spc="-1" strike="noStrike">
+          <a:lstStyle/>
+          <a:p>
+            <a:endParaRPr lang="es-CO" sz="1800" b="0" strike="noStrike" spc="-1">
               <a:solidFill>
                 <a:srgbClr val="000000"/>
               </a:solidFill>
@@ -12296,11 +12679,12 @@
           </a:prstGeom>
         </p:spPr>
         <p:txBody>
-          <a:bodyPr lIns="0" rIns="0" tIns="0" bIns="0">
+          <a:bodyPr lIns="0" tIns="0" rIns="0" bIns="0">
             <a:normAutofit/>
           </a:bodyPr>
-          <a:p>
-            <a:endParaRPr b="0" lang="es-CO" sz="2800" spc="-1" strike="noStrike">
+          <a:lstStyle/>
+          <a:p>
+            <a:endParaRPr lang="es-CO" sz="2800" b="0" strike="noStrike" spc="-1">
               <a:solidFill>
                 <a:srgbClr val="000000"/>
               </a:solidFill>
@@ -12329,11 +12713,12 @@
           </a:prstGeom>
         </p:spPr>
         <p:txBody>
-          <a:bodyPr lIns="0" rIns="0" tIns="0" bIns="0">
+          <a:bodyPr lIns="0" tIns="0" rIns="0" bIns="0">
             <a:normAutofit/>
           </a:bodyPr>
-          <a:p>
-            <a:endParaRPr b="0" lang="es-CO" sz="2800" spc="-1" strike="noStrike">
+          <a:lstStyle/>
+          <a:p>
+            <a:endParaRPr lang="es-CO" sz="2800" b="0" strike="noStrike" spc="-1">
               <a:solidFill>
                 <a:srgbClr val="000000"/>
               </a:solidFill>
@@ -12362,11 +12747,12 @@
           </a:prstGeom>
         </p:spPr>
         <p:txBody>
-          <a:bodyPr lIns="0" rIns="0" tIns="0" bIns="0">
+          <a:bodyPr lIns="0" tIns="0" rIns="0" bIns="0">
             <a:normAutofit/>
           </a:bodyPr>
-          <a:p>
-            <a:endParaRPr b="0" lang="es-CO" sz="2800" spc="-1" strike="noStrike">
+          <a:lstStyle/>
+          <a:p>
+            <a:endParaRPr lang="es-CO" sz="2800" b="0" strike="noStrike" spc="-1">
               <a:solidFill>
                 <a:srgbClr val="000000"/>
               </a:solidFill>
@@ -12377,17 +12763,21 @@
       </p:sp>
     </p:spTree>
   </p:cSld>
+  <p:clrMapOvr>
+    <a:masterClrMapping/>
+  </p:clrMapOvr>
 </p:sldLayout>
 </file>
 
 <file path=ppt/slideMasters/slideMaster1.xml><?xml version="1.0" encoding="utf-8"?>
-<p:sldMaster xmlns:a="http://schemas.openxmlformats.org/drawingml/2006/main" xmlns:p="http://schemas.openxmlformats.org/presentationml/2006/main" xmlns:r="http://schemas.openxmlformats.org/officeDocument/2006/relationships" xmlns:p14="http://schemas.microsoft.com/office/powerpoint/2010/main" xmlns:p15="http://schemas.microsoft.com/office/powerpoint/2012/main" xmlns:mc="http://schemas.openxmlformats.org/markup-compatibility/2006">
+<p:sldMaster xmlns:a="http://schemas.openxmlformats.org/drawingml/2006/main" xmlns:r="http://schemas.openxmlformats.org/officeDocument/2006/relationships" xmlns:p="http://schemas.openxmlformats.org/presentationml/2006/main">
   <p:cSld>
     <p:bg>
       <p:bgPr>
         <a:solidFill>
-          <a:srgbClr val="ffffff"/>
+          <a:srgbClr val="FFFFFF"/>
         </a:solidFill>
+        <a:effectLst/>
       </p:bgPr>
     </p:bg>
     <p:spTree>
@@ -12406,7 +12796,7 @@
       </p:grpSpPr>
       <p:grpSp>
         <p:nvGrpSpPr>
-          <p:cNvPr id="0" name="Group 1"/>
+          <p:cNvPr id="10" name="Group 1"/>
           <p:cNvGrpSpPr/>
           <p:nvPr/>
         </p:nvGrpSpPr>
@@ -12420,7 +12810,7 @@
         </p:grpSpPr>
         <p:sp>
           <p:nvSpPr>
-            <p:cNvPr id="1" name="CustomShape 2"/>
+            <p:cNvPr id="11" name="CustomShape 2"/>
             <p:cNvSpPr/>
             <p:nvPr/>
           </p:nvSpPr>
@@ -12433,6 +12823,7 @@
               <a:avLst/>
               <a:gdLst/>
               <a:ahLst/>
+              <a:cxnLst/>
               <a:rect l="l" t="t" r="r" b="b"/>
               <a:pathLst>
                 <a:path w="707" h="3357">
@@ -12463,9 +12854,15 @@
             </a:ln>
           </p:spPr>
           <p:style>
-            <a:lnRef idx="0"/>
-            <a:fillRef idx="0"/>
-            <a:effectRef idx="0"/>
+            <a:lnRef idx="0">
+              <a:scrgbClr r="0" g="0" b="0"/>
+            </a:lnRef>
+            <a:fillRef idx="0">
+              <a:scrgbClr r="0" g="0" b="0"/>
+            </a:fillRef>
+            <a:effectRef idx="0">
+              <a:scrgbClr r="0" g="0" b="0"/>
+            </a:effectRef>
             <a:fontRef idx="minor"/>
           </p:style>
         </p:sp>
@@ -12484,6 +12881,7 @@
               <a:avLst/>
               <a:gdLst/>
               <a:ahLst/>
+              <a:cxnLst/>
               <a:rect l="l" t="t" r="r" b="b"/>
               <a:pathLst>
                 <a:path w="704" h="3324">
@@ -12517,9 +12915,15 @@
             </a:ln>
           </p:spPr>
           <p:style>
-            <a:lnRef idx="0"/>
-            <a:fillRef idx="0"/>
-            <a:effectRef idx="0"/>
+            <a:lnRef idx="0">
+              <a:scrgbClr r="0" g="0" b="0"/>
+            </a:lnRef>
+            <a:fillRef idx="0">
+              <a:scrgbClr r="0" g="0" b="0"/>
+            </a:fillRef>
+            <a:effectRef idx="0">
+              <a:scrgbClr r="0" g="0" b="0"/>
+            </a:effectRef>
             <a:fontRef idx="minor"/>
           </p:style>
         </p:sp>
@@ -12538,6 +12942,7 @@
               <a:avLst/>
               <a:gdLst/>
               <a:ahLst/>
+              <a:cxnLst/>
               <a:rect l="l" t="t" r="r" b="b"/>
               <a:pathLst>
                 <a:path w="774" h="1020">
@@ -12568,9 +12973,15 @@
             </a:ln>
           </p:spPr>
           <p:style>
-            <a:lnRef idx="0"/>
-            <a:fillRef idx="0"/>
-            <a:effectRef idx="0"/>
+            <a:lnRef idx="0">
+              <a:scrgbClr r="0" g="0" b="0"/>
+            </a:lnRef>
+            <a:fillRef idx="0">
+              <a:scrgbClr r="0" g="0" b="0"/>
+            </a:fillRef>
+            <a:effectRef idx="0">
+              <a:scrgbClr r="0" g="0" b="0"/>
+            </a:effectRef>
             <a:fontRef idx="minor"/>
           </p:style>
         </p:sp>
@@ -12589,6 +13000,7 @@
               <a:avLst/>
               <a:gdLst/>
               <a:ahLst/>
+              <a:cxnLst/>
               <a:rect l="l" t="t" r="r" b="b"/>
               <a:pathLst>
                 <a:path w="942" h="987">
@@ -12618,9 +13030,15 @@
             </a:ln>
           </p:spPr>
           <p:style>
-            <a:lnRef idx="0"/>
-            <a:fillRef idx="0"/>
-            <a:effectRef idx="0"/>
+            <a:lnRef idx="0">
+              <a:scrgbClr r="0" g="0" b="0"/>
+            </a:lnRef>
+            <a:fillRef idx="0">
+              <a:scrgbClr r="0" g="0" b="0"/>
+            </a:fillRef>
+            <a:effectRef idx="0">
+              <a:scrgbClr r="0" g="0" b="0"/>
+            </a:effectRef>
             <a:fontRef idx="minor"/>
           </p:style>
         </p:sp>
@@ -12639,6 +13057,7 @@
               <a:avLst/>
               <a:gdLst/>
               <a:ahLst/>
+              <a:cxnLst/>
               <a:rect l="l" t="t" r="r" b="b"/>
               <a:pathLst>
                 <a:path w="1342" h="990">
@@ -12674,9 +13093,15 @@
             </a:ln>
           </p:spPr>
           <p:style>
-            <a:lnRef idx="0"/>
-            <a:fillRef idx="0"/>
-            <a:effectRef idx="0"/>
+            <a:lnRef idx="0">
+              <a:scrgbClr r="0" g="0" b="0"/>
+            </a:lnRef>
+            <a:fillRef idx="0">
+              <a:scrgbClr r="0" g="0" b="0"/>
+            </a:fillRef>
+            <a:effectRef idx="0">
+              <a:scrgbClr r="0" g="0" b="0"/>
+            </a:effectRef>
             <a:fontRef idx="minor"/>
           </p:style>
         </p:sp>
@@ -12695,6 +13120,7 @@
               <a:avLst/>
               <a:gdLst/>
               <a:ahLst/>
+              <a:cxnLst/>
               <a:rect l="l" t="t" r="r" b="b"/>
               <a:pathLst>
                 <a:path w="1068" h="1020">
@@ -12743,21 +13169,27 @@
             </a:ln>
           </p:spPr>
           <p:style>
-            <a:lnRef idx="0"/>
-            <a:fillRef idx="0"/>
-            <a:effectRef idx="0"/>
+            <a:lnRef idx="0">
+              <a:scrgbClr r="0" g="0" b="0"/>
+            </a:lnRef>
+            <a:fillRef idx="0">
+              <a:scrgbClr r="0" g="0" b="0"/>
+            </a:fillRef>
+            <a:effectRef idx="0">
+              <a:scrgbClr r="0" g="0" b="0"/>
+            </a:effectRef>
             <a:fontRef idx="minor"/>
           </p:style>
         </p:sp>
       </p:grpSp>
       <p:pic>
         <p:nvPicPr>
-          <p:cNvPr id="7" name="Imagen 1" descr=""/>
+          <p:cNvPr id="7" name="Imagen 1"/>
           <p:cNvPicPr/>
           <p:nvPr/>
         </p:nvPicPr>
         <p:blipFill>
-          <a:blip r:embed="rId2"/>
+          <a:blip r:embed="rId14"/>
           <a:srcRect l="22210" t="21867" r="22769" b="19369"/>
           <a:stretch/>
         </p:blipFill>
@@ -12794,12 +13226,13 @@
           </a:prstGeom>
         </p:spPr>
         <p:txBody>
-          <a:bodyPr lIns="0" rIns="0" tIns="0" bIns="0" anchor="ctr">
+          <a:bodyPr lIns="0" tIns="0" rIns="0" bIns="0" anchor="ctr">
             <a:noAutofit/>
           </a:bodyPr>
+          <a:lstStyle/>
           <a:p>
             <a:r>
-              <a:rPr b="0" lang="es-CO" sz="1800" spc="-1" strike="noStrike">
+              <a:rPr lang="es-CO" sz="1800" b="0" strike="noStrike" spc="-1">
                 <a:solidFill>
                   <a:srgbClr val="000000"/>
                 </a:solidFill>
@@ -12807,12 +13240,6 @@
               </a:rPr>
               <a:t>Pulse para editar el formato del texto de título</a:t>
             </a:r>
-            <a:endParaRPr b="0" lang="es-CO" sz="1800" spc="-1" strike="noStrike">
-              <a:solidFill>
-                <a:srgbClr val="000000"/>
-              </a:solidFill>
-              <a:latin typeface="Arial"/>
-            </a:endParaRPr>
           </a:p>
         </p:txBody>
       </p:sp>
@@ -12836,9 +13263,10 @@
           </a:prstGeom>
         </p:spPr>
         <p:txBody>
-          <a:bodyPr lIns="0" rIns="0" tIns="0" bIns="0">
+          <a:bodyPr lIns="0" tIns="0" rIns="0" bIns="0">
             <a:normAutofit/>
           </a:bodyPr>
+          <a:lstStyle/>
           <a:p>
             <a:pPr marL="432000" indent="-324000">
               <a:spcBef>
@@ -12852,7 +13280,7 @@
               <a:buChar char=""/>
             </a:pPr>
             <a:r>
-              <a:rPr b="0" lang="es-CO" sz="2800" spc="-1" strike="noStrike">
+              <a:rPr lang="es-CO" sz="2800" b="0" strike="noStrike" spc="-1">
                 <a:solidFill>
                   <a:srgbClr val="000000"/>
                 </a:solidFill>
@@ -12860,15 +13288,9 @@
               </a:rPr>
               <a:t>Pulse para editar el formato de texto del esquema</a:t>
             </a:r>
-            <a:endParaRPr b="0" lang="es-CO" sz="2800" spc="-1" strike="noStrike">
-              <a:solidFill>
-                <a:srgbClr val="000000"/>
-              </a:solidFill>
-              <a:latin typeface="Arial"/>
-            </a:endParaRPr>
-          </a:p>
-          <a:p>
-            <a:pPr lvl="1" marL="864000" indent="-324000">
+          </a:p>
+          <a:p>
+            <a:pPr marL="864000" lvl="1" indent="-324000">
               <a:spcBef>
                 <a:spcPts val="1134"/>
               </a:spcBef>
@@ -12880,7 +13302,7 @@
               <a:buChar char=""/>
             </a:pPr>
             <a:r>
-              <a:rPr b="0" lang="es-CO" sz="2000" spc="-1" strike="noStrike">
+              <a:rPr lang="es-CO" sz="2000" b="0" strike="noStrike" spc="-1">
                 <a:solidFill>
                   <a:srgbClr val="000000"/>
                 </a:solidFill>
@@ -12888,15 +13310,9 @@
               </a:rPr>
               <a:t>Segundo nivel del esquema</a:t>
             </a:r>
-            <a:endParaRPr b="0" lang="es-CO" sz="2000" spc="-1" strike="noStrike">
-              <a:solidFill>
-                <a:srgbClr val="000000"/>
-              </a:solidFill>
-              <a:latin typeface="Arial"/>
-            </a:endParaRPr>
-          </a:p>
-          <a:p>
-            <a:pPr lvl="2" marL="1296000" indent="-288000">
+          </a:p>
+          <a:p>
+            <a:pPr marL="1296000" lvl="2" indent="-288000">
               <a:spcBef>
                 <a:spcPts val="850"/>
               </a:spcBef>
@@ -12908,7 +13324,7 @@
               <a:buChar char=""/>
             </a:pPr>
             <a:r>
-              <a:rPr b="0" lang="es-CO" sz="1800" spc="-1" strike="noStrike">
+              <a:rPr lang="es-CO" sz="1800" b="0" strike="noStrike" spc="-1">
                 <a:solidFill>
                   <a:srgbClr val="000000"/>
                 </a:solidFill>
@@ -12916,15 +13332,9 @@
               </a:rPr>
               <a:t>Tercer nivel del esquema</a:t>
             </a:r>
-            <a:endParaRPr b="0" lang="es-CO" sz="1800" spc="-1" strike="noStrike">
-              <a:solidFill>
-                <a:srgbClr val="000000"/>
-              </a:solidFill>
-              <a:latin typeface="Arial"/>
-            </a:endParaRPr>
-          </a:p>
-          <a:p>
-            <a:pPr lvl="3" marL="1728000" indent="-216000">
+          </a:p>
+          <a:p>
+            <a:pPr marL="1728000" lvl="3" indent="-216000">
               <a:spcBef>
                 <a:spcPts val="567"/>
               </a:spcBef>
@@ -12936,7 +13346,7 @@
               <a:buChar char=""/>
             </a:pPr>
             <a:r>
-              <a:rPr b="0" lang="es-CO" sz="1800" spc="-1" strike="noStrike">
+              <a:rPr lang="es-CO" sz="1800" b="0" strike="noStrike" spc="-1">
                 <a:solidFill>
                   <a:srgbClr val="000000"/>
                 </a:solidFill>
@@ -12944,15 +13354,9 @@
               </a:rPr>
               <a:t>Cuarto nivel del esquema</a:t>
             </a:r>
-            <a:endParaRPr b="0" lang="es-CO" sz="1800" spc="-1" strike="noStrike">
-              <a:solidFill>
-                <a:srgbClr val="000000"/>
-              </a:solidFill>
-              <a:latin typeface="Arial"/>
-            </a:endParaRPr>
-          </a:p>
-          <a:p>
-            <a:pPr lvl="4" marL="2160000" indent="-216000">
+          </a:p>
+          <a:p>
+            <a:pPr marL="2160000" lvl="4" indent="-216000">
               <a:spcBef>
                 <a:spcPts val="283"/>
               </a:spcBef>
@@ -12964,7 +13368,7 @@
               <a:buChar char=""/>
             </a:pPr>
             <a:r>
-              <a:rPr b="0" lang="es-CO" sz="2000" spc="-1" strike="noStrike">
+              <a:rPr lang="es-CO" sz="2000" b="0" strike="noStrike" spc="-1">
                 <a:solidFill>
                   <a:srgbClr val="000000"/>
                 </a:solidFill>
@@ -12972,15 +13376,9 @@
               </a:rPr>
               <a:t>Quinto nivel del esquema</a:t>
             </a:r>
-            <a:endParaRPr b="0" lang="es-CO" sz="2000" spc="-1" strike="noStrike">
-              <a:solidFill>
-                <a:srgbClr val="000000"/>
-              </a:solidFill>
-              <a:latin typeface="Arial"/>
-            </a:endParaRPr>
-          </a:p>
-          <a:p>
-            <a:pPr lvl="5" marL="2592000" indent="-216000">
+          </a:p>
+          <a:p>
+            <a:pPr marL="2592000" lvl="5" indent="-216000">
               <a:spcBef>
                 <a:spcPts val="283"/>
               </a:spcBef>
@@ -12992,7 +13390,7 @@
               <a:buChar char=""/>
             </a:pPr>
             <a:r>
-              <a:rPr b="0" lang="es-CO" sz="2000" spc="-1" strike="noStrike">
+              <a:rPr lang="es-CO" sz="2000" b="0" strike="noStrike" spc="-1">
                 <a:solidFill>
                   <a:srgbClr val="000000"/>
                 </a:solidFill>
@@ -13000,15 +13398,9 @@
               </a:rPr>
               <a:t>Sexto nivel del esquema</a:t>
             </a:r>
-            <a:endParaRPr b="0" lang="es-CO" sz="2000" spc="-1" strike="noStrike">
-              <a:solidFill>
-                <a:srgbClr val="000000"/>
-              </a:solidFill>
-              <a:latin typeface="Arial"/>
-            </a:endParaRPr>
-          </a:p>
-          <a:p>
-            <a:pPr lvl="6" marL="3024000" indent="-216000">
+          </a:p>
+          <a:p>
+            <a:pPr marL="3024000" lvl="6" indent="-216000">
               <a:spcBef>
                 <a:spcPts val="283"/>
               </a:spcBef>
@@ -13020,7 +13412,7 @@
               <a:buChar char=""/>
             </a:pPr>
             <a:r>
-              <a:rPr b="0" lang="es-CO" sz="2000" spc="-1" strike="noStrike">
+              <a:rPr lang="es-CO" sz="2000" b="0" strike="noStrike" spc="-1">
                 <a:solidFill>
                   <a:srgbClr val="000000"/>
                 </a:solidFill>
@@ -13028,43 +13420,318 @@
               </a:rPr>
               <a:t>Séptimo nivel del esquema</a:t>
             </a:r>
-            <a:endParaRPr b="0" lang="es-CO" sz="2000" spc="-1" strike="noStrike">
-              <a:solidFill>
-                <a:srgbClr val="000000"/>
-              </a:solidFill>
-              <a:latin typeface="Arial"/>
-            </a:endParaRPr>
           </a:p>
         </p:txBody>
       </p:sp>
     </p:spTree>
   </p:cSld>
-  <p:clrMap bg1="lt1" bg2="lt2" tx1="dk1" tx2="dk2" accent1="accent1" accent2="accent2" accent3="accent3" accent4="accent4" accent5="accent5" accent6="accent6" hlink="hlink" folHlink="folHlink"/>
+  <p:clrMap bg1="lt1" tx1="dk1" bg2="lt2" tx2="dk2" accent1="accent1" accent2="accent2" accent3="accent3" accent4="accent4" accent5="accent5" accent6="accent6" hlink="hlink" folHlink="folHlink"/>
   <p:sldLayoutIdLst>
-    <p:sldLayoutId id="2147483649" r:id="rId3"/>
-    <p:sldLayoutId id="2147483650" r:id="rId4"/>
-    <p:sldLayoutId id="2147483651" r:id="rId5"/>
-    <p:sldLayoutId id="2147483652" r:id="rId6"/>
-    <p:sldLayoutId id="2147483653" r:id="rId7"/>
-    <p:sldLayoutId id="2147483654" r:id="rId8"/>
-    <p:sldLayoutId id="2147483655" r:id="rId9"/>
-    <p:sldLayoutId id="2147483656" r:id="rId10"/>
-    <p:sldLayoutId id="2147483657" r:id="rId11"/>
-    <p:sldLayoutId id="2147483658" r:id="rId12"/>
-    <p:sldLayoutId id="2147483659" r:id="rId13"/>
-    <p:sldLayoutId id="2147483660" r:id="rId14"/>
+    <p:sldLayoutId id="2147483649" r:id="rId1"/>
+    <p:sldLayoutId id="2147483650" r:id="rId2"/>
+    <p:sldLayoutId id="2147483651" r:id="rId3"/>
+    <p:sldLayoutId id="2147483652" r:id="rId4"/>
+    <p:sldLayoutId id="2147483653" r:id="rId5"/>
+    <p:sldLayoutId id="2147483654" r:id="rId6"/>
+    <p:sldLayoutId id="2147483655" r:id="rId7"/>
+    <p:sldLayoutId id="2147483656" r:id="rId8"/>
+    <p:sldLayoutId id="2147483657" r:id="rId9"/>
+    <p:sldLayoutId id="2147483658" r:id="rId10"/>
+    <p:sldLayoutId id="2147483659" r:id="rId11"/>
+    <p:sldLayoutId id="2147483660" r:id="rId12"/>
   </p:sldLayoutIdLst>
+  <p:txStyles>
+    <p:titleStyle>
+      <a:lvl1pPr algn="l" defTabSz="914400" rtl="0" eaLnBrk="1" latinLnBrk="0" hangingPunct="1">
+        <a:lnSpc>
+          <a:spcPct val="90000"/>
+        </a:lnSpc>
+        <a:spcBef>
+          <a:spcPct val="0"/>
+        </a:spcBef>
+        <a:buNone/>
+        <a:defRPr sz="4400" kern="1200">
+          <a:solidFill>
+            <a:schemeClr val="tx1"/>
+          </a:solidFill>
+          <a:latin typeface="+mj-lt"/>
+          <a:ea typeface="+mj-ea"/>
+          <a:cs typeface="+mj-cs"/>
+        </a:defRPr>
+      </a:lvl1pPr>
+    </p:titleStyle>
+    <p:bodyStyle>
+      <a:lvl1pPr marL="228600" indent="-228600" algn="l" defTabSz="914400" rtl="0" eaLnBrk="1" latinLnBrk="0" hangingPunct="1">
+        <a:lnSpc>
+          <a:spcPct val="90000"/>
+        </a:lnSpc>
+        <a:spcBef>
+          <a:spcPts val="1000"/>
+        </a:spcBef>
+        <a:buFont typeface="Arial" panose="020B0604020202020204" pitchFamily="34" charset="0"/>
+        <a:buChar char="•"/>
+        <a:defRPr sz="2800" kern="1200">
+          <a:solidFill>
+            <a:schemeClr val="tx1"/>
+          </a:solidFill>
+          <a:latin typeface="+mn-lt"/>
+          <a:ea typeface="+mn-ea"/>
+          <a:cs typeface="+mn-cs"/>
+        </a:defRPr>
+      </a:lvl1pPr>
+      <a:lvl2pPr marL="685800" indent="-228600" algn="l" defTabSz="914400" rtl="0" eaLnBrk="1" latinLnBrk="0" hangingPunct="1">
+        <a:lnSpc>
+          <a:spcPct val="90000"/>
+        </a:lnSpc>
+        <a:spcBef>
+          <a:spcPts val="500"/>
+        </a:spcBef>
+        <a:buFont typeface="Arial" panose="020B0604020202020204" pitchFamily="34" charset="0"/>
+        <a:buChar char="•"/>
+        <a:defRPr sz="2400" kern="1200">
+          <a:solidFill>
+            <a:schemeClr val="tx1"/>
+          </a:solidFill>
+          <a:latin typeface="+mn-lt"/>
+          <a:ea typeface="+mn-ea"/>
+          <a:cs typeface="+mn-cs"/>
+        </a:defRPr>
+      </a:lvl2pPr>
+      <a:lvl3pPr marL="1143000" indent="-228600" algn="l" defTabSz="914400" rtl="0" eaLnBrk="1" latinLnBrk="0" hangingPunct="1">
+        <a:lnSpc>
+          <a:spcPct val="90000"/>
+        </a:lnSpc>
+        <a:spcBef>
+          <a:spcPts val="500"/>
+        </a:spcBef>
+        <a:buFont typeface="Arial" panose="020B0604020202020204" pitchFamily="34" charset="0"/>
+        <a:buChar char="•"/>
+        <a:defRPr sz="2000" kern="1200">
+          <a:solidFill>
+            <a:schemeClr val="tx1"/>
+          </a:solidFill>
+          <a:latin typeface="+mn-lt"/>
+          <a:ea typeface="+mn-ea"/>
+          <a:cs typeface="+mn-cs"/>
+        </a:defRPr>
+      </a:lvl3pPr>
+      <a:lvl4pPr marL="1600200" indent="-228600" algn="l" defTabSz="914400" rtl="0" eaLnBrk="1" latinLnBrk="0" hangingPunct="1">
+        <a:lnSpc>
+          <a:spcPct val="90000"/>
+        </a:lnSpc>
+        <a:spcBef>
+          <a:spcPts val="500"/>
+        </a:spcBef>
+        <a:buFont typeface="Arial" panose="020B0604020202020204" pitchFamily="34" charset="0"/>
+        <a:buChar char="•"/>
+        <a:defRPr sz="1800" kern="1200">
+          <a:solidFill>
+            <a:schemeClr val="tx1"/>
+          </a:solidFill>
+          <a:latin typeface="+mn-lt"/>
+          <a:ea typeface="+mn-ea"/>
+          <a:cs typeface="+mn-cs"/>
+        </a:defRPr>
+      </a:lvl4pPr>
+      <a:lvl5pPr marL="2057400" indent="-228600" algn="l" defTabSz="914400" rtl="0" eaLnBrk="1" latinLnBrk="0" hangingPunct="1">
+        <a:lnSpc>
+          <a:spcPct val="90000"/>
+        </a:lnSpc>
+        <a:spcBef>
+          <a:spcPts val="500"/>
+        </a:spcBef>
+        <a:buFont typeface="Arial" panose="020B0604020202020204" pitchFamily="34" charset="0"/>
+        <a:buChar char="•"/>
+        <a:defRPr sz="1800" kern="1200">
+          <a:solidFill>
+            <a:schemeClr val="tx1"/>
+          </a:solidFill>
+          <a:latin typeface="+mn-lt"/>
+          <a:ea typeface="+mn-ea"/>
+          <a:cs typeface="+mn-cs"/>
+        </a:defRPr>
+      </a:lvl5pPr>
+      <a:lvl6pPr marL="2514600" indent="-228600" algn="l" defTabSz="914400" rtl="0" eaLnBrk="1" latinLnBrk="0" hangingPunct="1">
+        <a:lnSpc>
+          <a:spcPct val="90000"/>
+        </a:lnSpc>
+        <a:spcBef>
+          <a:spcPts val="500"/>
+        </a:spcBef>
+        <a:buFont typeface="Arial" panose="020B0604020202020204" pitchFamily="34" charset="0"/>
+        <a:buChar char="•"/>
+        <a:defRPr sz="1800" kern="1200">
+          <a:solidFill>
+            <a:schemeClr val="tx1"/>
+          </a:solidFill>
+          <a:latin typeface="+mn-lt"/>
+          <a:ea typeface="+mn-ea"/>
+          <a:cs typeface="+mn-cs"/>
+        </a:defRPr>
+      </a:lvl6pPr>
+      <a:lvl7pPr marL="2971800" indent="-228600" algn="l" defTabSz="914400" rtl="0" eaLnBrk="1" latinLnBrk="0" hangingPunct="1">
+        <a:lnSpc>
+          <a:spcPct val="90000"/>
+        </a:lnSpc>
+        <a:spcBef>
+          <a:spcPts val="500"/>
+        </a:spcBef>
+        <a:buFont typeface="Arial" panose="020B0604020202020204" pitchFamily="34" charset="0"/>
+        <a:buChar char="•"/>
+        <a:defRPr sz="1800" kern="1200">
+          <a:solidFill>
+            <a:schemeClr val="tx1"/>
+          </a:solidFill>
+          <a:latin typeface="+mn-lt"/>
+          <a:ea typeface="+mn-ea"/>
+          <a:cs typeface="+mn-cs"/>
+        </a:defRPr>
+      </a:lvl7pPr>
+      <a:lvl8pPr marL="3429000" indent="-228600" algn="l" defTabSz="914400" rtl="0" eaLnBrk="1" latinLnBrk="0" hangingPunct="1">
+        <a:lnSpc>
+          <a:spcPct val="90000"/>
+        </a:lnSpc>
+        <a:spcBef>
+          <a:spcPts val="500"/>
+        </a:spcBef>
+        <a:buFont typeface="Arial" panose="020B0604020202020204" pitchFamily="34" charset="0"/>
+        <a:buChar char="•"/>
+        <a:defRPr sz="1800" kern="1200">
+          <a:solidFill>
+            <a:schemeClr val="tx1"/>
+          </a:solidFill>
+          <a:latin typeface="+mn-lt"/>
+          <a:ea typeface="+mn-ea"/>
+          <a:cs typeface="+mn-cs"/>
+        </a:defRPr>
+      </a:lvl8pPr>
+      <a:lvl9pPr marL="3886200" indent="-228600" algn="l" defTabSz="914400" rtl="0" eaLnBrk="1" latinLnBrk="0" hangingPunct="1">
+        <a:lnSpc>
+          <a:spcPct val="90000"/>
+        </a:lnSpc>
+        <a:spcBef>
+          <a:spcPts val="500"/>
+        </a:spcBef>
+        <a:buFont typeface="Arial" panose="020B0604020202020204" pitchFamily="34" charset="0"/>
+        <a:buChar char="•"/>
+        <a:defRPr sz="1800" kern="1200">
+          <a:solidFill>
+            <a:schemeClr val="tx1"/>
+          </a:solidFill>
+          <a:latin typeface="+mn-lt"/>
+          <a:ea typeface="+mn-ea"/>
+          <a:cs typeface="+mn-cs"/>
+        </a:defRPr>
+      </a:lvl9pPr>
+    </p:bodyStyle>
+    <p:otherStyle>
+      <a:defPPr>
+        <a:defRPr lang="es-CO"/>
+      </a:defPPr>
+      <a:lvl1pPr marL="0" algn="l" defTabSz="914400" rtl="0" eaLnBrk="1" latinLnBrk="0" hangingPunct="1">
+        <a:defRPr sz="1800" kern="1200">
+          <a:solidFill>
+            <a:schemeClr val="tx1"/>
+          </a:solidFill>
+          <a:latin typeface="+mn-lt"/>
+          <a:ea typeface="+mn-ea"/>
+          <a:cs typeface="+mn-cs"/>
+        </a:defRPr>
+      </a:lvl1pPr>
+      <a:lvl2pPr marL="457200" algn="l" defTabSz="914400" rtl="0" eaLnBrk="1" latinLnBrk="0" hangingPunct="1">
+        <a:defRPr sz="1800" kern="1200">
+          <a:solidFill>
+            <a:schemeClr val="tx1"/>
+          </a:solidFill>
+          <a:latin typeface="+mn-lt"/>
+          <a:ea typeface="+mn-ea"/>
+          <a:cs typeface="+mn-cs"/>
+        </a:defRPr>
+      </a:lvl2pPr>
+      <a:lvl3pPr marL="914400" algn="l" defTabSz="914400" rtl="0" eaLnBrk="1" latinLnBrk="0" hangingPunct="1">
+        <a:defRPr sz="1800" kern="1200">
+          <a:solidFill>
+            <a:schemeClr val="tx1"/>
+          </a:solidFill>
+          <a:latin typeface="+mn-lt"/>
+          <a:ea typeface="+mn-ea"/>
+          <a:cs typeface="+mn-cs"/>
+        </a:defRPr>
+      </a:lvl3pPr>
+      <a:lvl4pPr marL="1371600" algn="l" defTabSz="914400" rtl="0" eaLnBrk="1" latinLnBrk="0" hangingPunct="1">
+        <a:defRPr sz="1800" kern="1200">
+          <a:solidFill>
+            <a:schemeClr val="tx1"/>
+          </a:solidFill>
+          <a:latin typeface="+mn-lt"/>
+          <a:ea typeface="+mn-ea"/>
+          <a:cs typeface="+mn-cs"/>
+        </a:defRPr>
+      </a:lvl4pPr>
+      <a:lvl5pPr marL="1828800" algn="l" defTabSz="914400" rtl="0" eaLnBrk="1" latinLnBrk="0" hangingPunct="1">
+        <a:defRPr sz="1800" kern="1200">
+          <a:solidFill>
+            <a:schemeClr val="tx1"/>
+          </a:solidFill>
+          <a:latin typeface="+mn-lt"/>
+          <a:ea typeface="+mn-ea"/>
+          <a:cs typeface="+mn-cs"/>
+        </a:defRPr>
+      </a:lvl5pPr>
+      <a:lvl6pPr marL="2286000" algn="l" defTabSz="914400" rtl="0" eaLnBrk="1" latinLnBrk="0" hangingPunct="1">
+        <a:defRPr sz="1800" kern="1200">
+          <a:solidFill>
+            <a:schemeClr val="tx1"/>
+          </a:solidFill>
+          <a:latin typeface="+mn-lt"/>
+          <a:ea typeface="+mn-ea"/>
+          <a:cs typeface="+mn-cs"/>
+        </a:defRPr>
+      </a:lvl6pPr>
+      <a:lvl7pPr marL="2743200" algn="l" defTabSz="914400" rtl="0" eaLnBrk="1" latinLnBrk="0" hangingPunct="1">
+        <a:defRPr sz="1800" kern="1200">
+          <a:solidFill>
+            <a:schemeClr val="tx1"/>
+          </a:solidFill>
+          <a:latin typeface="+mn-lt"/>
+          <a:ea typeface="+mn-ea"/>
+          <a:cs typeface="+mn-cs"/>
+        </a:defRPr>
+      </a:lvl7pPr>
+      <a:lvl8pPr marL="3200400" algn="l" defTabSz="914400" rtl="0" eaLnBrk="1" latinLnBrk="0" hangingPunct="1">
+        <a:defRPr sz="1800" kern="1200">
+          <a:solidFill>
+            <a:schemeClr val="tx1"/>
+          </a:solidFill>
+          <a:latin typeface="+mn-lt"/>
+          <a:ea typeface="+mn-ea"/>
+          <a:cs typeface="+mn-cs"/>
+        </a:defRPr>
+      </a:lvl8pPr>
+      <a:lvl9pPr marL="3657600" algn="l" defTabSz="914400" rtl="0" eaLnBrk="1" latinLnBrk="0" hangingPunct="1">
+        <a:defRPr sz="1800" kern="1200">
+          <a:solidFill>
+            <a:schemeClr val="tx1"/>
+          </a:solidFill>
+          <a:latin typeface="+mn-lt"/>
+          <a:ea typeface="+mn-ea"/>
+          <a:cs typeface="+mn-cs"/>
+        </a:defRPr>
+      </a:lvl9pPr>
+    </p:otherStyle>
+  </p:txStyles>
 </p:sldMaster>
 </file>
 
 <file path=ppt/slideMasters/slideMaster2.xml><?xml version="1.0" encoding="utf-8"?>
-<p:sldMaster xmlns:a="http://schemas.openxmlformats.org/drawingml/2006/main" xmlns:p="http://schemas.openxmlformats.org/presentationml/2006/main" xmlns:r="http://schemas.openxmlformats.org/officeDocument/2006/relationships" xmlns:p14="http://schemas.microsoft.com/office/powerpoint/2010/main" xmlns:p15="http://schemas.microsoft.com/office/powerpoint/2012/main" xmlns:mc="http://schemas.openxmlformats.org/markup-compatibility/2006">
+<p:sldMaster xmlns:a="http://schemas.openxmlformats.org/drawingml/2006/main" xmlns:r="http://schemas.openxmlformats.org/officeDocument/2006/relationships" xmlns:p="http://schemas.openxmlformats.org/presentationml/2006/main">
   <p:cSld>
     <p:bg>
       <p:bgPr>
         <a:solidFill>
-          <a:srgbClr val="ffffff"/>
+          <a:srgbClr val="FFFFFF"/>
         </a:solidFill>
+        <a:effectLst/>
       </p:bgPr>
     </p:bg>
     <p:spTree>
@@ -13110,6 +13777,7 @@
               <a:avLst/>
               <a:gdLst/>
               <a:ahLst/>
+              <a:cxnLst/>
               <a:rect l="l" t="t" r="r" b="b"/>
               <a:pathLst>
                 <a:path w="707" h="3357">
@@ -13140,9 +13808,15 @@
             </a:ln>
           </p:spPr>
           <p:style>
-            <a:lnRef idx="0"/>
-            <a:fillRef idx="0"/>
-            <a:effectRef idx="0"/>
+            <a:lnRef idx="0">
+              <a:scrgbClr r="0" g="0" b="0"/>
+            </a:lnRef>
+            <a:fillRef idx="0">
+              <a:scrgbClr r="0" g="0" b="0"/>
+            </a:fillRef>
+            <a:effectRef idx="0">
+              <a:scrgbClr r="0" g="0" b="0"/>
+            </a:effectRef>
             <a:fontRef idx="minor"/>
           </p:style>
         </p:sp>
@@ -13161,6 +13835,7 @@
               <a:avLst/>
               <a:gdLst/>
               <a:ahLst/>
+              <a:cxnLst/>
               <a:rect l="l" t="t" r="r" b="b"/>
               <a:pathLst>
                 <a:path w="704" h="3324">
@@ -13194,9 +13869,15 @@
             </a:ln>
           </p:spPr>
           <p:style>
-            <a:lnRef idx="0"/>
-            <a:fillRef idx="0"/>
-            <a:effectRef idx="0"/>
+            <a:lnRef idx="0">
+              <a:scrgbClr r="0" g="0" b="0"/>
+            </a:lnRef>
+            <a:fillRef idx="0">
+              <a:scrgbClr r="0" g="0" b="0"/>
+            </a:fillRef>
+            <a:effectRef idx="0">
+              <a:scrgbClr r="0" g="0" b="0"/>
+            </a:effectRef>
             <a:fontRef idx="minor"/>
           </p:style>
         </p:sp>
@@ -13215,6 +13896,7 @@
               <a:avLst/>
               <a:gdLst/>
               <a:ahLst/>
+              <a:cxnLst/>
               <a:rect l="l" t="t" r="r" b="b"/>
               <a:pathLst>
                 <a:path w="774" h="1020">
@@ -13245,9 +13927,15 @@
             </a:ln>
           </p:spPr>
           <p:style>
-            <a:lnRef idx="0"/>
-            <a:fillRef idx="0"/>
-            <a:effectRef idx="0"/>
+            <a:lnRef idx="0">
+              <a:scrgbClr r="0" g="0" b="0"/>
+            </a:lnRef>
+            <a:fillRef idx="0">
+              <a:scrgbClr r="0" g="0" b="0"/>
+            </a:fillRef>
+            <a:effectRef idx="0">
+              <a:scrgbClr r="0" g="0" b="0"/>
+            </a:effectRef>
             <a:fontRef idx="minor"/>
           </p:style>
         </p:sp>
@@ -13266,6 +13954,7 @@
               <a:avLst/>
               <a:gdLst/>
               <a:ahLst/>
+              <a:cxnLst/>
               <a:rect l="l" t="t" r="r" b="b"/>
               <a:pathLst>
                 <a:path w="942" h="987">
@@ -13295,9 +13984,15 @@
             </a:ln>
           </p:spPr>
           <p:style>
-            <a:lnRef idx="0"/>
-            <a:fillRef idx="0"/>
-            <a:effectRef idx="0"/>
+            <a:lnRef idx="0">
+              <a:scrgbClr r="0" g="0" b="0"/>
+            </a:lnRef>
+            <a:fillRef idx="0">
+              <a:scrgbClr r="0" g="0" b="0"/>
+            </a:fillRef>
+            <a:effectRef idx="0">
+              <a:scrgbClr r="0" g="0" b="0"/>
+            </a:effectRef>
             <a:fontRef idx="minor"/>
           </p:style>
         </p:sp>
@@ -13316,6 +14011,7 @@
               <a:avLst/>
               <a:gdLst/>
               <a:ahLst/>
+              <a:cxnLst/>
               <a:rect l="l" t="t" r="r" b="b"/>
               <a:pathLst>
                 <a:path w="1342" h="990">
@@ -13351,9 +14047,15 @@
             </a:ln>
           </p:spPr>
           <p:style>
-            <a:lnRef idx="0"/>
-            <a:fillRef idx="0"/>
-            <a:effectRef idx="0"/>
+            <a:lnRef idx="0">
+              <a:scrgbClr r="0" g="0" b="0"/>
+            </a:lnRef>
+            <a:fillRef idx="0">
+              <a:scrgbClr r="0" g="0" b="0"/>
+            </a:fillRef>
+            <a:effectRef idx="0">
+              <a:scrgbClr r="0" g="0" b="0"/>
+            </a:effectRef>
             <a:fontRef idx="minor"/>
           </p:style>
         </p:sp>
@@ -13372,6 +14074,7 @@
               <a:avLst/>
               <a:gdLst/>
               <a:ahLst/>
+              <a:cxnLst/>
               <a:rect l="l" t="t" r="r" b="b"/>
               <a:pathLst>
                 <a:path w="1068" h="1020">
@@ -13420,9 +14123,15 @@
             </a:ln>
           </p:spPr>
           <p:style>
-            <a:lnRef idx="0"/>
-            <a:fillRef idx="0"/>
-            <a:effectRef idx="0"/>
+            <a:lnRef idx="0">
+              <a:scrgbClr r="0" g="0" b="0"/>
+            </a:lnRef>
+            <a:fillRef idx="0">
+              <a:scrgbClr r="0" g="0" b="0"/>
+            </a:fillRef>
+            <a:effectRef idx="0">
+              <a:scrgbClr r="0" g="0" b="0"/>
+            </a:effectRef>
             <a:fontRef idx="minor"/>
           </p:style>
         </p:sp>
@@ -13447,13 +14156,14 @@
           </a:prstGeom>
         </p:spPr>
         <p:txBody>
-          <a:bodyPr lIns="0" rIns="0" tIns="0" bIns="0" anchor="ctr">
+          <a:bodyPr lIns="0" tIns="0" rIns="0" bIns="0" anchor="ctr">
             <a:noAutofit/>
           </a:bodyPr>
+          <a:lstStyle/>
           <a:p>
             <a:pPr algn="ctr"/>
             <a:r>
-              <a:rPr b="0" lang="es-CO" sz="4400" spc="-1" strike="noStrike">
+              <a:rPr lang="es-CO" sz="4400" b="0" strike="noStrike" spc="-1">
                 <a:solidFill>
                   <a:srgbClr val="000000"/>
                 </a:solidFill>
@@ -13461,12 +14171,6 @@
               </a:rPr>
               <a:t>Pulse para editar el formato del texto de título</a:t>
             </a:r>
-            <a:endParaRPr b="0" lang="es-CO" sz="4400" spc="-1" strike="noStrike">
-              <a:solidFill>
-                <a:srgbClr val="000000"/>
-              </a:solidFill>
-              <a:latin typeface="Arial"/>
-            </a:endParaRPr>
           </a:p>
         </p:txBody>
       </p:sp>
@@ -13490,9 +14194,10 @@
           </a:prstGeom>
         </p:spPr>
         <p:txBody>
-          <a:bodyPr lIns="0" rIns="0" tIns="0" bIns="0" anchor="ctr">
+          <a:bodyPr lIns="0" tIns="0" rIns="0" bIns="0" anchor="ctr">
             <a:normAutofit fontScale="76000"/>
           </a:bodyPr>
+          <a:lstStyle/>
           <a:p>
             <a:pPr marL="432000" indent="-324000" algn="ctr">
               <a:spcBef>
@@ -13506,7 +14211,7 @@
               <a:buChar char=""/>
             </a:pPr>
             <a:r>
-              <a:rPr b="0" lang="es-CO" sz="2800" spc="-1" strike="noStrike">
+              <a:rPr lang="es-CO" sz="2800" b="0" strike="noStrike" spc="-1">
                 <a:solidFill>
                   <a:srgbClr val="000000"/>
                 </a:solidFill>
@@ -13514,15 +14219,9 @@
               </a:rPr>
               <a:t>Pulse para editar el formato de texto del esquema</a:t>
             </a:r>
-            <a:endParaRPr b="0" lang="es-CO" sz="2800" spc="-1" strike="noStrike">
-              <a:solidFill>
-                <a:srgbClr val="000000"/>
-              </a:solidFill>
-              <a:latin typeface="Arial"/>
-            </a:endParaRPr>
-          </a:p>
-          <a:p>
-            <a:pPr lvl="1" marL="864000" indent="-324000" algn="ctr">
+          </a:p>
+          <a:p>
+            <a:pPr marL="864000" lvl="1" indent="-324000" algn="ctr">
               <a:spcBef>
                 <a:spcPts val="1134"/>
               </a:spcBef>
@@ -13534,7 +14233,7 @@
               <a:buChar char=""/>
             </a:pPr>
             <a:r>
-              <a:rPr b="0" lang="es-CO" sz="2800" spc="-1" strike="noStrike">
+              <a:rPr lang="es-CO" sz="2800" b="0" strike="noStrike" spc="-1">
                 <a:solidFill>
                   <a:srgbClr val="000000"/>
                 </a:solidFill>
@@ -13542,15 +14241,9 @@
               </a:rPr>
               <a:t>Segundo nivel del esquema</a:t>
             </a:r>
-            <a:endParaRPr b="0" lang="es-CO" sz="2800" spc="-1" strike="noStrike">
-              <a:solidFill>
-                <a:srgbClr val="000000"/>
-              </a:solidFill>
-              <a:latin typeface="Arial"/>
-            </a:endParaRPr>
-          </a:p>
-          <a:p>
-            <a:pPr lvl="2" marL="1296000" indent="-288000" algn="ctr">
+          </a:p>
+          <a:p>
+            <a:pPr marL="1296000" lvl="2" indent="-288000" algn="ctr">
               <a:spcBef>
                 <a:spcPts val="850"/>
               </a:spcBef>
@@ -13562,7 +14255,7 @@
               <a:buChar char=""/>
             </a:pPr>
             <a:r>
-              <a:rPr b="0" lang="es-CO" sz="2800" spc="-1" strike="noStrike">
+              <a:rPr lang="es-CO" sz="2800" b="0" strike="noStrike" spc="-1">
                 <a:solidFill>
                   <a:srgbClr val="000000"/>
                 </a:solidFill>
@@ -13570,15 +14263,9 @@
               </a:rPr>
               <a:t>Tercer nivel del esquema</a:t>
             </a:r>
-            <a:endParaRPr b="0" lang="es-CO" sz="2800" spc="-1" strike="noStrike">
-              <a:solidFill>
-                <a:srgbClr val="000000"/>
-              </a:solidFill>
-              <a:latin typeface="Arial"/>
-            </a:endParaRPr>
-          </a:p>
-          <a:p>
-            <a:pPr lvl="3" marL="1728000" indent="-216000" algn="ctr">
+          </a:p>
+          <a:p>
+            <a:pPr marL="1728000" lvl="3" indent="-216000" algn="ctr">
               <a:spcBef>
                 <a:spcPts val="567"/>
               </a:spcBef>
@@ -13590,7 +14277,7 @@
               <a:buChar char=""/>
             </a:pPr>
             <a:r>
-              <a:rPr b="0" lang="es-CO" sz="2800" spc="-1" strike="noStrike">
+              <a:rPr lang="es-CO" sz="2800" b="0" strike="noStrike" spc="-1">
                 <a:solidFill>
                   <a:srgbClr val="000000"/>
                 </a:solidFill>
@@ -13598,15 +14285,9 @@
               </a:rPr>
               <a:t>Cuarto nivel del esquema</a:t>
             </a:r>
-            <a:endParaRPr b="0" lang="es-CO" sz="2800" spc="-1" strike="noStrike">
-              <a:solidFill>
-                <a:srgbClr val="000000"/>
-              </a:solidFill>
-              <a:latin typeface="Arial"/>
-            </a:endParaRPr>
-          </a:p>
-          <a:p>
-            <a:pPr lvl="4" marL="2160000" indent="-216000" algn="ctr">
+          </a:p>
+          <a:p>
+            <a:pPr marL="2160000" lvl="4" indent="-216000" algn="ctr">
               <a:spcBef>
                 <a:spcPts val="283"/>
               </a:spcBef>
@@ -13618,7 +14299,7 @@
               <a:buChar char=""/>
             </a:pPr>
             <a:r>
-              <a:rPr b="0" lang="es-CO" sz="2800" spc="-1" strike="noStrike">
+              <a:rPr lang="es-CO" sz="2800" b="0" strike="noStrike" spc="-1">
                 <a:solidFill>
                   <a:srgbClr val="000000"/>
                 </a:solidFill>
@@ -13626,15 +14307,9 @@
               </a:rPr>
               <a:t>Quinto nivel del esquema</a:t>
             </a:r>
-            <a:endParaRPr b="0" lang="es-CO" sz="2800" spc="-1" strike="noStrike">
-              <a:solidFill>
-                <a:srgbClr val="000000"/>
-              </a:solidFill>
-              <a:latin typeface="Arial"/>
-            </a:endParaRPr>
-          </a:p>
-          <a:p>
-            <a:pPr lvl="5" marL="2592000" indent="-216000" algn="ctr">
+          </a:p>
+          <a:p>
+            <a:pPr marL="2592000" lvl="5" indent="-216000" algn="ctr">
               <a:spcBef>
                 <a:spcPts val="283"/>
               </a:spcBef>
@@ -13646,7 +14321,7 @@
               <a:buChar char=""/>
             </a:pPr>
             <a:r>
-              <a:rPr b="0" lang="es-CO" sz="2800" spc="-1" strike="noStrike">
+              <a:rPr lang="es-CO" sz="2800" b="0" strike="noStrike" spc="-1">
                 <a:solidFill>
                   <a:srgbClr val="000000"/>
                 </a:solidFill>
@@ -13654,15 +14329,9 @@
               </a:rPr>
               <a:t>Sexto nivel del esquema</a:t>
             </a:r>
-            <a:endParaRPr b="0" lang="es-CO" sz="2800" spc="-1" strike="noStrike">
-              <a:solidFill>
-                <a:srgbClr val="000000"/>
-              </a:solidFill>
-              <a:latin typeface="Arial"/>
-            </a:endParaRPr>
-          </a:p>
-          <a:p>
-            <a:pPr lvl="6" marL="3024000" indent="-216000" algn="ctr">
+          </a:p>
+          <a:p>
+            <a:pPr marL="3024000" lvl="6" indent="-216000" algn="ctr">
               <a:spcBef>
                 <a:spcPts val="283"/>
               </a:spcBef>
@@ -13674,7 +14343,7 @@
               <a:buChar char=""/>
             </a:pPr>
             <a:r>
-              <a:rPr b="0" lang="es-CO" sz="2800" spc="-1" strike="noStrike">
+              <a:rPr lang="es-CO" sz="2800" b="0" strike="noStrike" spc="-1">
                 <a:solidFill>
                   <a:srgbClr val="000000"/>
                 </a:solidFill>
@@ -13682,12 +14351,6 @@
               </a:rPr>
               <a:t>Séptimo nivel del esquema</a:t>
             </a:r>
-            <a:endParaRPr b="0" lang="es-CO" sz="2800" spc="-1" strike="noStrike">
-              <a:solidFill>
-                <a:srgbClr val="000000"/>
-              </a:solidFill>
-              <a:latin typeface="Arial"/>
-            </a:endParaRPr>
           </a:p>
         </p:txBody>
       </p:sp>
@@ -13711,9 +14374,10 @@
           </a:prstGeom>
         </p:spPr>
         <p:txBody>
-          <a:bodyPr lIns="0" rIns="0" tIns="0" bIns="0" anchor="ctr">
+          <a:bodyPr lIns="0" tIns="0" rIns="0" bIns="0" anchor="ctr">
             <a:normAutofit fontScale="76000"/>
           </a:bodyPr>
+          <a:lstStyle/>
           <a:p>
             <a:pPr marL="432000" indent="-324000" algn="ctr">
               <a:spcBef>
@@ -13727,7 +14391,7 @@
               <a:buChar char=""/>
             </a:pPr>
             <a:r>
-              <a:rPr b="0" lang="es-CO" sz="2800" spc="-1" strike="noStrike">
+              <a:rPr lang="es-CO" sz="2800" b="0" strike="noStrike" spc="-1">
                 <a:solidFill>
                   <a:srgbClr val="000000"/>
                 </a:solidFill>
@@ -13735,15 +14399,9 @@
               </a:rPr>
               <a:t>Pulse para editar el formato de texto del esquema</a:t>
             </a:r>
-            <a:endParaRPr b="0" lang="es-CO" sz="2800" spc="-1" strike="noStrike">
-              <a:solidFill>
-                <a:srgbClr val="000000"/>
-              </a:solidFill>
-              <a:latin typeface="Arial"/>
-            </a:endParaRPr>
-          </a:p>
-          <a:p>
-            <a:pPr lvl="1" marL="864000" indent="-324000" algn="ctr">
+          </a:p>
+          <a:p>
+            <a:pPr marL="864000" lvl="1" indent="-324000" algn="ctr">
               <a:spcBef>
                 <a:spcPts val="1134"/>
               </a:spcBef>
@@ -13755,7 +14413,7 @@
               <a:buChar char=""/>
             </a:pPr>
             <a:r>
-              <a:rPr b="0" lang="es-CO" sz="2800" spc="-1" strike="noStrike">
+              <a:rPr lang="es-CO" sz="2800" b="0" strike="noStrike" spc="-1">
                 <a:solidFill>
                   <a:srgbClr val="000000"/>
                 </a:solidFill>
@@ -13763,15 +14421,9 @@
               </a:rPr>
               <a:t>Segundo nivel del esquema</a:t>
             </a:r>
-            <a:endParaRPr b="0" lang="es-CO" sz="2800" spc="-1" strike="noStrike">
-              <a:solidFill>
-                <a:srgbClr val="000000"/>
-              </a:solidFill>
-              <a:latin typeface="Arial"/>
-            </a:endParaRPr>
-          </a:p>
-          <a:p>
-            <a:pPr lvl="2" marL="1296000" indent="-288000" algn="ctr">
+          </a:p>
+          <a:p>
+            <a:pPr marL="1296000" lvl="2" indent="-288000" algn="ctr">
               <a:spcBef>
                 <a:spcPts val="850"/>
               </a:spcBef>
@@ -13783,7 +14435,7 @@
               <a:buChar char=""/>
             </a:pPr>
             <a:r>
-              <a:rPr b="0" lang="es-CO" sz="2800" spc="-1" strike="noStrike">
+              <a:rPr lang="es-CO" sz="2800" b="0" strike="noStrike" spc="-1">
                 <a:solidFill>
                   <a:srgbClr val="000000"/>
                 </a:solidFill>
@@ -13791,15 +14443,9 @@
               </a:rPr>
               <a:t>Tercer nivel del esquema</a:t>
             </a:r>
-            <a:endParaRPr b="0" lang="es-CO" sz="2800" spc="-1" strike="noStrike">
-              <a:solidFill>
-                <a:srgbClr val="000000"/>
-              </a:solidFill>
-              <a:latin typeface="Arial"/>
-            </a:endParaRPr>
-          </a:p>
-          <a:p>
-            <a:pPr lvl="3" marL="1728000" indent="-216000" algn="ctr">
+          </a:p>
+          <a:p>
+            <a:pPr marL="1728000" lvl="3" indent="-216000" algn="ctr">
               <a:spcBef>
                 <a:spcPts val="567"/>
               </a:spcBef>
@@ -13811,7 +14457,7 @@
               <a:buChar char=""/>
             </a:pPr>
             <a:r>
-              <a:rPr b="0" lang="es-CO" sz="2800" spc="-1" strike="noStrike">
+              <a:rPr lang="es-CO" sz="2800" b="0" strike="noStrike" spc="-1">
                 <a:solidFill>
                   <a:srgbClr val="000000"/>
                 </a:solidFill>
@@ -13819,15 +14465,9 @@
               </a:rPr>
               <a:t>Cuarto nivel del esquema</a:t>
             </a:r>
-            <a:endParaRPr b="0" lang="es-CO" sz="2800" spc="-1" strike="noStrike">
-              <a:solidFill>
-                <a:srgbClr val="000000"/>
-              </a:solidFill>
-              <a:latin typeface="Arial"/>
-            </a:endParaRPr>
-          </a:p>
-          <a:p>
-            <a:pPr lvl="4" marL="2160000" indent="-216000" algn="ctr">
+          </a:p>
+          <a:p>
+            <a:pPr marL="2160000" lvl="4" indent="-216000" algn="ctr">
               <a:spcBef>
                 <a:spcPts val="283"/>
               </a:spcBef>
@@ -13839,7 +14479,7 @@
               <a:buChar char=""/>
             </a:pPr>
             <a:r>
-              <a:rPr b="0" lang="es-CO" sz="2800" spc="-1" strike="noStrike">
+              <a:rPr lang="es-CO" sz="2800" b="0" strike="noStrike" spc="-1">
                 <a:solidFill>
                   <a:srgbClr val="000000"/>
                 </a:solidFill>
@@ -13847,15 +14487,9 @@
               </a:rPr>
               <a:t>Quinto nivel del esquema</a:t>
             </a:r>
-            <a:endParaRPr b="0" lang="es-CO" sz="2800" spc="-1" strike="noStrike">
-              <a:solidFill>
-                <a:srgbClr val="000000"/>
-              </a:solidFill>
-              <a:latin typeface="Arial"/>
-            </a:endParaRPr>
-          </a:p>
-          <a:p>
-            <a:pPr lvl="5" marL="2592000" indent="-216000" algn="ctr">
+          </a:p>
+          <a:p>
+            <a:pPr marL="2592000" lvl="5" indent="-216000" algn="ctr">
               <a:spcBef>
                 <a:spcPts val="283"/>
               </a:spcBef>
@@ -13867,7 +14501,7 @@
               <a:buChar char=""/>
             </a:pPr>
             <a:r>
-              <a:rPr b="0" lang="es-CO" sz="2800" spc="-1" strike="noStrike">
+              <a:rPr lang="es-CO" sz="2800" b="0" strike="noStrike" spc="-1">
                 <a:solidFill>
                   <a:srgbClr val="000000"/>
                 </a:solidFill>
@@ -13875,15 +14509,9 @@
               </a:rPr>
               <a:t>Sexto nivel del esquema</a:t>
             </a:r>
-            <a:endParaRPr b="0" lang="es-CO" sz="2800" spc="-1" strike="noStrike">
-              <a:solidFill>
-                <a:srgbClr val="000000"/>
-              </a:solidFill>
-              <a:latin typeface="Arial"/>
-            </a:endParaRPr>
-          </a:p>
-          <a:p>
-            <a:pPr lvl="6" marL="3024000" indent="-216000" algn="ctr">
+          </a:p>
+          <a:p>
+            <a:pPr marL="3024000" lvl="6" indent="-216000" algn="ctr">
               <a:spcBef>
                 <a:spcPts val="283"/>
               </a:spcBef>
@@ -13895,7 +14523,7 @@
               <a:buChar char=""/>
             </a:pPr>
             <a:r>
-              <a:rPr b="0" lang="es-CO" sz="2800" spc="-1" strike="noStrike">
+              <a:rPr lang="es-CO" sz="2800" b="0" strike="noStrike" spc="-1">
                 <a:solidFill>
                   <a:srgbClr val="000000"/>
                 </a:solidFill>
@@ -13903,23 +14531,17 @@
               </a:rPr>
               <a:t>Séptimo nivel del esquema</a:t>
             </a:r>
-            <a:endParaRPr b="0" lang="es-CO" sz="2800" spc="-1" strike="noStrike">
-              <a:solidFill>
-                <a:srgbClr val="000000"/>
-              </a:solidFill>
-              <a:latin typeface="Arial"/>
-            </a:endParaRPr>
           </a:p>
         </p:txBody>
       </p:sp>
       <p:pic>
         <p:nvPicPr>
-          <p:cNvPr id="56" name="Imagen 4" descr=""/>
+          <p:cNvPr id="56" name="Imagen 4"/>
           <p:cNvPicPr/>
           <p:nvPr/>
         </p:nvPicPr>
         <p:blipFill>
-          <a:blip r:embed="rId2"/>
+          <a:blip r:embed="rId14"/>
           <a:srcRect l="22210" t="21867" r="22769" b="19369"/>
           <a:stretch/>
         </p:blipFill>
@@ -13938,32 +14560,313 @@
       </p:pic>
     </p:spTree>
   </p:cSld>
-  <p:clrMap bg1="lt1" bg2="lt2" tx1="dk1" tx2="dk2" accent1="accent1" accent2="accent2" accent3="accent3" accent4="accent4" accent5="accent5" accent6="accent6" hlink="hlink" folHlink="folHlink"/>
+  <p:clrMap bg1="lt1" tx1="dk1" bg2="lt2" tx2="dk2" accent1="accent1" accent2="accent2" accent3="accent3" accent4="accent4" accent5="accent5" accent6="accent6" hlink="hlink" folHlink="folHlink"/>
   <p:sldLayoutIdLst>
-    <p:sldLayoutId id="2147483662" r:id="rId3"/>
-    <p:sldLayoutId id="2147483663" r:id="rId4"/>
-    <p:sldLayoutId id="2147483664" r:id="rId5"/>
-    <p:sldLayoutId id="2147483665" r:id="rId6"/>
-    <p:sldLayoutId id="2147483666" r:id="rId7"/>
-    <p:sldLayoutId id="2147483667" r:id="rId8"/>
-    <p:sldLayoutId id="2147483668" r:id="rId9"/>
-    <p:sldLayoutId id="2147483669" r:id="rId10"/>
-    <p:sldLayoutId id="2147483670" r:id="rId11"/>
-    <p:sldLayoutId id="2147483671" r:id="rId12"/>
-    <p:sldLayoutId id="2147483672" r:id="rId13"/>
-    <p:sldLayoutId id="2147483673" r:id="rId14"/>
+    <p:sldLayoutId id="2147483662" r:id="rId1"/>
+    <p:sldLayoutId id="2147483663" r:id="rId2"/>
+    <p:sldLayoutId id="2147483664" r:id="rId3"/>
+    <p:sldLayoutId id="2147483665" r:id="rId4"/>
+    <p:sldLayoutId id="2147483666" r:id="rId5"/>
+    <p:sldLayoutId id="2147483667" r:id="rId6"/>
+    <p:sldLayoutId id="2147483668" r:id="rId7"/>
+    <p:sldLayoutId id="2147483669" r:id="rId8"/>
+    <p:sldLayoutId id="2147483670" r:id="rId9"/>
+    <p:sldLayoutId id="2147483671" r:id="rId10"/>
+    <p:sldLayoutId id="2147483672" r:id="rId11"/>
+    <p:sldLayoutId id="2147483673" r:id="rId12"/>
   </p:sldLayoutIdLst>
+  <p:txStyles>
+    <p:titleStyle>
+      <a:lvl1pPr algn="l" defTabSz="914400" rtl="0" eaLnBrk="1" latinLnBrk="0" hangingPunct="1">
+        <a:lnSpc>
+          <a:spcPct val="90000"/>
+        </a:lnSpc>
+        <a:spcBef>
+          <a:spcPct val="0"/>
+        </a:spcBef>
+        <a:buNone/>
+        <a:defRPr sz="4400" kern="1200">
+          <a:solidFill>
+            <a:schemeClr val="tx1"/>
+          </a:solidFill>
+          <a:latin typeface="+mj-lt"/>
+          <a:ea typeface="+mj-ea"/>
+          <a:cs typeface="+mj-cs"/>
+        </a:defRPr>
+      </a:lvl1pPr>
+    </p:titleStyle>
+    <p:bodyStyle>
+      <a:lvl1pPr marL="228600" indent="-228600" algn="l" defTabSz="914400" rtl="0" eaLnBrk="1" latinLnBrk="0" hangingPunct="1">
+        <a:lnSpc>
+          <a:spcPct val="90000"/>
+        </a:lnSpc>
+        <a:spcBef>
+          <a:spcPts val="1000"/>
+        </a:spcBef>
+        <a:buFont typeface="Arial" panose="020B0604020202020204" pitchFamily="34" charset="0"/>
+        <a:buChar char="•"/>
+        <a:defRPr sz="2800" kern="1200">
+          <a:solidFill>
+            <a:schemeClr val="tx1"/>
+          </a:solidFill>
+          <a:latin typeface="+mn-lt"/>
+          <a:ea typeface="+mn-ea"/>
+          <a:cs typeface="+mn-cs"/>
+        </a:defRPr>
+      </a:lvl1pPr>
+      <a:lvl2pPr marL="685800" indent="-228600" algn="l" defTabSz="914400" rtl="0" eaLnBrk="1" latinLnBrk="0" hangingPunct="1">
+        <a:lnSpc>
+          <a:spcPct val="90000"/>
+        </a:lnSpc>
+        <a:spcBef>
+          <a:spcPts val="500"/>
+        </a:spcBef>
+        <a:buFont typeface="Arial" panose="020B0604020202020204" pitchFamily="34" charset="0"/>
+        <a:buChar char="•"/>
+        <a:defRPr sz="2400" kern="1200">
+          <a:solidFill>
+            <a:schemeClr val="tx1"/>
+          </a:solidFill>
+          <a:latin typeface="+mn-lt"/>
+          <a:ea typeface="+mn-ea"/>
+          <a:cs typeface="+mn-cs"/>
+        </a:defRPr>
+      </a:lvl2pPr>
+      <a:lvl3pPr marL="1143000" indent="-228600" algn="l" defTabSz="914400" rtl="0" eaLnBrk="1" latinLnBrk="0" hangingPunct="1">
+        <a:lnSpc>
+          <a:spcPct val="90000"/>
+        </a:lnSpc>
+        <a:spcBef>
+          <a:spcPts val="500"/>
+        </a:spcBef>
+        <a:buFont typeface="Arial" panose="020B0604020202020204" pitchFamily="34" charset="0"/>
+        <a:buChar char="•"/>
+        <a:defRPr sz="2000" kern="1200">
+          <a:solidFill>
+            <a:schemeClr val="tx1"/>
+          </a:solidFill>
+          <a:latin typeface="+mn-lt"/>
+          <a:ea typeface="+mn-ea"/>
+          <a:cs typeface="+mn-cs"/>
+        </a:defRPr>
+      </a:lvl3pPr>
+      <a:lvl4pPr marL="1600200" indent="-228600" algn="l" defTabSz="914400" rtl="0" eaLnBrk="1" latinLnBrk="0" hangingPunct="1">
+        <a:lnSpc>
+          <a:spcPct val="90000"/>
+        </a:lnSpc>
+        <a:spcBef>
+          <a:spcPts val="500"/>
+        </a:spcBef>
+        <a:buFont typeface="Arial" panose="020B0604020202020204" pitchFamily="34" charset="0"/>
+        <a:buChar char="•"/>
+        <a:defRPr sz="1800" kern="1200">
+          <a:solidFill>
+            <a:schemeClr val="tx1"/>
+          </a:solidFill>
+          <a:latin typeface="+mn-lt"/>
+          <a:ea typeface="+mn-ea"/>
+          <a:cs typeface="+mn-cs"/>
+        </a:defRPr>
+      </a:lvl4pPr>
+      <a:lvl5pPr marL="2057400" indent="-228600" algn="l" defTabSz="914400" rtl="0" eaLnBrk="1" latinLnBrk="0" hangingPunct="1">
+        <a:lnSpc>
+          <a:spcPct val="90000"/>
+        </a:lnSpc>
+        <a:spcBef>
+          <a:spcPts val="500"/>
+        </a:spcBef>
+        <a:buFont typeface="Arial" panose="020B0604020202020204" pitchFamily="34" charset="0"/>
+        <a:buChar char="•"/>
+        <a:defRPr sz="1800" kern="1200">
+          <a:solidFill>
+            <a:schemeClr val="tx1"/>
+          </a:solidFill>
+          <a:latin typeface="+mn-lt"/>
+          <a:ea typeface="+mn-ea"/>
+          <a:cs typeface="+mn-cs"/>
+        </a:defRPr>
+      </a:lvl5pPr>
+      <a:lvl6pPr marL="2514600" indent="-228600" algn="l" defTabSz="914400" rtl="0" eaLnBrk="1" latinLnBrk="0" hangingPunct="1">
+        <a:lnSpc>
+          <a:spcPct val="90000"/>
+        </a:lnSpc>
+        <a:spcBef>
+          <a:spcPts val="500"/>
+        </a:spcBef>
+        <a:buFont typeface="Arial" panose="020B0604020202020204" pitchFamily="34" charset="0"/>
+        <a:buChar char="•"/>
+        <a:defRPr sz="1800" kern="1200">
+          <a:solidFill>
+            <a:schemeClr val="tx1"/>
+          </a:solidFill>
+          <a:latin typeface="+mn-lt"/>
+          <a:ea typeface="+mn-ea"/>
+          <a:cs typeface="+mn-cs"/>
+        </a:defRPr>
+      </a:lvl6pPr>
+      <a:lvl7pPr marL="2971800" indent="-228600" algn="l" defTabSz="914400" rtl="0" eaLnBrk="1" latinLnBrk="0" hangingPunct="1">
+        <a:lnSpc>
+          <a:spcPct val="90000"/>
+        </a:lnSpc>
+        <a:spcBef>
+          <a:spcPts val="500"/>
+        </a:spcBef>
+        <a:buFont typeface="Arial" panose="020B0604020202020204" pitchFamily="34" charset="0"/>
+        <a:buChar char="•"/>
+        <a:defRPr sz="1800" kern="1200">
+          <a:solidFill>
+            <a:schemeClr val="tx1"/>
+          </a:solidFill>
+          <a:latin typeface="+mn-lt"/>
+          <a:ea typeface="+mn-ea"/>
+          <a:cs typeface="+mn-cs"/>
+        </a:defRPr>
+      </a:lvl7pPr>
+      <a:lvl8pPr marL="3429000" indent="-228600" algn="l" defTabSz="914400" rtl="0" eaLnBrk="1" latinLnBrk="0" hangingPunct="1">
+        <a:lnSpc>
+          <a:spcPct val="90000"/>
+        </a:lnSpc>
+        <a:spcBef>
+          <a:spcPts val="500"/>
+        </a:spcBef>
+        <a:buFont typeface="Arial" panose="020B0604020202020204" pitchFamily="34" charset="0"/>
+        <a:buChar char="•"/>
+        <a:defRPr sz="1800" kern="1200">
+          <a:solidFill>
+            <a:schemeClr val="tx1"/>
+          </a:solidFill>
+          <a:latin typeface="+mn-lt"/>
+          <a:ea typeface="+mn-ea"/>
+          <a:cs typeface="+mn-cs"/>
+        </a:defRPr>
+      </a:lvl8pPr>
+      <a:lvl9pPr marL="3886200" indent="-228600" algn="l" defTabSz="914400" rtl="0" eaLnBrk="1" latinLnBrk="0" hangingPunct="1">
+        <a:lnSpc>
+          <a:spcPct val="90000"/>
+        </a:lnSpc>
+        <a:spcBef>
+          <a:spcPts val="500"/>
+        </a:spcBef>
+        <a:buFont typeface="Arial" panose="020B0604020202020204" pitchFamily="34" charset="0"/>
+        <a:buChar char="•"/>
+        <a:defRPr sz="1800" kern="1200">
+          <a:solidFill>
+            <a:schemeClr val="tx1"/>
+          </a:solidFill>
+          <a:latin typeface="+mn-lt"/>
+          <a:ea typeface="+mn-ea"/>
+          <a:cs typeface="+mn-cs"/>
+        </a:defRPr>
+      </a:lvl9pPr>
+    </p:bodyStyle>
+    <p:otherStyle>
+      <a:defPPr>
+        <a:defRPr lang="es-CO"/>
+      </a:defPPr>
+      <a:lvl1pPr marL="0" algn="l" defTabSz="914400" rtl="0" eaLnBrk="1" latinLnBrk="0" hangingPunct="1">
+        <a:defRPr sz="1800" kern="1200">
+          <a:solidFill>
+            <a:schemeClr val="tx1"/>
+          </a:solidFill>
+          <a:latin typeface="+mn-lt"/>
+          <a:ea typeface="+mn-ea"/>
+          <a:cs typeface="+mn-cs"/>
+        </a:defRPr>
+      </a:lvl1pPr>
+      <a:lvl2pPr marL="457200" algn="l" defTabSz="914400" rtl="0" eaLnBrk="1" latinLnBrk="0" hangingPunct="1">
+        <a:defRPr sz="1800" kern="1200">
+          <a:solidFill>
+            <a:schemeClr val="tx1"/>
+          </a:solidFill>
+          <a:latin typeface="+mn-lt"/>
+          <a:ea typeface="+mn-ea"/>
+          <a:cs typeface="+mn-cs"/>
+        </a:defRPr>
+      </a:lvl2pPr>
+      <a:lvl3pPr marL="914400" algn="l" defTabSz="914400" rtl="0" eaLnBrk="1" latinLnBrk="0" hangingPunct="1">
+        <a:defRPr sz="1800" kern="1200">
+          <a:solidFill>
+            <a:schemeClr val="tx1"/>
+          </a:solidFill>
+          <a:latin typeface="+mn-lt"/>
+          <a:ea typeface="+mn-ea"/>
+          <a:cs typeface="+mn-cs"/>
+        </a:defRPr>
+      </a:lvl3pPr>
+      <a:lvl4pPr marL="1371600" algn="l" defTabSz="914400" rtl="0" eaLnBrk="1" latinLnBrk="0" hangingPunct="1">
+        <a:defRPr sz="1800" kern="1200">
+          <a:solidFill>
+            <a:schemeClr val="tx1"/>
+          </a:solidFill>
+          <a:latin typeface="+mn-lt"/>
+          <a:ea typeface="+mn-ea"/>
+          <a:cs typeface="+mn-cs"/>
+        </a:defRPr>
+      </a:lvl4pPr>
+      <a:lvl5pPr marL="1828800" algn="l" defTabSz="914400" rtl="0" eaLnBrk="1" latinLnBrk="0" hangingPunct="1">
+        <a:defRPr sz="1800" kern="1200">
+          <a:solidFill>
+            <a:schemeClr val="tx1"/>
+          </a:solidFill>
+          <a:latin typeface="+mn-lt"/>
+          <a:ea typeface="+mn-ea"/>
+          <a:cs typeface="+mn-cs"/>
+        </a:defRPr>
+      </a:lvl5pPr>
+      <a:lvl6pPr marL="2286000" algn="l" defTabSz="914400" rtl="0" eaLnBrk="1" latinLnBrk="0" hangingPunct="1">
+        <a:defRPr sz="1800" kern="1200">
+          <a:solidFill>
+            <a:schemeClr val="tx1"/>
+          </a:solidFill>
+          <a:latin typeface="+mn-lt"/>
+          <a:ea typeface="+mn-ea"/>
+          <a:cs typeface="+mn-cs"/>
+        </a:defRPr>
+      </a:lvl6pPr>
+      <a:lvl7pPr marL="2743200" algn="l" defTabSz="914400" rtl="0" eaLnBrk="1" latinLnBrk="0" hangingPunct="1">
+        <a:defRPr sz="1800" kern="1200">
+          <a:solidFill>
+            <a:schemeClr val="tx1"/>
+          </a:solidFill>
+          <a:latin typeface="+mn-lt"/>
+          <a:ea typeface="+mn-ea"/>
+          <a:cs typeface="+mn-cs"/>
+        </a:defRPr>
+      </a:lvl7pPr>
+      <a:lvl8pPr marL="3200400" algn="l" defTabSz="914400" rtl="0" eaLnBrk="1" latinLnBrk="0" hangingPunct="1">
+        <a:defRPr sz="1800" kern="1200">
+          <a:solidFill>
+            <a:schemeClr val="tx1"/>
+          </a:solidFill>
+          <a:latin typeface="+mn-lt"/>
+          <a:ea typeface="+mn-ea"/>
+          <a:cs typeface="+mn-cs"/>
+        </a:defRPr>
+      </a:lvl8pPr>
+      <a:lvl9pPr marL="3657600" algn="l" defTabSz="914400" rtl="0" eaLnBrk="1" latinLnBrk="0" hangingPunct="1">
+        <a:defRPr sz="1800" kern="1200">
+          <a:solidFill>
+            <a:schemeClr val="tx1"/>
+          </a:solidFill>
+          <a:latin typeface="+mn-lt"/>
+          <a:ea typeface="+mn-ea"/>
+          <a:cs typeface="+mn-cs"/>
+        </a:defRPr>
+      </a:lvl9pPr>
+    </p:otherStyle>
+  </p:txStyles>
 </p:sldMaster>
 </file>
 
 <file path=ppt/slideMasters/slideMaster3.xml><?xml version="1.0" encoding="utf-8"?>
-<p:sldMaster xmlns:a="http://schemas.openxmlformats.org/drawingml/2006/main" xmlns:p="http://schemas.openxmlformats.org/presentationml/2006/main" xmlns:r="http://schemas.openxmlformats.org/officeDocument/2006/relationships" xmlns:p14="http://schemas.microsoft.com/office/powerpoint/2010/main" xmlns:p15="http://schemas.microsoft.com/office/powerpoint/2012/main" xmlns:mc="http://schemas.openxmlformats.org/markup-compatibility/2006">
+<p:sldMaster xmlns:a="http://schemas.openxmlformats.org/drawingml/2006/main" xmlns:r="http://schemas.openxmlformats.org/officeDocument/2006/relationships" xmlns:p="http://schemas.openxmlformats.org/presentationml/2006/main">
   <p:cSld>
     <p:bg>
       <p:bgPr>
         <a:solidFill>
-          <a:srgbClr val="ffffff"/>
+          <a:srgbClr val="FFFFFF"/>
         </a:solidFill>
+        <a:effectLst/>
       </p:bgPr>
     </p:bg>
     <p:spTree>
@@ -14009,6 +14912,7 @@
               <a:avLst/>
               <a:gdLst/>
               <a:ahLst/>
+              <a:cxnLst/>
               <a:rect l="l" t="t" r="r" b="b"/>
               <a:pathLst>
                 <a:path w="707" h="3357">
@@ -14039,9 +14943,15 @@
             </a:ln>
           </p:spPr>
           <p:style>
-            <a:lnRef idx="0"/>
-            <a:fillRef idx="0"/>
-            <a:effectRef idx="0"/>
+            <a:lnRef idx="0">
+              <a:scrgbClr r="0" g="0" b="0"/>
+            </a:lnRef>
+            <a:fillRef idx="0">
+              <a:scrgbClr r="0" g="0" b="0"/>
+            </a:fillRef>
+            <a:effectRef idx="0">
+              <a:scrgbClr r="0" g="0" b="0"/>
+            </a:effectRef>
             <a:fontRef idx="minor"/>
           </p:style>
         </p:sp>
@@ -14060,6 +14970,7 @@
               <a:avLst/>
               <a:gdLst/>
               <a:ahLst/>
+              <a:cxnLst/>
               <a:rect l="l" t="t" r="r" b="b"/>
               <a:pathLst>
                 <a:path w="704" h="3324">
@@ -14093,9 +15004,15 @@
             </a:ln>
           </p:spPr>
           <p:style>
-            <a:lnRef idx="0"/>
-            <a:fillRef idx="0"/>
-            <a:effectRef idx="0"/>
+            <a:lnRef idx="0">
+              <a:scrgbClr r="0" g="0" b="0"/>
+            </a:lnRef>
+            <a:fillRef idx="0">
+              <a:scrgbClr r="0" g="0" b="0"/>
+            </a:fillRef>
+            <a:effectRef idx="0">
+              <a:scrgbClr r="0" g="0" b="0"/>
+            </a:effectRef>
             <a:fontRef idx="minor"/>
           </p:style>
         </p:sp>
@@ -14114,6 +15031,7 @@
               <a:avLst/>
               <a:gdLst/>
               <a:ahLst/>
+              <a:cxnLst/>
               <a:rect l="l" t="t" r="r" b="b"/>
               <a:pathLst>
                 <a:path w="774" h="1020">
@@ -14144,9 +15062,15 @@
             </a:ln>
           </p:spPr>
           <p:style>
-            <a:lnRef idx="0"/>
-            <a:fillRef idx="0"/>
-            <a:effectRef idx="0"/>
+            <a:lnRef idx="0">
+              <a:scrgbClr r="0" g="0" b="0"/>
+            </a:lnRef>
+            <a:fillRef idx="0">
+              <a:scrgbClr r="0" g="0" b="0"/>
+            </a:fillRef>
+            <a:effectRef idx="0">
+              <a:scrgbClr r="0" g="0" b="0"/>
+            </a:effectRef>
             <a:fontRef idx="minor"/>
           </p:style>
         </p:sp>
@@ -14165,6 +15089,7 @@
               <a:avLst/>
               <a:gdLst/>
               <a:ahLst/>
+              <a:cxnLst/>
               <a:rect l="l" t="t" r="r" b="b"/>
               <a:pathLst>
                 <a:path w="942" h="987">
@@ -14194,9 +15119,15 @@
             </a:ln>
           </p:spPr>
           <p:style>
-            <a:lnRef idx="0"/>
-            <a:fillRef idx="0"/>
-            <a:effectRef idx="0"/>
+            <a:lnRef idx="0">
+              <a:scrgbClr r="0" g="0" b="0"/>
+            </a:lnRef>
+            <a:fillRef idx="0">
+              <a:scrgbClr r="0" g="0" b="0"/>
+            </a:fillRef>
+            <a:effectRef idx="0">
+              <a:scrgbClr r="0" g="0" b="0"/>
+            </a:effectRef>
             <a:fontRef idx="minor"/>
           </p:style>
         </p:sp>
@@ -14215,6 +15146,7 @@
               <a:avLst/>
               <a:gdLst/>
               <a:ahLst/>
+              <a:cxnLst/>
               <a:rect l="l" t="t" r="r" b="b"/>
               <a:pathLst>
                 <a:path w="1342" h="990">
@@ -14250,9 +15182,15 @@
             </a:ln>
           </p:spPr>
           <p:style>
-            <a:lnRef idx="0"/>
-            <a:fillRef idx="0"/>
-            <a:effectRef idx="0"/>
+            <a:lnRef idx="0">
+              <a:scrgbClr r="0" g="0" b="0"/>
+            </a:lnRef>
+            <a:fillRef idx="0">
+              <a:scrgbClr r="0" g="0" b="0"/>
+            </a:fillRef>
+            <a:effectRef idx="0">
+              <a:scrgbClr r="0" g="0" b="0"/>
+            </a:effectRef>
             <a:fontRef idx="minor"/>
           </p:style>
         </p:sp>
@@ -14271,6 +15209,7 @@
               <a:avLst/>
               <a:gdLst/>
               <a:ahLst/>
+              <a:cxnLst/>
               <a:rect l="l" t="t" r="r" b="b"/>
               <a:pathLst>
                 <a:path w="1068" h="1020">
@@ -14319,9 +15258,15 @@
             </a:ln>
           </p:spPr>
           <p:style>
-            <a:lnRef idx="0"/>
-            <a:fillRef idx="0"/>
-            <a:effectRef idx="0"/>
+            <a:lnRef idx="0">
+              <a:scrgbClr r="0" g="0" b="0"/>
+            </a:lnRef>
+            <a:fillRef idx="0">
+              <a:scrgbClr r="0" g="0" b="0"/>
+            </a:fillRef>
+            <a:effectRef idx="0">
+              <a:scrgbClr r="0" g="0" b="0"/>
+            </a:effectRef>
             <a:fontRef idx="minor"/>
           </p:style>
         </p:sp>
@@ -14355,6 +15300,7 @@
               <a:avLst/>
               <a:gdLst/>
               <a:ahLst/>
+              <a:cxnLst/>
               <a:rect l="l" t="t" r="r" b="b"/>
               <a:pathLst>
                 <a:path w="670" h="1753">
@@ -14385,9 +15331,15 @@
             </a:ln>
           </p:spPr>
           <p:style>
-            <a:lnRef idx="0"/>
-            <a:fillRef idx="0"/>
-            <a:effectRef idx="0"/>
+            <a:lnRef idx="0">
+              <a:scrgbClr r="0" g="0" b="0"/>
+            </a:lnRef>
+            <a:fillRef idx="0">
+              <a:scrgbClr r="0" g="0" b="0"/>
+            </a:fillRef>
+            <a:effectRef idx="0">
+              <a:scrgbClr r="0" g="0" b="0"/>
+            </a:effectRef>
             <a:fontRef idx="minor"/>
           </p:style>
         </p:sp>
@@ -14406,6 +15358,7 @@
               <a:avLst/>
               <a:gdLst/>
               <a:ahLst/>
+              <a:cxnLst/>
               <a:rect l="l" t="t" r="r" b="b"/>
               <a:pathLst>
                 <a:path w="652" h="1684">
@@ -14442,9 +15395,15 @@
             </a:ln>
           </p:spPr>
           <p:style>
-            <a:lnRef idx="0"/>
-            <a:fillRef idx="0"/>
-            <a:effectRef idx="0"/>
+            <a:lnRef idx="0">
+              <a:scrgbClr r="0" g="0" b="0"/>
+            </a:lnRef>
+            <a:fillRef idx="0">
+              <a:scrgbClr r="0" g="0" b="0"/>
+            </a:fillRef>
+            <a:effectRef idx="0">
+              <a:scrgbClr r="0" g="0" b="0"/>
+            </a:effectRef>
             <a:fontRef idx="minor"/>
           </p:style>
         </p:sp>
@@ -14463,6 +15422,7 @@
               <a:avLst/>
               <a:gdLst/>
               <a:ahLst/>
+              <a:cxnLst/>
               <a:rect l="l" t="t" r="r" b="b"/>
               <a:pathLst>
                 <a:path w="1697" h="2693">
@@ -14493,9 +15453,15 @@
             </a:ln>
           </p:spPr>
           <p:style>
-            <a:lnRef idx="0"/>
-            <a:fillRef idx="0"/>
-            <a:effectRef idx="0"/>
+            <a:lnRef idx="0">
+              <a:scrgbClr r="0" g="0" b="0"/>
+            </a:lnRef>
+            <a:fillRef idx="0">
+              <a:scrgbClr r="0" g="0" b="0"/>
+            </a:fillRef>
+            <a:effectRef idx="0">
+              <a:scrgbClr r="0" g="0" b="0"/>
+            </a:effectRef>
             <a:fontRef idx="minor"/>
           </p:style>
         </p:sp>
@@ -14514,6 +15480,7 @@
               <a:avLst/>
               <a:gdLst/>
               <a:ahLst/>
+              <a:cxnLst/>
               <a:rect l="l" t="t" r="r" b="b"/>
               <a:pathLst>
                 <a:path w="2099" h="2624">
@@ -14543,9 +15510,15 @@
             </a:ln>
           </p:spPr>
           <p:style>
-            <a:lnRef idx="0"/>
-            <a:fillRef idx="0"/>
-            <a:effectRef idx="0"/>
+            <a:lnRef idx="0">
+              <a:scrgbClr r="0" g="0" b="0"/>
+            </a:lnRef>
+            <a:fillRef idx="0">
+              <a:scrgbClr r="0" g="0" b="0"/>
+            </a:fillRef>
+            <a:effectRef idx="0">
+              <a:scrgbClr r="0" g="0" b="0"/>
+            </a:effectRef>
             <a:fontRef idx="minor"/>
           </p:style>
         </p:sp>
@@ -14564,6 +15537,7 @@
               <a:avLst/>
               <a:gdLst/>
               <a:ahLst/>
+              <a:cxnLst/>
               <a:rect l="l" t="t" r="r" b="b"/>
               <a:pathLst>
                 <a:path w="2883" h="2627">
@@ -14599,9 +15573,15 @@
             </a:ln>
           </p:spPr>
           <p:style>
-            <a:lnRef idx="0"/>
-            <a:fillRef idx="0"/>
-            <a:effectRef idx="0"/>
+            <a:lnRef idx="0">
+              <a:scrgbClr r="0" g="0" b="0"/>
+            </a:lnRef>
+            <a:fillRef idx="0">
+              <a:scrgbClr r="0" g="0" b="0"/>
+            </a:fillRef>
+            <a:effectRef idx="0">
+              <a:scrgbClr r="0" g="0" b="0"/>
+            </a:effectRef>
             <a:fontRef idx="minor"/>
           </p:style>
         </p:sp>
@@ -14620,6 +15600,7 @@
               <a:avLst/>
               <a:gdLst/>
               <a:ahLst/>
+              <a:cxnLst/>
               <a:rect l="l" t="t" r="r" b="b"/>
               <a:pathLst>
                 <a:path w="2258" h="2696">
@@ -14662,9 +15643,15 @@
             </a:ln>
           </p:spPr>
           <p:style>
-            <a:lnRef idx="0"/>
-            <a:fillRef idx="0"/>
-            <a:effectRef idx="0"/>
+            <a:lnRef idx="0">
+              <a:scrgbClr r="0" g="0" b="0"/>
+            </a:lnRef>
+            <a:fillRef idx="0">
+              <a:scrgbClr r="0" g="0" b="0"/>
+            </a:fillRef>
+            <a:effectRef idx="0">
+              <a:scrgbClr r="0" g="0" b="0"/>
+            </a:effectRef>
             <a:fontRef idx="minor"/>
           </p:style>
         </p:sp>
@@ -14689,13 +15676,14 @@
           </a:prstGeom>
         </p:spPr>
         <p:txBody>
-          <a:bodyPr lIns="0" rIns="0" tIns="0" bIns="0" anchor="ctr">
+          <a:bodyPr lIns="0" tIns="0" rIns="0" bIns="0" anchor="ctr">
             <a:noAutofit/>
           </a:bodyPr>
+          <a:lstStyle/>
           <a:p>
             <a:pPr algn="ctr"/>
             <a:r>
-              <a:rPr b="0" lang="es-CO" sz="4400" spc="-1" strike="noStrike">
+              <a:rPr lang="es-CO" sz="4400" b="0" strike="noStrike" spc="-1">
                 <a:solidFill>
                   <a:srgbClr val="000000"/>
                 </a:solidFill>
@@ -14703,12 +15691,6 @@
               </a:rPr>
               <a:t>Pulse para editar el formato del texto de título</a:t>
             </a:r>
-            <a:endParaRPr b="0" lang="es-CO" sz="4400" spc="-1" strike="noStrike">
-              <a:solidFill>
-                <a:srgbClr val="000000"/>
-              </a:solidFill>
-              <a:latin typeface="Arial"/>
-            </a:endParaRPr>
           </a:p>
         </p:txBody>
       </p:sp>
@@ -14732,9 +15714,10 @@
           </a:prstGeom>
         </p:spPr>
         <p:txBody>
-          <a:bodyPr lIns="0" rIns="0" tIns="0" bIns="0">
+          <a:bodyPr lIns="0" tIns="0" rIns="0" bIns="0">
             <a:normAutofit/>
           </a:bodyPr>
+          <a:lstStyle/>
           <a:p>
             <a:pPr marL="432000" indent="-324000" algn="ctr">
               <a:spcBef>
@@ -14748,7 +15731,7 @@
               <a:buChar char=""/>
             </a:pPr>
             <a:r>
-              <a:rPr b="0" lang="es-CO" sz="2800" spc="-1" strike="noStrike">
+              <a:rPr lang="es-CO" sz="2800" b="0" strike="noStrike" spc="-1">
                 <a:solidFill>
                   <a:srgbClr val="000000"/>
                 </a:solidFill>
@@ -14756,15 +15739,9 @@
               </a:rPr>
               <a:t>Pulse para editar el formato de texto del esquema</a:t>
             </a:r>
-            <a:endParaRPr b="0" lang="es-CO" sz="2800" spc="-1" strike="noStrike">
-              <a:solidFill>
-                <a:srgbClr val="000000"/>
-              </a:solidFill>
-              <a:latin typeface="Arial"/>
-            </a:endParaRPr>
-          </a:p>
-          <a:p>
-            <a:pPr lvl="1" marL="864000" indent="-324000" algn="ctr">
+          </a:p>
+          <a:p>
+            <a:pPr marL="864000" lvl="1" indent="-324000" algn="ctr">
               <a:spcBef>
                 <a:spcPts val="1134"/>
               </a:spcBef>
@@ -14776,7 +15753,7 @@
               <a:buChar char=""/>
             </a:pPr>
             <a:r>
-              <a:rPr b="0" lang="es-CO" sz="2800" spc="-1" strike="noStrike">
+              <a:rPr lang="es-CO" sz="2800" b="0" strike="noStrike" spc="-1">
                 <a:solidFill>
                   <a:srgbClr val="000000"/>
                 </a:solidFill>
@@ -14784,15 +15761,9 @@
               </a:rPr>
               <a:t>Segundo nivel del esquema</a:t>
             </a:r>
-            <a:endParaRPr b="0" lang="es-CO" sz="2800" spc="-1" strike="noStrike">
-              <a:solidFill>
-                <a:srgbClr val="000000"/>
-              </a:solidFill>
-              <a:latin typeface="Arial"/>
-            </a:endParaRPr>
-          </a:p>
-          <a:p>
-            <a:pPr lvl="2" marL="1296000" indent="-288000" algn="ctr">
+          </a:p>
+          <a:p>
+            <a:pPr marL="1296000" lvl="2" indent="-288000" algn="ctr">
               <a:spcBef>
                 <a:spcPts val="850"/>
               </a:spcBef>
@@ -14804,7 +15775,7 @@
               <a:buChar char=""/>
             </a:pPr>
             <a:r>
-              <a:rPr b="0" lang="es-CO" sz="2800" spc="-1" strike="noStrike">
+              <a:rPr lang="es-CO" sz="2800" b="0" strike="noStrike" spc="-1">
                 <a:solidFill>
                   <a:srgbClr val="000000"/>
                 </a:solidFill>
@@ -14812,15 +15783,9 @@
               </a:rPr>
               <a:t>Tercer nivel del esquema</a:t>
             </a:r>
-            <a:endParaRPr b="0" lang="es-CO" sz="2800" spc="-1" strike="noStrike">
-              <a:solidFill>
-                <a:srgbClr val="000000"/>
-              </a:solidFill>
-              <a:latin typeface="Arial"/>
-            </a:endParaRPr>
-          </a:p>
-          <a:p>
-            <a:pPr lvl="3" marL="1728000" indent="-216000" algn="ctr">
+          </a:p>
+          <a:p>
+            <a:pPr marL="1728000" lvl="3" indent="-216000" algn="ctr">
               <a:spcBef>
                 <a:spcPts val="567"/>
               </a:spcBef>
@@ -14832,7 +15797,7 @@
               <a:buChar char=""/>
             </a:pPr>
             <a:r>
-              <a:rPr b="0" lang="es-CO" sz="2800" spc="-1" strike="noStrike">
+              <a:rPr lang="es-CO" sz="2800" b="0" strike="noStrike" spc="-1">
                 <a:solidFill>
                   <a:srgbClr val="000000"/>
                 </a:solidFill>
@@ -14840,15 +15805,9 @@
               </a:rPr>
               <a:t>Cuarto nivel del esquema</a:t>
             </a:r>
-            <a:endParaRPr b="0" lang="es-CO" sz="2800" spc="-1" strike="noStrike">
-              <a:solidFill>
-                <a:srgbClr val="000000"/>
-              </a:solidFill>
-              <a:latin typeface="Arial"/>
-            </a:endParaRPr>
-          </a:p>
-          <a:p>
-            <a:pPr lvl="4" marL="2160000" indent="-216000" algn="ctr">
+          </a:p>
+          <a:p>
+            <a:pPr marL="2160000" lvl="4" indent="-216000" algn="ctr">
               <a:spcBef>
                 <a:spcPts val="283"/>
               </a:spcBef>
@@ -14860,7 +15819,7 @@
               <a:buChar char=""/>
             </a:pPr>
             <a:r>
-              <a:rPr b="0" lang="es-CO" sz="2800" spc="-1" strike="noStrike">
+              <a:rPr lang="es-CO" sz="2800" b="0" strike="noStrike" spc="-1">
                 <a:solidFill>
                   <a:srgbClr val="000000"/>
                 </a:solidFill>
@@ -14868,15 +15827,9 @@
               </a:rPr>
               <a:t>Quinto nivel del esquema</a:t>
             </a:r>
-            <a:endParaRPr b="0" lang="es-CO" sz="2800" spc="-1" strike="noStrike">
-              <a:solidFill>
-                <a:srgbClr val="000000"/>
-              </a:solidFill>
-              <a:latin typeface="Arial"/>
-            </a:endParaRPr>
-          </a:p>
-          <a:p>
-            <a:pPr lvl="5" marL="2592000" indent="-216000" algn="ctr">
+          </a:p>
+          <a:p>
+            <a:pPr marL="2592000" lvl="5" indent="-216000" algn="ctr">
               <a:spcBef>
                 <a:spcPts val="283"/>
               </a:spcBef>
@@ -14888,7 +15841,7 @@
               <a:buChar char=""/>
             </a:pPr>
             <a:r>
-              <a:rPr b="0" lang="es-CO" sz="2800" spc="-1" strike="noStrike">
+              <a:rPr lang="es-CO" sz="2800" b="0" strike="noStrike" spc="-1">
                 <a:solidFill>
                   <a:srgbClr val="000000"/>
                 </a:solidFill>
@@ -14896,15 +15849,9 @@
               </a:rPr>
               <a:t>Sexto nivel del esquema</a:t>
             </a:r>
-            <a:endParaRPr b="0" lang="es-CO" sz="2800" spc="-1" strike="noStrike">
-              <a:solidFill>
-                <a:srgbClr val="000000"/>
-              </a:solidFill>
-              <a:latin typeface="Arial"/>
-            </a:endParaRPr>
-          </a:p>
-          <a:p>
-            <a:pPr lvl="6" marL="3024000" indent="-216000" algn="ctr">
+          </a:p>
+          <a:p>
+            <a:pPr marL="3024000" lvl="6" indent="-216000" algn="ctr">
               <a:spcBef>
                 <a:spcPts val="283"/>
               </a:spcBef>
@@ -14916,7 +15863,7 @@
               <a:buChar char=""/>
             </a:pPr>
             <a:r>
-              <a:rPr b="0" lang="es-CO" sz="2800" spc="-1" strike="noStrike">
+              <a:rPr lang="es-CO" sz="2800" b="0" strike="noStrike" spc="-1">
                 <a:solidFill>
                   <a:srgbClr val="000000"/>
                 </a:solidFill>
@@ -14924,37 +15871,311 @@
               </a:rPr>
               <a:t>Séptimo nivel del esquema</a:t>
             </a:r>
-            <a:endParaRPr b="0" lang="es-CO" sz="2800" spc="-1" strike="noStrike">
-              <a:solidFill>
-                <a:srgbClr val="000000"/>
-              </a:solidFill>
-              <a:latin typeface="Arial"/>
-            </a:endParaRPr>
           </a:p>
         </p:txBody>
       </p:sp>
     </p:spTree>
   </p:cSld>
-  <p:clrMap bg1="lt1" bg2="lt2" tx1="dk1" tx2="dk2" accent1="accent1" accent2="accent2" accent3="accent3" accent4="accent4" accent5="accent5" accent6="accent6" hlink="hlink" folHlink="folHlink"/>
+  <p:clrMap bg1="lt1" tx1="dk1" bg2="lt2" tx2="dk2" accent1="accent1" accent2="accent2" accent3="accent3" accent4="accent4" accent5="accent5" accent6="accent6" hlink="hlink" folHlink="folHlink"/>
   <p:sldLayoutIdLst>
-    <p:sldLayoutId id="2147483675" r:id="rId2"/>
-    <p:sldLayoutId id="2147483676" r:id="rId3"/>
-    <p:sldLayoutId id="2147483677" r:id="rId4"/>
-    <p:sldLayoutId id="2147483678" r:id="rId5"/>
-    <p:sldLayoutId id="2147483679" r:id="rId6"/>
-    <p:sldLayoutId id="2147483680" r:id="rId7"/>
-    <p:sldLayoutId id="2147483681" r:id="rId8"/>
-    <p:sldLayoutId id="2147483682" r:id="rId9"/>
-    <p:sldLayoutId id="2147483683" r:id="rId10"/>
-    <p:sldLayoutId id="2147483684" r:id="rId11"/>
-    <p:sldLayoutId id="2147483685" r:id="rId12"/>
-    <p:sldLayoutId id="2147483686" r:id="rId13"/>
+    <p:sldLayoutId id="2147483675" r:id="rId1"/>
+    <p:sldLayoutId id="2147483676" r:id="rId2"/>
+    <p:sldLayoutId id="2147483677" r:id="rId3"/>
+    <p:sldLayoutId id="2147483678" r:id="rId4"/>
+    <p:sldLayoutId id="2147483679" r:id="rId5"/>
+    <p:sldLayoutId id="2147483680" r:id="rId6"/>
+    <p:sldLayoutId id="2147483681" r:id="rId7"/>
+    <p:sldLayoutId id="2147483682" r:id="rId8"/>
+    <p:sldLayoutId id="2147483683" r:id="rId9"/>
+    <p:sldLayoutId id="2147483684" r:id="rId10"/>
+    <p:sldLayoutId id="2147483685" r:id="rId11"/>
+    <p:sldLayoutId id="2147483686" r:id="rId12"/>
   </p:sldLayoutIdLst>
+  <p:txStyles>
+    <p:titleStyle>
+      <a:lvl1pPr algn="l" defTabSz="914400" rtl="0" eaLnBrk="1" latinLnBrk="0" hangingPunct="1">
+        <a:lnSpc>
+          <a:spcPct val="90000"/>
+        </a:lnSpc>
+        <a:spcBef>
+          <a:spcPct val="0"/>
+        </a:spcBef>
+        <a:buNone/>
+        <a:defRPr sz="4400" kern="1200">
+          <a:solidFill>
+            <a:schemeClr val="tx1"/>
+          </a:solidFill>
+          <a:latin typeface="+mj-lt"/>
+          <a:ea typeface="+mj-ea"/>
+          <a:cs typeface="+mj-cs"/>
+        </a:defRPr>
+      </a:lvl1pPr>
+    </p:titleStyle>
+    <p:bodyStyle>
+      <a:lvl1pPr marL="228600" indent="-228600" algn="l" defTabSz="914400" rtl="0" eaLnBrk="1" latinLnBrk="0" hangingPunct="1">
+        <a:lnSpc>
+          <a:spcPct val="90000"/>
+        </a:lnSpc>
+        <a:spcBef>
+          <a:spcPts val="1000"/>
+        </a:spcBef>
+        <a:buFont typeface="Arial" panose="020B0604020202020204" pitchFamily="34" charset="0"/>
+        <a:buChar char="•"/>
+        <a:defRPr sz="2800" kern="1200">
+          <a:solidFill>
+            <a:schemeClr val="tx1"/>
+          </a:solidFill>
+          <a:latin typeface="+mn-lt"/>
+          <a:ea typeface="+mn-ea"/>
+          <a:cs typeface="+mn-cs"/>
+        </a:defRPr>
+      </a:lvl1pPr>
+      <a:lvl2pPr marL="685800" indent="-228600" algn="l" defTabSz="914400" rtl="0" eaLnBrk="1" latinLnBrk="0" hangingPunct="1">
+        <a:lnSpc>
+          <a:spcPct val="90000"/>
+        </a:lnSpc>
+        <a:spcBef>
+          <a:spcPts val="500"/>
+        </a:spcBef>
+        <a:buFont typeface="Arial" panose="020B0604020202020204" pitchFamily="34" charset="0"/>
+        <a:buChar char="•"/>
+        <a:defRPr sz="2400" kern="1200">
+          <a:solidFill>
+            <a:schemeClr val="tx1"/>
+          </a:solidFill>
+          <a:latin typeface="+mn-lt"/>
+          <a:ea typeface="+mn-ea"/>
+          <a:cs typeface="+mn-cs"/>
+        </a:defRPr>
+      </a:lvl2pPr>
+      <a:lvl3pPr marL="1143000" indent="-228600" algn="l" defTabSz="914400" rtl="0" eaLnBrk="1" latinLnBrk="0" hangingPunct="1">
+        <a:lnSpc>
+          <a:spcPct val="90000"/>
+        </a:lnSpc>
+        <a:spcBef>
+          <a:spcPts val="500"/>
+        </a:spcBef>
+        <a:buFont typeface="Arial" panose="020B0604020202020204" pitchFamily="34" charset="0"/>
+        <a:buChar char="•"/>
+        <a:defRPr sz="2000" kern="1200">
+          <a:solidFill>
+            <a:schemeClr val="tx1"/>
+          </a:solidFill>
+          <a:latin typeface="+mn-lt"/>
+          <a:ea typeface="+mn-ea"/>
+          <a:cs typeface="+mn-cs"/>
+        </a:defRPr>
+      </a:lvl3pPr>
+      <a:lvl4pPr marL="1600200" indent="-228600" algn="l" defTabSz="914400" rtl="0" eaLnBrk="1" latinLnBrk="0" hangingPunct="1">
+        <a:lnSpc>
+          <a:spcPct val="90000"/>
+        </a:lnSpc>
+        <a:spcBef>
+          <a:spcPts val="500"/>
+        </a:spcBef>
+        <a:buFont typeface="Arial" panose="020B0604020202020204" pitchFamily="34" charset="0"/>
+        <a:buChar char="•"/>
+        <a:defRPr sz="1800" kern="1200">
+          <a:solidFill>
+            <a:schemeClr val="tx1"/>
+          </a:solidFill>
+          <a:latin typeface="+mn-lt"/>
+          <a:ea typeface="+mn-ea"/>
+          <a:cs typeface="+mn-cs"/>
+        </a:defRPr>
+      </a:lvl4pPr>
+      <a:lvl5pPr marL="2057400" indent="-228600" algn="l" defTabSz="914400" rtl="0" eaLnBrk="1" latinLnBrk="0" hangingPunct="1">
+        <a:lnSpc>
+          <a:spcPct val="90000"/>
+        </a:lnSpc>
+        <a:spcBef>
+          <a:spcPts val="500"/>
+        </a:spcBef>
+        <a:buFont typeface="Arial" panose="020B0604020202020204" pitchFamily="34" charset="0"/>
+        <a:buChar char="•"/>
+        <a:defRPr sz="1800" kern="1200">
+          <a:solidFill>
+            <a:schemeClr val="tx1"/>
+          </a:solidFill>
+          <a:latin typeface="+mn-lt"/>
+          <a:ea typeface="+mn-ea"/>
+          <a:cs typeface="+mn-cs"/>
+        </a:defRPr>
+      </a:lvl5pPr>
+      <a:lvl6pPr marL="2514600" indent="-228600" algn="l" defTabSz="914400" rtl="0" eaLnBrk="1" latinLnBrk="0" hangingPunct="1">
+        <a:lnSpc>
+          <a:spcPct val="90000"/>
+        </a:lnSpc>
+        <a:spcBef>
+          <a:spcPts val="500"/>
+        </a:spcBef>
+        <a:buFont typeface="Arial" panose="020B0604020202020204" pitchFamily="34" charset="0"/>
+        <a:buChar char="•"/>
+        <a:defRPr sz="1800" kern="1200">
+          <a:solidFill>
+            <a:schemeClr val="tx1"/>
+          </a:solidFill>
+          <a:latin typeface="+mn-lt"/>
+          <a:ea typeface="+mn-ea"/>
+          <a:cs typeface="+mn-cs"/>
+        </a:defRPr>
+      </a:lvl6pPr>
+      <a:lvl7pPr marL="2971800" indent="-228600" algn="l" defTabSz="914400" rtl="0" eaLnBrk="1" latinLnBrk="0" hangingPunct="1">
+        <a:lnSpc>
+          <a:spcPct val="90000"/>
+        </a:lnSpc>
+        <a:spcBef>
+          <a:spcPts val="500"/>
+        </a:spcBef>
+        <a:buFont typeface="Arial" panose="020B0604020202020204" pitchFamily="34" charset="0"/>
+        <a:buChar char="•"/>
+        <a:defRPr sz="1800" kern="1200">
+          <a:solidFill>
+            <a:schemeClr val="tx1"/>
+          </a:solidFill>
+          <a:latin typeface="+mn-lt"/>
+          <a:ea typeface="+mn-ea"/>
+          <a:cs typeface="+mn-cs"/>
+        </a:defRPr>
+      </a:lvl7pPr>
+      <a:lvl8pPr marL="3429000" indent="-228600" algn="l" defTabSz="914400" rtl="0" eaLnBrk="1" latinLnBrk="0" hangingPunct="1">
+        <a:lnSpc>
+          <a:spcPct val="90000"/>
+        </a:lnSpc>
+        <a:spcBef>
+          <a:spcPts val="500"/>
+        </a:spcBef>
+        <a:buFont typeface="Arial" panose="020B0604020202020204" pitchFamily="34" charset="0"/>
+        <a:buChar char="•"/>
+        <a:defRPr sz="1800" kern="1200">
+          <a:solidFill>
+            <a:schemeClr val="tx1"/>
+          </a:solidFill>
+          <a:latin typeface="+mn-lt"/>
+          <a:ea typeface="+mn-ea"/>
+          <a:cs typeface="+mn-cs"/>
+        </a:defRPr>
+      </a:lvl8pPr>
+      <a:lvl9pPr marL="3886200" indent="-228600" algn="l" defTabSz="914400" rtl="0" eaLnBrk="1" latinLnBrk="0" hangingPunct="1">
+        <a:lnSpc>
+          <a:spcPct val="90000"/>
+        </a:lnSpc>
+        <a:spcBef>
+          <a:spcPts val="500"/>
+        </a:spcBef>
+        <a:buFont typeface="Arial" panose="020B0604020202020204" pitchFamily="34" charset="0"/>
+        <a:buChar char="•"/>
+        <a:defRPr sz="1800" kern="1200">
+          <a:solidFill>
+            <a:schemeClr val="tx1"/>
+          </a:solidFill>
+          <a:latin typeface="+mn-lt"/>
+          <a:ea typeface="+mn-ea"/>
+          <a:cs typeface="+mn-cs"/>
+        </a:defRPr>
+      </a:lvl9pPr>
+    </p:bodyStyle>
+    <p:otherStyle>
+      <a:defPPr>
+        <a:defRPr lang="es-CO"/>
+      </a:defPPr>
+      <a:lvl1pPr marL="0" algn="l" defTabSz="914400" rtl="0" eaLnBrk="1" latinLnBrk="0" hangingPunct="1">
+        <a:defRPr sz="1800" kern="1200">
+          <a:solidFill>
+            <a:schemeClr val="tx1"/>
+          </a:solidFill>
+          <a:latin typeface="+mn-lt"/>
+          <a:ea typeface="+mn-ea"/>
+          <a:cs typeface="+mn-cs"/>
+        </a:defRPr>
+      </a:lvl1pPr>
+      <a:lvl2pPr marL="457200" algn="l" defTabSz="914400" rtl="0" eaLnBrk="1" latinLnBrk="0" hangingPunct="1">
+        <a:defRPr sz="1800" kern="1200">
+          <a:solidFill>
+            <a:schemeClr val="tx1"/>
+          </a:solidFill>
+          <a:latin typeface="+mn-lt"/>
+          <a:ea typeface="+mn-ea"/>
+          <a:cs typeface="+mn-cs"/>
+        </a:defRPr>
+      </a:lvl2pPr>
+      <a:lvl3pPr marL="914400" algn="l" defTabSz="914400" rtl="0" eaLnBrk="1" latinLnBrk="0" hangingPunct="1">
+        <a:defRPr sz="1800" kern="1200">
+          <a:solidFill>
+            <a:schemeClr val="tx1"/>
+          </a:solidFill>
+          <a:latin typeface="+mn-lt"/>
+          <a:ea typeface="+mn-ea"/>
+          <a:cs typeface="+mn-cs"/>
+        </a:defRPr>
+      </a:lvl3pPr>
+      <a:lvl4pPr marL="1371600" algn="l" defTabSz="914400" rtl="0" eaLnBrk="1" latinLnBrk="0" hangingPunct="1">
+        <a:defRPr sz="1800" kern="1200">
+          <a:solidFill>
+            <a:schemeClr val="tx1"/>
+          </a:solidFill>
+          <a:latin typeface="+mn-lt"/>
+          <a:ea typeface="+mn-ea"/>
+          <a:cs typeface="+mn-cs"/>
+        </a:defRPr>
+      </a:lvl4pPr>
+      <a:lvl5pPr marL="1828800" algn="l" defTabSz="914400" rtl="0" eaLnBrk="1" latinLnBrk="0" hangingPunct="1">
+        <a:defRPr sz="1800" kern="1200">
+          <a:solidFill>
+            <a:schemeClr val="tx1"/>
+          </a:solidFill>
+          <a:latin typeface="+mn-lt"/>
+          <a:ea typeface="+mn-ea"/>
+          <a:cs typeface="+mn-cs"/>
+        </a:defRPr>
+      </a:lvl5pPr>
+      <a:lvl6pPr marL="2286000" algn="l" defTabSz="914400" rtl="0" eaLnBrk="1" latinLnBrk="0" hangingPunct="1">
+        <a:defRPr sz="1800" kern="1200">
+          <a:solidFill>
+            <a:schemeClr val="tx1"/>
+          </a:solidFill>
+          <a:latin typeface="+mn-lt"/>
+          <a:ea typeface="+mn-ea"/>
+          <a:cs typeface="+mn-cs"/>
+        </a:defRPr>
+      </a:lvl6pPr>
+      <a:lvl7pPr marL="2743200" algn="l" defTabSz="914400" rtl="0" eaLnBrk="1" latinLnBrk="0" hangingPunct="1">
+        <a:defRPr sz="1800" kern="1200">
+          <a:solidFill>
+            <a:schemeClr val="tx1"/>
+          </a:solidFill>
+          <a:latin typeface="+mn-lt"/>
+          <a:ea typeface="+mn-ea"/>
+          <a:cs typeface="+mn-cs"/>
+        </a:defRPr>
+      </a:lvl7pPr>
+      <a:lvl8pPr marL="3200400" algn="l" defTabSz="914400" rtl="0" eaLnBrk="1" latinLnBrk="0" hangingPunct="1">
+        <a:defRPr sz="1800" kern="1200">
+          <a:solidFill>
+            <a:schemeClr val="tx1"/>
+          </a:solidFill>
+          <a:latin typeface="+mn-lt"/>
+          <a:ea typeface="+mn-ea"/>
+          <a:cs typeface="+mn-cs"/>
+        </a:defRPr>
+      </a:lvl8pPr>
+      <a:lvl9pPr marL="3657600" algn="l" defTabSz="914400" rtl="0" eaLnBrk="1" latinLnBrk="0" hangingPunct="1">
+        <a:defRPr sz="1800" kern="1200">
+          <a:solidFill>
+            <a:schemeClr val="tx1"/>
+          </a:solidFill>
+          <a:latin typeface="+mn-lt"/>
+          <a:ea typeface="+mn-ea"/>
+          <a:cs typeface="+mn-cs"/>
+        </a:defRPr>
+      </a:lvl9pPr>
+    </p:otherStyle>
+  </p:txStyles>
 </p:sldMaster>
 </file>
 
 <file path=ppt/slides/slide1.xml><?xml version="1.0" encoding="utf-8"?>
-<p:sld xmlns:a="http://schemas.openxmlformats.org/drawingml/2006/main" xmlns:p="http://schemas.openxmlformats.org/presentationml/2006/main" xmlns:r="http://schemas.openxmlformats.org/officeDocument/2006/relationships" xmlns:p14="http://schemas.microsoft.com/office/powerpoint/2010/main" xmlns:p15="http://schemas.microsoft.com/office/powerpoint/2012/main" xmlns:mc="http://schemas.openxmlformats.org/markup-compatibility/2006">
+<p:sld xmlns:a="http://schemas.openxmlformats.org/drawingml/2006/main" xmlns:r="http://schemas.openxmlformats.org/officeDocument/2006/relationships" xmlns:p="http://schemas.openxmlformats.org/presentationml/2006/main">
   <p:cSld>
     <p:spTree>
       <p:nvGrpSpPr>
@@ -14990,15 +16211,22 @@
           </a:ln>
         </p:spPr>
         <p:style>
-          <a:lnRef idx="0"/>
-          <a:fillRef idx="0"/>
-          <a:effectRef idx="0"/>
+          <a:lnRef idx="0">
+            <a:scrgbClr r="0" g="0" b="0"/>
+          </a:lnRef>
+          <a:fillRef idx="0">
+            <a:scrgbClr r="0" g="0" b="0"/>
+          </a:fillRef>
+          <a:effectRef idx="0">
+            <a:scrgbClr r="0" g="0" b="0"/>
+          </a:effectRef>
           <a:fontRef idx="minor"/>
         </p:style>
         <p:txBody>
-          <a:bodyPr lIns="90000" rIns="90000" tIns="45000" bIns="45000" anchor="ctr">
+          <a:bodyPr lIns="90000" tIns="45000" rIns="90000" bIns="45000" anchor="ctr">
             <a:noAutofit/>
           </a:bodyPr>
+          <a:lstStyle/>
           <a:p>
             <a:pPr algn="r">
               <a:lnSpc>
@@ -15011,11 +16239,11 @@
                 <a:spcPts val="601"/>
               </a:spcAft>
               <a:tabLst>
-                <a:tab algn="l" pos="0"/>
+                <a:tab pos="0" algn="l"/>
               </a:tabLst>
             </a:pPr>
             <a:r>
-              <a:rPr b="0" lang="es-ES" sz="2100" spc="-1" strike="noStrike">
+              <a:rPr lang="es-ES" sz="2100" b="0" strike="noStrike" spc="-1">
                 <a:solidFill>
                   <a:srgbClr val="000000"/>
                 </a:solidFill>
@@ -15024,7 +16252,7 @@
               </a:rPr>
               <a:t>Grupo 4</a:t>
             </a:r>
-            <a:endParaRPr b="0" lang="es-ES" sz="2100" spc="-1" strike="noStrike">
+            <a:endParaRPr lang="es-ES" sz="2100" b="0" strike="noStrike" spc="-1">
               <a:latin typeface="Arial"/>
             </a:endParaRPr>
           </a:p>
@@ -15040,11 +16268,11 @@
                 <a:spcPts val="601"/>
               </a:spcAft>
               <a:tabLst>
-                <a:tab algn="l" pos="0"/>
+                <a:tab pos="0" algn="l"/>
               </a:tabLst>
             </a:pPr>
             <a:r>
-              <a:rPr b="0" lang="es-ES" sz="2100" spc="-1" strike="noStrike">
+              <a:rPr lang="es-ES" sz="2100" b="0" strike="noStrike" spc="-1">
                 <a:solidFill>
                   <a:srgbClr val="000000"/>
                 </a:solidFill>
@@ -15053,7 +16281,7 @@
               </a:rPr>
               <a:t>Rubén Molina</a:t>
             </a:r>
-            <a:endParaRPr b="0" lang="es-ES" sz="2100" spc="-1" strike="noStrike">
+            <a:endParaRPr lang="es-ES" sz="2100" b="0" strike="noStrike" spc="-1">
               <a:latin typeface="Arial"/>
             </a:endParaRPr>
           </a:p>
@@ -15069,11 +16297,11 @@
                 <a:spcPts val="601"/>
               </a:spcAft>
               <a:tabLst>
-                <a:tab algn="l" pos="0"/>
+                <a:tab pos="0" algn="l"/>
               </a:tabLst>
             </a:pPr>
             <a:r>
-              <a:rPr b="0" lang="es-ES" sz="2100" spc="-1" strike="noStrike">
+              <a:rPr lang="es-ES" sz="2100" b="0" strike="noStrike" spc="-1">
                 <a:solidFill>
                   <a:srgbClr val="000000"/>
                 </a:solidFill>
@@ -15082,7 +16310,7 @@
               </a:rPr>
               <a:t>Jorge García</a:t>
             </a:r>
-            <a:endParaRPr b="0" lang="es-ES" sz="2100" spc="-1" strike="noStrike">
+            <a:endParaRPr lang="es-ES" sz="2100" b="0" strike="noStrike" spc="-1">
               <a:latin typeface="Arial"/>
             </a:endParaRPr>
           </a:p>
@@ -15098,11 +16326,11 @@
                 <a:spcPts val="601"/>
               </a:spcAft>
               <a:tabLst>
-                <a:tab algn="l" pos="0"/>
+                <a:tab pos="0" algn="l"/>
               </a:tabLst>
             </a:pPr>
             <a:r>
-              <a:rPr b="0" lang="es-ES" sz="2100" spc="-1" strike="noStrike">
+              <a:rPr lang="es-ES" sz="2100" b="0" strike="noStrike" spc="-1">
                 <a:solidFill>
                   <a:srgbClr val="000000"/>
                 </a:solidFill>
@@ -15111,7 +16339,7 @@
               </a:rPr>
               <a:t>Pedro Valero</a:t>
             </a:r>
-            <a:endParaRPr b="0" lang="es-ES" sz="2100" spc="-1" strike="noStrike">
+            <a:endParaRPr lang="es-ES" sz="2100" b="0" strike="noStrike" spc="-1">
               <a:latin typeface="Arial"/>
             </a:endParaRPr>
           </a:p>
@@ -15127,11 +16355,11 @@
                 <a:spcPts val="601"/>
               </a:spcAft>
               <a:tabLst>
-                <a:tab algn="l" pos="0"/>
+                <a:tab pos="0" algn="l"/>
               </a:tabLst>
             </a:pPr>
             <a:r>
-              <a:rPr b="0" lang="es-ES" sz="2100" spc="-1" strike="noStrike">
+              <a:rPr lang="es-ES" sz="2100" b="0" strike="noStrike" spc="-1">
                 <a:solidFill>
                   <a:srgbClr val="000000"/>
                 </a:solidFill>
@@ -15140,7 +16368,7 @@
               </a:rPr>
               <a:t>Sergio Alcalde</a:t>
             </a:r>
-            <a:endParaRPr b="0" lang="es-ES" sz="2100" spc="-1" strike="noStrike">
+            <a:endParaRPr lang="es-ES" sz="2100" b="0" strike="noStrike" spc="-1">
               <a:latin typeface="Arial"/>
             </a:endParaRPr>
           </a:p>
@@ -15148,12 +16376,12 @@
       </p:sp>
       <p:pic>
         <p:nvPicPr>
-          <p:cNvPr id="146" name="Imagen 145" descr=""/>
+          <p:cNvPr id="146" name="Imagen 145"/>
           <p:cNvPicPr/>
           <p:nvPr/>
         </p:nvPicPr>
         <p:blipFill>
-          <a:blip r:embed="rId1"/>
+          <a:blip r:embed="rId2"/>
           <a:stretch/>
         </p:blipFill>
         <p:spPr>
@@ -15171,19 +16399,409 @@
       </p:pic>
     </p:spTree>
   </p:cSld>
-  <mc:AlternateContent>
-    <mc:Choice Requires="p14">
-      <p:transition spd="slow" p14:dur="2000"/>
-    </mc:Choice>
-    <mc:Fallback>
-      <p:transition spd="slow"/>
-    </mc:Fallback>
-  </mc:AlternateContent>
+  <p:clrMapOvr>
+    <a:masterClrMapping/>
+  </p:clrMapOvr>
 </p:sld>
 </file>
 
 <file path=ppt/slides/slide10.xml><?xml version="1.0" encoding="utf-8"?>
-<p:sld xmlns:a="http://schemas.openxmlformats.org/drawingml/2006/main" xmlns:p="http://schemas.openxmlformats.org/presentationml/2006/main" xmlns:r="http://schemas.openxmlformats.org/officeDocument/2006/relationships" xmlns:p14="http://schemas.microsoft.com/office/powerpoint/2010/main" xmlns:p15="http://schemas.microsoft.com/office/powerpoint/2012/main" xmlns:mc="http://schemas.openxmlformats.org/markup-compatibility/2006">
+<p:sld xmlns:a="http://schemas.openxmlformats.org/drawingml/2006/main" xmlns:r="http://schemas.openxmlformats.org/officeDocument/2006/relationships" xmlns:p="http://schemas.openxmlformats.org/presentationml/2006/main">
+  <p:cSld>
+    <p:spTree>
+      <p:nvGrpSpPr>
+        <p:cNvPr id="1" name=""/>
+        <p:cNvGrpSpPr/>
+        <p:nvPr/>
+      </p:nvGrpSpPr>
+      <p:grpSpPr>
+        <a:xfrm>
+          <a:off x="0" y="0"/>
+          <a:ext cx="0" cy="0"/>
+          <a:chOff x="0" y="0"/>
+          <a:chExt cx="0" cy="0"/>
+        </a:xfrm>
+      </p:grpSpPr>
+      <p:sp>
+        <p:nvSpPr>
+          <p:cNvPr id="192" name="CustomShape 1"/>
+          <p:cNvSpPr/>
+          <p:nvPr/>
+        </p:nvSpPr>
+        <p:spPr>
+          <a:xfrm>
+            <a:off x="1473840" y="1135080"/>
+            <a:ext cx="10017720" cy="507240"/>
+          </a:xfrm>
+          <a:prstGeom prst="rect">
+            <a:avLst/>
+          </a:prstGeom>
+          <a:noFill/>
+          <a:ln w="0">
+            <a:noFill/>
+          </a:ln>
+        </p:spPr>
+        <p:style>
+          <a:lnRef idx="0">
+            <a:scrgbClr r="0" g="0" b="0"/>
+          </a:lnRef>
+          <a:fillRef idx="0">
+            <a:scrgbClr r="0" g="0" b="0"/>
+          </a:fillRef>
+          <a:effectRef idx="0">
+            <a:scrgbClr r="0" g="0" b="0"/>
+          </a:effectRef>
+          <a:fontRef idx="minor"/>
+        </p:style>
+        <p:txBody>
+          <a:bodyPr lIns="0" tIns="0" rIns="0" bIns="0">
+            <a:noAutofit/>
+          </a:bodyPr>
+          <a:lstStyle/>
+          <a:p>
+            <a:pPr algn="ctr">
+              <a:lnSpc>
+                <a:spcPct val="100000"/>
+              </a:lnSpc>
+            </a:pPr>
+            <a:r>
+              <a:rPr lang="es-ES" sz="4000" b="0" strike="noStrike" spc="-1">
+                <a:solidFill>
+                  <a:srgbClr val="000000"/>
+                </a:solidFill>
+                <a:latin typeface="Corbel"/>
+                <a:ea typeface="DejaVu Sans"/>
+              </a:rPr>
+              <a:t>Algoritmos entrenados</a:t>
+            </a:r>
+            <a:endParaRPr lang="es-ES" sz="4000" b="0" strike="noStrike" spc="-1">
+              <a:latin typeface="Arial"/>
+            </a:endParaRPr>
+          </a:p>
+        </p:txBody>
+      </p:sp>
+      <p:graphicFrame>
+        <p:nvGraphicFramePr>
+          <p:cNvPr id="2" name="Diagram2"/>
+          <p:cNvGraphicFramePr/>
+          <p:nvPr>
+            <p:extLst>
+              <p:ext uri="{D42A27DB-BD31-4B8C-83A1-F6EECF244321}">
+                <p14:modId xmlns:p14="http://schemas.microsoft.com/office/powerpoint/2010/main" val="1679280544"/>
+              </p:ext>
+            </p:extLst>
+          </p:nvPr>
+        </p:nvGraphicFramePr>
+        <p:xfrm>
+          <a:off x="3675960" y="1807920"/>
+          <a:ext cx="6363360" cy="4365720"/>
+        </p:xfrm>
+        <a:graphic>
+          <a:graphicData uri="http://schemas.openxmlformats.org/drawingml/2006/diagram">
+            <dgm:relIds xmlns:dgm="http://schemas.openxmlformats.org/drawingml/2006/diagram" xmlns:r="http://schemas.openxmlformats.org/officeDocument/2006/relationships" r:dm="rId2" r:lo="rId3" r:qs="rId4" r:cs="rId5"/>
+          </a:graphicData>
+        </a:graphic>
+      </p:graphicFrame>
+      <p:sp>
+        <p:nvSpPr>
+          <p:cNvPr id="193" name="CustomShape 2"/>
+          <p:cNvSpPr/>
+          <p:nvPr/>
+        </p:nvSpPr>
+        <p:spPr>
+          <a:xfrm>
+            <a:off x="3746160" y="2290680"/>
+            <a:ext cx="876960" cy="455400"/>
+          </a:xfrm>
+          <a:prstGeom prst="rect">
+            <a:avLst/>
+          </a:prstGeom>
+          <a:noFill/>
+          <a:ln w="0">
+            <a:noFill/>
+          </a:ln>
+        </p:spPr>
+        <p:style>
+          <a:lnRef idx="2">
+            <a:scrgbClr r="0" g="0" b="0"/>
+          </a:lnRef>
+          <a:fillRef idx="0">
+            <a:scrgbClr r="0" g="0" b="0"/>
+          </a:fillRef>
+          <a:effectRef idx="0">
+            <a:scrgbClr r="0" g="0" b="0"/>
+          </a:effectRef>
+          <a:fontRef idx="minor"/>
+        </p:style>
+        <p:txBody>
+          <a:bodyPr lIns="90000" tIns="45000" rIns="90000" bIns="45000">
+            <a:spAutoFit/>
+          </a:bodyPr>
+          <a:lstStyle/>
+          <a:p>
+            <a:pPr algn="ctr">
+              <a:lnSpc>
+                <a:spcPct val="100000"/>
+              </a:lnSpc>
+            </a:pPr>
+            <a:r>
+              <a:rPr lang="es-CO" sz="1200" b="1" strike="noStrike" spc="-1">
+                <a:solidFill>
+                  <a:srgbClr val="000000"/>
+                </a:solidFill>
+                <a:latin typeface="Arial"/>
+                <a:ea typeface="DejaVu Sans"/>
+              </a:rPr>
+              <a:t>Rezagos 1 al 7</a:t>
+            </a:r>
+            <a:endParaRPr lang="es-ES" sz="1200" b="0" strike="noStrike" spc="-1">
+              <a:latin typeface="Arial"/>
+            </a:endParaRPr>
+          </a:p>
+        </p:txBody>
+      </p:sp>
+      <p:sp>
+        <p:nvSpPr>
+          <p:cNvPr id="194" name="CustomShape 3"/>
+          <p:cNvSpPr/>
+          <p:nvPr/>
+        </p:nvSpPr>
+        <p:spPr>
+          <a:xfrm>
+            <a:off x="4110840" y="3263760"/>
+            <a:ext cx="876960" cy="455400"/>
+          </a:xfrm>
+          <a:prstGeom prst="rect">
+            <a:avLst/>
+          </a:prstGeom>
+          <a:noFill/>
+          <a:ln w="0">
+            <a:noFill/>
+          </a:ln>
+        </p:spPr>
+        <p:style>
+          <a:lnRef idx="0">
+            <a:scrgbClr r="0" g="0" b="0"/>
+          </a:lnRef>
+          <a:fillRef idx="0">
+            <a:scrgbClr r="0" g="0" b="0"/>
+          </a:fillRef>
+          <a:effectRef idx="0">
+            <a:scrgbClr r="0" g="0" b="0"/>
+          </a:effectRef>
+          <a:fontRef idx="minor"/>
+        </p:style>
+        <p:txBody>
+          <a:bodyPr lIns="90000" tIns="45000" rIns="90000" bIns="45000">
+            <a:spAutoFit/>
+          </a:bodyPr>
+          <a:lstStyle/>
+          <a:p>
+            <a:pPr algn="ctr">
+              <a:lnSpc>
+                <a:spcPct val="100000"/>
+              </a:lnSpc>
+            </a:pPr>
+            <a:r>
+              <a:rPr lang="es-CO" sz="1200" b="1" strike="noStrike" spc="-1">
+                <a:solidFill>
+                  <a:srgbClr val="000000"/>
+                </a:solidFill>
+                <a:latin typeface="Arial"/>
+                <a:ea typeface="DejaVu Sans"/>
+              </a:rPr>
+              <a:t>Rezagos 1 al 7</a:t>
+            </a:r>
+            <a:endParaRPr lang="es-ES" sz="1200" b="0" strike="noStrike" spc="-1">
+              <a:latin typeface="Arial"/>
+            </a:endParaRPr>
+          </a:p>
+        </p:txBody>
+      </p:sp>
+      <p:sp>
+        <p:nvSpPr>
+          <p:cNvPr id="195" name="CustomShape 4"/>
+          <p:cNvSpPr/>
+          <p:nvPr/>
+        </p:nvSpPr>
+        <p:spPr>
+          <a:xfrm>
+            <a:off x="4110840" y="4280040"/>
+            <a:ext cx="876960" cy="455400"/>
+          </a:xfrm>
+          <a:prstGeom prst="rect">
+            <a:avLst/>
+          </a:prstGeom>
+          <a:noFill/>
+          <a:ln w="0">
+            <a:noFill/>
+          </a:ln>
+        </p:spPr>
+        <p:style>
+          <a:lnRef idx="0">
+            <a:scrgbClr r="0" g="0" b="0"/>
+          </a:lnRef>
+          <a:fillRef idx="0">
+            <a:scrgbClr r="0" g="0" b="0"/>
+          </a:fillRef>
+          <a:effectRef idx="0">
+            <a:scrgbClr r="0" g="0" b="0"/>
+          </a:effectRef>
+          <a:fontRef idx="minor"/>
+        </p:style>
+        <p:txBody>
+          <a:bodyPr lIns="90000" tIns="45000" rIns="90000" bIns="45000">
+            <a:spAutoFit/>
+          </a:bodyPr>
+          <a:lstStyle/>
+          <a:p>
+            <a:pPr algn="ctr">
+              <a:lnSpc>
+                <a:spcPct val="100000"/>
+              </a:lnSpc>
+            </a:pPr>
+            <a:r>
+              <a:rPr lang="es-CO" sz="1200" b="1" strike="noStrike" spc="-1">
+                <a:solidFill>
+                  <a:srgbClr val="000000"/>
+                </a:solidFill>
+                <a:latin typeface="Arial"/>
+                <a:ea typeface="DejaVu Sans"/>
+              </a:rPr>
+              <a:t>Rezagos 1 al 7</a:t>
+            </a:r>
+            <a:endParaRPr lang="es-ES" sz="1200" b="0" strike="noStrike" spc="-1">
+              <a:latin typeface="Arial"/>
+            </a:endParaRPr>
+          </a:p>
+        </p:txBody>
+      </p:sp>
+      <p:sp>
+        <p:nvSpPr>
+          <p:cNvPr id="196" name="CustomShape 5"/>
+          <p:cNvSpPr/>
+          <p:nvPr/>
+        </p:nvSpPr>
+        <p:spPr>
+          <a:xfrm>
+            <a:off x="3746160" y="5296680"/>
+            <a:ext cx="876960" cy="455400"/>
+          </a:xfrm>
+          <a:prstGeom prst="rect">
+            <a:avLst/>
+          </a:prstGeom>
+          <a:noFill/>
+          <a:ln w="0">
+            <a:noFill/>
+          </a:ln>
+        </p:spPr>
+        <p:style>
+          <a:lnRef idx="0">
+            <a:scrgbClr r="0" g="0" b="0"/>
+          </a:lnRef>
+          <a:fillRef idx="0">
+            <a:scrgbClr r="0" g="0" b="0"/>
+          </a:fillRef>
+          <a:effectRef idx="0">
+            <a:scrgbClr r="0" g="0" b="0"/>
+          </a:effectRef>
+          <a:fontRef idx="minor"/>
+        </p:style>
+        <p:txBody>
+          <a:bodyPr lIns="90000" tIns="45000" rIns="90000" bIns="45000">
+            <a:spAutoFit/>
+          </a:bodyPr>
+          <a:lstStyle/>
+          <a:p>
+            <a:pPr algn="ctr">
+              <a:lnSpc>
+                <a:spcPct val="100000"/>
+              </a:lnSpc>
+            </a:pPr>
+            <a:r>
+              <a:rPr lang="es-CO" sz="1200" b="1" strike="noStrike" spc="-1">
+                <a:solidFill>
+                  <a:srgbClr val="000000"/>
+                </a:solidFill>
+                <a:latin typeface="Arial"/>
+                <a:ea typeface="DejaVu Sans"/>
+              </a:rPr>
+              <a:t>Rezagos 1 al 7</a:t>
+            </a:r>
+            <a:endParaRPr lang="es-ES" sz="1200" b="0" strike="noStrike" spc="-1">
+              <a:latin typeface="Arial"/>
+            </a:endParaRPr>
+          </a:p>
+        </p:txBody>
+      </p:sp>
+      <p:sp>
+        <p:nvSpPr>
+          <p:cNvPr id="197" name="CustomShape 6"/>
+          <p:cNvSpPr/>
+          <p:nvPr/>
+        </p:nvSpPr>
+        <p:spPr>
+          <a:xfrm>
+            <a:off x="3746160" y="6178680"/>
+            <a:ext cx="6372720" cy="364680"/>
+          </a:xfrm>
+          <a:prstGeom prst="rect">
+            <a:avLst/>
+          </a:prstGeom>
+          <a:noFill/>
+          <a:ln w="0">
+            <a:noFill/>
+          </a:ln>
+        </p:spPr>
+        <p:style>
+          <a:lnRef idx="0">
+            <a:scrgbClr r="0" g="0" b="0"/>
+          </a:lnRef>
+          <a:fillRef idx="0">
+            <a:scrgbClr r="0" g="0" b="0"/>
+          </a:fillRef>
+          <a:effectRef idx="0">
+            <a:scrgbClr r="0" g="0" b="0"/>
+          </a:effectRef>
+          <a:fontRef idx="minor"/>
+        </p:style>
+        <p:txBody>
+          <a:bodyPr lIns="90000" tIns="45000" rIns="90000" bIns="45000">
+            <a:spAutoFit/>
+          </a:bodyPr>
+          <a:lstStyle/>
+          <a:p>
+            <a:pPr algn="ctr">
+              <a:lnSpc>
+                <a:spcPct val="100000"/>
+              </a:lnSpc>
+            </a:pPr>
+            <a:r>
+              <a:rPr lang="es-CO" sz="1800" b="1" strike="noStrike" spc="-1">
+                <a:solidFill>
+                  <a:srgbClr val="000000"/>
+                </a:solidFill>
+                <a:latin typeface="Arial"/>
+                <a:ea typeface="DejaVu Sans"/>
+              </a:rPr>
+              <a:t>En total se entrenaron 28 modelos</a:t>
+            </a:r>
+            <a:endParaRPr lang="es-ES" sz="1800" b="0" strike="noStrike" spc="-1">
+              <a:latin typeface="Arial"/>
+            </a:endParaRPr>
+          </a:p>
+        </p:txBody>
+      </p:sp>
+    </p:spTree>
+  </p:cSld>
+  <p:clrMapOvr>
+    <a:masterClrMapping/>
+  </p:clrMapOvr>
+</p:sld>
+</file>
+
+<file path=ppt/slides/slide11.xml><?xml version="1.0" encoding="utf-8"?>
+<p:sld xmlns:a="http://schemas.openxmlformats.org/drawingml/2006/main" xmlns:r="http://schemas.openxmlformats.org/officeDocument/2006/relationships" xmlns:p="http://schemas.openxmlformats.org/presentationml/2006/main">
   <p:cSld>
     <p:spTree>
       <p:nvGrpSpPr>
@@ -15219,15 +16837,22 @@
           </a:ln>
         </p:spPr>
         <p:style>
-          <a:lnRef idx="0"/>
-          <a:fillRef idx="0"/>
-          <a:effectRef idx="0"/>
+          <a:lnRef idx="0">
+            <a:scrgbClr r="0" g="0" b="0"/>
+          </a:lnRef>
+          <a:fillRef idx="0">
+            <a:scrgbClr r="0" g="0" b="0"/>
+          </a:fillRef>
+          <a:effectRef idx="0">
+            <a:scrgbClr r="0" g="0" b="0"/>
+          </a:effectRef>
           <a:fontRef idx="minor"/>
         </p:style>
         <p:txBody>
-          <a:bodyPr lIns="0" rIns="0" tIns="0" bIns="0">
+          <a:bodyPr lIns="0" tIns="0" rIns="0" bIns="0">
             <a:noAutofit/>
           </a:bodyPr>
+          <a:lstStyle/>
           <a:p>
             <a:pPr algn="ctr">
               <a:lnSpc>
@@ -15235,7 +16860,7 @@
               </a:lnSpc>
             </a:pPr>
             <a:r>
-              <a:rPr b="0" lang="es-ES" sz="4000" spc="-1" strike="noStrike">
+              <a:rPr lang="es-ES" sz="4000" b="0" strike="noStrike" spc="-1" dirty="0">
                 <a:solidFill>
                   <a:srgbClr val="000000"/>
                 </a:solidFill>
@@ -15244,7 +16869,7 @@
               </a:rPr>
               <a:t>Resultados – Modelo seleccionado</a:t>
             </a:r>
-            <a:endParaRPr b="0" lang="es-ES" sz="4000" spc="-1" strike="noStrike">
+            <a:endParaRPr lang="es-ES" sz="4000" b="0" strike="noStrike" spc="-1" dirty="0">
               <a:latin typeface="Arial"/>
             </a:endParaRPr>
           </a:p>
@@ -15262,7 +16887,7 @@
         </p:xfrm>
         <a:graphic>
           <a:graphicData uri="http://schemas.openxmlformats.org/drawingml/2006/chart">
-            <c:chart xmlns:c="http://schemas.openxmlformats.org/drawingml/2006/chart" xmlns:r="http://schemas.openxmlformats.org/officeDocument/2006/relationships" r:id="rId1"/>
+            <c:chart xmlns:c="http://schemas.openxmlformats.org/drawingml/2006/chart" xmlns:r="http://schemas.openxmlformats.org/officeDocument/2006/relationships" r:id="rId2"/>
           </a:graphicData>
         </a:graphic>
       </p:graphicFrame>
@@ -15278,25 +16903,245 @@
         </p:xfrm>
         <a:graphic>
           <a:graphicData uri="http://schemas.openxmlformats.org/drawingml/2006/chart">
-            <c:chart xmlns:c="http://schemas.openxmlformats.org/drawingml/2006/chart" xmlns:r="http://schemas.openxmlformats.org/officeDocument/2006/relationships" r:id="rId2"/>
+            <c:chart xmlns:c="http://schemas.openxmlformats.org/drawingml/2006/chart" xmlns:r="http://schemas.openxmlformats.org/officeDocument/2006/relationships" r:id="rId3"/>
           </a:graphicData>
         </a:graphic>
       </p:graphicFrame>
     </p:spTree>
   </p:cSld>
-  <mc:AlternateContent>
-    <mc:Choice Requires="p14">
-      <p:transition spd="slow" p14:dur="2000"/>
-    </mc:Choice>
-    <mc:Fallback>
-      <p:transition spd="slow"/>
-    </mc:Fallback>
-  </mc:AlternateContent>
+  <p:clrMapOvr>
+    <a:masterClrMapping/>
+  </p:clrMapOvr>
 </p:sld>
 </file>
 
-<file path=ppt/slides/slide11.xml><?xml version="1.0" encoding="utf-8"?>
-<p:sld xmlns:a="http://schemas.openxmlformats.org/drawingml/2006/main" xmlns:p="http://schemas.openxmlformats.org/presentationml/2006/main" xmlns:r="http://schemas.openxmlformats.org/officeDocument/2006/relationships" xmlns:p14="http://schemas.microsoft.com/office/powerpoint/2010/main" xmlns:p15="http://schemas.microsoft.com/office/powerpoint/2012/main" xmlns:mc="http://schemas.openxmlformats.org/markup-compatibility/2006">
+<file path=ppt/slides/slide12.xml><?xml version="1.0" encoding="utf-8"?>
+<p:sld xmlns:a="http://schemas.openxmlformats.org/drawingml/2006/main" xmlns:r="http://schemas.openxmlformats.org/officeDocument/2006/relationships" xmlns:p="http://schemas.openxmlformats.org/presentationml/2006/main">
+  <p:cSld>
+    <p:spTree>
+      <p:nvGrpSpPr>
+        <p:cNvPr id="1" name=""/>
+        <p:cNvGrpSpPr/>
+        <p:nvPr/>
+      </p:nvGrpSpPr>
+      <p:grpSpPr>
+        <a:xfrm>
+          <a:off x="0" y="0"/>
+          <a:ext cx="0" cy="0"/>
+          <a:chOff x="0" y="0"/>
+          <a:chExt cx="0" cy="0"/>
+        </a:xfrm>
+      </p:grpSpPr>
+      <p:sp>
+        <p:nvSpPr>
+          <p:cNvPr id="4" name="CustomShape 1">
+            <a:extLst>
+              <a:ext uri="{FF2B5EF4-FFF2-40B4-BE49-F238E27FC236}">
+                <a16:creationId xmlns:a16="http://schemas.microsoft.com/office/drawing/2014/main" id="{AE729000-C866-4E85-85F6-4BFCE86CFE00}"/>
+              </a:ext>
+            </a:extLst>
+          </p:cNvPr>
+          <p:cNvSpPr/>
+          <p:nvPr/>
+        </p:nvSpPr>
+        <p:spPr>
+          <a:xfrm>
+            <a:off x="1400040" y="1199880"/>
+            <a:ext cx="10017720" cy="507240"/>
+          </a:xfrm>
+          <a:prstGeom prst="rect">
+            <a:avLst/>
+          </a:prstGeom>
+          <a:noFill/>
+          <a:ln w="0">
+            <a:noFill/>
+          </a:ln>
+        </p:spPr>
+        <p:style>
+          <a:lnRef idx="0">
+            <a:scrgbClr r="0" g="0" b="0"/>
+          </a:lnRef>
+          <a:fillRef idx="0">
+            <a:scrgbClr r="0" g="0" b="0"/>
+          </a:fillRef>
+          <a:effectRef idx="0">
+            <a:scrgbClr r="0" g="0" b="0"/>
+          </a:effectRef>
+          <a:fontRef idx="minor"/>
+        </p:style>
+        <p:txBody>
+          <a:bodyPr lIns="0" tIns="0" rIns="0" bIns="0">
+            <a:noAutofit/>
+          </a:bodyPr>
+          <a:lstStyle/>
+          <a:p>
+            <a:pPr algn="ctr">
+              <a:lnSpc>
+                <a:spcPct val="100000"/>
+              </a:lnSpc>
+            </a:pPr>
+            <a:r>
+              <a:rPr lang="es-ES" sz="4000" b="0" strike="noStrike" spc="-1" dirty="0">
+                <a:solidFill>
+                  <a:srgbClr val="000000"/>
+                </a:solidFill>
+                <a:latin typeface="Corbel"/>
+                <a:ea typeface="DejaVu Sans"/>
+              </a:rPr>
+              <a:t>Resultados – Predicciones datos de validación</a:t>
+            </a:r>
+            <a:endParaRPr lang="es-ES" sz="4000" b="0" strike="noStrike" spc="-1" dirty="0">
+              <a:latin typeface="Arial"/>
+            </a:endParaRPr>
+          </a:p>
+        </p:txBody>
+      </p:sp>
+      <p:pic>
+        <p:nvPicPr>
+          <p:cNvPr id="6" name="Imagen 5">
+            <a:extLst>
+              <a:ext uri="{FF2B5EF4-FFF2-40B4-BE49-F238E27FC236}">
+                <a16:creationId xmlns:a16="http://schemas.microsoft.com/office/drawing/2014/main" id="{FF7DC379-112C-4DA8-B638-06C6A012B1E7}"/>
+              </a:ext>
+            </a:extLst>
+          </p:cNvPr>
+          <p:cNvPicPr>
+            <a:picLocks noChangeAspect="1"/>
+          </p:cNvPicPr>
+          <p:nvPr/>
+        </p:nvPicPr>
+        <p:blipFill rotWithShape="1">
+          <a:blip r:embed="rId2"/>
+          <a:srcRect t="2184"/>
+          <a:stretch/>
+        </p:blipFill>
+        <p:spPr>
+          <a:xfrm>
+            <a:off x="1589250" y="2894122"/>
+            <a:ext cx="4819650" cy="3037365"/>
+          </a:xfrm>
+          <a:prstGeom prst="rect">
+            <a:avLst/>
+          </a:prstGeom>
+        </p:spPr>
+      </p:pic>
+      <p:sp>
+        <p:nvSpPr>
+          <p:cNvPr id="7" name="CuadroTexto 6">
+            <a:extLst>
+              <a:ext uri="{FF2B5EF4-FFF2-40B4-BE49-F238E27FC236}">
+                <a16:creationId xmlns:a16="http://schemas.microsoft.com/office/drawing/2014/main" id="{612EC36C-3B98-4FEA-B2BD-84C562AFC24C}"/>
+              </a:ext>
+            </a:extLst>
+          </p:cNvPr>
+          <p:cNvSpPr txBox="1"/>
+          <p:nvPr/>
+        </p:nvSpPr>
+        <p:spPr>
+          <a:xfrm>
+            <a:off x="2130641" y="2290439"/>
+            <a:ext cx="3965359" cy="523220"/>
+          </a:xfrm>
+          <a:prstGeom prst="rect">
+            <a:avLst/>
+          </a:prstGeom>
+          <a:noFill/>
+        </p:spPr>
+        <p:txBody>
+          <a:bodyPr wrap="square" rtlCol="0">
+            <a:spAutoFit/>
+          </a:bodyPr>
+          <a:lstStyle/>
+          <a:p>
+            <a:pPr algn="ctr"/>
+            <a:r>
+              <a:rPr lang="es-CO" sz="1400" b="1" dirty="0"/>
+              <a:t>Conjunto de validación – Valores reales vs. Predichos por el algoritmo entrenado</a:t>
+            </a:r>
+          </a:p>
+        </p:txBody>
+      </p:sp>
+      <p:pic>
+        <p:nvPicPr>
+          <p:cNvPr id="9" name="Imagen 8">
+            <a:extLst>
+              <a:ext uri="{FF2B5EF4-FFF2-40B4-BE49-F238E27FC236}">
+                <a16:creationId xmlns:a16="http://schemas.microsoft.com/office/drawing/2014/main" id="{2CD667BD-302A-42F6-ACE5-27678384E1A4}"/>
+              </a:ext>
+            </a:extLst>
+          </p:cNvPr>
+          <p:cNvPicPr>
+            <a:picLocks noChangeAspect="1"/>
+          </p:cNvPicPr>
+          <p:nvPr/>
+        </p:nvPicPr>
+        <p:blipFill>
+          <a:blip r:embed="rId3"/>
+          <a:stretch>
+            <a:fillRect/>
+          </a:stretch>
+        </p:blipFill>
+        <p:spPr>
+          <a:xfrm>
+            <a:off x="6550889" y="2813659"/>
+            <a:ext cx="5162550" cy="2990850"/>
+          </a:xfrm>
+          <a:prstGeom prst="rect">
+            <a:avLst/>
+          </a:prstGeom>
+        </p:spPr>
+      </p:pic>
+      <p:sp>
+        <p:nvSpPr>
+          <p:cNvPr id="10" name="CuadroTexto 9">
+            <a:extLst>
+              <a:ext uri="{FF2B5EF4-FFF2-40B4-BE49-F238E27FC236}">
+                <a16:creationId xmlns:a16="http://schemas.microsoft.com/office/drawing/2014/main" id="{F43A5CFE-9DA3-411E-8437-59F5A03C15FA}"/>
+              </a:ext>
+            </a:extLst>
+          </p:cNvPr>
+          <p:cNvSpPr txBox="1"/>
+          <p:nvPr/>
+        </p:nvSpPr>
+        <p:spPr>
+          <a:xfrm>
+            <a:off x="7369946" y="2155458"/>
+            <a:ext cx="3965359" cy="738664"/>
+          </a:xfrm>
+          <a:prstGeom prst="rect">
+            <a:avLst/>
+          </a:prstGeom>
+          <a:noFill/>
+        </p:spPr>
+        <p:txBody>
+          <a:bodyPr wrap="square" rtlCol="0">
+            <a:spAutoFit/>
+          </a:bodyPr>
+          <a:lstStyle/>
+          <a:p>
+            <a:pPr algn="ctr"/>
+            <a:r>
+              <a:rPr lang="es-CO" sz="1400" b="1" dirty="0"/>
+              <a:t>Conjunto de validación – Densidad de los residuos entre los valores reales y predichos</a:t>
+            </a:r>
+          </a:p>
+        </p:txBody>
+      </p:sp>
+    </p:spTree>
+    <p:extLst>
+      <p:ext uri="{BB962C8B-B14F-4D97-AF65-F5344CB8AC3E}">
+        <p14:creationId xmlns:p14="http://schemas.microsoft.com/office/powerpoint/2010/main" val="796215971"/>
+      </p:ext>
+    </p:extLst>
+  </p:cSld>
+  <p:clrMapOvr>
+    <a:masterClrMapping/>
+  </p:clrMapOvr>
+</p:sld>
+</file>
+
+<file path=ppt/slides/slide13.xml><?xml version="1.0" encoding="utf-8"?>
+<p:sld xmlns:a="http://schemas.openxmlformats.org/drawingml/2006/main" xmlns:r="http://schemas.openxmlformats.org/officeDocument/2006/relationships" xmlns:p="http://schemas.openxmlformats.org/presentationml/2006/main">
   <p:cSld>
     <p:spTree>
       <p:nvGrpSpPr>
@@ -15332,15 +17177,22 @@
           </a:ln>
         </p:spPr>
         <p:style>
-          <a:lnRef idx="0"/>
-          <a:fillRef idx="0"/>
-          <a:effectRef idx="0"/>
+          <a:lnRef idx="0">
+            <a:scrgbClr r="0" g="0" b="0"/>
+          </a:lnRef>
+          <a:fillRef idx="0">
+            <a:scrgbClr r="0" g="0" b="0"/>
+          </a:fillRef>
+          <a:effectRef idx="0">
+            <a:scrgbClr r="0" g="0" b="0"/>
+          </a:effectRef>
           <a:fontRef idx="minor"/>
         </p:style>
         <p:txBody>
-          <a:bodyPr lIns="0" rIns="0" tIns="0" bIns="0">
+          <a:bodyPr lIns="0" tIns="0" rIns="0" bIns="0">
             <a:noAutofit/>
           </a:bodyPr>
+          <a:lstStyle/>
           <a:p>
             <a:pPr algn="ctr">
               <a:lnSpc>
@@ -15348,7 +17200,7 @@
               </a:lnSpc>
             </a:pPr>
             <a:r>
-              <a:rPr b="0" lang="es-ES" sz="4000" spc="-1" strike="noStrike">
+              <a:rPr lang="es-ES" sz="4000" b="0" strike="noStrike" spc="-1">
                 <a:solidFill>
                   <a:srgbClr val="000000"/>
                 </a:solidFill>
@@ -15357,7 +17209,7 @@
               </a:rPr>
               <a:t>Aplicación del algoritmo a otras criptomonedas</a:t>
             </a:r>
-            <a:endParaRPr b="0" lang="es-ES" sz="4000" spc="-1" strike="noStrike">
+            <a:endParaRPr lang="es-ES" sz="4000" b="0" strike="noStrike" spc="-1">
               <a:latin typeface="Arial"/>
             </a:endParaRPr>
           </a:p>
@@ -15375,7 +17227,7 @@
         </p:xfrm>
         <a:graphic>
           <a:graphicData uri="http://schemas.openxmlformats.org/drawingml/2006/chart">
-            <c:chart xmlns:c="http://schemas.openxmlformats.org/drawingml/2006/chart" xmlns:r="http://schemas.openxmlformats.org/officeDocument/2006/relationships" r:id="rId1"/>
+            <c:chart xmlns:c="http://schemas.openxmlformats.org/drawingml/2006/chart" xmlns:r="http://schemas.openxmlformats.org/officeDocument/2006/relationships" r:id="rId2"/>
           </a:graphicData>
         </a:graphic>
       </p:graphicFrame>
@@ -15394,7 +17246,7 @@
             <a:avLst/>
           </a:prstGeom>
           <a:solidFill>
-            <a:srgbClr val="ff0000"/>
+            <a:srgbClr val="FF0000"/>
           </a:solidFill>
           <a:ln>
             <a:noFill/>
@@ -15430,7 +17282,7 @@
             <a:avLst/>
           </a:prstGeom>
           <a:solidFill>
-            <a:srgbClr val="ffc000"/>
+            <a:srgbClr val="FFC000"/>
           </a:solidFill>
           <a:ln>
             <a:noFill/>
@@ -15466,7 +17318,7 @@
             <a:avLst/>
           </a:prstGeom>
           <a:solidFill>
-            <a:srgbClr val="ffc000"/>
+            <a:srgbClr val="FFC000"/>
           </a:solidFill>
           <a:ln>
             <a:noFill/>
@@ -15566,19 +17418,14 @@
       </p:sp>
     </p:spTree>
   </p:cSld>
-  <mc:AlternateContent>
-    <mc:Choice Requires="p14">
-      <p:transition spd="slow" p14:dur="2000"/>
-    </mc:Choice>
-    <mc:Fallback>
-      <p:transition spd="slow"/>
-    </mc:Fallback>
-  </mc:AlternateContent>
+  <p:clrMapOvr>
+    <a:masterClrMapping/>
+  </p:clrMapOvr>
 </p:sld>
 </file>
 
-<file path=ppt/slides/slide12.xml><?xml version="1.0" encoding="utf-8"?>
-<p:sld xmlns:a="http://schemas.openxmlformats.org/drawingml/2006/main" xmlns:p="http://schemas.openxmlformats.org/presentationml/2006/main" xmlns:r="http://schemas.openxmlformats.org/officeDocument/2006/relationships" xmlns:p14="http://schemas.microsoft.com/office/powerpoint/2010/main" xmlns:p15="http://schemas.microsoft.com/office/powerpoint/2012/main" xmlns:mc="http://schemas.openxmlformats.org/markup-compatibility/2006">
+<file path=ppt/slides/slide14.xml><?xml version="1.0" encoding="utf-8"?>
+<p:sld xmlns:a="http://schemas.openxmlformats.org/drawingml/2006/main" xmlns:r="http://schemas.openxmlformats.org/officeDocument/2006/relationships" xmlns:p="http://schemas.openxmlformats.org/presentationml/2006/main">
   <p:cSld>
     <p:spTree>
       <p:nvGrpSpPr>
@@ -15614,15 +17461,22 @@
           </a:ln>
         </p:spPr>
         <p:style>
-          <a:lnRef idx="0"/>
-          <a:fillRef idx="0"/>
-          <a:effectRef idx="0"/>
+          <a:lnRef idx="0">
+            <a:scrgbClr r="0" g="0" b="0"/>
+          </a:lnRef>
+          <a:fillRef idx="0">
+            <a:scrgbClr r="0" g="0" b="0"/>
+          </a:fillRef>
+          <a:effectRef idx="0">
+            <a:scrgbClr r="0" g="0" b="0"/>
+          </a:effectRef>
           <a:fontRef idx="minor"/>
         </p:style>
         <p:txBody>
-          <a:bodyPr lIns="0" rIns="0" tIns="0" bIns="0">
+          <a:bodyPr lIns="0" tIns="0" rIns="0" bIns="0">
             <a:noAutofit/>
           </a:bodyPr>
+          <a:lstStyle/>
           <a:p>
             <a:pPr algn="ctr">
               <a:lnSpc>
@@ -15630,7 +17484,7 @@
               </a:lnSpc>
             </a:pPr>
             <a:r>
-              <a:rPr b="0" lang="es-ES" sz="4000" spc="-1" strike="noStrike">
+              <a:rPr lang="es-ES" sz="4000" b="0" strike="noStrike" spc="-1">
                 <a:solidFill>
                   <a:srgbClr val="000000"/>
                 </a:solidFill>
@@ -15639,7 +17493,7 @@
               </a:rPr>
               <a:t>Conclusiones y líneas de mejora</a:t>
             </a:r>
-            <a:endParaRPr b="0" lang="es-ES" sz="4000" spc="-1" strike="noStrike">
+            <a:endParaRPr lang="es-ES" sz="4000" b="0" strike="noStrike" spc="-1">
               <a:latin typeface="Arial"/>
             </a:endParaRPr>
           </a:p>
@@ -15686,9 +17540,10 @@
           <a:fontRef idx="minor"/>
         </p:style>
         <p:txBody>
-          <a:bodyPr lIns="90000" rIns="90000" tIns="45000" bIns="45000" anchor="ctr">
+          <a:bodyPr lIns="90000" tIns="45000" rIns="90000" bIns="45000" anchor="ctr">
             <a:noAutofit/>
           </a:bodyPr>
+          <a:lstStyle/>
           <a:p>
             <a:pPr algn="ctr">
               <a:lnSpc>
@@ -15696,7 +17551,7 @@
               </a:lnSpc>
             </a:pPr>
             <a:r>
-              <a:rPr b="1" lang="es-CO" sz="1600" spc="-1" strike="noStrike">
+              <a:rPr lang="es-CO" sz="1600" b="1" strike="noStrike" spc="-1">
                 <a:solidFill>
                   <a:srgbClr val="000000"/>
                 </a:solidFill>
@@ -15705,7 +17560,7 @@
               </a:rPr>
               <a:t>CONCLUSIONES</a:t>
             </a:r>
-            <a:endParaRPr b="0" lang="es-ES" sz="1600" spc="-1" strike="noStrike">
+            <a:endParaRPr lang="es-ES" sz="1600" b="0" strike="noStrike" spc="-1">
               <a:latin typeface="Arial"/>
             </a:endParaRPr>
           </a:p>
@@ -15715,7 +17570,7 @@
                 <a:spcPct val="100000"/>
               </a:lnSpc>
             </a:pPr>
-            <a:endParaRPr b="0" lang="es-ES" sz="1600" spc="-1" strike="noStrike">
+            <a:endParaRPr lang="es-ES" sz="1600" b="0" strike="noStrike" spc="-1">
               <a:latin typeface="Arial"/>
             </a:endParaRPr>
           </a:p>
@@ -15731,7 +17586,7 @@
               <a:buChar char="•"/>
             </a:pPr>
             <a:r>
-              <a:rPr b="1" lang="es-CO" sz="1600" spc="-1" strike="noStrike">
+              <a:rPr lang="es-CO" sz="1600" b="1" strike="noStrike" spc="-1">
                 <a:solidFill>
                   <a:srgbClr val="000000"/>
                 </a:solidFill>
@@ -15740,7 +17595,7 @@
               </a:rPr>
               <a:t>El algoritmo entrenado mostró una buena capacidad predictiva, para valores futuros de Bitcoin.</a:t>
             </a:r>
-            <a:endParaRPr b="0" lang="es-ES" sz="1600" spc="-1" strike="noStrike">
+            <a:endParaRPr lang="es-ES" sz="1600" b="0" strike="noStrike" spc="-1">
               <a:latin typeface="Arial"/>
             </a:endParaRPr>
           </a:p>
@@ -15750,7 +17605,7 @@
                 <a:spcPct val="100000"/>
               </a:lnSpc>
             </a:pPr>
-            <a:endParaRPr b="0" lang="es-ES" sz="1600" spc="-1" strike="noStrike">
+            <a:endParaRPr lang="es-ES" sz="1600" b="0" strike="noStrike" spc="-1">
               <a:latin typeface="Arial"/>
             </a:endParaRPr>
           </a:p>
@@ -15766,7 +17621,7 @@
               <a:buChar char="•"/>
             </a:pPr>
             <a:r>
-              <a:rPr b="1" lang="es-CO" sz="1600" spc="-1" strike="noStrike">
+              <a:rPr lang="es-CO" sz="1600" b="1" strike="noStrike" spc="-1">
                 <a:solidFill>
                   <a:srgbClr val="000000"/>
                 </a:solidFill>
@@ -15775,7 +17630,7 @@
               </a:rPr>
               <a:t>Al aplicar el algoritmo entrenado a varias criptomonedas, se obtuvo resultados moderadamente bueno en tres (3) de las cuatro (4) criptomonedas utilizadas.</a:t>
             </a:r>
-            <a:endParaRPr b="0" lang="es-ES" sz="1600" spc="-1" strike="noStrike">
+            <a:endParaRPr lang="es-ES" sz="1600" b="0" strike="noStrike" spc="-1">
               <a:latin typeface="Arial"/>
             </a:endParaRPr>
           </a:p>
@@ -15785,7 +17640,7 @@
                 <a:spcPct val="100000"/>
               </a:lnSpc>
             </a:pPr>
-            <a:endParaRPr b="0" lang="es-ES" sz="1600" spc="-1" strike="noStrike">
+            <a:endParaRPr lang="es-ES" sz="1600" b="0" strike="noStrike" spc="-1">
               <a:latin typeface="Arial"/>
             </a:endParaRPr>
           </a:p>
@@ -15801,7 +17656,7 @@
               <a:buChar char="•"/>
             </a:pPr>
             <a:r>
-              <a:rPr b="1" lang="es-CO" sz="1600" spc="-1" strike="noStrike">
+              <a:rPr lang="es-CO" sz="1600" b="1" strike="noStrike" spc="-1">
                 <a:solidFill>
                   <a:srgbClr val="000000"/>
                 </a:solidFill>
@@ -15811,16 +17666,16 @@
               <a:t>Los datos utilizados para entrenar los algoritmos, son de fácil accesibilidad en la web</a:t>
             </a:r>
             <a:r>
-              <a:rPr b="0" lang="es-CO" sz="1600" spc="-1" strike="noStrike">
+              <a:rPr lang="es-CO" sz="1600" b="0" strike="noStrike" spc="-1">
                 <a:solidFill>
-                  <a:srgbClr val="ffffff"/>
+                  <a:srgbClr val="FFFFFF"/>
                 </a:solidFill>
                 <a:latin typeface="Arial"/>
                 <a:ea typeface="DejaVu Sans"/>
               </a:rPr>
               <a:t>.</a:t>
             </a:r>
-            <a:endParaRPr b="0" lang="es-ES" sz="1600" spc="-1" strike="noStrike">
+            <a:endParaRPr lang="es-ES" sz="1600" b="0" strike="noStrike" spc="-1">
               <a:latin typeface="Arial"/>
             </a:endParaRPr>
           </a:p>
@@ -15830,7 +17685,7 @@
                 <a:spcPct val="100000"/>
               </a:lnSpc>
             </a:pPr>
-            <a:endParaRPr b="0" lang="es-ES" sz="1600" spc="-1" strike="noStrike">
+            <a:endParaRPr lang="es-ES" sz="1600" b="0" strike="noStrike" spc="-1">
               <a:latin typeface="Arial"/>
             </a:endParaRPr>
           </a:p>
@@ -15877,9 +17732,10 @@
           <a:fontRef idx="minor"/>
         </p:style>
         <p:txBody>
-          <a:bodyPr lIns="90000" rIns="90000" tIns="45000" bIns="45000" anchor="ctr">
+          <a:bodyPr lIns="90000" tIns="45000" rIns="90000" bIns="45000" anchor="ctr">
             <a:noAutofit/>
           </a:bodyPr>
+          <a:lstStyle/>
           <a:p>
             <a:pPr algn="ctr">
               <a:lnSpc>
@@ -15887,7 +17743,7 @@
               </a:lnSpc>
             </a:pPr>
             <a:r>
-              <a:rPr b="1" lang="es-CO" sz="1600" spc="-1" strike="noStrike">
+              <a:rPr lang="es-CO" sz="1600" b="1" strike="noStrike" spc="-1">
                 <a:solidFill>
                   <a:srgbClr val="000000"/>
                 </a:solidFill>
@@ -15896,7 +17752,7 @@
               </a:rPr>
               <a:t>LÍNEAS DE MEJORA</a:t>
             </a:r>
-            <a:endParaRPr b="0" lang="es-ES" sz="1600" spc="-1" strike="noStrike">
+            <a:endParaRPr lang="es-ES" sz="1600" b="0" strike="noStrike" spc="-1">
               <a:latin typeface="Arial"/>
             </a:endParaRPr>
           </a:p>
@@ -15906,7 +17762,7 @@
                 <a:spcPct val="100000"/>
               </a:lnSpc>
             </a:pPr>
-            <a:endParaRPr b="0" lang="es-ES" sz="1600" spc="-1" strike="noStrike">
+            <a:endParaRPr lang="es-ES" sz="1600" b="0" strike="noStrike" spc="-1">
               <a:latin typeface="Arial"/>
             </a:endParaRPr>
           </a:p>
@@ -15922,7 +17778,7 @@
               <a:buChar char="•"/>
             </a:pPr>
             <a:r>
-              <a:rPr b="1" lang="es-CO" sz="1600" spc="-1" strike="noStrike">
+              <a:rPr lang="es-CO" sz="1600" b="1" strike="noStrike" spc="-1">
                 <a:solidFill>
                   <a:srgbClr val="000000"/>
                 </a:solidFill>
@@ -15931,7 +17787,7 @@
               </a:rPr>
               <a:t>Entrenar algoritmos usando redes neuronales recurrentes, ya que estas preservan la “memoria” de los datos que procesan, aprovechando de este modo la estructura temporal de los precios del Bitcoin y de las cotizaciones bursátiles de las empresas tecnológicas utilizadas.</a:t>
             </a:r>
-            <a:endParaRPr b="0" lang="es-ES" sz="1600" spc="-1" strike="noStrike">
+            <a:endParaRPr lang="es-ES" sz="1600" b="0" strike="noStrike" spc="-1">
               <a:latin typeface="Arial"/>
             </a:endParaRPr>
           </a:p>
@@ -15941,7 +17797,7 @@
                 <a:spcPct val="100000"/>
               </a:lnSpc>
             </a:pPr>
-            <a:endParaRPr b="0" lang="es-ES" sz="1600" spc="-1" strike="noStrike">
+            <a:endParaRPr lang="es-ES" sz="1600" b="0" strike="noStrike" spc="-1">
               <a:latin typeface="Arial"/>
             </a:endParaRPr>
           </a:p>
@@ -15957,7 +17813,7 @@
               <a:buChar char="•"/>
             </a:pPr>
             <a:r>
-              <a:rPr b="1" lang="es-CO" sz="1600" spc="-1" strike="noStrike">
+              <a:rPr lang="es-CO" sz="1600" b="1" strike="noStrike" spc="-1">
                 <a:solidFill>
                   <a:srgbClr val="000000"/>
                 </a:solidFill>
@@ -15966,7 +17822,7 @@
               </a:rPr>
               <a:t>Entrenar el modelo para ser utilizado en tiempo real y desarrollar una aplicación para predecir el precio del Bitcoin a un plazo más corto que diario</a:t>
             </a:r>
-            <a:endParaRPr b="0" lang="es-ES" sz="1600" spc="-1" strike="noStrike">
+            <a:endParaRPr lang="es-ES" sz="1600" b="0" strike="noStrike" spc="-1">
               <a:latin typeface="Arial"/>
             </a:endParaRPr>
           </a:p>
@@ -15976,7 +17832,7 @@
                 <a:spcPct val="100000"/>
               </a:lnSpc>
             </a:pPr>
-            <a:endParaRPr b="0" lang="es-ES" sz="1600" spc="-1" strike="noStrike">
+            <a:endParaRPr lang="es-ES" sz="1600" b="0" strike="noStrike" spc="-1">
               <a:latin typeface="Arial"/>
             </a:endParaRPr>
           </a:p>
@@ -15984,19 +17840,14 @@
       </p:sp>
     </p:spTree>
   </p:cSld>
-  <mc:AlternateContent>
-    <mc:Choice Requires="p14">
-      <p:transition spd="slow" p14:dur="2000"/>
-    </mc:Choice>
-    <mc:Fallback>
-      <p:transition spd="slow"/>
-    </mc:Fallback>
-  </mc:AlternateContent>
+  <p:clrMapOvr>
+    <a:masterClrMapping/>
+  </p:clrMapOvr>
 </p:sld>
 </file>
 
-<file path=ppt/slides/slide13.xml><?xml version="1.0" encoding="utf-8"?>
-<p:sld xmlns:a="http://schemas.openxmlformats.org/drawingml/2006/main" xmlns:p="http://schemas.openxmlformats.org/presentationml/2006/main" xmlns:r="http://schemas.openxmlformats.org/officeDocument/2006/relationships" xmlns:p14="http://schemas.microsoft.com/office/powerpoint/2010/main" xmlns:p15="http://schemas.microsoft.com/office/powerpoint/2012/main" xmlns:mc="http://schemas.openxmlformats.org/markup-compatibility/2006">
+<file path=ppt/slides/slide15.xml><?xml version="1.0" encoding="utf-8"?>
+<p:sld xmlns:a="http://schemas.openxmlformats.org/drawingml/2006/main" xmlns:r="http://schemas.openxmlformats.org/officeDocument/2006/relationships" xmlns:p="http://schemas.openxmlformats.org/presentationml/2006/main">
   <p:cSld>
     <p:spTree>
       <p:nvGrpSpPr>
@@ -16032,15 +17883,22 @@
           </a:ln>
         </p:spPr>
         <p:style>
-          <a:lnRef idx="0"/>
-          <a:fillRef idx="0"/>
-          <a:effectRef idx="0"/>
+          <a:lnRef idx="0">
+            <a:scrgbClr r="0" g="0" b="0"/>
+          </a:lnRef>
+          <a:fillRef idx="0">
+            <a:scrgbClr r="0" g="0" b="0"/>
+          </a:fillRef>
+          <a:effectRef idx="0">
+            <a:scrgbClr r="0" g="0" b="0"/>
+          </a:effectRef>
           <a:fontRef idx="minor"/>
         </p:style>
         <p:txBody>
-          <a:bodyPr lIns="90000" rIns="90000" tIns="45000" bIns="45000" anchor="b">
+          <a:bodyPr lIns="90000" tIns="45000" rIns="90000" bIns="45000" anchor="b">
             <a:noAutofit/>
           </a:bodyPr>
+          <a:lstStyle/>
           <a:p>
             <a:pPr algn="r">
               <a:lnSpc>
@@ -16048,7 +17906,7 @@
               </a:lnSpc>
             </a:pPr>
             <a:r>
-              <a:rPr b="0" lang="es-ES" sz="6000" spc="-1" strike="noStrike">
+              <a:rPr lang="es-ES" sz="6000" b="0" strike="noStrike" spc="-1">
                 <a:solidFill>
                   <a:srgbClr val="000000"/>
                 </a:solidFill>
@@ -16057,7 +17915,7 @@
               </a:rPr>
               <a:t>MUCHAS GRACIAS POR VUESTRA ATENCION.</a:t>
             </a:r>
-            <a:endParaRPr b="0" lang="es-ES" sz="6000" spc="-1" strike="noStrike">
+            <a:endParaRPr lang="es-ES" sz="6000" b="0" strike="noStrike" spc="-1">
               <a:latin typeface="Arial"/>
             </a:endParaRPr>
           </a:p>
@@ -16065,12 +17923,12 @@
       </p:sp>
       <p:pic>
         <p:nvPicPr>
-          <p:cNvPr id="212" name="Imagen 173" descr=""/>
+          <p:cNvPr id="212" name="Imagen 173"/>
           <p:cNvPicPr/>
           <p:nvPr/>
         </p:nvPicPr>
         <p:blipFill>
-          <a:blip r:embed="rId1"/>
+          <a:blip r:embed="rId2"/>
           <a:stretch/>
         </p:blipFill>
         <p:spPr>
@@ -16088,19 +17946,303 @@
       </p:pic>
     </p:spTree>
   </p:cSld>
-  <mc:AlternateContent>
-    <mc:Choice Requires="p14">
-      <p:transition spd="slow" p14:dur="2000"/>
-    </mc:Choice>
-    <mc:Fallback>
-      <p:transition spd="slow"/>
-    </mc:Fallback>
-  </mc:AlternateContent>
+  <p:clrMapOvr>
+    <a:masterClrMapping/>
+  </p:clrMapOvr>
 </p:sld>
 </file>
 
 <file path=ppt/slides/slide2.xml><?xml version="1.0" encoding="utf-8"?>
-<p:sld xmlns:a="http://schemas.openxmlformats.org/drawingml/2006/main" xmlns:p="http://schemas.openxmlformats.org/presentationml/2006/main" xmlns:r="http://schemas.openxmlformats.org/officeDocument/2006/relationships" xmlns:p14="http://schemas.microsoft.com/office/powerpoint/2010/main" xmlns:p15="http://schemas.microsoft.com/office/powerpoint/2012/main" xmlns:mc="http://schemas.openxmlformats.org/markup-compatibility/2006">
+<p:sld xmlns:a="http://schemas.openxmlformats.org/drawingml/2006/main" xmlns:r="http://schemas.openxmlformats.org/officeDocument/2006/relationships" xmlns:p="http://schemas.openxmlformats.org/presentationml/2006/main">
+  <p:cSld>
+    <p:spTree>
+      <p:nvGrpSpPr>
+        <p:cNvPr id="1" name=""/>
+        <p:cNvGrpSpPr/>
+        <p:nvPr/>
+      </p:nvGrpSpPr>
+      <p:grpSpPr>
+        <a:xfrm>
+          <a:off x="0" y="0"/>
+          <a:ext cx="0" cy="0"/>
+          <a:chOff x="0" y="0"/>
+          <a:chExt cx="0" cy="0"/>
+        </a:xfrm>
+      </p:grpSpPr>
+      <p:sp>
+        <p:nvSpPr>
+          <p:cNvPr id="5" name="CustomShape 1">
+            <a:extLst>
+              <a:ext uri="{FF2B5EF4-FFF2-40B4-BE49-F238E27FC236}">
+                <a16:creationId xmlns:a16="http://schemas.microsoft.com/office/drawing/2014/main" id="{67FE795A-8BEB-4161-8CBE-9BED5A29A9F0}"/>
+              </a:ext>
+            </a:extLst>
+          </p:cNvPr>
+          <p:cNvSpPr/>
+          <p:nvPr/>
+        </p:nvSpPr>
+        <p:spPr>
+          <a:xfrm>
+            <a:off x="1484280" y="685800"/>
+            <a:ext cx="10017720" cy="1751400"/>
+          </a:xfrm>
+          <a:prstGeom prst="rect">
+            <a:avLst/>
+          </a:prstGeom>
+          <a:noFill/>
+          <a:ln w="0">
+            <a:noFill/>
+          </a:ln>
+        </p:spPr>
+        <p:style>
+          <a:lnRef idx="0">
+            <a:scrgbClr r="0" g="0" b="0"/>
+          </a:lnRef>
+          <a:fillRef idx="0">
+            <a:scrgbClr r="0" g="0" b="0"/>
+          </a:fillRef>
+          <a:effectRef idx="0">
+            <a:scrgbClr r="0" g="0" b="0"/>
+          </a:effectRef>
+          <a:fontRef idx="minor"/>
+        </p:style>
+        <p:txBody>
+          <a:bodyPr lIns="90000" tIns="45000" rIns="90000" bIns="45000" anchor="ctr">
+            <a:noAutofit/>
+          </a:bodyPr>
+          <a:lstStyle/>
+          <a:p>
+            <a:pPr algn="ctr">
+              <a:lnSpc>
+                <a:spcPct val="100000"/>
+              </a:lnSpc>
+            </a:pPr>
+            <a:r>
+              <a:rPr lang="es-ES" sz="4000" b="0" strike="noStrike" spc="-1" dirty="0">
+                <a:solidFill>
+                  <a:srgbClr val="000000"/>
+                </a:solidFill>
+                <a:latin typeface="Corbel"/>
+                <a:ea typeface="DejaVu Sans"/>
+              </a:rPr>
+              <a:t>Temario de la presentación</a:t>
+            </a:r>
+            <a:endParaRPr lang="es-ES" sz="4000" b="0" strike="noStrike" spc="-1" dirty="0">
+              <a:latin typeface="Arial"/>
+            </a:endParaRPr>
+          </a:p>
+        </p:txBody>
+      </p:sp>
+      <p:sp>
+        <p:nvSpPr>
+          <p:cNvPr id="6" name="CuadroTexto 5">
+            <a:extLst>
+              <a:ext uri="{FF2B5EF4-FFF2-40B4-BE49-F238E27FC236}">
+                <a16:creationId xmlns:a16="http://schemas.microsoft.com/office/drawing/2014/main" id="{57AB4915-74AD-43E4-B924-80C4999AC767}"/>
+              </a:ext>
+            </a:extLst>
+          </p:cNvPr>
+          <p:cNvSpPr txBox="1"/>
+          <p:nvPr/>
+        </p:nvSpPr>
+        <p:spPr>
+          <a:xfrm>
+            <a:off x="5637178" y="3331723"/>
+            <a:ext cx="914400" cy="914400"/>
+          </a:xfrm>
+          <a:prstGeom prst="rect">
+            <a:avLst/>
+          </a:prstGeom>
+          <a:noFill/>
+        </p:spPr>
+        <p:txBody>
+          <a:bodyPr wrap="square" rtlCol="0">
+            <a:spAutoFit/>
+          </a:bodyPr>
+          <a:lstStyle/>
+          <a:p>
+            <a:endParaRPr lang="es-CO" dirty="0"/>
+          </a:p>
+        </p:txBody>
+      </p:sp>
+      <p:sp>
+        <p:nvSpPr>
+          <p:cNvPr id="7" name="CuadroTexto 6">
+            <a:extLst>
+              <a:ext uri="{FF2B5EF4-FFF2-40B4-BE49-F238E27FC236}">
+                <a16:creationId xmlns:a16="http://schemas.microsoft.com/office/drawing/2014/main" id="{0744606B-C2DD-4345-9238-DF0E70CFA751}"/>
+              </a:ext>
+            </a:extLst>
+          </p:cNvPr>
+          <p:cNvSpPr txBox="1"/>
+          <p:nvPr/>
+        </p:nvSpPr>
+        <p:spPr>
+          <a:xfrm>
+            <a:off x="1877438" y="2133072"/>
+            <a:ext cx="10017720" cy="3785652"/>
+          </a:xfrm>
+          <a:prstGeom prst="rect">
+            <a:avLst/>
+          </a:prstGeom>
+          <a:solidFill>
+            <a:schemeClr val="accent1">
+              <a:lumMod val="40000"/>
+              <a:lumOff val="60000"/>
+            </a:schemeClr>
+          </a:solidFill>
+        </p:spPr>
+        <p:txBody>
+          <a:bodyPr wrap="square" rtlCol="0">
+            <a:spAutoFit/>
+          </a:bodyPr>
+          <a:lstStyle/>
+          <a:p>
+            <a:pPr marL="285750" indent="-285750">
+              <a:buFont typeface="Arial" panose="020B0604020202020204" pitchFamily="34" charset="0"/>
+              <a:buChar char="•"/>
+            </a:pPr>
+            <a:r>
+              <a:rPr lang="es-CO" sz="2400" b="1" dirty="0">
+                <a:solidFill>
+                  <a:schemeClr val="tx1"/>
+                </a:solidFill>
+              </a:rPr>
+              <a:t>Qué motivó el trabajo.</a:t>
+            </a:r>
+          </a:p>
+          <a:p>
+            <a:pPr marL="285750" indent="-285750">
+              <a:buFont typeface="Arial" panose="020B0604020202020204" pitchFamily="34" charset="0"/>
+              <a:buChar char="•"/>
+            </a:pPr>
+            <a:r>
+              <a:rPr lang="es-CO" sz="2400" b="1" dirty="0">
+                <a:solidFill>
+                  <a:schemeClr val="tx1"/>
+                </a:solidFill>
+              </a:rPr>
+              <a:t>Empresas de tecnologías usadas en el modelo.</a:t>
+            </a:r>
+          </a:p>
+          <a:p>
+            <a:pPr marL="285750" indent="-285750">
+              <a:buFont typeface="Arial" panose="020B0604020202020204" pitchFamily="34" charset="0"/>
+              <a:buChar char="•"/>
+            </a:pPr>
+            <a:r>
+              <a:rPr lang="es-CO" sz="2400" b="1" dirty="0">
+                <a:solidFill>
+                  <a:schemeClr val="tx1"/>
+                </a:solidFill>
+              </a:rPr>
+              <a:t>Tecnologías utilizadas.</a:t>
+            </a:r>
+          </a:p>
+          <a:p>
+            <a:pPr marL="285750" indent="-285750">
+              <a:buFont typeface="Arial" panose="020B0604020202020204" pitchFamily="34" charset="0"/>
+              <a:buChar char="•"/>
+            </a:pPr>
+            <a:r>
+              <a:rPr lang="es-CO" sz="2400" b="1" dirty="0">
+                <a:solidFill>
+                  <a:schemeClr val="tx1"/>
+                </a:solidFill>
+              </a:rPr>
+              <a:t>Origen de la información.</a:t>
+            </a:r>
+          </a:p>
+          <a:p>
+            <a:pPr marL="285750" indent="-285750">
+              <a:buFont typeface="Arial" panose="020B0604020202020204" pitchFamily="34" charset="0"/>
+              <a:buChar char="•"/>
+            </a:pPr>
+            <a:r>
+              <a:rPr lang="es-CO" sz="2400" b="1" dirty="0">
+                <a:solidFill>
+                  <a:schemeClr val="tx1"/>
+                </a:solidFill>
+              </a:rPr>
+              <a:t>Flujo de datos</a:t>
+            </a:r>
+          </a:p>
+          <a:p>
+            <a:pPr marL="285750" indent="-285750">
+              <a:buFont typeface="Arial" panose="020B0604020202020204" pitchFamily="34" charset="0"/>
+              <a:buChar char="•"/>
+            </a:pPr>
+            <a:r>
+              <a:rPr lang="es-CO" sz="2400" b="1" dirty="0">
+                <a:solidFill>
+                  <a:schemeClr val="tx1"/>
+                </a:solidFill>
+              </a:rPr>
+              <a:t>Preprocesamiento</a:t>
+            </a:r>
+          </a:p>
+          <a:p>
+            <a:pPr marL="285750" indent="-285750">
+              <a:buFont typeface="Arial" panose="020B0604020202020204" pitchFamily="34" charset="0"/>
+              <a:buChar char="•"/>
+            </a:pPr>
+            <a:r>
+              <a:rPr lang="es-CO" sz="2400" b="1" dirty="0">
+                <a:solidFill>
+                  <a:schemeClr val="tx1"/>
+                </a:solidFill>
+              </a:rPr>
+              <a:t>Algoritmos entrenados</a:t>
+            </a:r>
+          </a:p>
+          <a:p>
+            <a:pPr marL="285750" indent="-285750">
+              <a:buFont typeface="Arial" panose="020B0604020202020204" pitchFamily="34" charset="0"/>
+              <a:buChar char="•"/>
+            </a:pPr>
+            <a:r>
+              <a:rPr lang="es-CO" sz="2400" b="1" dirty="0">
+                <a:solidFill>
+                  <a:schemeClr val="tx1"/>
+                </a:solidFill>
+              </a:rPr>
+              <a:t>Resultados</a:t>
+            </a:r>
+          </a:p>
+          <a:p>
+            <a:pPr marL="285750" indent="-285750">
+              <a:buFont typeface="Arial" panose="020B0604020202020204" pitchFamily="34" charset="0"/>
+              <a:buChar char="•"/>
+            </a:pPr>
+            <a:r>
+              <a:rPr lang="es-CO" sz="2400" b="1" dirty="0">
+                <a:solidFill>
+                  <a:schemeClr val="tx1"/>
+                </a:solidFill>
+              </a:rPr>
+              <a:t>Conclusiones y líneas de mejora</a:t>
+            </a:r>
+          </a:p>
+          <a:p>
+            <a:endParaRPr lang="es-CO" sz="2400" dirty="0"/>
+          </a:p>
+        </p:txBody>
+      </p:sp>
+    </p:spTree>
+    <p:extLst>
+      <p:ext uri="{BB962C8B-B14F-4D97-AF65-F5344CB8AC3E}">
+        <p14:creationId xmlns:p14="http://schemas.microsoft.com/office/powerpoint/2010/main" val="873383989"/>
+      </p:ext>
+    </p:extLst>
+  </p:cSld>
+  <p:clrMapOvr>
+    <a:masterClrMapping/>
+  </p:clrMapOvr>
+</p:sld>
+</file>
+
+<file path=ppt/slides/slide3.xml><?xml version="1.0" encoding="utf-8"?>
+<p:sld xmlns:a="http://schemas.openxmlformats.org/drawingml/2006/main" xmlns:r="http://schemas.openxmlformats.org/officeDocument/2006/relationships" xmlns:p="http://schemas.openxmlformats.org/presentationml/2006/main">
   <p:cSld>
     <p:spTree>
       <p:nvGrpSpPr>
@@ -16136,15 +18278,22 @@
           </a:ln>
         </p:spPr>
         <p:style>
-          <a:lnRef idx="0"/>
-          <a:fillRef idx="0"/>
-          <a:effectRef idx="0"/>
+          <a:lnRef idx="0">
+            <a:scrgbClr r="0" g="0" b="0"/>
+          </a:lnRef>
+          <a:fillRef idx="0">
+            <a:scrgbClr r="0" g="0" b="0"/>
+          </a:fillRef>
+          <a:effectRef idx="0">
+            <a:scrgbClr r="0" g="0" b="0"/>
+          </a:effectRef>
           <a:fontRef idx="minor"/>
         </p:style>
         <p:txBody>
-          <a:bodyPr lIns="90000" rIns="90000" tIns="45000" bIns="45000" anchor="ctr">
+          <a:bodyPr lIns="90000" tIns="45000" rIns="90000" bIns="45000" anchor="ctr">
             <a:noAutofit/>
           </a:bodyPr>
+          <a:lstStyle/>
           <a:p>
             <a:pPr algn="ctr">
               <a:lnSpc>
@@ -16152,26 +18301,16 @@
               </a:lnSpc>
             </a:pPr>
             <a:r>
-              <a:rPr b="1" lang="es-ES" sz="1800" spc="-1" strike="noStrike">
+              <a:rPr lang="es-ES" sz="1800" b="1" strike="noStrike" spc="-1">
                 <a:solidFill>
                   <a:srgbClr val="000000"/>
                 </a:solidFill>
                 <a:latin typeface="Segoe Print"/>
                 <a:ea typeface="DejaVu Sans"/>
               </a:rPr>
-              <a:t>  </a:t>
+              <a:t>  ¿ES POSIBLE PREDECIR EL VALOR DE BITCOIN?</a:t>
             </a:r>
-            <a:r>
-              <a:rPr b="1" lang="es-ES" sz="1800" spc="-1" strike="noStrike">
-                <a:solidFill>
-                  <a:srgbClr val="000000"/>
-                </a:solidFill>
-                <a:latin typeface="Segoe Print"/>
-                <a:ea typeface="DejaVu Sans"/>
-              </a:rPr>
-              <a:t>¿ES POSIBLE PREDECIR EL VALOR DE BITCOIN?</a:t>
-            </a:r>
-            <a:endParaRPr b="0" lang="es-ES" sz="1800" spc="-1" strike="noStrike">
+            <a:endParaRPr lang="es-ES" sz="1800" b="0" strike="noStrike" spc="-1">
               <a:latin typeface="Arial"/>
             </a:endParaRPr>
           </a:p>
@@ -16197,15 +18336,22 @@
           </a:ln>
         </p:spPr>
         <p:style>
-          <a:lnRef idx="0"/>
-          <a:fillRef idx="0"/>
-          <a:effectRef idx="0"/>
+          <a:lnRef idx="0">
+            <a:scrgbClr r="0" g="0" b="0"/>
+          </a:lnRef>
+          <a:fillRef idx="0">
+            <a:scrgbClr r="0" g="0" b="0"/>
+          </a:fillRef>
+          <a:effectRef idx="0">
+            <a:scrgbClr r="0" g="0" b="0"/>
+          </a:effectRef>
           <a:fontRef idx="minor"/>
         </p:style>
         <p:txBody>
-          <a:bodyPr lIns="90000" rIns="90000" tIns="45000" bIns="45000" anchor="ctr">
+          <a:bodyPr lIns="90000" tIns="45000" rIns="90000" bIns="45000" anchor="ctr">
             <a:noAutofit/>
           </a:bodyPr>
+          <a:lstStyle/>
           <a:p>
             <a:pPr algn="r">
               <a:lnSpc>
@@ -16218,11 +18364,11 @@
                 <a:spcPts val="601"/>
               </a:spcAft>
               <a:tabLst>
-                <a:tab algn="l" pos="0"/>
+                <a:tab pos="0" algn="l"/>
               </a:tabLst>
             </a:pPr>
             <a:r>
-              <a:rPr b="0" lang="es-ES" sz="2100" spc="-1" strike="noStrike">
+              <a:rPr lang="es-ES" sz="2100" b="0" strike="noStrike" spc="-1">
                 <a:solidFill>
                   <a:srgbClr val="000000"/>
                 </a:solidFill>
@@ -16231,7 +18377,7 @@
               </a:rPr>
               <a:t> </a:t>
             </a:r>
-            <a:endParaRPr b="0" lang="es-ES" sz="2100" spc="-1" strike="noStrike">
+            <a:endParaRPr lang="es-ES" sz="2100" b="0" strike="noStrike" spc="-1">
               <a:latin typeface="Arial"/>
             </a:endParaRPr>
           </a:p>
@@ -16239,12 +18385,12 @@
       </p:sp>
       <p:pic>
         <p:nvPicPr>
-          <p:cNvPr id="149" name="Imagen 149" descr=""/>
+          <p:cNvPr id="149" name="Imagen 149"/>
           <p:cNvPicPr/>
           <p:nvPr/>
         </p:nvPicPr>
         <p:blipFill>
-          <a:blip r:embed="rId1"/>
+          <a:blip r:embed="rId2"/>
           <a:stretch/>
         </p:blipFill>
         <p:spPr>
@@ -16262,19 +18408,14 @@
       </p:pic>
     </p:spTree>
   </p:cSld>
-  <mc:AlternateContent>
-    <mc:Choice Requires="p14">
-      <p:transition spd="slow" p14:dur="2000"/>
-    </mc:Choice>
-    <mc:Fallback>
-      <p:transition spd="slow"/>
-    </mc:Fallback>
-  </mc:AlternateContent>
+  <p:clrMapOvr>
+    <a:masterClrMapping/>
+  </p:clrMapOvr>
 </p:sld>
 </file>
 
-<file path=ppt/slides/slide3.xml><?xml version="1.0" encoding="utf-8"?>
-<p:sld xmlns:a="http://schemas.openxmlformats.org/drawingml/2006/main" xmlns:p="http://schemas.openxmlformats.org/presentationml/2006/main" xmlns:r="http://schemas.openxmlformats.org/officeDocument/2006/relationships" xmlns:p14="http://schemas.microsoft.com/office/powerpoint/2010/main" xmlns:p15="http://schemas.microsoft.com/office/powerpoint/2012/main" xmlns:mc="http://schemas.openxmlformats.org/markup-compatibility/2006">
+<file path=ppt/slides/slide4.xml><?xml version="1.0" encoding="utf-8"?>
+<p:sld xmlns:a="http://schemas.openxmlformats.org/drawingml/2006/main" xmlns:r="http://schemas.openxmlformats.org/officeDocument/2006/relationships" xmlns:p="http://schemas.openxmlformats.org/presentationml/2006/main">
   <p:cSld>
     <p:spTree>
       <p:nvGrpSpPr>
@@ -16310,15 +18451,22 @@
           </a:ln>
         </p:spPr>
         <p:style>
-          <a:lnRef idx="0"/>
-          <a:fillRef idx="0"/>
-          <a:effectRef idx="0"/>
+          <a:lnRef idx="0">
+            <a:scrgbClr r="0" g="0" b="0"/>
+          </a:lnRef>
+          <a:fillRef idx="0">
+            <a:scrgbClr r="0" g="0" b="0"/>
+          </a:fillRef>
+          <a:effectRef idx="0">
+            <a:scrgbClr r="0" g="0" b="0"/>
+          </a:effectRef>
           <a:fontRef idx="minor"/>
         </p:style>
         <p:txBody>
-          <a:bodyPr lIns="90000" rIns="90000" tIns="45000" bIns="45000" anchor="ctr">
+          <a:bodyPr lIns="90000" tIns="45000" rIns="90000" bIns="45000" anchor="ctr">
             <a:noAutofit/>
           </a:bodyPr>
+          <a:lstStyle/>
           <a:p>
             <a:pPr algn="ctr">
               <a:lnSpc>
@@ -16326,7 +18474,7 @@
               </a:lnSpc>
             </a:pPr>
             <a:r>
-              <a:rPr b="0" lang="es-ES" sz="4000" spc="-1" strike="noStrike">
+              <a:rPr lang="es-ES" sz="4000" b="0" strike="noStrike" spc="-1" dirty="0">
                 <a:solidFill>
                   <a:srgbClr val="000000"/>
                 </a:solidFill>
@@ -16335,7 +18483,7 @@
               </a:rPr>
               <a:t>¿Por que hicimos esto?</a:t>
             </a:r>
-            <a:endParaRPr b="0" lang="es-ES" sz="4000" spc="-1" strike="noStrike">
+            <a:endParaRPr lang="es-ES" sz="4000" b="0" strike="noStrike" spc="-1" dirty="0">
               <a:latin typeface="Arial"/>
             </a:endParaRPr>
           </a:p>
@@ -16361,15 +18509,22 @@
           </a:ln>
         </p:spPr>
         <p:style>
-          <a:lnRef idx="0"/>
-          <a:fillRef idx="0"/>
-          <a:effectRef idx="0"/>
+          <a:lnRef idx="0">
+            <a:scrgbClr r="0" g="0" b="0"/>
+          </a:lnRef>
+          <a:fillRef idx="0">
+            <a:scrgbClr r="0" g="0" b="0"/>
+          </a:fillRef>
+          <a:effectRef idx="0">
+            <a:scrgbClr r="0" g="0" b="0"/>
+          </a:effectRef>
           <a:fontRef idx="minor"/>
         </p:style>
         <p:txBody>
-          <a:bodyPr lIns="90000" rIns="90000" tIns="45000" bIns="45000" anchor="ctr">
+          <a:bodyPr lIns="90000" tIns="45000" rIns="90000" bIns="45000" anchor="ctr">
             <a:noAutofit/>
           </a:bodyPr>
+          <a:lstStyle/>
           <a:p>
             <a:pPr marL="285840" indent="-284760">
               <a:lnSpc>
@@ -16382,14 +18537,14 @@
                 <a:spcPts val="601"/>
               </a:spcAft>
               <a:buClr>
-                <a:srgbClr val="1287c3"/>
+                <a:srgbClr val="1287C3"/>
               </a:buClr>
               <a:buSzPct val="145000"/>
               <a:buFont typeface="Arial"/>
               <a:buChar char="•"/>
             </a:pPr>
             <a:r>
-              <a:rPr b="0" lang="es-ES" sz="2400" spc="-1" strike="noStrike">
+              <a:rPr lang="es-ES" sz="2400" b="0" strike="noStrike" spc="-1">
                 <a:solidFill>
                   <a:srgbClr val="000000"/>
                 </a:solidFill>
@@ -16398,7 +18553,7 @@
               </a:rPr>
               <a:t>Nos decantamos por este trabajo por que queríamos ver si existe una correlación entre el precio del Bitcoin con algunas de las mayores empresas tecnológicas del momento.</a:t>
             </a:r>
-            <a:endParaRPr b="0" lang="es-ES" sz="2400" spc="-1" strike="noStrike">
+            <a:endParaRPr lang="es-ES" sz="2400" b="0" strike="noStrike" spc="-1">
               <a:latin typeface="Arial"/>
             </a:endParaRPr>
           </a:p>
@@ -16406,12 +18561,12 @@
       </p:sp>
       <p:pic>
         <p:nvPicPr>
-          <p:cNvPr id="152" name="Imagen 153" descr=""/>
+          <p:cNvPr id="152" name="Imagen 153"/>
           <p:cNvPicPr/>
           <p:nvPr/>
         </p:nvPicPr>
         <p:blipFill>
-          <a:blip r:embed="rId1"/>
+          <a:blip r:embed="rId2"/>
           <a:stretch/>
         </p:blipFill>
         <p:spPr>
@@ -16429,19 +18584,14 @@
       </p:pic>
     </p:spTree>
   </p:cSld>
-  <mc:AlternateContent>
-    <mc:Choice Requires="p14">
-      <p:transition spd="slow" p14:dur="2000"/>
-    </mc:Choice>
-    <mc:Fallback>
-      <p:transition spd="slow"/>
-    </mc:Fallback>
-  </mc:AlternateContent>
+  <p:clrMapOvr>
+    <a:masterClrMapping/>
+  </p:clrMapOvr>
 </p:sld>
 </file>
 
-<file path=ppt/slides/slide4.xml><?xml version="1.0" encoding="utf-8"?>
-<p:sld xmlns:a="http://schemas.openxmlformats.org/drawingml/2006/main" xmlns:p="http://schemas.openxmlformats.org/presentationml/2006/main" xmlns:r="http://schemas.openxmlformats.org/officeDocument/2006/relationships" xmlns:p14="http://schemas.microsoft.com/office/powerpoint/2010/main" xmlns:p15="http://schemas.microsoft.com/office/powerpoint/2012/main" xmlns:mc="http://schemas.openxmlformats.org/markup-compatibility/2006">
+<file path=ppt/slides/slide5.xml><?xml version="1.0" encoding="utf-8"?>
+<p:sld xmlns:a="http://schemas.openxmlformats.org/drawingml/2006/main" xmlns:r="http://schemas.openxmlformats.org/officeDocument/2006/relationships" xmlns:p="http://schemas.openxmlformats.org/presentationml/2006/main">
   <p:cSld>
     <p:spTree>
       <p:nvGrpSpPr>
@@ -16477,20 +18627,26 @@
           </a:ln>
         </p:spPr>
         <p:style>
-          <a:lnRef idx="0"/>
-          <a:fillRef idx="0"/>
-          <a:effectRef idx="0"/>
+          <a:lnRef idx="0">
+            <a:scrgbClr r="0" g="0" b="0"/>
+          </a:lnRef>
+          <a:fillRef idx="0">
+            <a:scrgbClr r="0" g="0" b="0"/>
+          </a:fillRef>
+          <a:effectRef idx="0">
+            <a:scrgbClr r="0" g="0" b="0"/>
+          </a:effectRef>
           <a:fontRef idx="minor"/>
         </p:style>
       </p:sp>
       <p:pic>
         <p:nvPicPr>
-          <p:cNvPr id="154" name="Imagen 156" descr=""/>
+          <p:cNvPr id="154" name="Imagen 156"/>
           <p:cNvPicPr/>
           <p:nvPr/>
         </p:nvPicPr>
         <p:blipFill>
-          <a:blip r:embed="rId1"/>
+          <a:blip r:embed="rId2"/>
           <a:stretch/>
         </p:blipFill>
         <p:spPr>
@@ -16508,12 +18664,12 @@
       </p:pic>
       <p:pic>
         <p:nvPicPr>
-          <p:cNvPr id="155" name="Imagen 157" descr=""/>
+          <p:cNvPr id="155" name="Imagen 157"/>
           <p:cNvPicPr/>
           <p:nvPr/>
         </p:nvPicPr>
         <p:blipFill>
-          <a:blip r:embed="rId2"/>
+          <a:blip r:embed="rId3"/>
           <a:stretch/>
         </p:blipFill>
         <p:spPr>
@@ -16531,12 +18687,12 @@
       </p:pic>
       <p:pic>
         <p:nvPicPr>
-          <p:cNvPr id="156" name="Imagen 159" descr=""/>
+          <p:cNvPr id="156" name="Imagen 159"/>
           <p:cNvPicPr/>
           <p:nvPr/>
         </p:nvPicPr>
         <p:blipFill>
-          <a:blip r:embed="rId3"/>
+          <a:blip r:embed="rId4"/>
           <a:stretch/>
         </p:blipFill>
         <p:spPr>
@@ -16559,7 +18715,7 @@
           <p:nvPr/>
         </p:nvPicPr>
         <p:blipFill>
-          <a:blip r:embed="rId4"/>
+          <a:blip r:embed="rId5"/>
           <a:stretch/>
         </p:blipFill>
         <p:spPr>
@@ -16577,19 +18733,14 @@
       </p:pic>
     </p:spTree>
   </p:cSld>
-  <mc:AlternateContent>
-    <mc:Choice Requires="p14">
-      <p:transition spd="slow" p14:dur="2000"/>
-    </mc:Choice>
-    <mc:Fallback>
-      <p:transition spd="slow"/>
-    </mc:Fallback>
-  </mc:AlternateContent>
+  <p:clrMapOvr>
+    <a:masterClrMapping/>
+  </p:clrMapOvr>
 </p:sld>
 </file>
 
-<file path=ppt/slides/slide5.xml><?xml version="1.0" encoding="utf-8"?>
-<p:sld xmlns:a="http://schemas.openxmlformats.org/drawingml/2006/main" xmlns:p="http://schemas.openxmlformats.org/presentationml/2006/main" xmlns:r="http://schemas.openxmlformats.org/officeDocument/2006/relationships" xmlns:p14="http://schemas.microsoft.com/office/powerpoint/2010/main" xmlns:p15="http://schemas.microsoft.com/office/powerpoint/2012/main" xmlns:mc="http://schemas.openxmlformats.org/markup-compatibility/2006">
+<file path=ppt/slides/slide6.xml><?xml version="1.0" encoding="utf-8"?>
+<p:sld xmlns:a="http://schemas.openxmlformats.org/drawingml/2006/main" xmlns:r="http://schemas.openxmlformats.org/officeDocument/2006/relationships" xmlns:p="http://schemas.openxmlformats.org/presentationml/2006/main">
   <p:cSld>
     <p:spTree>
       <p:nvGrpSpPr>
@@ -16625,15 +18776,22 @@
           </a:ln>
         </p:spPr>
         <p:style>
-          <a:lnRef idx="0"/>
-          <a:fillRef idx="0"/>
-          <a:effectRef idx="0"/>
+          <a:lnRef idx="0">
+            <a:scrgbClr r="0" g="0" b="0"/>
+          </a:lnRef>
+          <a:fillRef idx="0">
+            <a:scrgbClr r="0" g="0" b="0"/>
+          </a:fillRef>
+          <a:effectRef idx="0">
+            <a:scrgbClr r="0" g="0" b="0"/>
+          </a:effectRef>
           <a:fontRef idx="minor"/>
         </p:style>
         <p:txBody>
-          <a:bodyPr lIns="90000" rIns="90000" tIns="45000" bIns="45000" anchor="ctr">
+          <a:bodyPr lIns="90000" tIns="45000" rIns="90000" bIns="45000" anchor="ctr">
             <a:noAutofit/>
           </a:bodyPr>
+          <a:lstStyle/>
           <a:p>
             <a:pPr algn="ctr">
               <a:lnSpc>
@@ -16641,7 +18799,7 @@
               </a:lnSpc>
             </a:pPr>
             <a:r>
-              <a:rPr b="0" lang="es-ES" sz="4000" spc="-1" strike="noStrike">
+              <a:rPr lang="es-ES" sz="4000" b="0" strike="noStrike" spc="-1">
                 <a:solidFill>
                   <a:srgbClr val="000000"/>
                 </a:solidFill>
@@ -16650,7 +18808,7 @@
               </a:rPr>
               <a:t>QUE TECNOLOGÍAS HEMOS UTILIZADO</a:t>
             </a:r>
-            <a:endParaRPr b="0" lang="es-ES" sz="4000" spc="-1" strike="noStrike">
+            <a:endParaRPr lang="es-ES" sz="4000" b="0" strike="noStrike" spc="-1">
               <a:latin typeface="Arial"/>
             </a:endParaRPr>
           </a:p>
@@ -16676,15 +18834,22 @@
           </a:ln>
         </p:spPr>
         <p:style>
-          <a:lnRef idx="0"/>
-          <a:fillRef idx="0"/>
-          <a:effectRef idx="0"/>
+          <a:lnRef idx="0">
+            <a:scrgbClr r="0" g="0" b="0"/>
+          </a:lnRef>
+          <a:fillRef idx="0">
+            <a:scrgbClr r="0" g="0" b="0"/>
+          </a:fillRef>
+          <a:effectRef idx="0">
+            <a:scrgbClr r="0" g="0" b="0"/>
+          </a:effectRef>
           <a:fontRef idx="minor"/>
         </p:style>
         <p:txBody>
-          <a:bodyPr lIns="90000" rIns="90000" tIns="45000" bIns="45000" anchor="ctr">
+          <a:bodyPr lIns="90000" tIns="45000" rIns="90000" bIns="45000" anchor="ctr">
             <a:noAutofit/>
           </a:bodyPr>
+          <a:lstStyle/>
           <a:p>
             <a:pPr marL="285840" indent="-284760">
               <a:lnSpc>
@@ -16697,14 +18862,14 @@
                 <a:spcPts val="601"/>
               </a:spcAft>
               <a:buClr>
-                <a:srgbClr val="1287c3"/>
+                <a:srgbClr val="1287C3"/>
               </a:buClr>
               <a:buSzPct val="145000"/>
               <a:buFont typeface="Arial"/>
               <a:buChar char="•"/>
             </a:pPr>
             <a:r>
-              <a:rPr b="0" i="1" lang="es-ES" sz="2400" spc="-1" strike="noStrike">
+              <a:rPr lang="es-ES" sz="2400" b="0" i="1" strike="noStrike" spc="-1">
                 <a:solidFill>
                   <a:srgbClr val="000000"/>
                 </a:solidFill>
@@ -16713,7 +18878,7 @@
               </a:rPr>
               <a:t>Base de datos</a:t>
             </a:r>
-            <a:endParaRPr b="0" lang="es-ES" sz="2400" spc="-1" strike="noStrike">
+            <a:endParaRPr lang="es-ES" sz="2400" b="0" strike="noStrike" spc="-1">
               <a:latin typeface="Arial"/>
             </a:endParaRPr>
           </a:p>
@@ -16729,14 +18894,14 @@
                 <a:spcPts val="601"/>
               </a:spcAft>
               <a:buClr>
-                <a:srgbClr val="1287c3"/>
+                <a:srgbClr val="1287C3"/>
               </a:buClr>
               <a:buSzPct val="145000"/>
               <a:buFont typeface="Arial"/>
               <a:buChar char="•"/>
             </a:pPr>
             <a:r>
-              <a:rPr b="0" i="1" lang="es-ES" sz="2400" spc="-1" strike="noStrike">
+              <a:rPr lang="es-ES" sz="2400" b="0" i="1" strike="noStrike" spc="-1">
                 <a:solidFill>
                   <a:srgbClr val="000000"/>
                 </a:solidFill>
@@ -16745,7 +18910,7 @@
               </a:rPr>
               <a:t>Lenguaje de programación</a:t>
             </a:r>
-            <a:endParaRPr b="0" lang="es-ES" sz="2400" spc="-1" strike="noStrike">
+            <a:endParaRPr lang="es-ES" sz="2400" b="0" strike="noStrike" spc="-1">
               <a:latin typeface="Arial"/>
             </a:endParaRPr>
           </a:p>
@@ -16761,14 +18926,14 @@
                 <a:spcPts val="601"/>
               </a:spcAft>
               <a:buClr>
-                <a:srgbClr val="1287c3"/>
+                <a:srgbClr val="1287C3"/>
               </a:buClr>
               <a:buSzPct val="145000"/>
               <a:buFont typeface="Arial"/>
               <a:buChar char="•"/>
             </a:pPr>
             <a:r>
-              <a:rPr b="0" i="1" lang="es-ES" sz="2400" spc="-1" strike="noStrike">
+              <a:rPr lang="es-ES" sz="2400" b="0" i="1" strike="noStrike" spc="-1">
                 <a:solidFill>
                   <a:srgbClr val="000000"/>
                 </a:solidFill>
@@ -16777,7 +18942,7 @@
               </a:rPr>
               <a:t>Bibliotecas</a:t>
             </a:r>
-            <a:endParaRPr b="0" lang="es-ES" sz="2400" spc="-1" strike="noStrike">
+            <a:endParaRPr lang="es-ES" sz="2400" b="0" strike="noStrike" spc="-1">
               <a:latin typeface="Arial"/>
             </a:endParaRPr>
           </a:p>
@@ -16793,7 +18958,7 @@
                 <a:spcPts val="601"/>
               </a:spcAft>
             </a:pPr>
-            <a:endParaRPr b="0" lang="es-ES" sz="2400" spc="-1" strike="noStrike">
+            <a:endParaRPr lang="es-ES" sz="2400" b="0" strike="noStrike" spc="-1">
               <a:latin typeface="Arial"/>
             </a:endParaRPr>
           </a:p>
@@ -16809,7 +18974,7 @@
                 <a:spcPts val="601"/>
               </a:spcAft>
             </a:pPr>
-            <a:endParaRPr b="0" lang="es-ES" sz="2400" spc="-1" strike="noStrike">
+            <a:endParaRPr lang="es-ES" sz="2400" b="0" strike="noStrike" spc="-1">
               <a:latin typeface="Arial"/>
             </a:endParaRPr>
           </a:p>
@@ -16825,7 +18990,7 @@
                 <a:spcPts val="601"/>
               </a:spcAft>
             </a:pPr>
-            <a:endParaRPr b="0" lang="es-ES" sz="2400" spc="-1" strike="noStrike">
+            <a:endParaRPr lang="es-ES" sz="2400" b="0" strike="noStrike" spc="-1">
               <a:latin typeface="Arial"/>
             </a:endParaRPr>
           </a:p>
@@ -16841,7 +19006,7 @@
                 <a:spcPts val="601"/>
               </a:spcAft>
             </a:pPr>
-            <a:endParaRPr b="0" lang="es-ES" sz="2400" spc="-1" strike="noStrike">
+            <a:endParaRPr lang="es-ES" sz="2400" b="0" strike="noStrike" spc="-1">
               <a:latin typeface="Arial"/>
             </a:endParaRPr>
           </a:p>
@@ -16857,7 +19022,7 @@
                 <a:spcPts val="601"/>
               </a:spcAft>
             </a:pPr>
-            <a:endParaRPr b="0" lang="es-ES" sz="2400" spc="-1" strike="noStrike">
+            <a:endParaRPr lang="es-ES" sz="2400" b="0" strike="noStrike" spc="-1">
               <a:latin typeface="Arial"/>
             </a:endParaRPr>
           </a:p>
@@ -16873,14 +19038,14 @@
                 <a:spcPts val="601"/>
               </a:spcAft>
               <a:buClr>
-                <a:srgbClr val="1287c3"/>
+                <a:srgbClr val="1287C3"/>
               </a:buClr>
               <a:buSzPct val="145000"/>
               <a:buFont typeface="Arial"/>
               <a:buChar char="•"/>
             </a:pPr>
             <a:r>
-              <a:rPr b="0" i="1" lang="es-ES" sz="2400" spc="-1" strike="noStrike">
+              <a:rPr lang="es-ES" sz="2400" b="0" i="1" strike="noStrike" spc="-1">
                 <a:solidFill>
                   <a:srgbClr val="000000"/>
                 </a:solidFill>
@@ -16889,7 +19054,7 @@
               </a:rPr>
               <a:t>Contenedores</a:t>
             </a:r>
-            <a:endParaRPr b="0" lang="es-ES" sz="2400" spc="-1" strike="noStrike">
+            <a:endParaRPr lang="es-ES" sz="2400" b="0" strike="noStrike" spc="-1">
               <a:latin typeface="Arial"/>
             </a:endParaRPr>
           </a:p>
@@ -16897,12 +19062,12 @@
       </p:sp>
       <p:pic>
         <p:nvPicPr>
-          <p:cNvPr id="160" name="Imagen 9" descr=""/>
+          <p:cNvPr id="160" name="Imagen 9"/>
           <p:cNvPicPr/>
           <p:nvPr/>
         </p:nvPicPr>
         <p:blipFill>
-          <a:blip r:embed="rId1"/>
+          <a:blip r:embed="rId2"/>
           <a:stretch/>
         </p:blipFill>
         <p:spPr>
@@ -16938,9 +19103,15 @@
           </a:ln>
         </p:spPr>
         <p:style>
-          <a:lnRef idx="0"/>
-          <a:fillRef idx="0"/>
-          <a:effectRef idx="0"/>
+          <a:lnRef idx="0">
+            <a:scrgbClr r="0" g="0" b="0"/>
+          </a:lnRef>
+          <a:fillRef idx="0">
+            <a:scrgbClr r="0" g="0" b="0"/>
+          </a:fillRef>
+          <a:effectRef idx="0">
+            <a:scrgbClr r="0" g="0" b="0"/>
+          </a:effectRef>
           <a:fontRef idx="minor"/>
         </p:style>
       </p:sp>
@@ -16951,8 +19122,8 @@
           <p:nvPr/>
         </p:nvPicPr>
         <p:blipFill>
-          <a:blip r:embed="rId2"/>
-          <a:srcRect l="0" t="20490" r="37685" b="24870"/>
+          <a:blip r:embed="rId3"/>
+          <a:srcRect t="20490" r="37685" b="24870"/>
           <a:stretch/>
         </p:blipFill>
         <p:spPr>
@@ -16975,7 +19146,7 @@
           <p:nvPr/>
         </p:nvPicPr>
         <p:blipFill>
-          <a:blip r:embed="rId3"/>
+          <a:blip r:embed="rId4"/>
           <a:srcRect l="3102" t="10658" r="3689" b="10683"/>
           <a:stretch/>
         </p:blipFill>
@@ -16999,7 +19170,7 @@
           <p:nvPr/>
         </p:nvPicPr>
         <p:blipFill>
-          <a:blip r:embed="rId4"/>
+          <a:blip r:embed="rId5"/>
           <a:srcRect l="10798" t="11987" r="9152" b="31555"/>
           <a:stretch/>
         </p:blipFill>
@@ -17018,12 +19189,12 @@
       </p:pic>
       <p:pic>
         <p:nvPicPr>
-          <p:cNvPr id="165" name="Gráfico 5" descr=""/>
+          <p:cNvPr id="165" name="Gráfico 5"/>
           <p:cNvPicPr/>
           <p:nvPr/>
         </p:nvPicPr>
         <p:blipFill>
-          <a:blip r:embed="rId5"/>
+          <a:blip r:embed="rId6"/>
           <a:stretch/>
         </p:blipFill>
         <p:spPr>
@@ -17041,12 +19212,12 @@
       </p:pic>
       <p:pic>
         <p:nvPicPr>
-          <p:cNvPr id="166" name="Gráfico 7" descr=""/>
+          <p:cNvPr id="166" name="Gráfico 7"/>
           <p:cNvPicPr/>
           <p:nvPr/>
         </p:nvPicPr>
         <p:blipFill>
-          <a:blip r:embed="rId6"/>
+          <a:blip r:embed="rId7"/>
           <a:stretch/>
         </p:blipFill>
         <p:spPr>
@@ -17064,12 +19235,12 @@
       </p:pic>
       <p:pic>
         <p:nvPicPr>
-          <p:cNvPr id="167" name="Gráfico 9" descr=""/>
+          <p:cNvPr id="167" name="Gráfico 9"/>
           <p:cNvPicPr/>
           <p:nvPr/>
         </p:nvPicPr>
         <p:blipFill>
-          <a:blip r:embed="rId7"/>
+          <a:blip r:embed="rId8"/>
           <a:stretch/>
         </p:blipFill>
         <p:spPr>
@@ -17092,7 +19263,7 @@
           <p:nvPr/>
         </p:nvPicPr>
         <p:blipFill>
-          <a:blip r:embed="rId8"/>
+          <a:blip r:embed="rId9"/>
           <a:stretch/>
         </p:blipFill>
         <p:spPr>
@@ -17110,19 +19281,14 @@
       </p:pic>
     </p:spTree>
   </p:cSld>
-  <mc:AlternateContent>
-    <mc:Choice Requires="p14">
-      <p:transition spd="slow" p14:dur="2000"/>
-    </mc:Choice>
-    <mc:Fallback>
-      <p:transition spd="slow"/>
-    </mc:Fallback>
-  </mc:AlternateContent>
+  <p:clrMapOvr>
+    <a:masterClrMapping/>
+  </p:clrMapOvr>
 </p:sld>
 </file>
 
-<file path=ppt/slides/slide6.xml><?xml version="1.0" encoding="utf-8"?>
-<p:sld xmlns:a="http://schemas.openxmlformats.org/drawingml/2006/main" xmlns:p="http://schemas.openxmlformats.org/presentationml/2006/main" xmlns:r="http://schemas.openxmlformats.org/officeDocument/2006/relationships" xmlns:p14="http://schemas.microsoft.com/office/powerpoint/2010/main" xmlns:p15="http://schemas.microsoft.com/office/powerpoint/2012/main" xmlns:mc="http://schemas.openxmlformats.org/markup-compatibility/2006">
+<file path=ppt/slides/slide7.xml><?xml version="1.0" encoding="utf-8"?>
+<p:sld xmlns:a="http://schemas.openxmlformats.org/drawingml/2006/main" xmlns:r="http://schemas.openxmlformats.org/officeDocument/2006/relationships" xmlns:p="http://schemas.openxmlformats.org/presentationml/2006/main">
   <p:cSld>
     <p:spTree>
       <p:nvGrpSpPr>
@@ -17158,15 +19324,22 @@
           </a:ln>
         </p:spPr>
         <p:style>
-          <a:lnRef idx="0"/>
-          <a:fillRef idx="0"/>
-          <a:effectRef idx="0"/>
+          <a:lnRef idx="0">
+            <a:scrgbClr r="0" g="0" b="0"/>
+          </a:lnRef>
+          <a:fillRef idx="0">
+            <a:scrgbClr r="0" g="0" b="0"/>
+          </a:fillRef>
+          <a:effectRef idx="0">
+            <a:scrgbClr r="0" g="0" b="0"/>
+          </a:effectRef>
           <a:fontRef idx="minor"/>
         </p:style>
         <p:txBody>
-          <a:bodyPr lIns="0" rIns="0" tIns="0" bIns="0">
+          <a:bodyPr lIns="0" tIns="0" rIns="0" bIns="0">
             <a:noAutofit/>
           </a:bodyPr>
+          <a:lstStyle/>
           <a:p>
             <a:pPr algn="ctr">
               <a:lnSpc>
@@ -17174,7 +19347,7 @@
               </a:lnSpc>
             </a:pPr>
             <a:r>
-              <a:rPr b="0" lang="es-ES" sz="4000" spc="-1" strike="noStrike">
+              <a:rPr lang="es-ES" sz="4000" b="0" strike="noStrike" spc="-1">
                 <a:solidFill>
                   <a:srgbClr val="000000"/>
                 </a:solidFill>
@@ -17183,7 +19356,7 @@
               </a:rPr>
               <a:t>ORIGEN DE LA INFORMACIÓN</a:t>
             </a:r>
-            <a:endParaRPr b="0" lang="es-ES" sz="4000" spc="-1" strike="noStrike">
+            <a:endParaRPr lang="es-ES" sz="4000" b="0" strike="noStrike" spc="-1">
               <a:latin typeface="Arial"/>
             </a:endParaRPr>
           </a:p>
@@ -17191,12 +19364,12 @@
       </p:sp>
       <p:pic>
         <p:nvPicPr>
-          <p:cNvPr id="170" name="Imagen 167" descr=""/>
+          <p:cNvPr id="170" name="Imagen 167"/>
           <p:cNvPicPr/>
           <p:nvPr/>
         </p:nvPicPr>
         <p:blipFill>
-          <a:blip r:embed="rId1"/>
+          <a:blip r:embed="rId2"/>
           <a:stretch/>
         </p:blipFill>
         <p:spPr>
@@ -17214,19 +19387,14 @@
       </p:pic>
     </p:spTree>
   </p:cSld>
-  <mc:AlternateContent>
-    <mc:Choice Requires="p14">
-      <p:transition spd="slow" p14:dur="2000"/>
-    </mc:Choice>
-    <mc:Fallback>
-      <p:transition spd="slow"/>
-    </mc:Fallback>
-  </mc:AlternateContent>
+  <p:clrMapOvr>
+    <a:masterClrMapping/>
+  </p:clrMapOvr>
 </p:sld>
 </file>
 
-<file path=ppt/slides/slide7.xml><?xml version="1.0" encoding="utf-8"?>
-<p:sld xmlns:a="http://schemas.openxmlformats.org/drawingml/2006/main" xmlns:p="http://schemas.openxmlformats.org/presentationml/2006/main" xmlns:r="http://schemas.openxmlformats.org/officeDocument/2006/relationships" xmlns:p14="http://schemas.microsoft.com/office/powerpoint/2010/main" xmlns:p15="http://schemas.microsoft.com/office/powerpoint/2012/main" xmlns:mc="http://schemas.openxmlformats.org/markup-compatibility/2006">
+<file path=ppt/slides/slide8.xml><?xml version="1.0" encoding="utf-8"?>
+<p:sld xmlns:a="http://schemas.openxmlformats.org/drawingml/2006/main" xmlns:r="http://schemas.openxmlformats.org/officeDocument/2006/relationships" xmlns:p="http://schemas.openxmlformats.org/presentationml/2006/main">
   <p:cSld>
     <p:spTree>
       <p:nvGrpSpPr>
@@ -17262,15 +19430,22 @@
           </a:ln>
         </p:spPr>
         <p:style>
-          <a:lnRef idx="0"/>
-          <a:fillRef idx="0"/>
-          <a:effectRef idx="0"/>
+          <a:lnRef idx="0">
+            <a:scrgbClr r="0" g="0" b="0"/>
+          </a:lnRef>
+          <a:fillRef idx="0">
+            <a:scrgbClr r="0" g="0" b="0"/>
+          </a:fillRef>
+          <a:effectRef idx="0">
+            <a:scrgbClr r="0" g="0" b="0"/>
+          </a:effectRef>
           <a:fontRef idx="minor"/>
         </p:style>
         <p:txBody>
-          <a:bodyPr lIns="0" rIns="0" tIns="0" bIns="0">
+          <a:bodyPr lIns="0" tIns="0" rIns="0" bIns="0">
             <a:noAutofit/>
           </a:bodyPr>
+          <a:lstStyle/>
           <a:p>
             <a:pPr algn="ctr">
               <a:lnSpc>
@@ -17278,7 +19453,7 @@
               </a:lnSpc>
             </a:pPr>
             <a:r>
-              <a:rPr b="0" lang="es-ES" sz="4000" spc="-1" strike="noStrike">
+              <a:rPr lang="es-ES" sz="4000" b="0" strike="noStrike" spc="-1">
                 <a:solidFill>
                   <a:srgbClr val="000000"/>
                 </a:solidFill>
@@ -17287,7 +19462,7 @@
               </a:rPr>
               <a:t>FLUJO DE LOS DATOS</a:t>
             </a:r>
-            <a:endParaRPr b="0" lang="es-ES" sz="4000" spc="-1" strike="noStrike">
+            <a:endParaRPr lang="es-ES" sz="4000" b="0" strike="noStrike" spc="-1">
               <a:latin typeface="Arial"/>
             </a:endParaRPr>
           </a:p>
@@ -17332,9 +19507,10 @@
           <a:fontRef idx="minor"/>
         </p:style>
         <p:txBody>
-          <a:bodyPr lIns="90000" rIns="90000" tIns="45000" bIns="45000" anchor="ctr">
+          <a:bodyPr lIns="90000" tIns="45000" rIns="90000" bIns="45000" anchor="ctr">
             <a:noAutofit/>
           </a:bodyPr>
+          <a:lstStyle/>
           <a:p>
             <a:pPr algn="ctr">
               <a:lnSpc>
@@ -17342,7 +19518,7 @@
               </a:lnSpc>
             </a:pPr>
             <a:r>
-              <a:rPr b="1" lang="es-CO" sz="1800" spc="-1" strike="noStrike">
+              <a:rPr lang="es-CO" sz="1800" b="1" strike="noStrike" spc="-1">
                 <a:solidFill>
                   <a:srgbClr val="000000"/>
                 </a:solidFill>
@@ -17351,7 +19527,7 @@
               </a:rPr>
               <a:t>Yahoo Finance</a:t>
             </a:r>
-            <a:endParaRPr b="0" lang="es-ES" sz="1800" spc="-1" strike="noStrike">
+            <a:endParaRPr lang="es-ES" sz="1800" b="0" strike="noStrike" spc="-1">
               <a:latin typeface="Arial"/>
             </a:endParaRPr>
           </a:p>
@@ -17440,9 +19616,10 @@
           <a:fontRef idx="minor"/>
         </p:style>
         <p:txBody>
-          <a:bodyPr lIns="90000" rIns="90000" tIns="45000" bIns="45000" anchor="ctr">
+          <a:bodyPr lIns="90000" tIns="45000" rIns="90000" bIns="45000" anchor="ctr">
             <a:noAutofit/>
           </a:bodyPr>
+          <a:lstStyle/>
           <a:p>
             <a:pPr algn="ctr">
               <a:lnSpc>
@@ -17450,7 +19627,7 @@
               </a:lnSpc>
             </a:pPr>
             <a:r>
-              <a:rPr b="1" lang="es-CO" sz="1800" spc="-1" strike="noStrike">
+              <a:rPr lang="es-CO" sz="1800" b="1" strike="noStrike" spc="-1">
                 <a:solidFill>
                   <a:srgbClr val="000000"/>
                 </a:solidFill>
@@ -17459,7 +19636,7 @@
               </a:rPr>
               <a:t>Algoritmo predictivo</a:t>
             </a:r>
-            <a:endParaRPr b="0" lang="es-ES" sz="1800" spc="-1" strike="noStrike">
+            <a:endParaRPr lang="es-ES" sz="1800" b="0" strike="noStrike" spc="-1">
               <a:latin typeface="Arial"/>
             </a:endParaRPr>
           </a:p>
@@ -17504,9 +19681,10 @@
           <a:fontRef idx="minor"/>
         </p:style>
         <p:txBody>
-          <a:bodyPr lIns="90000" rIns="90000" tIns="45000" bIns="45000" anchor="ctr">
+          <a:bodyPr lIns="90000" tIns="45000" rIns="90000" bIns="45000" anchor="ctr">
             <a:noAutofit/>
           </a:bodyPr>
+          <a:lstStyle/>
           <a:p>
             <a:pPr algn="ctr">
               <a:lnSpc>
@@ -17514,7 +19692,7 @@
               </a:lnSpc>
             </a:pPr>
             <a:r>
-              <a:rPr b="1" lang="es-CO" sz="1800" spc="-1" strike="noStrike">
+              <a:rPr lang="es-CO" sz="1800" b="1" strike="noStrike" spc="-1">
                 <a:solidFill>
                   <a:srgbClr val="000000"/>
                 </a:solidFill>
@@ -17523,7 +19701,7 @@
               </a:rPr>
               <a:t>BBDD MongoDB</a:t>
             </a:r>
-            <a:endParaRPr b="0" lang="es-ES" sz="1800" spc="-1" strike="noStrike">
+            <a:endParaRPr lang="es-ES" sz="1800" b="0" strike="noStrike" spc="-1">
               <a:latin typeface="Arial"/>
             </a:endParaRPr>
           </a:p>
@@ -17550,7 +19728,7 @@
             <a:solidFill>
               <a:schemeClr val="tx1"/>
             </a:solidFill>
-            <a:tailEnd len="med" type="triangle" w="med"/>
+            <a:tailEnd type="triangle" w="med" len="med"/>
           </a:ln>
         </p:spPr>
         <p:style>
@@ -17573,7 +19751,7 @@
           <p:nvPr/>
         </p:nvSpPr>
         <p:spPr>
-          <a:xfrm flipH="1" rot="16200000">
+          <a:xfrm rot="16200000" flipH="1">
             <a:off x="5339880" y="2381400"/>
             <a:ext cx="807120" cy="3766320"/>
           </a:xfrm>
@@ -17585,7 +19763,7 @@
             <a:solidFill>
               <a:schemeClr val="tx1"/>
             </a:solidFill>
-            <a:tailEnd len="med" type="triangle" w="med"/>
+            <a:tailEnd type="triangle" w="med" len="med"/>
           </a:ln>
         </p:spPr>
         <p:style>
@@ -17608,7 +19786,7 @@
           <p:nvPr/>
         </p:nvSpPr>
         <p:spPr>
-          <a:xfrm flipH="1" rot="16200000">
+          <a:xfrm rot="16200000" flipH="1">
             <a:off x="8317440" y="3987000"/>
             <a:ext cx="624240" cy="73080"/>
           </a:xfrm>
@@ -17622,7 +19800,7 @@
             <a:solidFill>
               <a:schemeClr val="tx1"/>
             </a:solidFill>
-            <a:tailEnd len="med" type="triangle" w="med"/>
+            <a:tailEnd type="triangle" w="med" len="med"/>
           </a:ln>
         </p:spPr>
         <p:style>
@@ -17657,7 +19835,7 @@
             <a:solidFill>
               <a:schemeClr val="tx1"/>
             </a:solidFill>
-            <a:tailEnd len="med" type="triangle" w="med"/>
+            <a:tailEnd type="triangle" w="med" len="med"/>
           </a:ln>
         </p:spPr>
         <p:style>
@@ -17693,15 +19871,22 @@
           </a:ln>
         </p:spPr>
         <p:style>
-          <a:lnRef idx="0"/>
-          <a:fillRef idx="0"/>
-          <a:effectRef idx="0"/>
+          <a:lnRef idx="0">
+            <a:scrgbClr r="0" g="0" b="0"/>
+          </a:lnRef>
+          <a:fillRef idx="0">
+            <a:scrgbClr r="0" g="0" b="0"/>
+          </a:fillRef>
+          <a:effectRef idx="0">
+            <a:scrgbClr r="0" g="0" b="0"/>
+          </a:effectRef>
           <a:fontRef idx="minor"/>
         </p:style>
         <p:txBody>
-          <a:bodyPr lIns="90000" rIns="90000" tIns="45000" bIns="45000">
+          <a:bodyPr lIns="90000" tIns="45000" rIns="90000" bIns="45000">
             <a:spAutoFit/>
           </a:bodyPr>
+          <a:lstStyle/>
           <a:p>
             <a:pPr algn="ctr">
               <a:lnSpc>
@@ -17709,7 +19894,7 @@
               </a:lnSpc>
             </a:pPr>
             <a:r>
-              <a:rPr b="1" lang="es-CO" sz="1400" spc="-1" strike="noStrike">
+              <a:rPr lang="es-CO" sz="1400" b="1" strike="noStrike" spc="-1">
                 <a:solidFill>
                   <a:srgbClr val="000000"/>
                 </a:solidFill>
@@ -17718,7 +19903,7 @@
               </a:rPr>
               <a:t>Carga periódica</a:t>
             </a:r>
-            <a:endParaRPr b="0" lang="es-ES" sz="1400" spc="-1" strike="noStrike">
+            <a:endParaRPr lang="es-ES" sz="1400" b="0" strike="noStrike" spc="-1">
               <a:latin typeface="Arial"/>
             </a:endParaRPr>
           </a:p>
@@ -17744,15 +19929,22 @@
           </a:ln>
         </p:spPr>
         <p:style>
-          <a:lnRef idx="0"/>
-          <a:fillRef idx="0"/>
-          <a:effectRef idx="0"/>
+          <a:lnRef idx="0">
+            <a:scrgbClr r="0" g="0" b="0"/>
+          </a:lnRef>
+          <a:fillRef idx="0">
+            <a:scrgbClr r="0" g="0" b="0"/>
+          </a:fillRef>
+          <a:effectRef idx="0">
+            <a:scrgbClr r="0" g="0" b="0"/>
+          </a:effectRef>
           <a:fontRef idx="minor"/>
         </p:style>
         <p:txBody>
-          <a:bodyPr lIns="90000" rIns="90000" tIns="45000" bIns="45000">
+          <a:bodyPr lIns="90000" tIns="45000" rIns="90000" bIns="45000">
             <a:spAutoFit/>
           </a:bodyPr>
+          <a:lstStyle/>
           <a:p>
             <a:pPr algn="ctr">
               <a:lnSpc>
@@ -17760,7 +19952,7 @@
               </a:lnSpc>
             </a:pPr>
             <a:r>
-              <a:rPr b="1" lang="es-CO" sz="1400" spc="-1" strike="noStrike">
+              <a:rPr lang="es-CO" sz="1400" b="1" strike="noStrike" spc="-1">
                 <a:solidFill>
                   <a:srgbClr val="000000"/>
                 </a:solidFill>
@@ -17769,7 +19961,7 @@
               </a:rPr>
               <a:t>Carga inicial</a:t>
             </a:r>
-            <a:endParaRPr b="0" lang="es-ES" sz="1400" spc="-1" strike="noStrike">
+            <a:endParaRPr lang="es-ES" sz="1400" b="0" strike="noStrike" spc="-1">
               <a:latin typeface="Arial"/>
             </a:endParaRPr>
           </a:p>
@@ -17795,15 +19987,22 @@
           </a:ln>
         </p:spPr>
         <p:style>
-          <a:lnRef idx="0"/>
-          <a:fillRef idx="0"/>
-          <a:effectRef idx="0"/>
+          <a:lnRef idx="0">
+            <a:scrgbClr r="0" g="0" b="0"/>
+          </a:lnRef>
+          <a:fillRef idx="0">
+            <a:scrgbClr r="0" g="0" b="0"/>
+          </a:fillRef>
+          <a:effectRef idx="0">
+            <a:scrgbClr r="0" g="0" b="0"/>
+          </a:effectRef>
           <a:fontRef idx="minor"/>
         </p:style>
         <p:txBody>
-          <a:bodyPr lIns="90000" rIns="90000" tIns="45000" bIns="45000">
+          <a:bodyPr lIns="90000" tIns="45000" rIns="90000" bIns="45000">
             <a:spAutoFit/>
           </a:bodyPr>
+          <a:lstStyle/>
           <a:p>
             <a:pPr algn="ctr">
               <a:lnSpc>
@@ -17811,7 +20010,7 @@
               </a:lnSpc>
             </a:pPr>
             <a:r>
-              <a:rPr b="1" lang="es-CO" sz="1400" spc="-1" strike="noStrike">
+              <a:rPr lang="es-CO" sz="1400" b="1" strike="noStrike" spc="-1">
                 <a:solidFill>
                   <a:srgbClr val="000000"/>
                 </a:solidFill>
@@ -17820,7 +20019,7 @@
               </a:rPr>
               <a:t>Extracción de datos</a:t>
             </a:r>
-            <a:endParaRPr b="0" lang="es-ES" sz="1400" spc="-1" strike="noStrike">
+            <a:endParaRPr lang="es-ES" sz="1400" b="0" strike="noStrike" spc="-1">
               <a:latin typeface="Arial"/>
             </a:endParaRPr>
           </a:p>
@@ -17846,15 +20045,22 @@
           </a:ln>
         </p:spPr>
         <p:style>
-          <a:lnRef idx="0"/>
-          <a:fillRef idx="0"/>
-          <a:effectRef idx="0"/>
+          <a:lnRef idx="0">
+            <a:scrgbClr r="0" g="0" b="0"/>
+          </a:lnRef>
+          <a:fillRef idx="0">
+            <a:scrgbClr r="0" g="0" b="0"/>
+          </a:fillRef>
+          <a:effectRef idx="0">
+            <a:scrgbClr r="0" g="0" b="0"/>
+          </a:effectRef>
           <a:fontRef idx="minor"/>
         </p:style>
         <p:txBody>
-          <a:bodyPr lIns="90000" rIns="90000" tIns="45000" bIns="45000">
+          <a:bodyPr lIns="90000" tIns="45000" rIns="90000" bIns="45000">
             <a:spAutoFit/>
           </a:bodyPr>
+          <a:lstStyle/>
           <a:p>
             <a:pPr algn="ctr">
               <a:lnSpc>
@@ -17862,7 +20068,7 @@
               </a:lnSpc>
             </a:pPr>
             <a:r>
-              <a:rPr b="1" lang="es-CO" sz="1200" spc="-1" strike="noStrike">
+              <a:rPr lang="es-CO" sz="1200" b="1" strike="noStrike" spc="-1">
                 <a:solidFill>
                   <a:srgbClr val="000000"/>
                 </a:solidFill>
@@ -17871,7 +20077,7 @@
               </a:rPr>
               <a:t>Ficheros “csv” de datos iniciales BTC-USD desde 17/09/2014</a:t>
             </a:r>
-            <a:endParaRPr b="0" lang="es-ES" sz="1200" spc="-1" strike="noStrike">
+            <a:endParaRPr lang="es-ES" sz="1200" b="0" strike="noStrike" spc="-1">
               <a:latin typeface="Arial"/>
             </a:endParaRPr>
           </a:p>
@@ -17879,17 +20085,17 @@
       </p:sp>
       <p:pic>
         <p:nvPicPr>
-          <p:cNvPr id="184" name="" descr=""/>
+          <p:cNvPr id="184" name="Imagen 183"/>
           <p:cNvPicPr/>
           <p:nvPr/>
         </p:nvPicPr>
         <p:blipFill>
-          <a:blip r:embed="rId1"/>
+          <a:blip r:embed="rId2"/>
           <a:stretch/>
         </p:blipFill>
         <p:spPr>
           <a:xfrm>
-            <a:off x="2340000" y="5195520"/>
+            <a:off x="2340000" y="5289790"/>
             <a:ext cx="1800000" cy="237600"/>
           </a:xfrm>
           <a:prstGeom prst="rect">
@@ -17902,17 +20108,17 @@
       </p:pic>
       <p:pic>
         <p:nvPicPr>
-          <p:cNvPr id="185" name="" descr=""/>
+          <p:cNvPr id="185" name="Imagen 184"/>
           <p:cNvPicPr/>
           <p:nvPr/>
         </p:nvPicPr>
         <p:blipFill>
-          <a:blip r:embed="rId2"/>
+          <a:blip r:embed="rId3"/>
           <a:stretch/>
         </p:blipFill>
         <p:spPr>
           <a:xfrm>
-            <a:off x="2340000" y="5433120"/>
+            <a:off x="2340000" y="5527390"/>
             <a:ext cx="1980000" cy="228600"/>
           </a:xfrm>
           <a:prstGeom prst="rect">
@@ -17925,17 +20131,17 @@
       </p:pic>
       <p:pic>
         <p:nvPicPr>
-          <p:cNvPr id="186" name="" descr=""/>
+          <p:cNvPr id="186" name="Imagen 185"/>
           <p:cNvPicPr/>
           <p:nvPr/>
         </p:nvPicPr>
         <p:blipFill>
-          <a:blip r:embed="rId3"/>
+          <a:blip r:embed="rId4"/>
           <a:stretch/>
         </p:blipFill>
         <p:spPr>
           <a:xfrm>
-            <a:off x="1260000" y="4943160"/>
+            <a:off x="1260000" y="5037430"/>
             <a:ext cx="7380000" cy="271080"/>
           </a:xfrm>
           <a:prstGeom prst="rect">
@@ -17948,12 +20154,12 @@
       </p:pic>
       <p:pic>
         <p:nvPicPr>
-          <p:cNvPr id="187" name="" descr=""/>
+          <p:cNvPr id="187" name="Imagen 186"/>
           <p:cNvPicPr/>
           <p:nvPr/>
         </p:nvPicPr>
         <p:blipFill>
-          <a:blip r:embed="rId4"/>
+          <a:blip r:embed="rId5"/>
           <a:stretch/>
         </p:blipFill>
         <p:spPr>
@@ -17971,12 +20177,12 @@
       </p:pic>
       <p:pic>
         <p:nvPicPr>
-          <p:cNvPr id="188" name="" descr=""/>
+          <p:cNvPr id="188" name="Imagen 187"/>
           <p:cNvPicPr/>
           <p:nvPr/>
         </p:nvPicPr>
         <p:blipFill>
-          <a:blip r:embed="rId5"/>
+          <a:blip r:embed="rId6"/>
           <a:stretch/>
         </p:blipFill>
         <p:spPr>
@@ -17994,19 +20200,14 @@
       </p:pic>
     </p:spTree>
   </p:cSld>
-  <mc:AlternateContent>
-    <mc:Choice Requires="p14">
-      <p:transition spd="slow" p14:dur="2000"/>
-    </mc:Choice>
-    <mc:Fallback>
-      <p:transition spd="slow"/>
-    </mc:Fallback>
-  </mc:AlternateContent>
+  <p:clrMapOvr>
+    <a:masterClrMapping/>
+  </p:clrMapOvr>
 </p:sld>
 </file>
 
-<file path=ppt/slides/slide8.xml><?xml version="1.0" encoding="utf-8"?>
-<p:sld xmlns:a="http://schemas.openxmlformats.org/drawingml/2006/main" xmlns:p="http://schemas.openxmlformats.org/presentationml/2006/main" xmlns:r="http://schemas.openxmlformats.org/officeDocument/2006/relationships" xmlns:p14="http://schemas.microsoft.com/office/powerpoint/2010/main" xmlns:p15="http://schemas.microsoft.com/office/powerpoint/2012/main" xmlns:mc="http://schemas.openxmlformats.org/markup-compatibility/2006">
+<file path=ppt/slides/slide9.xml><?xml version="1.0" encoding="utf-8"?>
+<p:sld xmlns:a="http://schemas.openxmlformats.org/drawingml/2006/main" xmlns:r="http://schemas.openxmlformats.org/officeDocument/2006/relationships" xmlns:p="http://schemas.openxmlformats.org/presentationml/2006/main">
   <p:cSld>
     <p:spTree>
       <p:nvGrpSpPr>
@@ -18042,15 +20243,22 @@
           </a:ln>
         </p:spPr>
         <p:style>
-          <a:lnRef idx="0"/>
-          <a:fillRef idx="0"/>
-          <a:effectRef idx="0"/>
+          <a:lnRef idx="0">
+            <a:scrgbClr r="0" g="0" b="0"/>
+          </a:lnRef>
+          <a:fillRef idx="0">
+            <a:scrgbClr r="0" g="0" b="0"/>
+          </a:fillRef>
+          <a:effectRef idx="0">
+            <a:scrgbClr r="0" g="0" b="0"/>
+          </a:effectRef>
           <a:fontRef idx="minor"/>
         </p:style>
         <p:txBody>
-          <a:bodyPr lIns="0" rIns="0" tIns="0" bIns="0">
+          <a:bodyPr lIns="0" tIns="0" rIns="0" bIns="0">
             <a:noAutofit/>
           </a:bodyPr>
+          <a:lstStyle/>
           <a:p>
             <a:pPr algn="ctr">
               <a:lnSpc>
@@ -18058,7 +20266,7 @@
               </a:lnSpc>
             </a:pPr>
             <a:r>
-              <a:rPr b="0" lang="es-ES" sz="4000" spc="-1" strike="noStrike">
+              <a:rPr lang="es-ES" sz="4000" b="0" strike="noStrike" spc="-1">
                 <a:solidFill>
                   <a:srgbClr val="000000"/>
                 </a:solidFill>
@@ -18067,7 +20275,7 @@
               </a:rPr>
               <a:t>Preprocesamiento</a:t>
             </a:r>
-            <a:endParaRPr b="0" lang="es-ES" sz="4000" spc="-1" strike="noStrike">
+            <a:endParaRPr lang="es-ES" sz="4000" b="0" strike="noStrike" spc="-1">
               <a:latin typeface="Arial"/>
             </a:endParaRPr>
           </a:p>
@@ -18075,7 +20283,7 @@
       </p:sp>
       <p:graphicFrame>
         <p:nvGraphicFramePr>
-          <p:cNvPr id="1" name="Diagram1"/>
+          <p:cNvPr id="2" name="Diagram1"/>
           <p:cNvGraphicFramePr/>
           <p:nvPr>
             <p:extLst>
@@ -18091,18 +20299,18 @@
         </p:xfrm>
         <a:graphic>
           <a:graphicData uri="http://schemas.openxmlformats.org/drawingml/2006/diagram">
-            <dgm:relIds xmlns:dgm="http://schemas.openxmlformats.org/drawingml/2006/diagram" xmlns:r="http://schemas.openxmlformats.org/officeDocument/2006/relationships" r:dm="rId1" r:lo="rId2" r:qs="rId3" r:cs="rId4"/>
+            <dgm:relIds xmlns:dgm="http://schemas.openxmlformats.org/drawingml/2006/diagram" xmlns:r="http://schemas.openxmlformats.org/officeDocument/2006/relationships" r:dm="rId2" r:lo="rId3" r:qs="rId4" r:cs="rId5"/>
           </a:graphicData>
         </a:graphic>
       </p:graphicFrame>
       <p:pic>
         <p:nvPicPr>
-          <p:cNvPr id="190" name="Imagen 4" descr=""/>
+          <p:cNvPr id="190" name="Imagen 4"/>
           <p:cNvPicPr/>
           <p:nvPr/>
         </p:nvPicPr>
         <p:blipFill>
-          <a:blip r:embed="rId6"/>
+          <a:blip r:embed="rId7"/>
           <a:stretch/>
         </p:blipFill>
         <p:spPr>
@@ -18120,12 +20328,12 @@
       </p:pic>
       <p:pic>
         <p:nvPicPr>
-          <p:cNvPr id="191" name="Imagen 6" descr=""/>
+          <p:cNvPr id="191" name="Imagen 6"/>
           <p:cNvPicPr/>
           <p:nvPr/>
         </p:nvPicPr>
         <p:blipFill>
-          <a:blip r:embed="rId7"/>
+          <a:blip r:embed="rId8"/>
           <a:stretch/>
         </p:blipFill>
         <p:spPr>
@@ -18143,372 +20351,9 @@
       </p:pic>
     </p:spTree>
   </p:cSld>
-  <mc:AlternateContent>
-    <mc:Choice Requires="p14">
-      <p:transition spd="slow" p14:dur="2000"/>
-    </mc:Choice>
-    <mc:Fallback>
-      <p:transition spd="slow"/>
-    </mc:Fallback>
-  </mc:AlternateContent>
-</p:sld>
-</file>
-
-<file path=ppt/slides/slide9.xml><?xml version="1.0" encoding="utf-8"?>
-<p:sld xmlns:a="http://schemas.openxmlformats.org/drawingml/2006/main" xmlns:p="http://schemas.openxmlformats.org/presentationml/2006/main" xmlns:r="http://schemas.openxmlformats.org/officeDocument/2006/relationships" xmlns:p14="http://schemas.microsoft.com/office/powerpoint/2010/main" xmlns:p15="http://schemas.microsoft.com/office/powerpoint/2012/main" xmlns:mc="http://schemas.openxmlformats.org/markup-compatibility/2006">
-  <p:cSld>
-    <p:spTree>
-      <p:nvGrpSpPr>
-        <p:cNvPr id="1" name=""/>
-        <p:cNvGrpSpPr/>
-        <p:nvPr/>
-      </p:nvGrpSpPr>
-      <p:grpSpPr>
-        <a:xfrm>
-          <a:off x="0" y="0"/>
-          <a:ext cx="0" cy="0"/>
-          <a:chOff x="0" y="0"/>
-          <a:chExt cx="0" cy="0"/>
-        </a:xfrm>
-      </p:grpSpPr>
-      <p:sp>
-        <p:nvSpPr>
-          <p:cNvPr id="192" name="CustomShape 1"/>
-          <p:cNvSpPr/>
-          <p:nvPr/>
-        </p:nvSpPr>
-        <p:spPr>
-          <a:xfrm>
-            <a:off x="1473840" y="1135080"/>
-            <a:ext cx="10017720" cy="507240"/>
-          </a:xfrm>
-          <a:prstGeom prst="rect">
-            <a:avLst/>
-          </a:prstGeom>
-          <a:noFill/>
-          <a:ln w="0">
-            <a:noFill/>
-          </a:ln>
-        </p:spPr>
-        <p:style>
-          <a:lnRef idx="0"/>
-          <a:fillRef idx="0"/>
-          <a:effectRef idx="0"/>
-          <a:fontRef idx="minor"/>
-        </p:style>
-        <p:txBody>
-          <a:bodyPr lIns="0" rIns="0" tIns="0" bIns="0">
-            <a:noAutofit/>
-          </a:bodyPr>
-          <a:p>
-            <a:pPr algn="ctr">
-              <a:lnSpc>
-                <a:spcPct val="100000"/>
-              </a:lnSpc>
-            </a:pPr>
-            <a:r>
-              <a:rPr b="0" lang="es-ES" sz="4000" spc="-1" strike="noStrike">
-                <a:solidFill>
-                  <a:srgbClr val="000000"/>
-                </a:solidFill>
-                <a:latin typeface="Corbel"/>
-                <a:ea typeface="DejaVu Sans"/>
-              </a:rPr>
-              <a:t>Algoritmos entrenados</a:t>
-            </a:r>
-            <a:endParaRPr b="0" lang="es-ES" sz="4000" spc="-1" strike="noStrike">
-              <a:latin typeface="Arial"/>
-            </a:endParaRPr>
-          </a:p>
-        </p:txBody>
-      </p:sp>
-      <p:graphicFrame>
-        <p:nvGraphicFramePr>
-          <p:cNvPr id="2" name="Diagram2"/>
-          <p:cNvGraphicFramePr/>
-          <p:nvPr>
-            <p:extLst>
-              <p:ext uri="{D42A27DB-BD31-4B8C-83A1-F6EECF244321}">
-                <p14:modId xmlns:p14="http://schemas.microsoft.com/office/powerpoint/2010/main" val="1679280544"/>
-              </p:ext>
-            </p:extLst>
-          </p:nvPr>
-        </p:nvGraphicFramePr>
-        <p:xfrm>
-          <a:off x="3675960" y="1807920"/>
-          <a:ext cx="6363360" cy="4365720"/>
-        </p:xfrm>
-        <a:graphic>
-          <a:graphicData uri="http://schemas.openxmlformats.org/drawingml/2006/diagram">
-            <dgm:relIds xmlns:dgm="http://schemas.openxmlformats.org/drawingml/2006/diagram" xmlns:r="http://schemas.openxmlformats.org/officeDocument/2006/relationships" r:dm="rId1" r:lo="rId2" r:qs="rId3" r:cs="rId4"/>
-          </a:graphicData>
-        </a:graphic>
-      </p:graphicFrame>
-      <p:sp>
-        <p:nvSpPr>
-          <p:cNvPr id="193" name="CustomShape 2"/>
-          <p:cNvSpPr/>
-          <p:nvPr/>
-        </p:nvSpPr>
-        <p:spPr>
-          <a:xfrm>
-            <a:off x="3746160" y="2290680"/>
-            <a:ext cx="876960" cy="455400"/>
-          </a:xfrm>
-          <a:prstGeom prst="rect">
-            <a:avLst/>
-          </a:prstGeom>
-          <a:noFill/>
-          <a:ln w="0">
-            <a:noFill/>
-          </a:ln>
-        </p:spPr>
-        <p:style>
-          <a:lnRef idx="2"/>
-          <a:fillRef idx="0"/>
-          <a:effectRef idx="0"/>
-          <a:fontRef idx="minor"/>
-        </p:style>
-        <p:txBody>
-          <a:bodyPr lIns="90000" rIns="90000" tIns="45000" bIns="45000">
-            <a:spAutoFit/>
-          </a:bodyPr>
-          <a:p>
-            <a:pPr algn="ctr">
-              <a:lnSpc>
-                <a:spcPct val="100000"/>
-              </a:lnSpc>
-            </a:pPr>
-            <a:r>
-              <a:rPr b="1" lang="es-CO" sz="1200" spc="-1" strike="noStrike">
-                <a:solidFill>
-                  <a:srgbClr val="000000"/>
-                </a:solidFill>
-                <a:latin typeface="Arial"/>
-                <a:ea typeface="DejaVu Sans"/>
-              </a:rPr>
-              <a:t>Rezagos 1 al 7</a:t>
-            </a:r>
-            <a:endParaRPr b="0" lang="es-ES" sz="1200" spc="-1" strike="noStrike">
-              <a:latin typeface="Arial"/>
-            </a:endParaRPr>
-          </a:p>
-        </p:txBody>
-      </p:sp>
-      <p:sp>
-        <p:nvSpPr>
-          <p:cNvPr id="194" name="CustomShape 3"/>
-          <p:cNvSpPr/>
-          <p:nvPr/>
-        </p:nvSpPr>
-        <p:spPr>
-          <a:xfrm>
-            <a:off x="4110840" y="3263760"/>
-            <a:ext cx="876960" cy="455400"/>
-          </a:xfrm>
-          <a:prstGeom prst="rect">
-            <a:avLst/>
-          </a:prstGeom>
-          <a:noFill/>
-          <a:ln w="0">
-            <a:noFill/>
-          </a:ln>
-        </p:spPr>
-        <p:style>
-          <a:lnRef idx="0"/>
-          <a:fillRef idx="0"/>
-          <a:effectRef idx="0"/>
-          <a:fontRef idx="minor"/>
-        </p:style>
-        <p:txBody>
-          <a:bodyPr lIns="90000" rIns="90000" tIns="45000" bIns="45000">
-            <a:spAutoFit/>
-          </a:bodyPr>
-          <a:p>
-            <a:pPr algn="ctr">
-              <a:lnSpc>
-                <a:spcPct val="100000"/>
-              </a:lnSpc>
-            </a:pPr>
-            <a:r>
-              <a:rPr b="1" lang="es-CO" sz="1200" spc="-1" strike="noStrike">
-                <a:solidFill>
-                  <a:srgbClr val="000000"/>
-                </a:solidFill>
-                <a:latin typeface="Arial"/>
-                <a:ea typeface="DejaVu Sans"/>
-              </a:rPr>
-              <a:t>Rezagos 1 al 7</a:t>
-            </a:r>
-            <a:endParaRPr b="0" lang="es-ES" sz="1200" spc="-1" strike="noStrike">
-              <a:latin typeface="Arial"/>
-            </a:endParaRPr>
-          </a:p>
-        </p:txBody>
-      </p:sp>
-      <p:sp>
-        <p:nvSpPr>
-          <p:cNvPr id="195" name="CustomShape 4"/>
-          <p:cNvSpPr/>
-          <p:nvPr/>
-        </p:nvSpPr>
-        <p:spPr>
-          <a:xfrm>
-            <a:off x="4110840" y="4280040"/>
-            <a:ext cx="876960" cy="455400"/>
-          </a:xfrm>
-          <a:prstGeom prst="rect">
-            <a:avLst/>
-          </a:prstGeom>
-          <a:noFill/>
-          <a:ln w="0">
-            <a:noFill/>
-          </a:ln>
-        </p:spPr>
-        <p:style>
-          <a:lnRef idx="0"/>
-          <a:fillRef idx="0"/>
-          <a:effectRef idx="0"/>
-          <a:fontRef idx="minor"/>
-        </p:style>
-        <p:txBody>
-          <a:bodyPr lIns="90000" rIns="90000" tIns="45000" bIns="45000">
-            <a:spAutoFit/>
-          </a:bodyPr>
-          <a:p>
-            <a:pPr algn="ctr">
-              <a:lnSpc>
-                <a:spcPct val="100000"/>
-              </a:lnSpc>
-            </a:pPr>
-            <a:r>
-              <a:rPr b="1" lang="es-CO" sz="1200" spc="-1" strike="noStrike">
-                <a:solidFill>
-                  <a:srgbClr val="000000"/>
-                </a:solidFill>
-                <a:latin typeface="Arial"/>
-                <a:ea typeface="DejaVu Sans"/>
-              </a:rPr>
-              <a:t>Rezagos 1 al 7</a:t>
-            </a:r>
-            <a:endParaRPr b="0" lang="es-ES" sz="1200" spc="-1" strike="noStrike">
-              <a:latin typeface="Arial"/>
-            </a:endParaRPr>
-          </a:p>
-        </p:txBody>
-      </p:sp>
-      <p:sp>
-        <p:nvSpPr>
-          <p:cNvPr id="196" name="CustomShape 5"/>
-          <p:cNvSpPr/>
-          <p:nvPr/>
-        </p:nvSpPr>
-        <p:spPr>
-          <a:xfrm>
-            <a:off x="3746160" y="5296680"/>
-            <a:ext cx="876960" cy="455400"/>
-          </a:xfrm>
-          <a:prstGeom prst="rect">
-            <a:avLst/>
-          </a:prstGeom>
-          <a:noFill/>
-          <a:ln w="0">
-            <a:noFill/>
-          </a:ln>
-        </p:spPr>
-        <p:style>
-          <a:lnRef idx="0"/>
-          <a:fillRef idx="0"/>
-          <a:effectRef idx="0"/>
-          <a:fontRef idx="minor"/>
-        </p:style>
-        <p:txBody>
-          <a:bodyPr lIns="90000" rIns="90000" tIns="45000" bIns="45000">
-            <a:spAutoFit/>
-          </a:bodyPr>
-          <a:p>
-            <a:pPr algn="ctr">
-              <a:lnSpc>
-                <a:spcPct val="100000"/>
-              </a:lnSpc>
-            </a:pPr>
-            <a:r>
-              <a:rPr b="1" lang="es-CO" sz="1200" spc="-1" strike="noStrike">
-                <a:solidFill>
-                  <a:srgbClr val="000000"/>
-                </a:solidFill>
-                <a:latin typeface="Arial"/>
-                <a:ea typeface="DejaVu Sans"/>
-              </a:rPr>
-              <a:t>Rezagos 1 al 7</a:t>
-            </a:r>
-            <a:endParaRPr b="0" lang="es-ES" sz="1200" spc="-1" strike="noStrike">
-              <a:latin typeface="Arial"/>
-            </a:endParaRPr>
-          </a:p>
-        </p:txBody>
-      </p:sp>
-      <p:sp>
-        <p:nvSpPr>
-          <p:cNvPr id="197" name="CustomShape 6"/>
-          <p:cNvSpPr/>
-          <p:nvPr/>
-        </p:nvSpPr>
-        <p:spPr>
-          <a:xfrm>
-            <a:off x="3746160" y="6178680"/>
-            <a:ext cx="6372720" cy="364680"/>
-          </a:xfrm>
-          <a:prstGeom prst="rect">
-            <a:avLst/>
-          </a:prstGeom>
-          <a:noFill/>
-          <a:ln w="0">
-            <a:noFill/>
-          </a:ln>
-        </p:spPr>
-        <p:style>
-          <a:lnRef idx="0"/>
-          <a:fillRef idx="0"/>
-          <a:effectRef idx="0"/>
-          <a:fontRef idx="minor"/>
-        </p:style>
-        <p:txBody>
-          <a:bodyPr lIns="90000" rIns="90000" tIns="45000" bIns="45000">
-            <a:spAutoFit/>
-          </a:bodyPr>
-          <a:p>
-            <a:pPr algn="ctr">
-              <a:lnSpc>
-                <a:spcPct val="100000"/>
-              </a:lnSpc>
-            </a:pPr>
-            <a:r>
-              <a:rPr b="1" lang="es-CO" sz="1800" spc="-1" strike="noStrike">
-                <a:solidFill>
-                  <a:srgbClr val="000000"/>
-                </a:solidFill>
-                <a:latin typeface="Arial"/>
-                <a:ea typeface="DejaVu Sans"/>
-              </a:rPr>
-              <a:t>En total se entrenaron 28 modelos</a:t>
-            </a:r>
-            <a:endParaRPr b="0" lang="es-ES" sz="1800" spc="-1" strike="noStrike">
-              <a:latin typeface="Arial"/>
-            </a:endParaRPr>
-          </a:p>
-        </p:txBody>
-      </p:sp>
-    </p:spTree>
-  </p:cSld>
-  <mc:AlternateContent>
-    <mc:Choice Requires="p14">
-      <p:transition spd="slow" p14:dur="2000"/>
-    </mc:Choice>
-    <mc:Fallback>
-      <p:transition spd="slow"/>
-    </mc:Fallback>
-  </mc:AlternateContent>
+  <p:clrMapOvr>
+    <a:masterClrMapping/>
+  </p:clrMapOvr>
 </p:sld>
 </file>
 
@@ -18526,31 +20371,31 @@
         <a:srgbClr val="212121"/>
       </a:dk2>
       <a:lt2>
-        <a:srgbClr val="cdd0d1"/>
+        <a:srgbClr val="CDD0D1"/>
       </a:lt2>
       <a:accent1>
-        <a:srgbClr val="30acec"/>
+        <a:srgbClr val="30ACEC"/>
       </a:accent1>
       <a:accent2>
-        <a:srgbClr val="80c34f"/>
+        <a:srgbClr val="80C34F"/>
       </a:accent2>
       <a:accent3>
-        <a:srgbClr val="e29d3e"/>
+        <a:srgbClr val="E29D3E"/>
       </a:accent3>
       <a:accent4>
-        <a:srgbClr val="d64a3b"/>
+        <a:srgbClr val="D64A3B"/>
       </a:accent4>
       <a:accent5>
-        <a:srgbClr val="d64787"/>
+        <a:srgbClr val="D64787"/>
       </a:accent5>
       <a:accent6>
-        <a:srgbClr val="a666e1"/>
+        <a:srgbClr val="A666E1"/>
       </a:accent6>
       <a:hlink>
-        <a:srgbClr val="3085ed"/>
+        <a:srgbClr val="3085ED"/>
       </a:hlink>
       <a:folHlink>
-        <a:srgbClr val="82b6f4"/>
+        <a:srgbClr val="82B6F4"/>
       </a:folHlink>
     </a:clrScheme>
     <a:fontScheme name="Office">
@@ -18735,6 +20580,8 @@
       </a:bgFillStyleLst>
     </a:fmtScheme>
   </a:themeElements>
+  <a:objectDefaults/>
+  <a:extraClrSchemeLst/>
 </a:theme>
 </file>
 
@@ -18752,31 +20599,31 @@
         <a:srgbClr val="212121"/>
       </a:dk2>
       <a:lt2>
-        <a:srgbClr val="cdd0d1"/>
+        <a:srgbClr val="CDD0D1"/>
       </a:lt2>
       <a:accent1>
-        <a:srgbClr val="30acec"/>
+        <a:srgbClr val="30ACEC"/>
       </a:accent1>
       <a:accent2>
-        <a:srgbClr val="80c34f"/>
+        <a:srgbClr val="80C34F"/>
       </a:accent2>
       <a:accent3>
-        <a:srgbClr val="e29d3e"/>
+        <a:srgbClr val="E29D3E"/>
       </a:accent3>
       <a:accent4>
-        <a:srgbClr val="d64a3b"/>
+        <a:srgbClr val="D64A3B"/>
       </a:accent4>
       <a:accent5>
-        <a:srgbClr val="d64787"/>
+        <a:srgbClr val="D64787"/>
       </a:accent5>
       <a:accent6>
-        <a:srgbClr val="a666e1"/>
+        <a:srgbClr val="A666E1"/>
       </a:accent6>
       <a:hlink>
-        <a:srgbClr val="3085ed"/>
+        <a:srgbClr val="3085ED"/>
       </a:hlink>
       <a:folHlink>
-        <a:srgbClr val="82b6f4"/>
+        <a:srgbClr val="82B6F4"/>
       </a:folHlink>
     </a:clrScheme>
     <a:fontScheme name="Office">
@@ -18961,6 +20808,8 @@
       </a:bgFillStyleLst>
     </a:fmtScheme>
   </a:themeElements>
+  <a:objectDefaults/>
+  <a:extraClrSchemeLst/>
 </a:theme>
 </file>
 
@@ -18978,31 +20827,31 @@
         <a:srgbClr val="212121"/>
       </a:dk2>
       <a:lt2>
-        <a:srgbClr val="cdd0d1"/>
+        <a:srgbClr val="CDD0D1"/>
       </a:lt2>
       <a:accent1>
-        <a:srgbClr val="30acec"/>
+        <a:srgbClr val="30ACEC"/>
       </a:accent1>
       <a:accent2>
-        <a:srgbClr val="80c34f"/>
+        <a:srgbClr val="80C34F"/>
       </a:accent2>
       <a:accent3>
-        <a:srgbClr val="e29d3e"/>
+        <a:srgbClr val="E29D3E"/>
       </a:accent3>
       <a:accent4>
-        <a:srgbClr val="d64a3b"/>
+        <a:srgbClr val="D64A3B"/>
       </a:accent4>
       <a:accent5>
-        <a:srgbClr val="d64787"/>
+        <a:srgbClr val="D64787"/>
       </a:accent5>
       <a:accent6>
-        <a:srgbClr val="a666e1"/>
+        <a:srgbClr val="A666E1"/>
       </a:accent6>
       <a:hlink>
-        <a:srgbClr val="3085ed"/>
+        <a:srgbClr val="3085ED"/>
       </a:hlink>
       <a:folHlink>
-        <a:srgbClr val="82b6f4"/>
+        <a:srgbClr val="82B6F4"/>
       </a:folHlink>
     </a:clrScheme>
     <a:fontScheme name="Office">
@@ -19187,5 +21036,7 @@
       </a:bgFillStyleLst>
     </a:fmtScheme>
   </a:themeElements>
+  <a:objectDefaults/>
+  <a:extraClrSchemeLst/>
 </a:theme>
 </file>